--- a/Documentos/Curso Java.pptx
+++ b/Documentos/Curso Java.pptx
@@ -5,7 +5,7 @@
     <p:sldMasterId id="2147483802" r:id="rId1"/>
   </p:sldMasterIdLst>
   <p:notesMasterIdLst>
-    <p:notesMasterId r:id="rId13"/>
+    <p:notesMasterId r:id="rId28"/>
   </p:notesMasterIdLst>
   <p:sldIdLst>
     <p:sldId id="256" r:id="rId2"/>
@@ -19,6 +19,21 @@
     <p:sldId id="264" r:id="rId10"/>
     <p:sldId id="265" r:id="rId11"/>
     <p:sldId id="266" r:id="rId12"/>
+    <p:sldId id="267" r:id="rId13"/>
+    <p:sldId id="268" r:id="rId14"/>
+    <p:sldId id="269" r:id="rId15"/>
+    <p:sldId id="273" r:id="rId16"/>
+    <p:sldId id="274" r:id="rId17"/>
+    <p:sldId id="275" r:id="rId18"/>
+    <p:sldId id="276" r:id="rId19"/>
+    <p:sldId id="277" r:id="rId20"/>
+    <p:sldId id="278" r:id="rId21"/>
+    <p:sldId id="279" r:id="rId22"/>
+    <p:sldId id="283" r:id="rId23"/>
+    <p:sldId id="284" r:id="rId24"/>
+    <p:sldId id="280" r:id="rId25"/>
+    <p:sldId id="281" r:id="rId26"/>
+    <p:sldId id="282" r:id="rId27"/>
   </p:sldIdLst>
   <p:sldSz cx="9144000" cy="6858000" type="screen4x3"/>
   <p:notesSz cx="6858000" cy="9144000"/>
@@ -202,7 +217,7 @@
           <a:p>
             <a:fld id="{E2B913E8-0330-B643-A20B-1A6E83DAE541}" type="datetimeFigureOut">
               <a:rPr lang="en-US" smtClean="0"/>
-              <a:t>13/11/14</a:t>
+              <a:t>14/11/14</a:t>
             </a:fld>
             <a:endParaRPr lang="en-US"/>
           </a:p>
@@ -752,7 +767,7 @@
             <a:fld id="{9EB5ECD5-515E-4817-8A06-1D2ED2C83850}" type="datetime4">
               <a:rPr lang="en-US" smtClean="0"/>
               <a:pPr/>
-              <a:t>November 13, 2014</a:t>
+              <a:t>November 14, 2014</a:t>
             </a:fld>
             <a:endParaRPr lang="en-US"/>
           </a:p>
@@ -924,7 +939,7 @@
             <a:fld id="{BA5B59F4-DDCB-41FF-83F5-A48440F36FA7}" type="datetime4">
               <a:rPr lang="en-US" smtClean="0"/>
               <a:pPr/>
-              <a:t>November 13, 2014</a:t>
+              <a:t>November 14, 2014</a:t>
             </a:fld>
             <a:endParaRPr lang="en-US"/>
           </a:p>
@@ -2044,7 +2059,7 @@
             <a:fld id="{48056348-D703-428C-A1C4-7D6796EF5F41}" type="datetime4">
               <a:rPr lang="en-US" smtClean="0"/>
               <a:pPr/>
-              <a:t>November 13, 2014</a:t>
+              <a:t>November 14, 2014</a:t>
             </a:fld>
             <a:endParaRPr lang="en-US"/>
           </a:p>
@@ -3154,7 +3169,7 @@
             <a:fld id="{732D1919-1B5F-4141-B613-3E5C6008A186}" type="datetime4">
               <a:rPr lang="en-US" smtClean="0"/>
               <a:pPr/>
-              <a:t>November 13, 2014</a:t>
+              <a:t>November 14, 2014</a:t>
             </a:fld>
             <a:endParaRPr lang="en-US"/>
           </a:p>
@@ -3402,7 +3417,7 @@
             <a:fld id="{BAD22427-B1DD-49E6-9F05-DE0F1467D7DC}" type="datetime4">
               <a:rPr lang="en-US" smtClean="0"/>
               <a:pPr/>
-              <a:t>November 13, 2014</a:t>
+              <a:t>November 14, 2014</a:t>
             </a:fld>
             <a:endParaRPr lang="en-US"/>
           </a:p>
@@ -3692,7 +3707,7 @@
             <a:fld id="{BBCCA7B5-8BC9-491C-A887-7C3E7ED947D8}" type="datetime4">
               <a:rPr lang="en-US" smtClean="0"/>
               <a:pPr/>
-              <a:t>November 13, 2014</a:t>
+              <a:t>November 14, 2014</a:t>
             </a:fld>
             <a:endParaRPr lang="en-US"/>
           </a:p>
@@ -4116,7 +4131,7 @@
             <a:fld id="{BDA18ED0-40F2-434C-A848-B92581875164}" type="datetime4">
               <a:rPr lang="en-US" smtClean="0"/>
               <a:pPr/>
-              <a:t>November 13, 2014</a:t>
+              <a:t>November 14, 2014</a:t>
             </a:fld>
             <a:endParaRPr lang="en-US"/>
           </a:p>
@@ -4236,7 +4251,7 @@
             <a:fld id="{7855437F-F4F9-44A9-B4D3-9191CA04E889}" type="datetime4">
               <a:rPr lang="en-US" smtClean="0"/>
               <a:pPr/>
-              <a:t>November 13, 2014</a:t>
+              <a:t>November 14, 2014</a:t>
             </a:fld>
             <a:endParaRPr lang="en-US"/>
           </a:p>
@@ -4333,7 +4348,7 @@
             <a:fld id="{39A24E59-01D0-4537-B876-7E5EC75B028D}" type="datetime4">
               <a:rPr lang="en-US" smtClean="0"/>
               <a:pPr/>
-              <a:t>November 13, 2014</a:t>
+              <a:t>November 14, 2014</a:t>
             </a:fld>
             <a:endParaRPr lang="en-US"/>
           </a:p>
@@ -4612,7 +4627,7 @@
             <a:fld id="{655A2E49-18A1-40BC-BA5D-5A2EC8FDDF15}" type="datetime4">
               <a:rPr lang="en-US" smtClean="0"/>
               <a:pPr/>
-              <a:t>November 13, 2014</a:t>
+              <a:t>November 14, 2014</a:t>
             </a:fld>
             <a:endParaRPr lang="en-US"/>
           </a:p>
@@ -4867,7 +4882,7 @@
             <a:fld id="{52983DA4-3B24-449B-95CA-514EB7E30A99}" type="datetime4">
               <a:rPr lang="en-US" smtClean="0"/>
               <a:pPr/>
-              <a:t>November 13, 2014</a:t>
+              <a:t>November 14, 2014</a:t>
             </a:fld>
             <a:endParaRPr lang="en-US"/>
           </a:p>
@@ -5082,7 +5097,7 @@
             <a:fld id="{942120D2-3948-4F8F-BE5D-E7E7D97880B2}" type="datetime4">
               <a:rPr lang="en-US" smtClean="0"/>
               <a:pPr/>
-              <a:t>November 13, 2014</a:t>
+              <a:t>November 14, 2014</a:t>
             </a:fld>
             <a:endParaRPr lang="en-US" dirty="0" err="1"/>
           </a:p>
@@ -5754,11 +5769,7 @@
             </a:r>
             <a:r>
               <a:rPr lang="en-US" sz="2000" dirty="0" err="1" smtClean="0"/>
-              <a:t>est</a:t>
-            </a:r>
-            <a:r>
-              <a:rPr lang="en-US" sz="2000" dirty="0" err="1" smtClean="0"/>
-              <a:t>á</a:t>
+              <a:t>está</a:t>
             </a:r>
             <a:endParaRPr lang="en-US" sz="2000" dirty="0"/>
           </a:p>
@@ -5910,6 +5921,2197 @@
 </p:sld>
 </file>
 
+<file path=ppt/slides/slide12.xml><?xml version="1.0" encoding="utf-8"?>
+<p:sld xmlns:a="http://schemas.openxmlformats.org/drawingml/2006/main" xmlns:r="http://schemas.openxmlformats.org/officeDocument/2006/relationships" xmlns:p="http://schemas.openxmlformats.org/presentationml/2006/main">
+  <p:cSld>
+    <p:spTree>
+      <p:nvGrpSpPr>
+        <p:cNvPr id="1" name=""/>
+        <p:cNvGrpSpPr/>
+        <p:nvPr/>
+      </p:nvGrpSpPr>
+      <p:grpSpPr>
+        <a:xfrm>
+          <a:off x="0" y="0"/>
+          <a:ext cx="0" cy="0"/>
+          <a:chOff x="0" y="0"/>
+          <a:chExt cx="0" cy="0"/>
+        </a:xfrm>
+      </p:grpSpPr>
+      <p:sp>
+        <p:nvSpPr>
+          <p:cNvPr id="2" name="Title 1"/>
+          <p:cNvSpPr>
+            <a:spLocks noGrp="1"/>
+          </p:cNvSpPr>
+          <p:nvPr>
+            <p:ph type="title"/>
+          </p:nvPr>
+        </p:nvSpPr>
+        <p:spPr/>
+        <p:txBody>
+          <a:bodyPr/>
+          <a:lstStyle/>
+          <a:p>
+            <a:r>
+              <a:rPr lang="en-US" dirty="0" err="1" smtClean="0"/>
+              <a:t>Princípios</a:t>
+            </a:r>
+            <a:r>
+              <a:rPr lang="en-US" dirty="0" smtClean="0"/>
+              <a:t> </a:t>
+            </a:r>
+            <a:r>
+              <a:rPr lang="en-US" dirty="0" err="1" smtClean="0"/>
+              <a:t>Básicos</a:t>
+            </a:r>
+            <a:endParaRPr lang="en-US" dirty="0"/>
+          </a:p>
+        </p:txBody>
+      </p:sp>
+      <p:pic>
+        <p:nvPicPr>
+          <p:cNvPr id="4" name="Picture 3"/>
+          <p:cNvPicPr>
+            <a:picLocks noChangeAspect="1"/>
+          </p:cNvPicPr>
+          <p:nvPr/>
+        </p:nvPicPr>
+        <p:blipFill>
+          <a:blip r:embed="rId2"/>
+          <a:stretch>
+            <a:fillRect/>
+          </a:stretch>
+        </p:blipFill>
+        <p:spPr>
+          <a:xfrm>
+            <a:off x="1663700" y="1460500"/>
+            <a:ext cx="5803900" cy="3924300"/>
+          </a:xfrm>
+          <a:prstGeom prst="rect">
+            <a:avLst/>
+          </a:prstGeom>
+        </p:spPr>
+      </p:pic>
+    </p:spTree>
+    <p:extLst>
+      <p:ext uri="{BB962C8B-B14F-4D97-AF65-F5344CB8AC3E}">
+        <p14:creationId xmlns:p14="http://schemas.microsoft.com/office/powerpoint/2010/main" val="741934962"/>
+      </p:ext>
+    </p:extLst>
+  </p:cSld>
+  <p:clrMapOvr>
+    <a:masterClrMapping/>
+  </p:clrMapOvr>
+</p:sld>
+</file>
+
+<file path=ppt/slides/slide13.xml><?xml version="1.0" encoding="utf-8"?>
+<p:sld xmlns:a="http://schemas.openxmlformats.org/drawingml/2006/main" xmlns:r="http://schemas.openxmlformats.org/officeDocument/2006/relationships" xmlns:p="http://schemas.openxmlformats.org/presentationml/2006/main">
+  <p:cSld>
+    <p:spTree>
+      <p:nvGrpSpPr>
+        <p:cNvPr id="1" name=""/>
+        <p:cNvGrpSpPr/>
+        <p:nvPr/>
+      </p:nvGrpSpPr>
+      <p:grpSpPr>
+        <a:xfrm>
+          <a:off x="0" y="0"/>
+          <a:ext cx="0" cy="0"/>
+          <a:chOff x="0" y="0"/>
+          <a:chExt cx="0" cy="0"/>
+        </a:xfrm>
+      </p:grpSpPr>
+      <p:sp>
+        <p:nvSpPr>
+          <p:cNvPr id="2" name="Title 1"/>
+          <p:cNvSpPr>
+            <a:spLocks noGrp="1"/>
+          </p:cNvSpPr>
+          <p:nvPr>
+            <p:ph type="title"/>
+          </p:nvPr>
+        </p:nvSpPr>
+        <p:spPr/>
+        <p:txBody>
+          <a:bodyPr/>
+          <a:lstStyle/>
+          <a:p>
+            <a:r>
+              <a:rPr lang="en-US" dirty="0" err="1" smtClean="0"/>
+              <a:t>Membros</a:t>
+            </a:r>
+            <a:r>
+              <a:rPr lang="en-US" dirty="0" smtClean="0"/>
+              <a:t> da </a:t>
+            </a:r>
+            <a:r>
+              <a:rPr lang="en-US" dirty="0" err="1" smtClean="0"/>
+              <a:t>Classe</a:t>
+            </a:r>
+            <a:endParaRPr lang="en-US" dirty="0"/>
+          </a:p>
+        </p:txBody>
+      </p:sp>
+      <p:sp>
+        <p:nvSpPr>
+          <p:cNvPr id="3" name="Content Placeholder 2"/>
+          <p:cNvSpPr>
+            <a:spLocks noGrp="1"/>
+          </p:cNvSpPr>
+          <p:nvPr>
+            <p:ph idx="1"/>
+          </p:nvPr>
+        </p:nvSpPr>
+        <p:spPr/>
+        <p:txBody>
+          <a:bodyPr/>
+          <a:lstStyle/>
+          <a:p>
+            <a:r>
+              <a:rPr lang="en-US" dirty="0" smtClean="0"/>
+              <a:t>As </a:t>
+            </a:r>
+            <a:r>
+              <a:rPr lang="en-US" dirty="0" err="1" smtClean="0"/>
+              <a:t>variáveis</a:t>
+            </a:r>
+            <a:r>
+              <a:rPr lang="en-US" dirty="0"/>
+              <a:t> </a:t>
+            </a:r>
+            <a:r>
+              <a:rPr lang="en-US" dirty="0" smtClean="0"/>
+              <a:t>de </a:t>
+            </a:r>
+            <a:r>
+              <a:rPr lang="en-US" dirty="0" err="1" smtClean="0"/>
+              <a:t>instância</a:t>
+            </a:r>
+            <a:r>
+              <a:rPr lang="en-US" dirty="0" smtClean="0"/>
+              <a:t> </a:t>
+            </a:r>
+            <a:r>
+              <a:rPr lang="en-US" dirty="0" err="1" smtClean="0"/>
+              <a:t>formam</a:t>
+            </a:r>
+            <a:r>
+              <a:rPr lang="en-US" dirty="0" smtClean="0"/>
+              <a:t> </a:t>
+            </a:r>
+            <a:r>
+              <a:rPr lang="en-US" dirty="0" err="1" smtClean="0"/>
+              <a:t>os</a:t>
+            </a:r>
+            <a:r>
+              <a:rPr lang="en-US" dirty="0" smtClean="0"/>
+              <a:t> </a:t>
+            </a:r>
+            <a:r>
+              <a:rPr lang="en-US" dirty="0" err="1" smtClean="0"/>
+              <a:t>atributos</a:t>
+            </a:r>
+            <a:r>
+              <a:rPr lang="en-US" dirty="0" smtClean="0"/>
+              <a:t> de um </a:t>
+            </a:r>
+            <a:r>
+              <a:rPr lang="en-US" dirty="0" err="1" smtClean="0"/>
+              <a:t>objeto</a:t>
+            </a:r>
+            <a:r>
+              <a:rPr lang="en-US" dirty="0"/>
+              <a:t> </a:t>
+            </a:r>
+            <a:r>
+              <a:rPr lang="en-US" dirty="0" smtClean="0"/>
+              <a:t>e, </a:t>
+            </a:r>
+            <a:r>
+              <a:rPr lang="en-US" dirty="0" err="1" smtClean="0"/>
+              <a:t>juntamente</a:t>
+            </a:r>
+            <a:r>
+              <a:rPr lang="en-US" dirty="0" smtClean="0"/>
+              <a:t> com </a:t>
+            </a:r>
+            <a:r>
+              <a:rPr lang="en-US" dirty="0" err="1" smtClean="0"/>
+              <a:t>os</a:t>
+            </a:r>
+            <a:r>
+              <a:rPr lang="en-US" dirty="0" smtClean="0"/>
+              <a:t> </a:t>
+            </a:r>
+            <a:r>
+              <a:rPr lang="en-US" dirty="0" err="1" smtClean="0"/>
+              <a:t>métodos</a:t>
+            </a:r>
+            <a:r>
+              <a:rPr lang="en-US" dirty="0" smtClean="0"/>
+              <a:t>, </a:t>
+            </a:r>
+            <a:r>
+              <a:rPr lang="en-US" dirty="0" err="1" smtClean="0"/>
+              <a:t>são</a:t>
+            </a:r>
+            <a:r>
+              <a:rPr lang="en-US" dirty="0" smtClean="0"/>
+              <a:t> </a:t>
+            </a:r>
+            <a:r>
+              <a:rPr lang="en-US" dirty="0" err="1" smtClean="0"/>
+              <a:t>elementos</a:t>
+            </a:r>
+            <a:r>
+              <a:rPr lang="en-US" dirty="0" smtClean="0"/>
+              <a:t> </a:t>
+            </a:r>
+            <a:r>
+              <a:rPr lang="en-US" dirty="0" err="1" smtClean="0"/>
+              <a:t>básicos</a:t>
+            </a:r>
+            <a:r>
+              <a:rPr lang="en-US" dirty="0"/>
+              <a:t> </a:t>
+            </a:r>
+            <a:r>
+              <a:rPr lang="en-US" dirty="0" err="1" smtClean="0"/>
+              <a:t>para</a:t>
+            </a:r>
+            <a:r>
+              <a:rPr lang="en-US" dirty="0" smtClean="0"/>
+              <a:t> a </a:t>
+            </a:r>
+            <a:r>
+              <a:rPr lang="en-US" dirty="0" err="1" smtClean="0"/>
+              <a:t>formação</a:t>
+            </a:r>
+            <a:r>
+              <a:rPr lang="en-US" dirty="0"/>
+              <a:t> </a:t>
+            </a:r>
+            <a:r>
+              <a:rPr lang="en-US" dirty="0" smtClean="0"/>
+              <a:t>de </a:t>
+            </a:r>
+            <a:r>
+              <a:rPr lang="en-US" dirty="0" err="1" smtClean="0"/>
+              <a:t>uma</a:t>
+            </a:r>
+            <a:r>
+              <a:rPr lang="en-US" dirty="0" smtClean="0"/>
+              <a:t> </a:t>
+            </a:r>
+            <a:r>
+              <a:rPr lang="en-US" dirty="0" err="1" smtClean="0"/>
+              <a:t>classe</a:t>
+            </a:r>
+            <a:r>
+              <a:rPr lang="en-US" dirty="0"/>
+              <a:t>.</a:t>
+            </a:r>
+          </a:p>
+        </p:txBody>
+      </p:sp>
+    </p:spTree>
+    <p:extLst>
+      <p:ext uri="{BB962C8B-B14F-4D97-AF65-F5344CB8AC3E}">
+        <p14:creationId xmlns:p14="http://schemas.microsoft.com/office/powerpoint/2010/main" val="3454612630"/>
+      </p:ext>
+    </p:extLst>
+  </p:cSld>
+  <p:clrMapOvr>
+    <a:masterClrMapping/>
+  </p:clrMapOvr>
+</p:sld>
+</file>
+
+<file path=ppt/slides/slide14.xml><?xml version="1.0" encoding="utf-8"?>
+<p:sld xmlns:a="http://schemas.openxmlformats.org/drawingml/2006/main" xmlns:r="http://schemas.openxmlformats.org/officeDocument/2006/relationships" xmlns:p="http://schemas.openxmlformats.org/presentationml/2006/main">
+  <p:cSld>
+    <p:spTree>
+      <p:nvGrpSpPr>
+        <p:cNvPr id="1" name=""/>
+        <p:cNvGrpSpPr/>
+        <p:nvPr/>
+      </p:nvGrpSpPr>
+      <p:grpSpPr>
+        <a:xfrm>
+          <a:off x="0" y="0"/>
+          <a:ext cx="0" cy="0"/>
+          <a:chOff x="0" y="0"/>
+          <a:chExt cx="0" cy="0"/>
+        </a:xfrm>
+      </p:grpSpPr>
+      <p:sp>
+        <p:nvSpPr>
+          <p:cNvPr id="2" name="Title 1"/>
+          <p:cNvSpPr>
+            <a:spLocks noGrp="1"/>
+          </p:cNvSpPr>
+          <p:nvPr>
+            <p:ph type="title"/>
+          </p:nvPr>
+        </p:nvSpPr>
+        <p:spPr/>
+        <p:txBody>
+          <a:bodyPr/>
+          <a:lstStyle/>
+          <a:p>
+            <a:r>
+              <a:rPr lang="en-US" dirty="0" err="1" smtClean="0"/>
+              <a:t>Método</a:t>
+            </a:r>
+            <a:r>
+              <a:rPr lang="en-US" dirty="0" smtClean="0"/>
+              <a:t> Main	</a:t>
+            </a:r>
+            <a:endParaRPr lang="en-US" dirty="0"/>
+          </a:p>
+        </p:txBody>
+      </p:sp>
+      <p:sp>
+        <p:nvSpPr>
+          <p:cNvPr id="3" name="Content Placeholder 2"/>
+          <p:cNvSpPr>
+            <a:spLocks noGrp="1"/>
+          </p:cNvSpPr>
+          <p:nvPr>
+            <p:ph idx="1"/>
+          </p:nvPr>
+        </p:nvSpPr>
+        <p:spPr/>
+        <p:txBody>
+          <a:bodyPr/>
+          <a:lstStyle/>
+          <a:p>
+            <a:r>
+              <a:rPr lang="en-US" dirty="0" smtClean="0"/>
+              <a:t>Uma </a:t>
+            </a:r>
+            <a:r>
+              <a:rPr lang="en-US" dirty="0" err="1" smtClean="0"/>
+              <a:t>aplicação</a:t>
+            </a:r>
+            <a:r>
+              <a:rPr lang="en-US" dirty="0" smtClean="0"/>
+              <a:t> </a:t>
+            </a:r>
+            <a:r>
+              <a:rPr lang="en-US" dirty="0" err="1" smtClean="0"/>
+              <a:t>em</a:t>
+            </a:r>
+            <a:r>
+              <a:rPr lang="en-US" dirty="0" smtClean="0"/>
+              <a:t> java </a:t>
+            </a:r>
+            <a:r>
+              <a:rPr lang="en-US" dirty="0" err="1" smtClean="0"/>
+              <a:t>é</a:t>
+            </a:r>
+            <a:r>
+              <a:rPr lang="en-US" dirty="0" smtClean="0"/>
+              <a:t> </a:t>
+            </a:r>
+            <a:r>
+              <a:rPr lang="en-US" dirty="0" err="1" smtClean="0"/>
+              <a:t>caracterizada</a:t>
+            </a:r>
+            <a:r>
+              <a:rPr lang="en-US" dirty="0" smtClean="0"/>
+              <a:t> </a:t>
+            </a:r>
+            <a:r>
+              <a:rPr lang="en-US" dirty="0" err="1" smtClean="0"/>
+              <a:t>por</a:t>
+            </a:r>
+            <a:r>
+              <a:rPr lang="en-US" dirty="0" smtClean="0"/>
+              <a:t> </a:t>
+            </a:r>
+            <a:r>
+              <a:rPr lang="en-US" dirty="0" err="1" smtClean="0"/>
+              <a:t>possuir</a:t>
+            </a:r>
+            <a:r>
+              <a:rPr lang="en-US" dirty="0"/>
+              <a:t> </a:t>
+            </a:r>
+            <a:r>
+              <a:rPr lang="en-US" dirty="0" smtClean="0"/>
+              <a:t>o </a:t>
+            </a:r>
+            <a:r>
+              <a:rPr lang="en-US" dirty="0" err="1" smtClean="0"/>
+              <a:t>método</a:t>
+            </a:r>
+            <a:r>
+              <a:rPr lang="en-US" dirty="0" smtClean="0"/>
+              <a:t> main()</a:t>
+            </a:r>
+          </a:p>
+          <a:p>
+            <a:r>
+              <a:rPr lang="en-US" dirty="0" smtClean="0"/>
+              <a:t>A </a:t>
+            </a:r>
+            <a:r>
+              <a:rPr lang="en-US" dirty="0" err="1" smtClean="0"/>
+              <a:t>declaração</a:t>
+            </a:r>
+            <a:r>
+              <a:rPr lang="en-US" dirty="0" smtClean="0"/>
+              <a:t> do </a:t>
+            </a:r>
+            <a:r>
+              <a:rPr lang="en-US" dirty="0" err="1" smtClean="0"/>
+              <a:t>método</a:t>
+            </a:r>
+            <a:r>
+              <a:rPr lang="en-US" dirty="0" smtClean="0"/>
+              <a:t> </a:t>
+            </a:r>
+            <a:r>
+              <a:rPr lang="en-US" dirty="0" err="1" smtClean="0"/>
+              <a:t>deve</a:t>
+            </a:r>
+            <a:r>
+              <a:rPr lang="en-US" dirty="0" smtClean="0"/>
+              <a:t> </a:t>
+            </a:r>
+            <a:r>
+              <a:rPr lang="en-US" dirty="0" err="1" smtClean="0"/>
+              <a:t>ser</a:t>
+            </a:r>
+            <a:r>
+              <a:rPr lang="en-US" dirty="0"/>
+              <a:t> </a:t>
+            </a:r>
+            <a:r>
+              <a:rPr lang="en-US" i="1" dirty="0" smtClean="0"/>
+              <a:t>public static void main (String[] </a:t>
+            </a:r>
+            <a:r>
+              <a:rPr lang="en-US" i="1" dirty="0" err="1" smtClean="0"/>
+              <a:t>args</a:t>
+            </a:r>
+            <a:r>
+              <a:rPr lang="en-US" i="1" dirty="0" smtClean="0"/>
+              <a:t>)</a:t>
+            </a:r>
+          </a:p>
+          <a:p>
+            <a:r>
+              <a:rPr lang="en-US" dirty="0" smtClean="0"/>
+              <a:t>O </a:t>
+            </a:r>
+            <a:r>
+              <a:rPr lang="en-US" dirty="0" err="1" smtClean="0"/>
+              <a:t>método</a:t>
+            </a:r>
+            <a:r>
+              <a:rPr lang="en-US" dirty="0" smtClean="0"/>
+              <a:t> main </a:t>
+            </a:r>
+            <a:r>
+              <a:rPr lang="en-US" dirty="0" err="1" smtClean="0"/>
+              <a:t>é</a:t>
+            </a:r>
+            <a:r>
+              <a:rPr lang="en-US" dirty="0" smtClean="0"/>
+              <a:t> especial </a:t>
+            </a:r>
+            <a:r>
+              <a:rPr lang="en-US" dirty="0" err="1" smtClean="0"/>
+              <a:t>pois</a:t>
+            </a:r>
+            <a:r>
+              <a:rPr lang="en-US" dirty="0" smtClean="0"/>
+              <a:t> </a:t>
+            </a:r>
+            <a:r>
+              <a:rPr lang="en-US" dirty="0" err="1" smtClean="0"/>
+              <a:t>representa</a:t>
+            </a:r>
+            <a:r>
+              <a:rPr lang="en-US" dirty="0" smtClean="0"/>
+              <a:t> o </a:t>
+            </a:r>
+            <a:r>
+              <a:rPr lang="en-US" dirty="0" err="1" smtClean="0"/>
+              <a:t>ponto</a:t>
+            </a:r>
+            <a:r>
+              <a:rPr lang="en-US" dirty="0" smtClean="0"/>
+              <a:t> de </a:t>
+            </a:r>
+            <a:r>
+              <a:rPr lang="en-US" dirty="0" err="1" smtClean="0"/>
+              <a:t>entrada</a:t>
+            </a:r>
+            <a:r>
+              <a:rPr lang="en-US" dirty="0" smtClean="0"/>
+              <a:t> </a:t>
+            </a:r>
+            <a:r>
+              <a:rPr lang="en-US" dirty="0" err="1" smtClean="0"/>
+              <a:t>para</a:t>
+            </a:r>
+            <a:r>
+              <a:rPr lang="en-US" dirty="0" smtClean="0"/>
+              <a:t> a </a:t>
+            </a:r>
+            <a:r>
+              <a:rPr lang="en-US" dirty="0" err="1" smtClean="0"/>
+              <a:t>execução</a:t>
+            </a:r>
+            <a:r>
+              <a:rPr lang="en-US" dirty="0" smtClean="0"/>
+              <a:t> de um </a:t>
+            </a:r>
+            <a:r>
+              <a:rPr lang="en-US" dirty="0" err="1" smtClean="0"/>
+              <a:t>programa</a:t>
+            </a:r>
+            <a:r>
+              <a:rPr lang="en-US" dirty="0" smtClean="0"/>
+              <a:t> java.</a:t>
+            </a:r>
+            <a:endParaRPr lang="en-US" dirty="0"/>
+          </a:p>
+        </p:txBody>
+      </p:sp>
+    </p:spTree>
+    <p:extLst>
+      <p:ext uri="{BB962C8B-B14F-4D97-AF65-F5344CB8AC3E}">
+        <p14:creationId xmlns:p14="http://schemas.microsoft.com/office/powerpoint/2010/main" val="2781713628"/>
+      </p:ext>
+    </p:extLst>
+  </p:cSld>
+  <p:clrMapOvr>
+    <a:masterClrMapping/>
+  </p:clrMapOvr>
+</p:sld>
+</file>
+
+<file path=ppt/slides/slide15.xml><?xml version="1.0" encoding="utf-8"?>
+<p:sld xmlns:a="http://schemas.openxmlformats.org/drawingml/2006/main" xmlns:r="http://schemas.openxmlformats.org/officeDocument/2006/relationships" xmlns:p="http://schemas.openxmlformats.org/presentationml/2006/main">
+  <p:cSld>
+    <p:spTree>
+      <p:nvGrpSpPr>
+        <p:cNvPr id="1" name=""/>
+        <p:cNvGrpSpPr/>
+        <p:nvPr/>
+      </p:nvGrpSpPr>
+      <p:grpSpPr>
+        <a:xfrm>
+          <a:off x="0" y="0"/>
+          <a:ext cx="0" cy="0"/>
+          <a:chOff x="0" y="0"/>
+          <a:chExt cx="0" cy="0"/>
+        </a:xfrm>
+      </p:grpSpPr>
+      <p:sp>
+        <p:nvSpPr>
+          <p:cNvPr id="2" name="Title 1"/>
+          <p:cNvSpPr>
+            <a:spLocks noGrp="1"/>
+          </p:cNvSpPr>
+          <p:nvPr>
+            <p:ph type="title"/>
+          </p:nvPr>
+        </p:nvSpPr>
+        <p:spPr/>
+        <p:txBody>
+          <a:bodyPr/>
+          <a:lstStyle/>
+          <a:p>
+            <a:r>
+              <a:rPr lang="en-US" dirty="0" err="1" smtClean="0"/>
+              <a:t>Convenções</a:t>
+            </a:r>
+            <a:r>
+              <a:rPr lang="en-US" dirty="0" smtClean="0"/>
+              <a:t> de </a:t>
+            </a:r>
+            <a:r>
+              <a:rPr lang="en-US" dirty="0" err="1" smtClean="0"/>
+              <a:t>Código</a:t>
+            </a:r>
+            <a:endParaRPr lang="en-US" dirty="0"/>
+          </a:p>
+        </p:txBody>
+      </p:sp>
+      <p:sp>
+        <p:nvSpPr>
+          <p:cNvPr id="3" name="Content Placeholder 2"/>
+          <p:cNvSpPr>
+            <a:spLocks noGrp="1"/>
+          </p:cNvSpPr>
+          <p:nvPr>
+            <p:ph idx="1"/>
+          </p:nvPr>
+        </p:nvSpPr>
+        <p:spPr/>
+        <p:txBody>
+          <a:bodyPr>
+            <a:normAutofit fontScale="85000" lnSpcReduction="20000"/>
+          </a:bodyPr>
+          <a:lstStyle/>
+          <a:p>
+            <a:r>
+              <a:rPr lang="en-US" dirty="0" smtClean="0"/>
+              <a:t>Classes e Interfaces</a:t>
+            </a:r>
+          </a:p>
+          <a:p>
+            <a:pPr lvl="1"/>
+            <a:r>
+              <a:rPr lang="en-US" dirty="0" err="1" smtClean="0"/>
+              <a:t>Primeira</a:t>
+            </a:r>
+            <a:r>
+              <a:rPr lang="en-US" dirty="0" smtClean="0"/>
+              <a:t>  </a:t>
+            </a:r>
+            <a:r>
+              <a:rPr lang="en-US" dirty="0" err="1" smtClean="0"/>
+              <a:t>letra</a:t>
+            </a:r>
+            <a:r>
+              <a:rPr lang="en-US" dirty="0" smtClean="0"/>
+              <a:t> </a:t>
+            </a:r>
+            <a:r>
+              <a:rPr lang="en-US" dirty="0" err="1" smtClean="0"/>
+              <a:t>deve</a:t>
+            </a:r>
+            <a:r>
+              <a:rPr lang="en-US" dirty="0" smtClean="0"/>
+              <a:t> </a:t>
+            </a:r>
+            <a:r>
+              <a:rPr lang="en-US" dirty="0" err="1" smtClean="0"/>
+              <a:t>ser</a:t>
+            </a:r>
+            <a:r>
+              <a:rPr lang="en-US" dirty="0" smtClean="0"/>
+              <a:t> </a:t>
+            </a:r>
+            <a:r>
+              <a:rPr lang="en-US" dirty="0" err="1" smtClean="0"/>
+              <a:t>maiúscula</a:t>
+            </a:r>
+            <a:r>
+              <a:rPr lang="en-US" dirty="0" smtClean="0"/>
+              <a:t> e a </a:t>
+            </a:r>
+            <a:r>
+              <a:rPr lang="en-US" dirty="0" err="1" smtClean="0"/>
+              <a:t>primeira</a:t>
+            </a:r>
+            <a:r>
+              <a:rPr lang="en-US" dirty="0" smtClean="0"/>
+              <a:t> </a:t>
+            </a:r>
+            <a:r>
+              <a:rPr lang="en-US" dirty="0" err="1" smtClean="0"/>
+              <a:t>letra</a:t>
+            </a:r>
+            <a:r>
+              <a:rPr lang="en-US" dirty="0" smtClean="0"/>
+              <a:t> de </a:t>
+            </a:r>
+            <a:r>
+              <a:rPr lang="en-US" dirty="0" err="1" smtClean="0"/>
+              <a:t>cada</a:t>
+            </a:r>
+            <a:r>
+              <a:rPr lang="en-US" dirty="0" smtClean="0"/>
+              <a:t> </a:t>
+            </a:r>
+            <a:r>
+              <a:rPr lang="en-US" dirty="0" err="1" smtClean="0"/>
+              <a:t>palavra</a:t>
+            </a:r>
+            <a:r>
+              <a:rPr lang="en-US" dirty="0" smtClean="0"/>
+              <a:t> </a:t>
+            </a:r>
+            <a:r>
+              <a:rPr lang="en-US" dirty="0" err="1" smtClean="0"/>
+              <a:t>subsequente</a:t>
+            </a:r>
+            <a:r>
+              <a:rPr lang="en-US" dirty="0" smtClean="0"/>
+              <a:t> </a:t>
+            </a:r>
+            <a:r>
+              <a:rPr lang="en-US" dirty="0" err="1" smtClean="0"/>
+              <a:t>deverá</a:t>
+            </a:r>
+            <a:r>
+              <a:rPr lang="en-US" dirty="0" smtClean="0"/>
+              <a:t> </a:t>
+            </a:r>
+            <a:r>
+              <a:rPr lang="en-US" dirty="0" err="1" smtClean="0"/>
+              <a:t>ser</a:t>
+            </a:r>
+            <a:r>
+              <a:rPr lang="en-US" dirty="0" smtClean="0"/>
+              <a:t> </a:t>
+            </a:r>
+            <a:r>
+              <a:rPr lang="en-US" dirty="0" err="1" smtClean="0"/>
+              <a:t>maiúscula</a:t>
+            </a:r>
+            <a:r>
+              <a:rPr lang="en-US" dirty="0" smtClean="0"/>
+              <a:t>(</a:t>
+            </a:r>
+            <a:r>
+              <a:rPr lang="en-US" dirty="0" err="1" smtClean="0"/>
+              <a:t>padrão</a:t>
+            </a:r>
+            <a:r>
+              <a:rPr lang="en-US" dirty="0" smtClean="0"/>
+              <a:t> </a:t>
+            </a:r>
+            <a:r>
+              <a:rPr lang="en-US" dirty="0" err="1" smtClean="0"/>
+              <a:t>camelCase</a:t>
+            </a:r>
+            <a:r>
+              <a:rPr lang="en-US" dirty="0" smtClean="0"/>
+              <a:t>)</a:t>
+            </a:r>
+            <a:endParaRPr lang="en-US" dirty="0"/>
+          </a:p>
+          <a:p>
+            <a:r>
+              <a:rPr lang="en-US" dirty="0" err="1" smtClean="0"/>
+              <a:t>Métodos</a:t>
+            </a:r>
+            <a:endParaRPr lang="en-US" dirty="0" smtClean="0"/>
+          </a:p>
+          <a:p>
+            <a:pPr lvl="1"/>
+            <a:r>
+              <a:rPr lang="en-US" dirty="0" err="1" smtClean="0"/>
+              <a:t>Primeira</a:t>
+            </a:r>
+            <a:r>
+              <a:rPr lang="en-US" dirty="0" smtClean="0"/>
+              <a:t> </a:t>
+            </a:r>
+            <a:r>
+              <a:rPr lang="en-US" dirty="0" err="1" smtClean="0"/>
+              <a:t>letra</a:t>
+            </a:r>
+            <a:r>
+              <a:rPr lang="en-US" dirty="0" smtClean="0"/>
+              <a:t> </a:t>
+            </a:r>
+            <a:r>
+              <a:rPr lang="en-US" dirty="0" err="1" smtClean="0"/>
+              <a:t>minúscula</a:t>
+            </a:r>
+            <a:r>
+              <a:rPr lang="en-US" dirty="0" smtClean="0"/>
+              <a:t> e </a:t>
+            </a:r>
+            <a:r>
+              <a:rPr lang="en-US" dirty="0" err="1" smtClean="0"/>
+              <a:t>depois</a:t>
+            </a:r>
+            <a:r>
+              <a:rPr lang="en-US" dirty="0" smtClean="0"/>
+              <a:t> a </a:t>
+            </a:r>
+            <a:r>
+              <a:rPr lang="en-US" dirty="0" err="1" smtClean="0"/>
+              <a:t>regra</a:t>
+            </a:r>
+            <a:r>
+              <a:rPr lang="en-US" dirty="0" smtClean="0"/>
+              <a:t> </a:t>
+            </a:r>
+            <a:r>
+              <a:rPr lang="en-US" dirty="0" err="1" smtClean="0"/>
+              <a:t>camelCase</a:t>
+            </a:r>
+            <a:endParaRPr lang="en-US" dirty="0" smtClean="0"/>
+          </a:p>
+          <a:p>
+            <a:r>
+              <a:rPr lang="en-US" dirty="0" err="1" smtClean="0"/>
+              <a:t>Variáveis</a:t>
+            </a:r>
+            <a:endParaRPr lang="en-US" dirty="0" smtClean="0"/>
+          </a:p>
+          <a:p>
+            <a:pPr lvl="1"/>
+            <a:r>
+              <a:rPr lang="en-US" dirty="0" smtClean="0"/>
+              <a:t>Idem </a:t>
+            </a:r>
+            <a:r>
+              <a:rPr lang="en-US" dirty="0" err="1" smtClean="0"/>
+              <a:t>ao</a:t>
+            </a:r>
+            <a:r>
+              <a:rPr lang="en-US" dirty="0" smtClean="0"/>
+              <a:t> </a:t>
+            </a:r>
+            <a:r>
+              <a:rPr lang="en-US" dirty="0" err="1" smtClean="0"/>
+              <a:t>padrão</a:t>
+            </a:r>
+            <a:r>
+              <a:rPr lang="en-US" dirty="0" smtClean="0"/>
+              <a:t> de </a:t>
+            </a:r>
+            <a:r>
+              <a:rPr lang="en-US" dirty="0" err="1" smtClean="0"/>
+              <a:t>nomenclatura</a:t>
+            </a:r>
+            <a:r>
+              <a:rPr lang="en-US" dirty="0" smtClean="0"/>
+              <a:t> do </a:t>
+            </a:r>
+            <a:r>
+              <a:rPr lang="en-US" dirty="0" err="1" smtClean="0"/>
+              <a:t>método</a:t>
+            </a:r>
+            <a:endParaRPr lang="en-US" dirty="0" smtClean="0"/>
+          </a:p>
+          <a:p>
+            <a:r>
+              <a:rPr lang="en-US" dirty="0" err="1" smtClean="0"/>
+              <a:t>Constantes</a:t>
+            </a:r>
+            <a:endParaRPr lang="en-US" dirty="0" smtClean="0"/>
+          </a:p>
+          <a:p>
+            <a:pPr lvl="1"/>
+            <a:r>
+              <a:rPr lang="en-US" dirty="0" err="1" smtClean="0"/>
+              <a:t>Constantes</a:t>
+            </a:r>
+            <a:r>
+              <a:rPr lang="en-US" dirty="0" smtClean="0"/>
+              <a:t> </a:t>
+            </a:r>
+            <a:r>
+              <a:rPr lang="en-US" dirty="0" err="1" smtClean="0"/>
+              <a:t>são</a:t>
+            </a:r>
+            <a:r>
+              <a:rPr lang="en-US" dirty="0" smtClean="0"/>
+              <a:t> </a:t>
+            </a:r>
+            <a:r>
+              <a:rPr lang="en-US" dirty="0" err="1" smtClean="0"/>
+              <a:t>criadas</a:t>
+            </a:r>
+            <a:r>
+              <a:rPr lang="en-US" dirty="0" smtClean="0"/>
+              <a:t> com </a:t>
+            </a:r>
+            <a:r>
+              <a:rPr lang="en-US" dirty="0" err="1" smtClean="0"/>
+              <a:t>os</a:t>
+            </a:r>
+            <a:r>
+              <a:rPr lang="en-US" dirty="0" smtClean="0"/>
+              <a:t> </a:t>
+            </a:r>
+            <a:r>
+              <a:rPr lang="en-US" dirty="0" err="1" smtClean="0"/>
+              <a:t>modificadores</a:t>
+            </a:r>
+            <a:r>
+              <a:rPr lang="en-US" dirty="0" smtClean="0"/>
+              <a:t> static final</a:t>
+            </a:r>
+          </a:p>
+          <a:p>
+            <a:pPr lvl="1"/>
+            <a:r>
+              <a:rPr lang="en-US" dirty="0" err="1" smtClean="0"/>
+              <a:t>Devem</a:t>
+            </a:r>
+            <a:r>
+              <a:rPr lang="en-US" dirty="0" smtClean="0"/>
+              <a:t> </a:t>
+            </a:r>
+            <a:r>
+              <a:rPr lang="en-US" dirty="0" err="1" smtClean="0"/>
+              <a:t>ser</a:t>
+            </a:r>
+            <a:r>
+              <a:rPr lang="en-US" dirty="0" smtClean="0"/>
+              <a:t> </a:t>
+            </a:r>
+            <a:r>
+              <a:rPr lang="en-US" dirty="0" err="1" smtClean="0"/>
+              <a:t>nomeadas</a:t>
+            </a:r>
+            <a:r>
+              <a:rPr lang="en-US" dirty="0" smtClean="0"/>
+              <a:t> </a:t>
+            </a:r>
+            <a:r>
+              <a:rPr lang="en-US" dirty="0" err="1" smtClean="0"/>
+              <a:t>usando</a:t>
+            </a:r>
+            <a:r>
+              <a:rPr lang="en-US" dirty="0" smtClean="0"/>
+              <a:t>-se </a:t>
+            </a:r>
+            <a:r>
+              <a:rPr lang="en-US" dirty="0" err="1" smtClean="0"/>
+              <a:t>letra</a:t>
+            </a:r>
+            <a:r>
+              <a:rPr lang="en-US" dirty="0" smtClean="0"/>
+              <a:t> </a:t>
+            </a:r>
+            <a:r>
+              <a:rPr lang="en-US" dirty="0" err="1" smtClean="0"/>
+              <a:t>maiúscula</a:t>
+            </a:r>
+            <a:r>
+              <a:rPr lang="en-US" dirty="0" smtClean="0"/>
+              <a:t> com underscore entre as </a:t>
+            </a:r>
+            <a:r>
+              <a:rPr lang="en-US" dirty="0" err="1" smtClean="0"/>
+              <a:t>palavras</a:t>
+            </a:r>
+            <a:endParaRPr lang="en-US" dirty="0" smtClean="0"/>
+          </a:p>
+          <a:p>
+            <a:endParaRPr lang="en-US" dirty="0" smtClean="0"/>
+          </a:p>
+          <a:p>
+            <a:endParaRPr lang="en-US" dirty="0" smtClean="0"/>
+          </a:p>
+          <a:p>
+            <a:endParaRPr lang="en-US" dirty="0"/>
+          </a:p>
+          <a:p>
+            <a:endParaRPr lang="en-US" dirty="0"/>
+          </a:p>
+          <a:p>
+            <a:pPr marL="457200" lvl="1" indent="0">
+              <a:buNone/>
+            </a:pPr>
+            <a:endParaRPr lang="en-US" dirty="0" smtClean="0"/>
+          </a:p>
+        </p:txBody>
+      </p:sp>
+    </p:spTree>
+    <p:extLst>
+      <p:ext uri="{BB962C8B-B14F-4D97-AF65-F5344CB8AC3E}">
+        <p14:creationId xmlns:p14="http://schemas.microsoft.com/office/powerpoint/2010/main" val="1595432661"/>
+      </p:ext>
+    </p:extLst>
+  </p:cSld>
+  <p:clrMapOvr>
+    <a:masterClrMapping/>
+  </p:clrMapOvr>
+</p:sld>
+</file>
+
+<file path=ppt/slides/slide16.xml><?xml version="1.0" encoding="utf-8"?>
+<p:sld xmlns:a="http://schemas.openxmlformats.org/drawingml/2006/main" xmlns:r="http://schemas.openxmlformats.org/officeDocument/2006/relationships" xmlns:p="http://schemas.openxmlformats.org/presentationml/2006/main">
+  <p:cSld>
+    <p:spTree>
+      <p:nvGrpSpPr>
+        <p:cNvPr id="1" name=""/>
+        <p:cNvGrpSpPr/>
+        <p:nvPr/>
+      </p:nvGrpSpPr>
+      <p:grpSpPr>
+        <a:xfrm>
+          <a:off x="0" y="0"/>
+          <a:ext cx="0" cy="0"/>
+          <a:chOff x="0" y="0"/>
+          <a:chExt cx="0" cy="0"/>
+        </a:xfrm>
+      </p:grpSpPr>
+      <p:sp>
+        <p:nvSpPr>
+          <p:cNvPr id="2" name="Title 1"/>
+          <p:cNvSpPr>
+            <a:spLocks noGrp="1"/>
+          </p:cNvSpPr>
+          <p:nvPr>
+            <p:ph type="title"/>
+          </p:nvPr>
+        </p:nvSpPr>
+        <p:spPr/>
+        <p:txBody>
+          <a:bodyPr/>
+          <a:lstStyle/>
+          <a:p>
+            <a:r>
+              <a:rPr lang="en-US" dirty="0" err="1" smtClean="0"/>
+              <a:t>Padrões</a:t>
+            </a:r>
+            <a:r>
+              <a:rPr lang="en-US" dirty="0" smtClean="0"/>
+              <a:t> JavaBeans</a:t>
+            </a:r>
+            <a:endParaRPr lang="en-US" dirty="0"/>
+          </a:p>
+        </p:txBody>
+      </p:sp>
+      <p:sp>
+        <p:nvSpPr>
+          <p:cNvPr id="3" name="Content Placeholder 2"/>
+          <p:cNvSpPr>
+            <a:spLocks noGrp="1"/>
+          </p:cNvSpPr>
+          <p:nvPr>
+            <p:ph idx="1"/>
+          </p:nvPr>
+        </p:nvSpPr>
+        <p:spPr/>
+        <p:txBody>
+          <a:bodyPr/>
+          <a:lstStyle/>
+          <a:p>
+            <a:r>
+              <a:rPr lang="en-US" dirty="0" smtClean="0"/>
+              <a:t>A </a:t>
+            </a:r>
+            <a:r>
+              <a:rPr lang="en-US" dirty="0" err="1" smtClean="0"/>
+              <a:t>especificação</a:t>
+            </a:r>
+            <a:r>
+              <a:rPr lang="en-US" dirty="0" smtClean="0"/>
+              <a:t> JavaBeans </a:t>
+            </a:r>
+            <a:r>
+              <a:rPr lang="en-US" dirty="0" err="1" smtClean="0"/>
+              <a:t>foi</a:t>
+            </a:r>
+            <a:r>
+              <a:rPr lang="en-US" dirty="0" smtClean="0"/>
+              <a:t> </a:t>
+            </a:r>
+            <a:r>
+              <a:rPr lang="en-US" dirty="0" err="1" smtClean="0"/>
+              <a:t>criada</a:t>
+            </a:r>
+            <a:r>
+              <a:rPr lang="en-US" dirty="0" smtClean="0"/>
+              <a:t> com o </a:t>
+            </a:r>
+            <a:r>
+              <a:rPr lang="en-US" dirty="0" err="1" smtClean="0"/>
+              <a:t>objetivo</a:t>
+            </a:r>
+            <a:r>
+              <a:rPr lang="en-US" dirty="0" smtClean="0"/>
+              <a:t> de </a:t>
+            </a:r>
+            <a:r>
+              <a:rPr lang="en-US" dirty="0" err="1" smtClean="0"/>
+              <a:t>padronizar</a:t>
+            </a:r>
+            <a:r>
+              <a:rPr lang="en-US" dirty="0" smtClean="0"/>
+              <a:t> a </a:t>
+            </a:r>
+            <a:r>
+              <a:rPr lang="en-US" dirty="0" err="1" smtClean="0"/>
+              <a:t>nomenclatura</a:t>
+            </a:r>
+            <a:r>
+              <a:rPr lang="en-US" dirty="0" smtClean="0"/>
+              <a:t> de </a:t>
+            </a:r>
+            <a:r>
+              <a:rPr lang="en-US" dirty="0" err="1" smtClean="0"/>
+              <a:t>métodos</a:t>
+            </a:r>
+            <a:r>
+              <a:rPr lang="en-US" dirty="0" smtClean="0"/>
+              <a:t> e </a:t>
+            </a:r>
+            <a:r>
+              <a:rPr lang="en-US" dirty="0" err="1" smtClean="0"/>
+              <a:t>variáveis</a:t>
+            </a:r>
+            <a:r>
+              <a:rPr lang="en-US" dirty="0" smtClean="0"/>
+              <a:t>, </a:t>
+            </a:r>
+            <a:r>
+              <a:rPr lang="en-US" dirty="0" err="1" smtClean="0"/>
+              <a:t>auxiliando</a:t>
+            </a:r>
+            <a:r>
+              <a:rPr lang="en-US" dirty="0" smtClean="0"/>
+              <a:t> </a:t>
+            </a:r>
+            <a:r>
+              <a:rPr lang="en-US" dirty="0" err="1" smtClean="0"/>
+              <a:t>assim</a:t>
+            </a:r>
+            <a:r>
+              <a:rPr lang="en-US" dirty="0" smtClean="0"/>
+              <a:t> </a:t>
+            </a:r>
+            <a:r>
+              <a:rPr lang="en-US" dirty="0" err="1" smtClean="0"/>
+              <a:t>desenvolvedores</a:t>
+            </a:r>
+            <a:r>
+              <a:rPr lang="en-US" dirty="0" smtClean="0"/>
+              <a:t> a </a:t>
+            </a:r>
+            <a:r>
+              <a:rPr lang="en-US" dirty="0" err="1" smtClean="0"/>
+              <a:t>identificar</a:t>
+            </a:r>
+            <a:r>
+              <a:rPr lang="en-US" dirty="0" smtClean="0"/>
+              <a:t> </a:t>
+            </a:r>
+            <a:r>
+              <a:rPr lang="en-US" dirty="0" err="1" smtClean="0"/>
+              <a:t>melhor</a:t>
+            </a:r>
+            <a:r>
+              <a:rPr lang="en-US" dirty="0" smtClean="0"/>
+              <a:t> </a:t>
+            </a:r>
+            <a:r>
+              <a:rPr lang="en-US" dirty="0" err="1" smtClean="0"/>
+              <a:t>métodos</a:t>
+            </a:r>
+            <a:r>
+              <a:rPr lang="en-US" dirty="0" smtClean="0"/>
+              <a:t> </a:t>
+            </a:r>
+            <a:r>
+              <a:rPr lang="en-US" dirty="0" err="1" smtClean="0"/>
+              <a:t>já</a:t>
+            </a:r>
+            <a:r>
+              <a:rPr lang="en-US" dirty="0" smtClean="0"/>
+              <a:t> </a:t>
+            </a:r>
+            <a:r>
+              <a:rPr lang="en-US" dirty="0" err="1" smtClean="0"/>
+              <a:t>existentes</a:t>
+            </a:r>
+            <a:r>
+              <a:rPr lang="en-US" dirty="0"/>
+              <a:t>;</a:t>
+            </a:r>
+            <a:endParaRPr lang="en-US" dirty="0" smtClean="0"/>
+          </a:p>
+          <a:p>
+            <a:r>
+              <a:rPr lang="en-US" dirty="0" err="1" smtClean="0"/>
+              <a:t>Auxilia</a:t>
+            </a:r>
+            <a:r>
+              <a:rPr lang="en-US" dirty="0" smtClean="0"/>
+              <a:t> </a:t>
+            </a:r>
+            <a:r>
+              <a:rPr lang="en-US" dirty="0" err="1" smtClean="0"/>
+              <a:t>também</a:t>
+            </a:r>
+            <a:r>
+              <a:rPr lang="en-US" dirty="0" smtClean="0"/>
+              <a:t> </a:t>
+            </a:r>
+            <a:r>
+              <a:rPr lang="en-US" dirty="0" err="1" smtClean="0"/>
+              <a:t>que</a:t>
+            </a:r>
+            <a:r>
+              <a:rPr lang="en-US" dirty="0" smtClean="0"/>
+              <a:t> </a:t>
+            </a:r>
+            <a:r>
+              <a:rPr lang="en-US" dirty="0" err="1" smtClean="0"/>
+              <a:t>ferramentas</a:t>
+            </a:r>
+            <a:r>
+              <a:rPr lang="en-US" dirty="0" smtClean="0"/>
+              <a:t> de </a:t>
+            </a:r>
+            <a:r>
+              <a:rPr lang="en-US" dirty="0" err="1" smtClean="0"/>
+              <a:t>desenvolvimento</a:t>
+            </a:r>
+            <a:r>
+              <a:rPr lang="en-US" dirty="0" smtClean="0"/>
+              <a:t> </a:t>
+            </a:r>
+            <a:r>
+              <a:rPr lang="en-US" dirty="0" err="1" smtClean="0"/>
+              <a:t>auxiliem</a:t>
+            </a:r>
+            <a:r>
+              <a:rPr lang="en-US" dirty="0" smtClean="0"/>
+              <a:t> o </a:t>
+            </a:r>
+            <a:r>
+              <a:rPr lang="en-US" dirty="0" err="1" smtClean="0"/>
+              <a:t>desenvolvedor</a:t>
+            </a:r>
+            <a:r>
+              <a:rPr lang="en-US" dirty="0" smtClean="0"/>
+              <a:t> </a:t>
+            </a:r>
+            <a:r>
+              <a:rPr lang="en-US" dirty="0" err="1" smtClean="0"/>
+              <a:t>em</a:t>
+            </a:r>
+            <a:r>
+              <a:rPr lang="en-US" dirty="0" smtClean="0"/>
+              <a:t> </a:t>
+            </a:r>
+            <a:r>
+              <a:rPr lang="en-US" dirty="0" err="1" smtClean="0"/>
+              <a:t>determinadas</a:t>
+            </a:r>
+            <a:r>
+              <a:rPr lang="en-US" dirty="0" smtClean="0"/>
+              <a:t> </a:t>
+            </a:r>
+            <a:r>
+              <a:rPr lang="en-US" dirty="0" err="1" smtClean="0"/>
+              <a:t>tarefas</a:t>
+            </a:r>
+            <a:r>
+              <a:rPr lang="en-US" dirty="0"/>
+              <a:t>;</a:t>
+            </a:r>
+          </a:p>
+        </p:txBody>
+      </p:sp>
+    </p:spTree>
+    <p:extLst>
+      <p:ext uri="{BB962C8B-B14F-4D97-AF65-F5344CB8AC3E}">
+        <p14:creationId xmlns:p14="http://schemas.microsoft.com/office/powerpoint/2010/main" val="1957879644"/>
+      </p:ext>
+    </p:extLst>
+  </p:cSld>
+  <p:clrMapOvr>
+    <a:masterClrMapping/>
+  </p:clrMapOvr>
+</p:sld>
+</file>
+
+<file path=ppt/slides/slide17.xml><?xml version="1.0" encoding="utf-8"?>
+<p:sld xmlns:a="http://schemas.openxmlformats.org/drawingml/2006/main" xmlns:r="http://schemas.openxmlformats.org/officeDocument/2006/relationships" xmlns:p="http://schemas.openxmlformats.org/presentationml/2006/main">
+  <p:cSld>
+    <p:spTree>
+      <p:nvGrpSpPr>
+        <p:cNvPr id="1" name=""/>
+        <p:cNvGrpSpPr/>
+        <p:nvPr/>
+      </p:nvGrpSpPr>
+      <p:grpSpPr>
+        <a:xfrm>
+          <a:off x="0" y="0"/>
+          <a:ext cx="0" cy="0"/>
+          <a:chOff x="0" y="0"/>
+          <a:chExt cx="0" cy="0"/>
+        </a:xfrm>
+      </p:grpSpPr>
+      <p:sp>
+        <p:nvSpPr>
+          <p:cNvPr id="2" name="Title 1"/>
+          <p:cNvSpPr>
+            <a:spLocks noGrp="1"/>
+          </p:cNvSpPr>
+          <p:nvPr>
+            <p:ph type="title"/>
+          </p:nvPr>
+        </p:nvSpPr>
+        <p:spPr/>
+        <p:txBody>
+          <a:bodyPr/>
+          <a:lstStyle/>
+          <a:p>
+            <a:r>
+              <a:rPr lang="en-US" dirty="0" err="1" smtClean="0"/>
+              <a:t>Padrões</a:t>
+            </a:r>
+            <a:r>
+              <a:rPr lang="en-US" dirty="0" smtClean="0"/>
+              <a:t> JavaBeans - </a:t>
+            </a:r>
+            <a:r>
+              <a:rPr lang="en-US" dirty="0" err="1" smtClean="0"/>
+              <a:t>Regras</a:t>
+            </a:r>
+            <a:endParaRPr lang="en-US" dirty="0"/>
+          </a:p>
+        </p:txBody>
+      </p:sp>
+      <p:sp>
+        <p:nvSpPr>
+          <p:cNvPr id="3" name="Content Placeholder 2"/>
+          <p:cNvSpPr>
+            <a:spLocks noGrp="1"/>
+          </p:cNvSpPr>
+          <p:nvPr>
+            <p:ph idx="1"/>
+          </p:nvPr>
+        </p:nvSpPr>
+        <p:spPr/>
+        <p:txBody>
+          <a:bodyPr/>
+          <a:lstStyle/>
+          <a:p>
+            <a:r>
+              <a:rPr lang="en-US" dirty="0" smtClean="0"/>
+              <a:t>Toda </a:t>
+            </a:r>
+            <a:r>
+              <a:rPr lang="en-US" dirty="0" err="1" smtClean="0"/>
+              <a:t>variável</a:t>
+            </a:r>
+            <a:r>
+              <a:rPr lang="en-US" dirty="0" smtClean="0"/>
+              <a:t> de </a:t>
+            </a:r>
+            <a:r>
+              <a:rPr lang="en-US" dirty="0" err="1" smtClean="0"/>
+              <a:t>instância</a:t>
+            </a:r>
+            <a:r>
+              <a:rPr lang="en-US" dirty="0" smtClean="0"/>
+              <a:t> </a:t>
+            </a:r>
+            <a:r>
+              <a:rPr lang="en-US" dirty="0" err="1" smtClean="0"/>
+              <a:t>deve</a:t>
+            </a:r>
+            <a:r>
+              <a:rPr lang="en-US" dirty="0" smtClean="0"/>
+              <a:t> </a:t>
+            </a:r>
+            <a:r>
+              <a:rPr lang="en-US" dirty="0" err="1" smtClean="0"/>
+              <a:t>ser</a:t>
+            </a:r>
+            <a:r>
+              <a:rPr lang="en-US" dirty="0" smtClean="0"/>
+              <a:t> </a:t>
+            </a:r>
+            <a:r>
+              <a:rPr lang="en-US" dirty="0" err="1" smtClean="0"/>
+              <a:t>privada</a:t>
+            </a:r>
+            <a:r>
+              <a:rPr lang="en-US" dirty="0" smtClean="0"/>
+              <a:t> e </a:t>
+            </a:r>
+            <a:r>
+              <a:rPr lang="en-US" dirty="0" err="1" smtClean="0"/>
+              <a:t>possuir</a:t>
+            </a:r>
+            <a:r>
+              <a:rPr lang="en-US" dirty="0" smtClean="0"/>
+              <a:t> </a:t>
+            </a:r>
+            <a:r>
+              <a:rPr lang="en-US" dirty="0" err="1" smtClean="0"/>
+              <a:t>dois</a:t>
+            </a:r>
+            <a:r>
+              <a:rPr lang="en-US" dirty="0" smtClean="0"/>
+              <a:t> </a:t>
+            </a:r>
+            <a:r>
+              <a:rPr lang="en-US" dirty="0" err="1" smtClean="0"/>
+              <a:t>métodos</a:t>
+            </a:r>
+            <a:r>
+              <a:rPr lang="en-US" dirty="0" smtClean="0"/>
+              <a:t> </a:t>
+            </a:r>
+            <a:r>
+              <a:rPr lang="en-US" dirty="0" err="1" smtClean="0"/>
+              <a:t>relacionados</a:t>
+            </a:r>
+            <a:r>
+              <a:rPr lang="en-US" dirty="0" smtClean="0"/>
+              <a:t>, um </a:t>
+            </a:r>
+            <a:r>
+              <a:rPr lang="en-US" dirty="0" err="1" smtClean="0"/>
+              <a:t>para</a:t>
+            </a:r>
+            <a:r>
+              <a:rPr lang="en-US" dirty="0" smtClean="0"/>
+              <a:t> </a:t>
+            </a:r>
+            <a:r>
+              <a:rPr lang="en-US" dirty="0" err="1" smtClean="0"/>
+              <a:t>retornar</a:t>
+            </a:r>
+            <a:r>
+              <a:rPr lang="en-US" dirty="0" smtClean="0"/>
+              <a:t> o valor (get) e outro </a:t>
+            </a:r>
+            <a:r>
+              <a:rPr lang="en-US" dirty="0" err="1" smtClean="0"/>
+              <a:t>para</a:t>
+            </a:r>
+            <a:r>
+              <a:rPr lang="en-US" dirty="0" smtClean="0"/>
+              <a:t> </a:t>
+            </a:r>
+            <a:r>
+              <a:rPr lang="en-US" dirty="0" err="1" smtClean="0"/>
+              <a:t>setá</a:t>
+            </a:r>
+            <a:r>
+              <a:rPr lang="en-US" dirty="0" smtClean="0"/>
+              <a:t>-lo (set).</a:t>
+            </a:r>
+          </a:p>
+          <a:p>
+            <a:r>
+              <a:rPr lang="en-US" dirty="0" err="1" smtClean="0"/>
+              <a:t>Caso</a:t>
+            </a:r>
+            <a:r>
+              <a:rPr lang="en-US" dirty="0" smtClean="0"/>
+              <a:t> o </a:t>
+            </a:r>
+            <a:r>
+              <a:rPr lang="en-US" dirty="0" err="1" smtClean="0"/>
+              <a:t>tipo</a:t>
+            </a:r>
+            <a:r>
+              <a:rPr lang="en-US" dirty="0" smtClean="0"/>
+              <a:t> da </a:t>
+            </a:r>
+            <a:r>
+              <a:rPr lang="en-US" dirty="0" err="1" smtClean="0"/>
+              <a:t>variavel</a:t>
+            </a:r>
+            <a:r>
+              <a:rPr lang="en-US" dirty="0" smtClean="0"/>
+              <a:t> </a:t>
+            </a:r>
+            <a:r>
+              <a:rPr lang="en-US" dirty="0" err="1" smtClean="0"/>
+              <a:t>seja</a:t>
+            </a:r>
+            <a:r>
+              <a:rPr lang="en-US" dirty="0" smtClean="0"/>
+              <a:t> </a:t>
+            </a:r>
+            <a:r>
+              <a:rPr lang="en-US" dirty="0" err="1" smtClean="0"/>
+              <a:t>booleano</a:t>
+            </a:r>
+            <a:r>
+              <a:rPr lang="en-US" dirty="0" smtClean="0"/>
+              <a:t>, </a:t>
+            </a:r>
+            <a:r>
+              <a:rPr lang="en-US" dirty="0" err="1" smtClean="0"/>
+              <a:t>pode</a:t>
+            </a:r>
+            <a:r>
+              <a:rPr lang="en-US" dirty="0" smtClean="0"/>
+              <a:t> </a:t>
+            </a:r>
+            <a:r>
+              <a:rPr lang="en-US" dirty="0" err="1" smtClean="0"/>
+              <a:t>ser</a:t>
+            </a:r>
+            <a:r>
+              <a:rPr lang="en-US" dirty="0" smtClean="0"/>
+              <a:t> </a:t>
+            </a:r>
+            <a:r>
+              <a:rPr lang="en-US" dirty="0" err="1" smtClean="0"/>
+              <a:t>usado</a:t>
+            </a:r>
+            <a:r>
+              <a:rPr lang="en-US" dirty="0" smtClean="0"/>
+              <a:t> o </a:t>
+            </a:r>
+            <a:r>
+              <a:rPr lang="en-US" i="1" dirty="0" smtClean="0"/>
+              <a:t>is </a:t>
+            </a:r>
+            <a:r>
+              <a:rPr lang="en-US" dirty="0" smtClean="0"/>
+              <a:t>no </a:t>
+            </a:r>
+            <a:r>
+              <a:rPr lang="en-US" dirty="0" err="1" smtClean="0"/>
+              <a:t>lugar</a:t>
+            </a:r>
+            <a:r>
+              <a:rPr lang="en-US" dirty="0" smtClean="0"/>
+              <a:t> do </a:t>
+            </a:r>
+            <a:r>
+              <a:rPr lang="en-US" i="1" dirty="0" smtClean="0"/>
+              <a:t>get</a:t>
+            </a:r>
+            <a:endParaRPr lang="en-US" dirty="0" smtClean="0"/>
+          </a:p>
+          <a:p>
+            <a:r>
+              <a:rPr lang="en-US" dirty="0" smtClean="0"/>
+              <a:t>As </a:t>
+            </a:r>
+            <a:r>
+              <a:rPr lang="en-US" dirty="0" err="1" smtClean="0"/>
+              <a:t>assinaturas</a:t>
+            </a:r>
+            <a:r>
+              <a:rPr lang="en-US" dirty="0" smtClean="0"/>
+              <a:t> de um </a:t>
+            </a:r>
+            <a:r>
+              <a:rPr lang="en-US" dirty="0" err="1" smtClean="0"/>
+              <a:t>método</a:t>
+            </a:r>
+            <a:r>
+              <a:rPr lang="en-US" dirty="0" smtClean="0"/>
+              <a:t> set e get </a:t>
+            </a:r>
+            <a:r>
+              <a:rPr lang="en-US" dirty="0" err="1" smtClean="0"/>
+              <a:t>deve</a:t>
+            </a:r>
+            <a:r>
+              <a:rPr lang="en-US" dirty="0" smtClean="0"/>
+              <a:t> </a:t>
+            </a:r>
+            <a:r>
+              <a:rPr lang="en-US" dirty="0" err="1" smtClean="0"/>
+              <a:t>obedecer</a:t>
+            </a:r>
+            <a:r>
+              <a:rPr lang="en-US" dirty="0" smtClean="0"/>
+              <a:t> o </a:t>
+            </a:r>
+            <a:r>
+              <a:rPr lang="en-US" dirty="0" err="1" smtClean="0"/>
+              <a:t>seguinte</a:t>
+            </a:r>
+            <a:r>
+              <a:rPr lang="en-US" dirty="0" smtClean="0"/>
+              <a:t> </a:t>
+            </a:r>
+            <a:r>
+              <a:rPr lang="en-US" dirty="0" err="1" smtClean="0"/>
+              <a:t>exemplo</a:t>
+            </a:r>
+            <a:endParaRPr lang="en-US" dirty="0"/>
+          </a:p>
+        </p:txBody>
+      </p:sp>
+    </p:spTree>
+    <p:extLst>
+      <p:ext uri="{BB962C8B-B14F-4D97-AF65-F5344CB8AC3E}">
+        <p14:creationId xmlns:p14="http://schemas.microsoft.com/office/powerpoint/2010/main" val="1467665085"/>
+      </p:ext>
+    </p:extLst>
+  </p:cSld>
+  <p:clrMapOvr>
+    <a:masterClrMapping/>
+  </p:clrMapOvr>
+</p:sld>
+</file>
+
+<file path=ppt/slides/slide18.xml><?xml version="1.0" encoding="utf-8"?>
+<p:sld xmlns:a="http://schemas.openxmlformats.org/drawingml/2006/main" xmlns:r="http://schemas.openxmlformats.org/officeDocument/2006/relationships" xmlns:p="http://schemas.openxmlformats.org/presentationml/2006/main">
+  <p:cSld>
+    <p:spTree>
+      <p:nvGrpSpPr>
+        <p:cNvPr id="1" name=""/>
+        <p:cNvGrpSpPr/>
+        <p:nvPr/>
+      </p:nvGrpSpPr>
+      <p:grpSpPr>
+        <a:xfrm>
+          <a:off x="0" y="0"/>
+          <a:ext cx="0" cy="0"/>
+          <a:chOff x="0" y="0"/>
+          <a:chExt cx="0" cy="0"/>
+        </a:xfrm>
+      </p:grpSpPr>
+      <p:sp>
+        <p:nvSpPr>
+          <p:cNvPr id="2" name="Title 1"/>
+          <p:cNvSpPr>
+            <a:spLocks noGrp="1"/>
+          </p:cNvSpPr>
+          <p:nvPr>
+            <p:ph type="title"/>
+          </p:nvPr>
+        </p:nvSpPr>
+        <p:spPr/>
+        <p:txBody>
+          <a:bodyPr/>
+          <a:lstStyle/>
+          <a:p>
+            <a:r>
+              <a:rPr lang="en-US" dirty="0" err="1"/>
+              <a:t>Padrões</a:t>
+            </a:r>
+            <a:r>
+              <a:rPr lang="en-US" dirty="0"/>
+              <a:t> JavaBeans - </a:t>
+            </a:r>
+            <a:r>
+              <a:rPr lang="en-US" dirty="0" err="1"/>
+              <a:t>Regras</a:t>
+            </a:r>
+            <a:endParaRPr lang="en-US" dirty="0"/>
+          </a:p>
+        </p:txBody>
+      </p:sp>
+      <p:pic>
+        <p:nvPicPr>
+          <p:cNvPr id="4" name="Picture 3"/>
+          <p:cNvPicPr>
+            <a:picLocks noChangeAspect="1"/>
+          </p:cNvPicPr>
+          <p:nvPr/>
+        </p:nvPicPr>
+        <p:blipFill>
+          <a:blip r:embed="rId2"/>
+          <a:stretch>
+            <a:fillRect/>
+          </a:stretch>
+        </p:blipFill>
+        <p:spPr>
+          <a:xfrm>
+            <a:off x="993525" y="1417638"/>
+            <a:ext cx="7140160" cy="4600252"/>
+          </a:xfrm>
+          <a:prstGeom prst="rect">
+            <a:avLst/>
+          </a:prstGeom>
+        </p:spPr>
+      </p:pic>
+    </p:spTree>
+    <p:extLst>
+      <p:ext uri="{BB962C8B-B14F-4D97-AF65-F5344CB8AC3E}">
+        <p14:creationId xmlns:p14="http://schemas.microsoft.com/office/powerpoint/2010/main" val="350939853"/>
+      </p:ext>
+    </p:extLst>
+  </p:cSld>
+  <p:clrMapOvr>
+    <a:masterClrMapping/>
+  </p:clrMapOvr>
+</p:sld>
+</file>
+
+<file path=ppt/slides/slide19.xml><?xml version="1.0" encoding="utf-8"?>
+<p:sld xmlns:a="http://schemas.openxmlformats.org/drawingml/2006/main" xmlns:r="http://schemas.openxmlformats.org/officeDocument/2006/relationships" xmlns:p="http://schemas.openxmlformats.org/presentationml/2006/main">
+  <p:cSld>
+    <p:spTree>
+      <p:nvGrpSpPr>
+        <p:cNvPr id="1" name=""/>
+        <p:cNvGrpSpPr/>
+        <p:nvPr/>
+      </p:nvGrpSpPr>
+      <p:grpSpPr>
+        <a:xfrm>
+          <a:off x="0" y="0"/>
+          <a:ext cx="0" cy="0"/>
+          <a:chOff x="0" y="0"/>
+          <a:chExt cx="0" cy="0"/>
+        </a:xfrm>
+      </p:grpSpPr>
+      <p:sp>
+        <p:nvSpPr>
+          <p:cNvPr id="2" name="Title 1"/>
+          <p:cNvSpPr>
+            <a:spLocks noGrp="1"/>
+          </p:cNvSpPr>
+          <p:nvPr>
+            <p:ph type="title"/>
+          </p:nvPr>
+        </p:nvSpPr>
+        <p:spPr/>
+        <p:txBody>
+          <a:bodyPr/>
+          <a:lstStyle/>
+          <a:p>
+            <a:r>
+              <a:rPr lang="en-US" dirty="0" err="1" smtClean="0"/>
+              <a:t>Regras</a:t>
+            </a:r>
+            <a:r>
+              <a:rPr lang="en-US" dirty="0" smtClean="0"/>
+              <a:t> </a:t>
+            </a:r>
+            <a:r>
+              <a:rPr lang="en-US" dirty="0" err="1" smtClean="0"/>
+              <a:t>para</a:t>
+            </a:r>
+            <a:r>
+              <a:rPr lang="en-US" dirty="0" smtClean="0"/>
+              <a:t> </a:t>
+            </a:r>
+            <a:r>
+              <a:rPr lang="en-US" dirty="0" err="1" smtClean="0"/>
+              <a:t>declaração</a:t>
+            </a:r>
+            <a:r>
+              <a:rPr lang="en-US" dirty="0" smtClean="0"/>
+              <a:t> de classes	</a:t>
+            </a:r>
+            <a:endParaRPr lang="en-US" dirty="0"/>
+          </a:p>
+        </p:txBody>
+      </p:sp>
+      <p:sp>
+        <p:nvSpPr>
+          <p:cNvPr id="3" name="Content Placeholder 2"/>
+          <p:cNvSpPr>
+            <a:spLocks noGrp="1"/>
+          </p:cNvSpPr>
+          <p:nvPr>
+            <p:ph idx="1"/>
+          </p:nvPr>
+        </p:nvSpPr>
+        <p:spPr/>
+        <p:txBody>
+          <a:bodyPr>
+            <a:normAutofit fontScale="85000" lnSpcReduction="20000"/>
+          </a:bodyPr>
+          <a:lstStyle/>
+          <a:p>
+            <a:r>
+              <a:rPr lang="en-US" dirty="0" err="1" smtClean="0"/>
+              <a:t>Só</a:t>
+            </a:r>
+            <a:r>
+              <a:rPr lang="en-US" dirty="0" smtClean="0"/>
+              <a:t> </a:t>
+            </a:r>
+            <a:r>
+              <a:rPr lang="en-US" dirty="0" err="1" smtClean="0"/>
+              <a:t>pode</a:t>
+            </a:r>
+            <a:r>
+              <a:rPr lang="en-US" smtClean="0"/>
+              <a:t> haver</a:t>
+            </a:r>
+            <a:r>
+              <a:rPr lang="en-US" dirty="0" smtClean="0"/>
+              <a:t> </a:t>
+            </a:r>
+            <a:r>
+              <a:rPr lang="en-US" dirty="0" err="1" smtClean="0"/>
+              <a:t>uma</a:t>
+            </a:r>
+            <a:r>
+              <a:rPr lang="en-US" dirty="0" smtClean="0"/>
+              <a:t> </a:t>
+            </a:r>
+            <a:r>
+              <a:rPr lang="en-US" dirty="0" err="1" smtClean="0"/>
+              <a:t>classe</a:t>
+            </a:r>
+            <a:r>
+              <a:rPr lang="en-US" dirty="0" smtClean="0"/>
+              <a:t> public </a:t>
+            </a:r>
+            <a:r>
+              <a:rPr lang="en-US" dirty="0" err="1" smtClean="0"/>
+              <a:t>em</a:t>
+            </a:r>
+            <a:r>
+              <a:rPr lang="en-US" dirty="0" smtClean="0"/>
+              <a:t> </a:t>
+            </a:r>
+            <a:r>
+              <a:rPr lang="en-US" dirty="0" err="1" smtClean="0"/>
+              <a:t>cada</a:t>
+            </a:r>
+            <a:r>
+              <a:rPr lang="en-US" dirty="0" smtClean="0"/>
+              <a:t> </a:t>
+            </a:r>
+            <a:r>
+              <a:rPr lang="en-US" dirty="0" err="1" smtClean="0"/>
+              <a:t>arquivo</a:t>
+            </a:r>
+            <a:r>
+              <a:rPr lang="en-US" dirty="0" smtClean="0"/>
+              <a:t> de </a:t>
+            </a:r>
+            <a:r>
+              <a:rPr lang="en-US" dirty="0" err="1" smtClean="0"/>
+              <a:t>código</a:t>
+            </a:r>
+            <a:r>
+              <a:rPr lang="en-US" dirty="0" smtClean="0"/>
+              <a:t> </a:t>
+            </a:r>
+            <a:r>
+              <a:rPr lang="en-US" dirty="0" err="1" smtClean="0"/>
+              <a:t>fonte</a:t>
+            </a:r>
+            <a:r>
+              <a:rPr lang="en-US" dirty="0" smtClean="0"/>
+              <a:t>;	</a:t>
+            </a:r>
+          </a:p>
+          <a:p>
+            <a:r>
+              <a:rPr lang="en-US" dirty="0" err="1" smtClean="0"/>
+              <a:t>Os</a:t>
+            </a:r>
+            <a:r>
+              <a:rPr lang="en-US" dirty="0" smtClean="0"/>
+              <a:t> </a:t>
+            </a:r>
+            <a:r>
+              <a:rPr lang="en-US" dirty="0" err="1" smtClean="0"/>
+              <a:t>comentários</a:t>
+            </a:r>
+            <a:r>
+              <a:rPr lang="en-US" dirty="0" smtClean="0"/>
+              <a:t> </a:t>
+            </a:r>
+            <a:r>
+              <a:rPr lang="en-US" dirty="0" err="1" smtClean="0"/>
+              <a:t>podem</a:t>
+            </a:r>
+            <a:r>
+              <a:rPr lang="en-US" dirty="0" smtClean="0"/>
+              <a:t> </a:t>
+            </a:r>
+            <a:r>
+              <a:rPr lang="en-US" dirty="0" err="1" smtClean="0"/>
+              <a:t>aparecer</a:t>
+            </a:r>
+            <a:r>
+              <a:rPr lang="en-US" dirty="0" smtClean="0"/>
+              <a:t> </a:t>
+            </a:r>
+            <a:r>
+              <a:rPr lang="en-US" dirty="0" err="1" smtClean="0"/>
+              <a:t>em</a:t>
+            </a:r>
+            <a:r>
+              <a:rPr lang="en-US" dirty="0" smtClean="0"/>
+              <a:t> </a:t>
+            </a:r>
+            <a:r>
+              <a:rPr lang="en-US" dirty="0" err="1" smtClean="0"/>
+              <a:t>qualquer</a:t>
+            </a:r>
+            <a:r>
+              <a:rPr lang="en-US" dirty="0" smtClean="0"/>
+              <a:t> </a:t>
+            </a:r>
+            <a:r>
+              <a:rPr lang="en-US" dirty="0" err="1" smtClean="0"/>
+              <a:t>lugar</a:t>
+            </a:r>
+            <a:r>
+              <a:rPr lang="en-US" dirty="0" smtClean="0"/>
+              <a:t> do </a:t>
+            </a:r>
+            <a:r>
+              <a:rPr lang="en-US" dirty="0" err="1" smtClean="0"/>
+              <a:t>arquivo</a:t>
+            </a:r>
+            <a:r>
+              <a:rPr lang="en-US" dirty="0" smtClean="0"/>
+              <a:t>;</a:t>
+            </a:r>
+          </a:p>
+          <a:p>
+            <a:r>
+              <a:rPr lang="en-US" dirty="0" smtClean="0"/>
+              <a:t>O </a:t>
+            </a:r>
+            <a:r>
+              <a:rPr lang="en-US" dirty="0" err="1" smtClean="0"/>
+              <a:t>nome</a:t>
+            </a:r>
+            <a:r>
+              <a:rPr lang="en-US" dirty="0" smtClean="0"/>
+              <a:t> da </a:t>
+            </a:r>
+            <a:r>
+              <a:rPr lang="en-US" dirty="0" err="1" smtClean="0"/>
+              <a:t>classe</a:t>
+            </a:r>
+            <a:r>
+              <a:rPr lang="en-US" dirty="0" smtClean="0"/>
+              <a:t> public </a:t>
+            </a:r>
+            <a:r>
+              <a:rPr lang="en-US" dirty="0" err="1" smtClean="0"/>
+              <a:t>deve</a:t>
+            </a:r>
+            <a:r>
+              <a:rPr lang="en-US" dirty="0" smtClean="0"/>
+              <a:t> </a:t>
+            </a:r>
+            <a:r>
+              <a:rPr lang="en-US" dirty="0" err="1" smtClean="0"/>
+              <a:t>ser</a:t>
+            </a:r>
+            <a:r>
+              <a:rPr lang="en-US" dirty="0" smtClean="0"/>
+              <a:t> o </a:t>
+            </a:r>
+            <a:r>
+              <a:rPr lang="en-US" dirty="0" err="1" smtClean="0"/>
+              <a:t>mesmo</a:t>
+            </a:r>
+            <a:r>
+              <a:rPr lang="en-US" dirty="0" smtClean="0"/>
+              <a:t> </a:t>
+            </a:r>
+            <a:r>
+              <a:rPr lang="en-US" dirty="0" err="1" smtClean="0"/>
+              <a:t>que</a:t>
+            </a:r>
+            <a:r>
+              <a:rPr lang="en-US" dirty="0" smtClean="0"/>
+              <a:t> o </a:t>
+            </a:r>
+            <a:r>
+              <a:rPr lang="en-US" dirty="0" err="1" smtClean="0"/>
+              <a:t>nome</a:t>
+            </a:r>
+            <a:r>
+              <a:rPr lang="en-US" dirty="0" smtClean="0"/>
+              <a:t> do </a:t>
+            </a:r>
+            <a:r>
+              <a:rPr lang="en-US" dirty="0" err="1" smtClean="0"/>
+              <a:t>arquivo</a:t>
+            </a:r>
+            <a:r>
+              <a:rPr lang="en-US" dirty="0" smtClean="0"/>
+              <a:t>;</a:t>
+            </a:r>
+          </a:p>
+          <a:p>
+            <a:r>
+              <a:rPr lang="en-US" dirty="0" smtClean="0"/>
+              <a:t>A </a:t>
+            </a:r>
+            <a:r>
+              <a:rPr lang="en-US" dirty="0" err="1" smtClean="0"/>
+              <a:t>primeira</a:t>
+            </a:r>
+            <a:r>
+              <a:rPr lang="en-US" dirty="0" smtClean="0"/>
+              <a:t> </a:t>
+            </a:r>
+            <a:r>
+              <a:rPr lang="en-US" dirty="0" err="1" smtClean="0"/>
+              <a:t>linha</a:t>
+            </a:r>
+            <a:r>
+              <a:rPr lang="en-US" dirty="0" smtClean="0"/>
+              <a:t> de </a:t>
+            </a:r>
+            <a:r>
+              <a:rPr lang="en-US" dirty="0" err="1" smtClean="0"/>
+              <a:t>comando</a:t>
+            </a:r>
+            <a:r>
+              <a:rPr lang="en-US" dirty="0" smtClean="0"/>
+              <a:t> de um </a:t>
+            </a:r>
+            <a:r>
+              <a:rPr lang="en-US" dirty="0" err="1" smtClean="0"/>
+              <a:t>arquivo</a:t>
+            </a:r>
+            <a:r>
+              <a:rPr lang="en-US" dirty="0" smtClean="0"/>
+              <a:t> java </a:t>
+            </a:r>
+            <a:r>
+              <a:rPr lang="en-US" dirty="0" err="1" smtClean="0"/>
+              <a:t>deve</a:t>
+            </a:r>
+            <a:r>
+              <a:rPr lang="en-US" dirty="0" smtClean="0"/>
+              <a:t> </a:t>
+            </a:r>
+            <a:r>
+              <a:rPr lang="en-US" dirty="0" err="1" smtClean="0"/>
+              <a:t>ser</a:t>
+            </a:r>
+            <a:r>
+              <a:rPr lang="en-US" dirty="0" smtClean="0"/>
+              <a:t> a package </a:t>
+            </a:r>
+            <a:r>
+              <a:rPr lang="en-US" dirty="0" err="1" smtClean="0"/>
+              <a:t>caso</a:t>
+            </a:r>
+            <a:r>
+              <a:rPr lang="en-US" dirty="0" smtClean="0"/>
+              <a:t> </a:t>
+            </a:r>
+            <a:r>
+              <a:rPr lang="en-US" dirty="0" err="1" smtClean="0"/>
+              <a:t>exista</a:t>
+            </a:r>
+            <a:r>
+              <a:rPr lang="en-US" dirty="0" smtClean="0"/>
+              <a:t>;</a:t>
+            </a:r>
+          </a:p>
+          <a:p>
+            <a:r>
+              <a:rPr lang="en-US" dirty="0" smtClean="0"/>
+              <a:t>A </a:t>
+            </a:r>
+            <a:r>
+              <a:rPr lang="en-US" dirty="0" err="1" smtClean="0"/>
+              <a:t>partir</a:t>
+            </a:r>
+            <a:r>
+              <a:rPr lang="en-US" dirty="0" smtClean="0"/>
+              <a:t> da </a:t>
+            </a:r>
+            <a:r>
+              <a:rPr lang="en-US" dirty="0" err="1" smtClean="0"/>
+              <a:t>segunda</a:t>
+            </a:r>
+            <a:r>
+              <a:rPr lang="en-US" dirty="0" smtClean="0"/>
+              <a:t> </a:t>
+            </a:r>
+            <a:r>
+              <a:rPr lang="en-US" dirty="0" err="1" smtClean="0"/>
+              <a:t>linha</a:t>
+            </a:r>
+            <a:r>
+              <a:rPr lang="en-US" dirty="0" smtClean="0"/>
+              <a:t>, </a:t>
+            </a:r>
+            <a:r>
+              <a:rPr lang="en-US" dirty="0" err="1" smtClean="0"/>
+              <a:t>vem</a:t>
+            </a:r>
+            <a:r>
+              <a:rPr lang="en-US" dirty="0" smtClean="0"/>
+              <a:t> </a:t>
+            </a:r>
+            <a:r>
+              <a:rPr lang="en-US" dirty="0" err="1" smtClean="0"/>
+              <a:t>os</a:t>
+            </a:r>
+            <a:r>
+              <a:rPr lang="en-US" dirty="0" smtClean="0"/>
+              <a:t> imports;</a:t>
+            </a:r>
+          </a:p>
+          <a:p>
+            <a:r>
+              <a:rPr lang="en-US" dirty="0" smtClean="0"/>
+              <a:t>O </a:t>
+            </a:r>
+            <a:r>
+              <a:rPr lang="en-US" dirty="0" err="1" smtClean="0"/>
+              <a:t>modificador</a:t>
+            </a:r>
+            <a:r>
+              <a:rPr lang="en-US" dirty="0" smtClean="0"/>
+              <a:t> de </a:t>
+            </a:r>
+            <a:r>
+              <a:rPr lang="en-US" dirty="0" err="1" smtClean="0"/>
+              <a:t>acesso</a:t>
+            </a:r>
+            <a:r>
+              <a:rPr lang="en-US" dirty="0" smtClean="0"/>
+              <a:t> de </a:t>
+            </a:r>
+            <a:r>
+              <a:rPr lang="en-US" dirty="0" err="1" smtClean="0"/>
+              <a:t>classe</a:t>
+            </a:r>
+            <a:r>
+              <a:rPr lang="en-US" dirty="0" smtClean="0"/>
+              <a:t> </a:t>
+            </a:r>
+            <a:r>
+              <a:rPr lang="en-US" dirty="0" err="1" smtClean="0"/>
+              <a:t>só</a:t>
+            </a:r>
+            <a:r>
+              <a:rPr lang="en-US" dirty="0" smtClean="0"/>
+              <a:t> </a:t>
+            </a:r>
+            <a:r>
+              <a:rPr lang="en-US" dirty="0" err="1" smtClean="0"/>
+              <a:t>pode</a:t>
+            </a:r>
+            <a:r>
+              <a:rPr lang="en-US" dirty="0" smtClean="0"/>
+              <a:t> </a:t>
+            </a:r>
+            <a:r>
+              <a:rPr lang="en-US" dirty="0" err="1" smtClean="0"/>
+              <a:t>ser</a:t>
+            </a:r>
+            <a:r>
+              <a:rPr lang="en-US" dirty="0" smtClean="0"/>
+              <a:t> public </a:t>
+            </a:r>
+            <a:r>
+              <a:rPr lang="en-US" dirty="0" err="1" smtClean="0"/>
+              <a:t>ou</a:t>
+            </a:r>
+            <a:r>
+              <a:rPr lang="en-US" dirty="0" smtClean="0"/>
+              <a:t> default;</a:t>
+            </a:r>
+            <a:endParaRPr lang="en-US" dirty="0"/>
+          </a:p>
+        </p:txBody>
+      </p:sp>
+    </p:spTree>
+    <p:extLst>
+      <p:ext uri="{BB962C8B-B14F-4D97-AF65-F5344CB8AC3E}">
+        <p14:creationId xmlns:p14="http://schemas.microsoft.com/office/powerpoint/2010/main" val="1592385232"/>
+      </p:ext>
+    </p:extLst>
+  </p:cSld>
+  <p:clrMapOvr>
+    <a:masterClrMapping/>
+  </p:clrMapOvr>
+</p:sld>
+</file>
+
 <file path=ppt/slides/slide2.xml><?xml version="1.0" encoding="utf-8"?>
 <p:sld xmlns:a="http://schemas.openxmlformats.org/drawingml/2006/main" xmlns:r="http://schemas.openxmlformats.org/officeDocument/2006/relationships" xmlns:p="http://schemas.openxmlformats.org/presentationml/2006/main">
   <p:cSld>
@@ -5944,11 +8146,7 @@
           <a:p>
             <a:r>
               <a:rPr lang="en-US" dirty="0" err="1" smtClean="0"/>
-              <a:t>Introdu</a:t>
-            </a:r>
-            <a:r>
-              <a:rPr lang="en-US" dirty="0" err="1" smtClean="0"/>
-              <a:t>ção</a:t>
+              <a:t>Introdução</a:t>
             </a:r>
             <a:r>
               <a:rPr lang="en-US" dirty="0" smtClean="0"/>
@@ -5991,11 +8189,7 @@
             </a:r>
             <a:r>
               <a:rPr lang="en-US" dirty="0" err="1" smtClean="0"/>
-              <a:t>programa</a:t>
-            </a:r>
-            <a:r>
-              <a:rPr lang="en-US" dirty="0" err="1" smtClean="0"/>
-              <a:t>ção</a:t>
+              <a:t>programação</a:t>
             </a:r>
             <a:r>
               <a:rPr lang="en-US" dirty="0" smtClean="0"/>
@@ -6098,6 +8292,2300 @@
 </p:sld>
 </file>
 
+<file path=ppt/slides/slide20.xml><?xml version="1.0" encoding="utf-8"?>
+<p:sld xmlns:a="http://schemas.openxmlformats.org/drawingml/2006/main" xmlns:r="http://schemas.openxmlformats.org/officeDocument/2006/relationships" xmlns:p="http://schemas.openxmlformats.org/presentationml/2006/main">
+  <p:cSld>
+    <p:spTree>
+      <p:nvGrpSpPr>
+        <p:cNvPr id="1" name=""/>
+        <p:cNvGrpSpPr/>
+        <p:nvPr/>
+      </p:nvGrpSpPr>
+      <p:grpSpPr>
+        <a:xfrm>
+          <a:off x="0" y="0"/>
+          <a:ext cx="0" cy="0"/>
+          <a:chOff x="0" y="0"/>
+          <a:chExt cx="0" cy="0"/>
+        </a:xfrm>
+      </p:grpSpPr>
+      <p:sp>
+        <p:nvSpPr>
+          <p:cNvPr id="2" name="Title 1"/>
+          <p:cNvSpPr>
+            <a:spLocks noGrp="1"/>
+          </p:cNvSpPr>
+          <p:nvPr>
+            <p:ph type="title"/>
+          </p:nvPr>
+        </p:nvSpPr>
+        <p:spPr/>
+        <p:txBody>
+          <a:bodyPr/>
+          <a:lstStyle/>
+          <a:p>
+            <a:r>
+              <a:rPr lang="en-US" dirty="0" err="1" smtClean="0"/>
+              <a:t>Regras</a:t>
+            </a:r>
+            <a:r>
+              <a:rPr lang="en-US" dirty="0" smtClean="0"/>
+              <a:t> </a:t>
+            </a:r>
+            <a:r>
+              <a:rPr lang="en-US" dirty="0" err="1" smtClean="0"/>
+              <a:t>para</a:t>
+            </a:r>
+            <a:r>
+              <a:rPr lang="en-US" dirty="0" smtClean="0"/>
+              <a:t> </a:t>
+            </a:r>
+            <a:r>
+              <a:rPr lang="en-US" dirty="0" err="1" smtClean="0"/>
+              <a:t>declaração</a:t>
+            </a:r>
+            <a:r>
+              <a:rPr lang="en-US" dirty="0" smtClean="0"/>
+              <a:t> de classes	</a:t>
+            </a:r>
+            <a:endParaRPr lang="en-US" dirty="0"/>
+          </a:p>
+        </p:txBody>
+      </p:sp>
+      <p:pic>
+        <p:nvPicPr>
+          <p:cNvPr id="5" name="Picture 4"/>
+          <p:cNvPicPr>
+            <a:picLocks noChangeAspect="1"/>
+          </p:cNvPicPr>
+          <p:nvPr/>
+        </p:nvPicPr>
+        <p:blipFill>
+          <a:blip r:embed="rId2"/>
+          <a:stretch>
+            <a:fillRect/>
+          </a:stretch>
+        </p:blipFill>
+        <p:spPr>
+          <a:xfrm>
+            <a:off x="1302738" y="1417637"/>
+            <a:ext cx="5588439" cy="5203029"/>
+          </a:xfrm>
+          <a:prstGeom prst="rect">
+            <a:avLst/>
+          </a:prstGeom>
+        </p:spPr>
+      </p:pic>
+    </p:spTree>
+    <p:extLst>
+      <p:ext uri="{BB962C8B-B14F-4D97-AF65-F5344CB8AC3E}">
+        <p14:creationId xmlns:p14="http://schemas.microsoft.com/office/powerpoint/2010/main" val="1132397856"/>
+      </p:ext>
+    </p:extLst>
+  </p:cSld>
+  <p:clrMapOvr>
+    <a:masterClrMapping/>
+  </p:clrMapOvr>
+</p:sld>
+</file>
+
+<file path=ppt/slides/slide21.xml><?xml version="1.0" encoding="utf-8"?>
+<p:sld xmlns:a="http://schemas.openxmlformats.org/drawingml/2006/main" xmlns:r="http://schemas.openxmlformats.org/officeDocument/2006/relationships" xmlns:p="http://schemas.openxmlformats.org/presentationml/2006/main">
+  <p:cSld>
+    <p:spTree>
+      <p:nvGrpSpPr>
+        <p:cNvPr id="1" name=""/>
+        <p:cNvGrpSpPr/>
+        <p:nvPr/>
+      </p:nvGrpSpPr>
+      <p:grpSpPr>
+        <a:xfrm>
+          <a:off x="0" y="0"/>
+          <a:ext cx="0" cy="0"/>
+          <a:chOff x="0" y="0"/>
+          <a:chExt cx="0" cy="0"/>
+        </a:xfrm>
+      </p:grpSpPr>
+      <p:sp>
+        <p:nvSpPr>
+          <p:cNvPr id="2" name="Title 1"/>
+          <p:cNvSpPr>
+            <a:spLocks noGrp="1"/>
+          </p:cNvSpPr>
+          <p:nvPr>
+            <p:ph type="title"/>
+          </p:nvPr>
+        </p:nvSpPr>
+        <p:spPr/>
+        <p:txBody>
+          <a:bodyPr/>
+          <a:lstStyle/>
+          <a:p>
+            <a:r>
+              <a:rPr lang="en-US" dirty="0" err="1" smtClean="0"/>
+              <a:t>Regras</a:t>
+            </a:r>
+            <a:r>
+              <a:rPr lang="en-US" dirty="0" smtClean="0"/>
+              <a:t> </a:t>
+            </a:r>
+            <a:r>
+              <a:rPr lang="en-US" dirty="0" err="1" smtClean="0"/>
+              <a:t>para</a:t>
+            </a:r>
+            <a:r>
+              <a:rPr lang="en-US" dirty="0" smtClean="0"/>
+              <a:t> </a:t>
+            </a:r>
+            <a:r>
+              <a:rPr lang="en-US" dirty="0" err="1" smtClean="0"/>
+              <a:t>declaração</a:t>
+            </a:r>
+            <a:r>
+              <a:rPr lang="en-US" dirty="0" smtClean="0"/>
+              <a:t> de classes	</a:t>
+            </a:r>
+            <a:endParaRPr lang="en-US" dirty="0"/>
+          </a:p>
+        </p:txBody>
+      </p:sp>
+      <p:pic>
+        <p:nvPicPr>
+          <p:cNvPr id="3" name="Picture 2"/>
+          <p:cNvPicPr>
+            <a:picLocks noChangeAspect="1"/>
+          </p:cNvPicPr>
+          <p:nvPr/>
+        </p:nvPicPr>
+        <p:blipFill>
+          <a:blip r:embed="rId2"/>
+          <a:stretch>
+            <a:fillRect/>
+          </a:stretch>
+        </p:blipFill>
+        <p:spPr>
+          <a:xfrm>
+            <a:off x="1138664" y="1417638"/>
+            <a:ext cx="6864776" cy="4500423"/>
+          </a:xfrm>
+          <a:prstGeom prst="rect">
+            <a:avLst/>
+          </a:prstGeom>
+        </p:spPr>
+      </p:pic>
+      <p:pic>
+        <p:nvPicPr>
+          <p:cNvPr id="4" name="Picture 3" descr="240px-Stop_hand_nuvola.svg.png"/>
+          <p:cNvPicPr>
+            <a:picLocks noChangeAspect="1"/>
+          </p:cNvPicPr>
+          <p:nvPr/>
+        </p:nvPicPr>
+        <p:blipFill>
+          <a:blip r:embed="rId3">
+            <a:extLst>
+              <a:ext uri="{28A0092B-C50C-407E-A947-70E740481C1C}">
+                <a14:useLocalDpi xmlns:a14="http://schemas.microsoft.com/office/drawing/2010/main" val="0"/>
+              </a:ext>
+            </a:extLst>
+          </a:blip>
+          <a:stretch>
+            <a:fillRect/>
+          </a:stretch>
+        </p:blipFill>
+        <p:spPr>
+          <a:xfrm>
+            <a:off x="6246181" y="1417638"/>
+            <a:ext cx="1960505" cy="1960505"/>
+          </a:xfrm>
+          <a:prstGeom prst="rect">
+            <a:avLst/>
+          </a:prstGeom>
+        </p:spPr>
+      </p:pic>
+    </p:spTree>
+    <p:extLst>
+      <p:ext uri="{BB962C8B-B14F-4D97-AF65-F5344CB8AC3E}">
+        <p14:creationId xmlns:p14="http://schemas.microsoft.com/office/powerpoint/2010/main" val="2808513047"/>
+      </p:ext>
+    </p:extLst>
+  </p:cSld>
+  <p:clrMapOvr>
+    <a:masterClrMapping/>
+  </p:clrMapOvr>
+</p:sld>
+</file>
+
+<file path=ppt/slides/slide22.xml><?xml version="1.0" encoding="utf-8"?>
+<p:sld xmlns:a="http://schemas.openxmlformats.org/drawingml/2006/main" xmlns:r="http://schemas.openxmlformats.org/officeDocument/2006/relationships" xmlns:p="http://schemas.openxmlformats.org/presentationml/2006/main">
+  <p:cSld>
+    <p:spTree>
+      <p:nvGrpSpPr>
+        <p:cNvPr id="1" name=""/>
+        <p:cNvGrpSpPr/>
+        <p:nvPr/>
+      </p:nvGrpSpPr>
+      <p:grpSpPr>
+        <a:xfrm>
+          <a:off x="0" y="0"/>
+          <a:ext cx="0" cy="0"/>
+          <a:chOff x="0" y="0"/>
+          <a:chExt cx="0" cy="0"/>
+        </a:xfrm>
+      </p:grpSpPr>
+      <p:sp>
+        <p:nvSpPr>
+          <p:cNvPr id="2" name="Title 1"/>
+          <p:cNvSpPr>
+            <a:spLocks noGrp="1"/>
+          </p:cNvSpPr>
+          <p:nvPr>
+            <p:ph type="title"/>
+          </p:nvPr>
+        </p:nvSpPr>
+        <p:spPr/>
+        <p:txBody>
+          <a:bodyPr/>
+          <a:lstStyle/>
+          <a:p>
+            <a:r>
+              <a:rPr lang="en-US" dirty="0" err="1" smtClean="0"/>
+              <a:t>Identificadores</a:t>
+            </a:r>
+            <a:r>
+              <a:rPr lang="en-US" dirty="0" smtClean="0"/>
+              <a:t> Java	</a:t>
+            </a:r>
+            <a:endParaRPr lang="en-US" dirty="0"/>
+          </a:p>
+        </p:txBody>
+      </p:sp>
+      <p:sp>
+        <p:nvSpPr>
+          <p:cNvPr id="3" name="Content Placeholder 2"/>
+          <p:cNvSpPr>
+            <a:spLocks noGrp="1"/>
+          </p:cNvSpPr>
+          <p:nvPr>
+            <p:ph idx="1"/>
+          </p:nvPr>
+        </p:nvSpPr>
+        <p:spPr/>
+        <p:txBody>
+          <a:bodyPr/>
+          <a:lstStyle/>
+          <a:p>
+            <a:r>
+              <a:rPr lang="en-US" dirty="0" err="1" smtClean="0"/>
+              <a:t>Em</a:t>
+            </a:r>
+            <a:r>
+              <a:rPr lang="en-US" dirty="0" smtClean="0"/>
+              <a:t> java, um </a:t>
+            </a:r>
+            <a:r>
+              <a:rPr lang="en-US" dirty="0" err="1" smtClean="0"/>
+              <a:t>identificador</a:t>
+            </a:r>
+            <a:r>
+              <a:rPr lang="en-US" dirty="0" smtClean="0"/>
+              <a:t> </a:t>
+            </a:r>
+            <a:r>
+              <a:rPr lang="en-US" dirty="0" err="1" smtClean="0"/>
+              <a:t>é</a:t>
+            </a:r>
+            <a:r>
+              <a:rPr lang="en-US" dirty="0" smtClean="0"/>
+              <a:t> </a:t>
+            </a:r>
+            <a:r>
+              <a:rPr lang="en-US" dirty="0" err="1" smtClean="0"/>
+              <a:t>uma</a:t>
+            </a:r>
+            <a:r>
+              <a:rPr lang="en-US" dirty="0" smtClean="0"/>
+              <a:t> </a:t>
+            </a:r>
+            <a:r>
+              <a:rPr lang="en-US" dirty="0" err="1" smtClean="0"/>
+              <a:t>sequência</a:t>
+            </a:r>
+            <a:r>
+              <a:rPr lang="en-US" dirty="0" smtClean="0"/>
+              <a:t> de </a:t>
+            </a:r>
+            <a:r>
+              <a:rPr lang="en-US" dirty="0" err="1" smtClean="0"/>
+              <a:t>símbolos</a:t>
+            </a:r>
+            <a:r>
+              <a:rPr lang="en-US" dirty="0" smtClean="0"/>
+              <a:t> UNICODE </a:t>
+            </a:r>
+            <a:r>
+              <a:rPr lang="en-US" dirty="0" err="1" smtClean="0"/>
+              <a:t>que</a:t>
+            </a:r>
+            <a:r>
+              <a:rPr lang="en-US" dirty="0" smtClean="0"/>
+              <a:t> </a:t>
+            </a:r>
+            <a:r>
+              <a:rPr lang="en-US" dirty="0" err="1" smtClean="0"/>
+              <a:t>começa</a:t>
+            </a:r>
+            <a:r>
+              <a:rPr lang="en-US" dirty="0" smtClean="0"/>
+              <a:t> com </a:t>
+            </a:r>
+            <a:r>
+              <a:rPr lang="en-US" dirty="0" err="1" smtClean="0"/>
+              <a:t>uma</a:t>
+            </a:r>
+            <a:r>
+              <a:rPr lang="en-US" dirty="0" smtClean="0"/>
+              <a:t> </a:t>
+            </a:r>
+            <a:r>
+              <a:rPr lang="en-US" dirty="0" err="1" smtClean="0"/>
+              <a:t>letra</a:t>
+            </a:r>
+            <a:r>
+              <a:rPr lang="en-US" dirty="0" smtClean="0"/>
+              <a:t>, um </a:t>
+            </a:r>
+            <a:r>
+              <a:rPr lang="en-US" dirty="0" err="1" smtClean="0"/>
+              <a:t>símbolo</a:t>
+            </a:r>
+            <a:r>
+              <a:rPr lang="en-US" dirty="0" smtClean="0"/>
+              <a:t> </a:t>
+            </a:r>
+            <a:r>
+              <a:rPr lang="en-US" dirty="0" err="1" smtClean="0"/>
+              <a:t>subscrito</a:t>
+            </a:r>
+            <a:r>
+              <a:rPr lang="en-US" dirty="0" smtClean="0"/>
+              <a:t> _, </a:t>
+            </a:r>
+            <a:r>
+              <a:rPr lang="en-US" dirty="0" err="1" smtClean="0"/>
+              <a:t>ou</a:t>
+            </a:r>
+            <a:r>
+              <a:rPr lang="en-US" dirty="0" smtClean="0"/>
+              <a:t> o </a:t>
+            </a:r>
+            <a:r>
+              <a:rPr lang="en-US" dirty="0" err="1" smtClean="0"/>
+              <a:t>caractere</a:t>
+            </a:r>
+            <a:r>
+              <a:rPr lang="en-US" dirty="0" smtClean="0"/>
+              <a:t> $;</a:t>
+            </a:r>
+          </a:p>
+          <a:p>
+            <a:r>
+              <a:rPr lang="en-US" dirty="0" err="1" smtClean="0"/>
+              <a:t>Identificadores</a:t>
+            </a:r>
+            <a:r>
+              <a:rPr lang="en-US" dirty="0" smtClean="0"/>
+              <a:t> </a:t>
+            </a:r>
+            <a:r>
+              <a:rPr lang="en-US" dirty="0" err="1" smtClean="0"/>
+              <a:t>são</a:t>
+            </a:r>
+            <a:r>
+              <a:rPr lang="en-US" dirty="0" smtClean="0"/>
+              <a:t> case sensitive;</a:t>
+            </a:r>
+            <a:endParaRPr lang="en-US" dirty="0"/>
+          </a:p>
+        </p:txBody>
+      </p:sp>
+    </p:spTree>
+    <p:extLst>
+      <p:ext uri="{BB962C8B-B14F-4D97-AF65-F5344CB8AC3E}">
+        <p14:creationId xmlns:p14="http://schemas.microsoft.com/office/powerpoint/2010/main" val="1487071421"/>
+      </p:ext>
+    </p:extLst>
+  </p:cSld>
+  <p:clrMapOvr>
+    <a:masterClrMapping/>
+  </p:clrMapOvr>
+</p:sld>
+</file>
+
+<file path=ppt/slides/slide23.xml><?xml version="1.0" encoding="utf-8"?>
+<p:sld xmlns:a="http://schemas.openxmlformats.org/drawingml/2006/main" xmlns:r="http://schemas.openxmlformats.org/officeDocument/2006/relationships" xmlns:p="http://schemas.openxmlformats.org/presentationml/2006/main">
+  <p:cSld>
+    <p:spTree>
+      <p:nvGrpSpPr>
+        <p:cNvPr id="1" name=""/>
+        <p:cNvGrpSpPr/>
+        <p:nvPr/>
+      </p:nvGrpSpPr>
+      <p:grpSpPr>
+        <a:xfrm>
+          <a:off x="0" y="0"/>
+          <a:ext cx="0" cy="0"/>
+          <a:chOff x="0" y="0"/>
+          <a:chExt cx="0" cy="0"/>
+        </a:xfrm>
+      </p:grpSpPr>
+      <p:sp>
+        <p:nvSpPr>
+          <p:cNvPr id="2" name="Title 1"/>
+          <p:cNvSpPr>
+            <a:spLocks noGrp="1"/>
+          </p:cNvSpPr>
+          <p:nvPr>
+            <p:ph type="title"/>
+          </p:nvPr>
+        </p:nvSpPr>
+        <p:spPr/>
+        <p:txBody>
+          <a:bodyPr/>
+          <a:lstStyle/>
+          <a:p>
+            <a:r>
+              <a:rPr lang="en-US" dirty="0" err="1" smtClean="0"/>
+              <a:t>Palavras</a:t>
+            </a:r>
+            <a:r>
+              <a:rPr lang="en-US" dirty="0" smtClean="0"/>
+              <a:t> </a:t>
+            </a:r>
+            <a:r>
+              <a:rPr lang="en-US" dirty="0" err="1" smtClean="0"/>
+              <a:t>Reservadas</a:t>
+            </a:r>
+            <a:endParaRPr lang="en-US" dirty="0"/>
+          </a:p>
+        </p:txBody>
+      </p:sp>
+      <p:pic>
+        <p:nvPicPr>
+          <p:cNvPr id="4" name="Picture 3"/>
+          <p:cNvPicPr>
+            <a:picLocks noChangeAspect="1"/>
+          </p:cNvPicPr>
+          <p:nvPr/>
+        </p:nvPicPr>
+        <p:blipFill>
+          <a:blip r:embed="rId2"/>
+          <a:stretch>
+            <a:fillRect/>
+          </a:stretch>
+        </p:blipFill>
+        <p:spPr>
+          <a:xfrm>
+            <a:off x="1028891" y="2184400"/>
+            <a:ext cx="7074282" cy="2841310"/>
+          </a:xfrm>
+          <a:prstGeom prst="rect">
+            <a:avLst/>
+          </a:prstGeom>
+        </p:spPr>
+      </p:pic>
+    </p:spTree>
+    <p:extLst>
+      <p:ext uri="{BB962C8B-B14F-4D97-AF65-F5344CB8AC3E}">
+        <p14:creationId xmlns:p14="http://schemas.microsoft.com/office/powerpoint/2010/main" val="3362933182"/>
+      </p:ext>
+    </p:extLst>
+  </p:cSld>
+  <p:clrMapOvr>
+    <a:masterClrMapping/>
+  </p:clrMapOvr>
+</p:sld>
+</file>
+
+<file path=ppt/slides/slide24.xml><?xml version="1.0" encoding="utf-8"?>
+<p:sld xmlns:a="http://schemas.openxmlformats.org/drawingml/2006/main" xmlns:r="http://schemas.openxmlformats.org/officeDocument/2006/relationships" xmlns:p="http://schemas.openxmlformats.org/presentationml/2006/main">
+  <p:cSld>
+    <p:spTree>
+      <p:nvGrpSpPr>
+        <p:cNvPr id="1" name=""/>
+        <p:cNvGrpSpPr/>
+        <p:nvPr/>
+      </p:nvGrpSpPr>
+      <p:grpSpPr>
+        <a:xfrm>
+          <a:off x="0" y="0"/>
+          <a:ext cx="0" cy="0"/>
+          <a:chOff x="0" y="0"/>
+          <a:chExt cx="0" cy="0"/>
+        </a:xfrm>
+      </p:grpSpPr>
+      <p:sp>
+        <p:nvSpPr>
+          <p:cNvPr id="2" name="Title 1"/>
+          <p:cNvSpPr>
+            <a:spLocks noGrp="1"/>
+          </p:cNvSpPr>
+          <p:nvPr>
+            <p:ph type="title"/>
+          </p:nvPr>
+        </p:nvSpPr>
+        <p:spPr/>
+        <p:txBody>
+          <a:bodyPr/>
+          <a:lstStyle/>
+          <a:p>
+            <a:r>
+              <a:rPr lang="en-US" dirty="0" err="1" smtClean="0"/>
+              <a:t>Operadores</a:t>
+            </a:r>
+            <a:r>
+              <a:rPr lang="en-US" dirty="0" smtClean="0"/>
+              <a:t> </a:t>
+            </a:r>
+            <a:r>
+              <a:rPr lang="en-US" dirty="0" err="1" smtClean="0"/>
+              <a:t>Lógicos</a:t>
+            </a:r>
+            <a:endParaRPr lang="en-US" dirty="0"/>
+          </a:p>
+        </p:txBody>
+      </p:sp>
+      <p:graphicFrame>
+        <p:nvGraphicFramePr>
+          <p:cNvPr id="4" name="Content Placeholder 3"/>
+          <p:cNvGraphicFramePr>
+            <a:graphicFrameLocks noGrp="1"/>
+          </p:cNvGraphicFramePr>
+          <p:nvPr>
+            <p:ph idx="1"/>
+            <p:extLst>
+              <p:ext uri="{D42A27DB-BD31-4B8C-83A1-F6EECF244321}">
+                <p14:modId xmlns:p14="http://schemas.microsoft.com/office/powerpoint/2010/main" val="2182864917"/>
+              </p:ext>
+            </p:extLst>
+          </p:nvPr>
+        </p:nvGraphicFramePr>
+        <p:xfrm>
+          <a:off x="457200" y="1456925"/>
+          <a:ext cx="8229600" cy="4663440"/>
+        </p:xfrm>
+        <a:graphic>
+          <a:graphicData uri="http://schemas.openxmlformats.org/drawingml/2006/table">
+            <a:tbl>
+              <a:tblPr firstRow="1" bandRow="1">
+                <a:tableStyleId>{9D7B26C5-4107-4FEC-AEDC-1716B250A1EF}</a:tableStyleId>
+              </a:tblPr>
+              <a:tblGrid>
+                <a:gridCol w="4114800"/>
+                <a:gridCol w="4114800"/>
+              </a:tblGrid>
+              <a:tr h="362152">
+                <a:tc>
+                  <a:txBody>
+                    <a:bodyPr/>
+                    <a:lstStyle/>
+                    <a:p>
+                      <a:pPr algn="ctr"/>
+                      <a:r>
+                        <a:rPr lang="en-US" dirty="0" err="1" smtClean="0"/>
+                        <a:t>Operador</a:t>
+                      </a:r>
+                      <a:endParaRPr lang="en-US" dirty="0"/>
+                    </a:p>
+                  </a:txBody>
+                  <a:tcPr/>
+                </a:tc>
+                <a:tc>
+                  <a:txBody>
+                    <a:bodyPr/>
+                    <a:lstStyle/>
+                    <a:p>
+                      <a:pPr algn="ctr"/>
+                      <a:r>
+                        <a:rPr lang="en-US" dirty="0" err="1" smtClean="0"/>
+                        <a:t>Descrição</a:t>
+                      </a:r>
+                      <a:endParaRPr lang="en-US" dirty="0"/>
+                    </a:p>
+                  </a:txBody>
+                  <a:tcPr/>
+                </a:tc>
+              </a:tr>
+              <a:tr h="362152">
+                <a:tc>
+                  <a:txBody>
+                    <a:bodyPr/>
+                    <a:lstStyle/>
+                    <a:p>
+                      <a:pPr algn="ctr"/>
+                      <a:r>
+                        <a:rPr lang="en-US" dirty="0" smtClean="0"/>
+                        <a:t>==</a:t>
+                      </a:r>
+                      <a:endParaRPr lang="en-US" dirty="0"/>
+                    </a:p>
+                  </a:txBody>
+                  <a:tcPr/>
+                </a:tc>
+                <a:tc>
+                  <a:txBody>
+                    <a:bodyPr/>
+                    <a:lstStyle/>
+                    <a:p>
+                      <a:pPr algn="ctr"/>
+                      <a:r>
+                        <a:rPr lang="en-US" dirty="0" err="1" smtClean="0"/>
+                        <a:t>Igualdade</a:t>
+                      </a:r>
+                      <a:endParaRPr lang="en-US" dirty="0"/>
+                    </a:p>
+                  </a:txBody>
+                  <a:tcPr/>
+                </a:tc>
+              </a:tr>
+              <a:tr h="362152">
+                <a:tc>
+                  <a:txBody>
+                    <a:bodyPr/>
+                    <a:lstStyle/>
+                    <a:p>
+                      <a:pPr algn="ctr"/>
+                      <a:r>
+                        <a:rPr lang="en-US" dirty="0" smtClean="0"/>
+                        <a:t>=</a:t>
+                      </a:r>
+                      <a:endParaRPr lang="en-US" dirty="0"/>
+                    </a:p>
+                  </a:txBody>
+                  <a:tcPr/>
+                </a:tc>
+                <a:tc>
+                  <a:txBody>
+                    <a:bodyPr/>
+                    <a:lstStyle/>
+                    <a:p>
+                      <a:pPr algn="ctr"/>
+                      <a:r>
+                        <a:rPr lang="en-US" dirty="0" err="1" smtClean="0"/>
+                        <a:t>Atribuição</a:t>
+                      </a:r>
+                      <a:endParaRPr lang="en-US" dirty="0"/>
+                    </a:p>
+                  </a:txBody>
+                  <a:tcPr/>
+                </a:tc>
+              </a:tr>
+              <a:tr h="362152">
+                <a:tc>
+                  <a:txBody>
+                    <a:bodyPr/>
+                    <a:lstStyle/>
+                    <a:p>
+                      <a:pPr algn="ctr"/>
+                      <a:r>
+                        <a:rPr lang="en-US" dirty="0" smtClean="0"/>
+                        <a:t>!=</a:t>
+                      </a:r>
+                      <a:endParaRPr lang="en-US" dirty="0"/>
+                    </a:p>
+                  </a:txBody>
+                  <a:tcPr/>
+                </a:tc>
+                <a:tc>
+                  <a:txBody>
+                    <a:bodyPr/>
+                    <a:lstStyle/>
+                    <a:p>
+                      <a:pPr algn="ctr"/>
+                      <a:r>
+                        <a:rPr lang="en-US" smtClean="0"/>
+                        <a:t>Diferente</a:t>
+                      </a:r>
+                      <a:endParaRPr lang="en-US"/>
+                    </a:p>
+                  </a:txBody>
+                  <a:tcPr/>
+                </a:tc>
+              </a:tr>
+              <a:tr h="625084">
+                <a:tc>
+                  <a:txBody>
+                    <a:bodyPr/>
+                    <a:lstStyle/>
+                    <a:p>
+                      <a:pPr algn="ctr"/>
+                      <a:r>
+                        <a:rPr lang="en-US" dirty="0" smtClean="0"/>
+                        <a:t>&lt;, &lt;=, &gt;, &gt;=</a:t>
+                      </a:r>
+                      <a:endParaRPr lang="en-US" dirty="0"/>
+                    </a:p>
+                  </a:txBody>
+                  <a:tcPr/>
+                </a:tc>
+                <a:tc>
+                  <a:txBody>
+                    <a:bodyPr/>
+                    <a:lstStyle/>
+                    <a:p>
+                      <a:pPr algn="ctr"/>
+                      <a:r>
+                        <a:rPr lang="en-US" dirty="0" err="1" smtClean="0"/>
+                        <a:t>Menor</a:t>
+                      </a:r>
+                      <a:r>
+                        <a:rPr lang="en-US" dirty="0" smtClean="0"/>
+                        <a:t>, </a:t>
+                      </a:r>
+                      <a:r>
+                        <a:rPr lang="en-US" dirty="0" err="1" smtClean="0"/>
+                        <a:t>menor</a:t>
+                      </a:r>
+                      <a:r>
+                        <a:rPr lang="en-US" dirty="0" smtClean="0"/>
+                        <a:t> </a:t>
+                      </a:r>
+                      <a:r>
+                        <a:rPr lang="en-US" dirty="0" err="1" smtClean="0"/>
+                        <a:t>ou</a:t>
+                      </a:r>
+                      <a:r>
+                        <a:rPr lang="en-US" baseline="0" dirty="0" smtClean="0"/>
+                        <a:t> </a:t>
+                      </a:r>
+                      <a:r>
+                        <a:rPr lang="en-US" baseline="0" dirty="0" err="1" smtClean="0"/>
+                        <a:t>igual</a:t>
+                      </a:r>
+                      <a:r>
+                        <a:rPr lang="en-US" baseline="0" dirty="0" smtClean="0"/>
+                        <a:t>, </a:t>
+                      </a:r>
+                      <a:r>
+                        <a:rPr lang="en-US" baseline="0" dirty="0" err="1" smtClean="0"/>
+                        <a:t>maior</a:t>
+                      </a:r>
+                      <a:r>
+                        <a:rPr lang="en-US" baseline="0" dirty="0" smtClean="0"/>
+                        <a:t> e </a:t>
+                      </a:r>
+                      <a:r>
+                        <a:rPr lang="en-US" baseline="0" dirty="0" err="1" smtClean="0"/>
+                        <a:t>maior</a:t>
+                      </a:r>
+                      <a:r>
+                        <a:rPr lang="en-US" baseline="0" dirty="0" smtClean="0"/>
+                        <a:t> </a:t>
+                      </a:r>
+                      <a:r>
+                        <a:rPr lang="en-US" baseline="0" dirty="0" err="1" smtClean="0"/>
+                        <a:t>ou</a:t>
+                      </a:r>
+                      <a:r>
+                        <a:rPr lang="en-US" baseline="0" dirty="0" smtClean="0"/>
+                        <a:t> </a:t>
+                      </a:r>
+                      <a:r>
+                        <a:rPr lang="en-US" baseline="0" dirty="0" err="1" smtClean="0"/>
+                        <a:t>igual</a:t>
+                      </a:r>
+                      <a:endParaRPr lang="en-US" dirty="0"/>
+                    </a:p>
+                  </a:txBody>
+                  <a:tcPr/>
+                </a:tc>
+              </a:tr>
+              <a:tr h="362152">
+                <a:tc>
+                  <a:txBody>
+                    <a:bodyPr/>
+                    <a:lstStyle/>
+                    <a:p>
+                      <a:pPr algn="ctr"/>
+                      <a:r>
+                        <a:rPr lang="en-US" dirty="0" smtClean="0"/>
+                        <a:t>&amp;&amp;</a:t>
+                      </a:r>
+                      <a:endParaRPr lang="en-US" dirty="0"/>
+                    </a:p>
+                  </a:txBody>
+                  <a:tcPr/>
+                </a:tc>
+                <a:tc>
+                  <a:txBody>
+                    <a:bodyPr/>
+                    <a:lstStyle/>
+                    <a:p>
+                      <a:pPr algn="ctr"/>
+                      <a:r>
+                        <a:rPr lang="en-US" dirty="0" err="1" smtClean="0"/>
+                        <a:t>Operador</a:t>
+                      </a:r>
+                      <a:r>
+                        <a:rPr lang="en-US" dirty="0" smtClean="0"/>
+                        <a:t> E (and)</a:t>
+                      </a:r>
+                      <a:endParaRPr lang="en-US" dirty="0"/>
+                    </a:p>
+                  </a:txBody>
+                  <a:tcPr/>
+                </a:tc>
+              </a:tr>
+              <a:tr h="362152">
+                <a:tc>
+                  <a:txBody>
+                    <a:bodyPr/>
+                    <a:lstStyle/>
+                    <a:p>
+                      <a:pPr algn="ctr"/>
+                      <a:r>
+                        <a:rPr lang="en-US" dirty="0" smtClean="0"/>
+                        <a:t>||</a:t>
+                      </a:r>
+                      <a:endParaRPr lang="en-US" dirty="0"/>
+                    </a:p>
+                  </a:txBody>
+                  <a:tcPr/>
+                </a:tc>
+                <a:tc>
+                  <a:txBody>
+                    <a:bodyPr/>
+                    <a:lstStyle/>
+                    <a:p>
+                      <a:pPr algn="ctr"/>
+                      <a:r>
+                        <a:rPr lang="en-US" dirty="0" err="1" smtClean="0"/>
+                        <a:t>Operador</a:t>
+                      </a:r>
+                      <a:r>
+                        <a:rPr lang="en-US" dirty="0" smtClean="0"/>
+                        <a:t> </a:t>
+                      </a:r>
+                      <a:r>
+                        <a:rPr lang="en-US" dirty="0" err="1" smtClean="0"/>
+                        <a:t>Ou</a:t>
+                      </a:r>
+                      <a:r>
+                        <a:rPr lang="en-US" baseline="0" dirty="0" smtClean="0"/>
+                        <a:t> (or)</a:t>
+                      </a:r>
+                      <a:endParaRPr lang="en-US" dirty="0"/>
+                    </a:p>
+                  </a:txBody>
+                  <a:tcPr/>
+                </a:tc>
+              </a:tr>
+              <a:tr h="362152">
+                <a:tc>
+                  <a:txBody>
+                    <a:bodyPr/>
+                    <a:lstStyle/>
+                    <a:p>
+                      <a:pPr algn="ctr"/>
+                      <a:r>
+                        <a:rPr lang="en-US" dirty="0" smtClean="0"/>
+                        <a:t>!</a:t>
+                      </a:r>
+                      <a:endParaRPr lang="en-US" dirty="0"/>
+                    </a:p>
+                  </a:txBody>
+                  <a:tcPr/>
+                </a:tc>
+                <a:tc>
+                  <a:txBody>
+                    <a:bodyPr/>
+                    <a:lstStyle/>
+                    <a:p>
+                      <a:pPr algn="ctr"/>
+                      <a:r>
+                        <a:rPr lang="en-US" dirty="0" err="1" smtClean="0"/>
+                        <a:t>Operador</a:t>
+                      </a:r>
+                      <a:r>
+                        <a:rPr lang="en-US" dirty="0" smtClean="0"/>
+                        <a:t> de</a:t>
+                      </a:r>
+                      <a:r>
+                        <a:rPr lang="en-US" baseline="0" dirty="0" smtClean="0"/>
+                        <a:t> </a:t>
+                      </a:r>
+                      <a:r>
+                        <a:rPr lang="en-US" baseline="0" dirty="0" err="1" smtClean="0"/>
+                        <a:t>negação</a:t>
+                      </a:r>
+                      <a:endParaRPr lang="en-US" dirty="0"/>
+                    </a:p>
+                  </a:txBody>
+                  <a:tcPr/>
+                </a:tc>
+              </a:tr>
+              <a:tr h="362152">
+                <a:tc>
+                  <a:txBody>
+                    <a:bodyPr/>
+                    <a:lstStyle/>
+                    <a:p>
+                      <a:pPr algn="ctr"/>
+                      <a:r>
+                        <a:rPr lang="en-US" dirty="0" smtClean="0"/>
+                        <a:t>*</a:t>
+                      </a:r>
+                      <a:endParaRPr lang="en-US" dirty="0"/>
+                    </a:p>
+                  </a:txBody>
+                  <a:tcPr/>
+                </a:tc>
+                <a:tc>
+                  <a:txBody>
+                    <a:bodyPr/>
+                    <a:lstStyle/>
+                    <a:p>
+                      <a:pPr algn="ctr"/>
+                      <a:r>
+                        <a:rPr lang="en-US" dirty="0" err="1" smtClean="0"/>
+                        <a:t>Multiplicação</a:t>
+                      </a:r>
+                      <a:endParaRPr lang="en-US" dirty="0" smtClean="0"/>
+                    </a:p>
+                  </a:txBody>
+                  <a:tcPr/>
+                </a:tc>
+              </a:tr>
+              <a:tr h="362152">
+                <a:tc>
+                  <a:txBody>
+                    <a:bodyPr/>
+                    <a:lstStyle/>
+                    <a:p>
+                      <a:pPr algn="ctr"/>
+                      <a:r>
+                        <a:rPr lang="en-US" dirty="0" smtClean="0"/>
+                        <a:t>/</a:t>
+                      </a:r>
+                      <a:endParaRPr lang="en-US" dirty="0"/>
+                    </a:p>
+                  </a:txBody>
+                  <a:tcPr/>
+                </a:tc>
+                <a:tc>
+                  <a:txBody>
+                    <a:bodyPr/>
+                    <a:lstStyle/>
+                    <a:p>
+                      <a:pPr algn="ctr"/>
+                      <a:r>
+                        <a:rPr lang="en-US" dirty="0" err="1" smtClean="0"/>
+                        <a:t>Divisão</a:t>
+                      </a:r>
+                      <a:endParaRPr lang="en-US" dirty="0" smtClean="0"/>
+                    </a:p>
+                  </a:txBody>
+                  <a:tcPr/>
+                </a:tc>
+              </a:tr>
+              <a:tr h="362152">
+                <a:tc>
+                  <a:txBody>
+                    <a:bodyPr/>
+                    <a:lstStyle/>
+                    <a:p>
+                      <a:pPr algn="ctr"/>
+                      <a:r>
+                        <a:rPr lang="en-US" dirty="0" smtClean="0"/>
+                        <a:t>+</a:t>
+                      </a:r>
+                      <a:endParaRPr lang="en-US" dirty="0"/>
+                    </a:p>
+                  </a:txBody>
+                  <a:tcPr/>
+                </a:tc>
+                <a:tc>
+                  <a:txBody>
+                    <a:bodyPr/>
+                    <a:lstStyle/>
+                    <a:p>
+                      <a:pPr algn="ctr"/>
+                      <a:r>
+                        <a:rPr lang="en-US" dirty="0" smtClean="0"/>
+                        <a:t>Soma</a:t>
+                      </a:r>
+                    </a:p>
+                  </a:txBody>
+                  <a:tcPr/>
+                </a:tc>
+              </a:tr>
+              <a:tr h="357191">
+                <a:tc>
+                  <a:txBody>
+                    <a:bodyPr/>
+                    <a:lstStyle/>
+                    <a:p>
+                      <a:pPr algn="ctr"/>
+                      <a:r>
+                        <a:rPr lang="en-US" dirty="0" smtClean="0"/>
+                        <a:t>-</a:t>
+                      </a:r>
+                      <a:endParaRPr lang="en-US" dirty="0"/>
+                    </a:p>
+                  </a:txBody>
+                  <a:tcPr/>
+                </a:tc>
+                <a:tc>
+                  <a:txBody>
+                    <a:bodyPr/>
+                    <a:lstStyle/>
+                    <a:p>
+                      <a:pPr algn="ctr"/>
+                      <a:r>
+                        <a:rPr lang="en-US" dirty="0" err="1" smtClean="0"/>
+                        <a:t>Subtracão</a:t>
+                      </a:r>
+                      <a:endParaRPr lang="en-US" dirty="0" smtClean="0"/>
+                    </a:p>
+                  </a:txBody>
+                  <a:tcPr/>
+                </a:tc>
+              </a:tr>
+            </a:tbl>
+          </a:graphicData>
+        </a:graphic>
+      </p:graphicFrame>
+      <p:sp>
+        <p:nvSpPr>
+          <p:cNvPr id="5" name="Rectangle 4"/>
+          <p:cNvSpPr/>
+          <p:nvPr/>
+        </p:nvSpPr>
+        <p:spPr>
+          <a:xfrm>
+            <a:off x="457200" y="6364431"/>
+            <a:ext cx="4532010" cy="369332"/>
+          </a:xfrm>
+          <a:prstGeom prst="rect">
+            <a:avLst/>
+          </a:prstGeom>
+        </p:spPr>
+        <p:txBody>
+          <a:bodyPr wrap="none">
+            <a:spAutoFit/>
+          </a:bodyPr>
+          <a:lstStyle/>
+          <a:p>
+            <a:r>
+              <a:rPr lang="en-US" dirty="0"/>
+              <a:t>http://</a:t>
+            </a:r>
+            <a:r>
+              <a:rPr lang="en-US" dirty="0" err="1"/>
+              <a:t>pt.wikibooks.org</a:t>
+            </a:r>
+            <a:r>
+              <a:rPr lang="en-US" dirty="0"/>
+              <a:t>/wiki/Java/</a:t>
+            </a:r>
+            <a:r>
+              <a:rPr lang="en-US" dirty="0" err="1"/>
+              <a:t>Operadores</a:t>
+            </a:r>
+            <a:endParaRPr lang="en-US" dirty="0"/>
+          </a:p>
+        </p:txBody>
+      </p:sp>
+    </p:spTree>
+    <p:extLst>
+      <p:ext uri="{BB962C8B-B14F-4D97-AF65-F5344CB8AC3E}">
+        <p14:creationId xmlns:p14="http://schemas.microsoft.com/office/powerpoint/2010/main" val="1625914501"/>
+      </p:ext>
+    </p:extLst>
+  </p:cSld>
+  <p:clrMapOvr>
+    <a:masterClrMapping/>
+  </p:clrMapOvr>
+</p:sld>
+</file>
+
+<file path=ppt/slides/slide25.xml><?xml version="1.0" encoding="utf-8"?>
+<p:sld xmlns:a="http://schemas.openxmlformats.org/drawingml/2006/main" xmlns:r="http://schemas.openxmlformats.org/officeDocument/2006/relationships" xmlns:p="http://schemas.openxmlformats.org/presentationml/2006/main">
+  <p:cSld>
+    <p:spTree>
+      <p:nvGrpSpPr>
+        <p:cNvPr id="1" name=""/>
+        <p:cNvGrpSpPr/>
+        <p:nvPr/>
+      </p:nvGrpSpPr>
+      <p:grpSpPr>
+        <a:xfrm>
+          <a:off x="0" y="0"/>
+          <a:ext cx="0" cy="0"/>
+          <a:chOff x="0" y="0"/>
+          <a:chExt cx="0" cy="0"/>
+        </a:xfrm>
+      </p:grpSpPr>
+      <p:sp>
+        <p:nvSpPr>
+          <p:cNvPr id="2" name="Title 1"/>
+          <p:cNvSpPr>
+            <a:spLocks noGrp="1"/>
+          </p:cNvSpPr>
+          <p:nvPr>
+            <p:ph type="title"/>
+          </p:nvPr>
+        </p:nvSpPr>
+        <p:spPr/>
+        <p:txBody>
+          <a:bodyPr/>
+          <a:lstStyle/>
+          <a:p>
+            <a:r>
+              <a:rPr lang="en-US" dirty="0" err="1" smtClean="0"/>
+              <a:t>Tipos</a:t>
+            </a:r>
+            <a:r>
+              <a:rPr lang="en-US" dirty="0" smtClean="0"/>
+              <a:t> de Dados</a:t>
+            </a:r>
+            <a:endParaRPr lang="en-US" dirty="0"/>
+          </a:p>
+        </p:txBody>
+      </p:sp>
+      <p:graphicFrame>
+        <p:nvGraphicFramePr>
+          <p:cNvPr id="5" name="Content Placeholder 4"/>
+          <p:cNvGraphicFramePr>
+            <a:graphicFrameLocks noGrp="1"/>
+          </p:cNvGraphicFramePr>
+          <p:nvPr>
+            <p:ph idx="1"/>
+            <p:extLst>
+              <p:ext uri="{D42A27DB-BD31-4B8C-83A1-F6EECF244321}">
+                <p14:modId xmlns:p14="http://schemas.microsoft.com/office/powerpoint/2010/main" val="3455079262"/>
+              </p:ext>
+            </p:extLst>
+          </p:nvPr>
+        </p:nvGraphicFramePr>
+        <p:xfrm>
+          <a:off x="457200" y="1600200"/>
+          <a:ext cx="8229600" cy="4587239"/>
+        </p:xfrm>
+        <a:graphic>
+          <a:graphicData uri="http://schemas.openxmlformats.org/drawingml/2006/table">
+            <a:tbl>
+              <a:tblPr firstRow="1" bandRow="1">
+                <a:tableStyleId>{9D7B26C5-4107-4FEC-AEDC-1716B250A1EF}</a:tableStyleId>
+              </a:tblPr>
+              <a:tblGrid>
+                <a:gridCol w="1337433"/>
+                <a:gridCol w="6892167"/>
+              </a:tblGrid>
+              <a:tr h="370840">
+                <a:tc>
+                  <a:txBody>
+                    <a:bodyPr/>
+                    <a:lstStyle/>
+                    <a:p>
+                      <a:r>
+                        <a:rPr lang="en-US" dirty="0" err="1" smtClean="0"/>
+                        <a:t>Tipo</a:t>
+                      </a:r>
+                      <a:endParaRPr lang="en-US" dirty="0"/>
+                    </a:p>
+                  </a:txBody>
+                  <a:tcPr/>
+                </a:tc>
+                <a:tc>
+                  <a:txBody>
+                    <a:bodyPr/>
+                    <a:lstStyle/>
+                    <a:p>
+                      <a:r>
+                        <a:rPr lang="en-US" dirty="0" err="1" smtClean="0"/>
+                        <a:t>Descrição</a:t>
+                      </a:r>
+                      <a:endParaRPr lang="en-US" dirty="0"/>
+                    </a:p>
+                  </a:txBody>
+                  <a:tcPr/>
+                </a:tc>
+              </a:tr>
+              <a:tr h="370840">
+                <a:tc>
+                  <a:txBody>
+                    <a:bodyPr/>
+                    <a:lstStyle/>
+                    <a:p>
+                      <a:r>
+                        <a:rPr lang="en-US" dirty="0" err="1" smtClean="0"/>
+                        <a:t>boolean</a:t>
+                      </a:r>
+                      <a:endParaRPr lang="en-US" dirty="0"/>
+                    </a:p>
+                  </a:txBody>
+                  <a:tcPr/>
+                </a:tc>
+                <a:tc>
+                  <a:txBody>
+                    <a:bodyPr/>
+                    <a:lstStyle/>
+                    <a:p>
+                      <a:r>
+                        <a:rPr lang="en-US" dirty="0" err="1" smtClean="0"/>
+                        <a:t>Pode</a:t>
+                      </a:r>
+                      <a:r>
+                        <a:rPr lang="en-US" dirty="0" smtClean="0"/>
+                        <a:t> </a:t>
+                      </a:r>
+                      <a:r>
+                        <a:rPr lang="en-US" dirty="0" err="1" smtClean="0"/>
+                        <a:t>assumir</a:t>
+                      </a:r>
+                      <a:r>
+                        <a:rPr lang="en-US" baseline="0" dirty="0" smtClean="0"/>
+                        <a:t> o valor </a:t>
+                      </a:r>
+                      <a:r>
+                        <a:rPr lang="en-US" b="1" baseline="0" dirty="0" smtClean="0"/>
+                        <a:t>true</a:t>
+                      </a:r>
+                      <a:r>
+                        <a:rPr lang="en-US" baseline="0" dirty="0" smtClean="0"/>
+                        <a:t> </a:t>
+                      </a:r>
+                      <a:r>
+                        <a:rPr lang="en-US" baseline="0" dirty="0" err="1" smtClean="0"/>
+                        <a:t>ou</a:t>
+                      </a:r>
+                      <a:r>
+                        <a:rPr lang="en-US" baseline="0" dirty="0" smtClean="0"/>
+                        <a:t> </a:t>
+                      </a:r>
+                      <a:r>
+                        <a:rPr lang="en-US" b="1" baseline="0" dirty="0" smtClean="0"/>
+                        <a:t>false</a:t>
+                      </a:r>
+                      <a:endParaRPr lang="en-US" b="1" dirty="0"/>
+                    </a:p>
+                  </a:txBody>
+                  <a:tcPr/>
+                </a:tc>
+              </a:tr>
+              <a:tr h="370840">
+                <a:tc>
+                  <a:txBody>
+                    <a:bodyPr/>
+                    <a:lstStyle/>
+                    <a:p>
+                      <a:r>
+                        <a:rPr lang="en-US" dirty="0" smtClean="0"/>
+                        <a:t>byte</a:t>
+                      </a:r>
+                      <a:endParaRPr lang="en-US" dirty="0"/>
+                    </a:p>
+                  </a:txBody>
+                  <a:tcPr/>
+                </a:tc>
+                <a:tc>
+                  <a:txBody>
+                    <a:bodyPr/>
+                    <a:lstStyle/>
+                    <a:p>
+                      <a:r>
+                        <a:rPr lang="en-US" b="0" dirty="0" err="1" smtClean="0"/>
+                        <a:t>Capaz</a:t>
+                      </a:r>
+                      <a:r>
+                        <a:rPr lang="en-US" b="0" baseline="0" dirty="0" smtClean="0"/>
+                        <a:t> de </a:t>
+                      </a:r>
+                      <a:r>
+                        <a:rPr lang="en-US" b="0" baseline="0" dirty="0" err="1" smtClean="0"/>
+                        <a:t>armazenar</a:t>
+                      </a:r>
+                      <a:r>
+                        <a:rPr lang="en-US" b="0" baseline="0" dirty="0" smtClean="0"/>
+                        <a:t> 8 bits, </a:t>
+                      </a:r>
+                      <a:r>
+                        <a:rPr lang="en-US" b="0" baseline="0" dirty="0" err="1" smtClean="0"/>
+                        <a:t>ou</a:t>
+                      </a:r>
+                      <a:r>
+                        <a:rPr lang="en-US" b="0" baseline="0" dirty="0" smtClean="0"/>
+                        <a:t> </a:t>
+                      </a:r>
+                      <a:r>
+                        <a:rPr lang="en-US" b="0" baseline="0" dirty="0" err="1" smtClean="0"/>
+                        <a:t>seja</a:t>
+                      </a:r>
+                      <a:r>
+                        <a:rPr lang="en-US" b="0" baseline="0" dirty="0" smtClean="0"/>
+                        <a:t>, </a:t>
+                      </a:r>
+                      <a:r>
+                        <a:rPr lang="en-US" b="0" baseline="0" dirty="0" err="1" smtClean="0"/>
+                        <a:t>números</a:t>
+                      </a:r>
+                      <a:r>
+                        <a:rPr lang="en-US" b="0" baseline="0" dirty="0" smtClean="0"/>
+                        <a:t> </a:t>
+                      </a:r>
+                      <a:r>
+                        <a:rPr lang="en-US" b="0" baseline="0" dirty="0" err="1" smtClean="0"/>
+                        <a:t>inteiros</a:t>
+                      </a:r>
+                      <a:r>
+                        <a:rPr lang="en-US" b="0" baseline="0" dirty="0" smtClean="0"/>
+                        <a:t> entre -128 e 127</a:t>
+                      </a:r>
+                      <a:endParaRPr lang="en-US" b="0" dirty="0"/>
+                    </a:p>
+                  </a:txBody>
+                  <a:tcPr/>
+                </a:tc>
+              </a:tr>
+              <a:tr h="370840">
+                <a:tc>
+                  <a:txBody>
+                    <a:bodyPr/>
+                    <a:lstStyle/>
+                    <a:p>
+                      <a:r>
+                        <a:rPr lang="en-US" dirty="0" smtClean="0"/>
+                        <a:t>short</a:t>
+                      </a:r>
+                      <a:endParaRPr lang="en-US" dirty="0"/>
+                    </a:p>
+                  </a:txBody>
+                  <a:tcPr/>
+                </a:tc>
+                <a:tc>
+                  <a:txBody>
+                    <a:bodyPr/>
+                    <a:lstStyle/>
+                    <a:p>
+                      <a:r>
+                        <a:rPr lang="en-US" b="0" dirty="0" err="1" smtClean="0"/>
+                        <a:t>Capaz</a:t>
+                      </a:r>
+                      <a:r>
+                        <a:rPr lang="en-US" b="0" dirty="0" smtClean="0"/>
+                        <a:t> de </a:t>
+                      </a:r>
+                      <a:r>
+                        <a:rPr lang="en-US" b="0" dirty="0" err="1" smtClean="0"/>
+                        <a:t>armazenar</a:t>
+                      </a:r>
+                      <a:r>
+                        <a:rPr lang="en-US" b="0" dirty="0" smtClean="0"/>
+                        <a:t> 16bits,</a:t>
+                      </a:r>
+                      <a:r>
+                        <a:rPr lang="en-US" b="0" baseline="0" dirty="0" smtClean="0"/>
+                        <a:t> </a:t>
+                      </a:r>
+                      <a:r>
+                        <a:rPr lang="en-US" b="0" baseline="0" dirty="0" err="1" smtClean="0"/>
+                        <a:t>ou</a:t>
+                      </a:r>
+                      <a:r>
+                        <a:rPr lang="en-US" b="0" baseline="0" dirty="0" smtClean="0"/>
+                        <a:t> </a:t>
+                      </a:r>
+                      <a:r>
+                        <a:rPr lang="en-US" b="0" baseline="0" dirty="0" err="1" smtClean="0"/>
+                        <a:t>seja</a:t>
+                      </a:r>
+                      <a:r>
+                        <a:rPr lang="en-US" b="0" baseline="0" dirty="0" smtClean="0"/>
+                        <a:t>, </a:t>
+                      </a:r>
+                      <a:r>
+                        <a:rPr lang="en-US" b="0" baseline="0" dirty="0" err="1" smtClean="0"/>
+                        <a:t>números</a:t>
+                      </a:r>
+                      <a:r>
+                        <a:rPr lang="en-US" b="0" baseline="0" dirty="0" smtClean="0"/>
+                        <a:t> </a:t>
+                      </a:r>
+                      <a:r>
+                        <a:rPr lang="en-US" b="0" baseline="0" dirty="0" err="1" smtClean="0"/>
+                        <a:t>inteiros</a:t>
+                      </a:r>
+                      <a:r>
+                        <a:rPr lang="en-US" b="0" baseline="0" dirty="0" smtClean="0"/>
+                        <a:t> entre -32.768 e 32.767</a:t>
+                      </a:r>
+                      <a:endParaRPr lang="en-US" b="0" dirty="0"/>
+                    </a:p>
+                  </a:txBody>
+                  <a:tcPr/>
+                </a:tc>
+              </a:tr>
+              <a:tr h="370840">
+                <a:tc>
+                  <a:txBody>
+                    <a:bodyPr/>
+                    <a:lstStyle/>
+                    <a:p>
+                      <a:r>
+                        <a:rPr lang="en-US" dirty="0" err="1" smtClean="0"/>
+                        <a:t>int</a:t>
+                      </a:r>
+                      <a:endParaRPr lang="en-US" dirty="0"/>
+                    </a:p>
+                  </a:txBody>
+                  <a:tcPr/>
+                </a:tc>
+                <a:tc>
+                  <a:txBody>
+                    <a:bodyPr/>
+                    <a:lstStyle/>
+                    <a:p>
+                      <a:r>
+                        <a:rPr lang="en-US" b="0" dirty="0" err="1" smtClean="0"/>
+                        <a:t>Capaz</a:t>
+                      </a:r>
+                      <a:r>
+                        <a:rPr lang="en-US" b="0" baseline="0" dirty="0" smtClean="0"/>
+                        <a:t> de </a:t>
+                      </a:r>
+                      <a:r>
+                        <a:rPr lang="en-US" b="0" baseline="0" dirty="0" err="1" smtClean="0"/>
+                        <a:t>armazenar</a:t>
+                      </a:r>
+                      <a:r>
+                        <a:rPr lang="en-US" b="0" baseline="0" dirty="0" smtClean="0"/>
+                        <a:t> 32bits, </a:t>
+                      </a:r>
+                      <a:r>
+                        <a:rPr lang="en-US" b="0" baseline="0" dirty="0" err="1" smtClean="0"/>
+                        <a:t>números</a:t>
+                      </a:r>
+                      <a:r>
+                        <a:rPr lang="en-US" b="0" baseline="0" dirty="0" smtClean="0"/>
+                        <a:t> </a:t>
+                      </a:r>
+                      <a:r>
+                        <a:rPr lang="en-US" b="0" baseline="0" dirty="0" err="1" smtClean="0"/>
+                        <a:t>inteiros</a:t>
+                      </a:r>
+                      <a:r>
+                        <a:rPr lang="en-US" b="0" baseline="0" dirty="0" smtClean="0"/>
+                        <a:t> entre -2.147.483.648 e 2.147.483.647</a:t>
+                      </a:r>
+                      <a:endParaRPr lang="en-US" b="0" dirty="0"/>
+                    </a:p>
+                  </a:txBody>
+                  <a:tcPr/>
+                </a:tc>
+              </a:tr>
+              <a:tr h="370840">
+                <a:tc>
+                  <a:txBody>
+                    <a:bodyPr/>
+                    <a:lstStyle/>
+                    <a:p>
+                      <a:r>
+                        <a:rPr lang="en-US" dirty="0" smtClean="0"/>
+                        <a:t>long</a:t>
+                      </a:r>
+                      <a:endParaRPr lang="en-US" dirty="0"/>
+                    </a:p>
+                  </a:txBody>
+                  <a:tcPr/>
+                </a:tc>
+                <a:tc>
+                  <a:txBody>
+                    <a:bodyPr/>
+                    <a:lstStyle/>
+                    <a:p>
+                      <a:pPr marL="0" marR="0" indent="0" algn="l" defTabSz="457200" rtl="0" eaLnBrk="1" fontAlgn="auto" latinLnBrk="0" hangingPunct="1">
+                        <a:lnSpc>
+                          <a:spcPct val="100000"/>
+                        </a:lnSpc>
+                        <a:spcBef>
+                          <a:spcPts val="0"/>
+                        </a:spcBef>
+                        <a:spcAft>
+                          <a:spcPts val="0"/>
+                        </a:spcAft>
+                        <a:buClrTx/>
+                        <a:buSzTx/>
+                        <a:buFontTx/>
+                        <a:buNone/>
+                        <a:tabLst/>
+                        <a:defRPr/>
+                      </a:pPr>
+                      <a:r>
+                        <a:rPr lang="en-US" b="0" dirty="0" err="1" smtClean="0"/>
+                        <a:t>Capaz</a:t>
+                      </a:r>
+                      <a:r>
+                        <a:rPr lang="en-US" b="0" dirty="0" smtClean="0"/>
+                        <a:t> de </a:t>
+                      </a:r>
+                      <a:r>
+                        <a:rPr lang="en-US" b="0" dirty="0" err="1" smtClean="0"/>
+                        <a:t>armazenar</a:t>
+                      </a:r>
+                      <a:r>
+                        <a:rPr lang="en-US" b="0" dirty="0" smtClean="0"/>
+                        <a:t> 64bits,</a:t>
+                      </a:r>
+                      <a:r>
+                        <a:rPr lang="en-US" b="0" baseline="0" dirty="0" smtClean="0"/>
+                        <a:t> </a:t>
+                      </a:r>
+                      <a:r>
+                        <a:rPr lang="en-US" b="0" baseline="0" dirty="0" err="1" smtClean="0"/>
+                        <a:t>números</a:t>
+                      </a:r>
+                      <a:r>
+                        <a:rPr lang="en-US" b="0" baseline="0" dirty="0" smtClean="0"/>
+                        <a:t> </a:t>
+                      </a:r>
+                      <a:r>
+                        <a:rPr lang="en-US" b="0" baseline="0" dirty="0" err="1" smtClean="0"/>
+                        <a:t>inteiros</a:t>
+                      </a:r>
+                      <a:r>
+                        <a:rPr lang="en-US" b="0" baseline="0" dirty="0" smtClean="0"/>
+                        <a:t> entre -9.223.372.036.854.775.808L e -9.223.372.036.854.775.807L </a:t>
+                      </a:r>
+                    </a:p>
+                    <a:p>
+                      <a:pPr marL="0" marR="0" indent="0" algn="l" defTabSz="457200" rtl="0" eaLnBrk="1" fontAlgn="auto" latinLnBrk="0" hangingPunct="1">
+                        <a:lnSpc>
+                          <a:spcPct val="100000"/>
+                        </a:lnSpc>
+                        <a:spcBef>
+                          <a:spcPts val="0"/>
+                        </a:spcBef>
+                        <a:spcAft>
+                          <a:spcPts val="0"/>
+                        </a:spcAft>
+                        <a:buClrTx/>
+                        <a:buSzTx/>
+                        <a:buFontTx/>
+                        <a:buNone/>
+                        <a:tabLst/>
+                        <a:defRPr/>
+                      </a:pPr>
+                      <a:endParaRPr lang="en-US" b="0" dirty="0"/>
+                    </a:p>
+                  </a:txBody>
+                  <a:tcPr/>
+                </a:tc>
+              </a:tr>
+              <a:tr h="370840">
+                <a:tc>
+                  <a:txBody>
+                    <a:bodyPr/>
+                    <a:lstStyle/>
+                    <a:p>
+                      <a:r>
+                        <a:rPr lang="en-US" dirty="0" smtClean="0"/>
+                        <a:t>float</a:t>
+                      </a:r>
+                      <a:endParaRPr lang="en-US" dirty="0"/>
+                    </a:p>
+                  </a:txBody>
+                  <a:tcPr/>
+                </a:tc>
+                <a:tc>
+                  <a:txBody>
+                    <a:bodyPr/>
+                    <a:lstStyle/>
+                    <a:p>
+                      <a:pPr marL="0" marR="0" indent="0" algn="l" defTabSz="457200" rtl="0" eaLnBrk="1" fontAlgn="auto" latinLnBrk="0" hangingPunct="1">
+                        <a:lnSpc>
+                          <a:spcPct val="100000"/>
+                        </a:lnSpc>
+                        <a:spcBef>
+                          <a:spcPts val="0"/>
+                        </a:spcBef>
+                        <a:spcAft>
+                          <a:spcPts val="0"/>
+                        </a:spcAft>
+                        <a:buClrTx/>
+                        <a:buSzTx/>
+                        <a:buFontTx/>
+                        <a:buNone/>
+                        <a:tabLst/>
+                        <a:defRPr/>
+                      </a:pPr>
+                      <a:r>
+                        <a:rPr lang="en-US" b="0" dirty="0" err="1" smtClean="0"/>
+                        <a:t>Capaz</a:t>
+                      </a:r>
+                      <a:r>
+                        <a:rPr lang="en-US" b="0" baseline="0" dirty="0" smtClean="0"/>
+                        <a:t> de </a:t>
+                      </a:r>
+                      <a:r>
+                        <a:rPr lang="en-US" b="0" baseline="0" dirty="0" err="1" smtClean="0"/>
+                        <a:t>armazenar</a:t>
+                      </a:r>
+                      <a:r>
+                        <a:rPr lang="en-US" b="0" baseline="0" dirty="0" smtClean="0"/>
+                        <a:t> </a:t>
+                      </a:r>
+                      <a:r>
+                        <a:rPr lang="en-US" b="0" baseline="0" dirty="0" err="1" smtClean="0"/>
+                        <a:t>números</a:t>
+                      </a:r>
+                      <a:r>
+                        <a:rPr lang="en-US" b="0" baseline="0" dirty="0" smtClean="0"/>
+                        <a:t> </a:t>
+                      </a:r>
+                      <a:r>
+                        <a:rPr lang="en-US" b="0" baseline="0" dirty="0" err="1" smtClean="0"/>
+                        <a:t>reais</a:t>
+                      </a:r>
+                      <a:r>
+                        <a:rPr lang="en-US" b="0" baseline="0" dirty="0" smtClean="0"/>
+                        <a:t> de </a:t>
+                      </a:r>
+                      <a:r>
+                        <a:rPr lang="en-US" b="0" baseline="0" dirty="0" err="1" smtClean="0"/>
+                        <a:t>precisão</a:t>
+                      </a:r>
+                      <a:r>
+                        <a:rPr lang="en-US" b="0" baseline="0" dirty="0" smtClean="0"/>
+                        <a:t> simples, </a:t>
+                      </a:r>
+                      <a:r>
+                        <a:rPr lang="en-US" b="0" baseline="0" dirty="0" err="1" smtClean="0"/>
+                        <a:t>ou</a:t>
+                      </a:r>
+                      <a:r>
+                        <a:rPr lang="en-US" b="0" baseline="0" dirty="0" smtClean="0"/>
+                        <a:t> </a:t>
+                      </a:r>
+                      <a:r>
+                        <a:rPr lang="en-US" b="0" baseline="0" dirty="0" err="1" smtClean="0"/>
+                        <a:t>seja</a:t>
+                      </a:r>
+                      <a:r>
+                        <a:rPr lang="en-US" b="0" baseline="0" dirty="0" smtClean="0"/>
+                        <a:t>, 32bits de </a:t>
+                      </a:r>
+                      <a:r>
+                        <a:rPr lang="en-US" b="0" baseline="0" dirty="0" err="1" smtClean="0"/>
+                        <a:t>informação</a:t>
+                      </a:r>
+                      <a:r>
+                        <a:rPr lang="en-US" b="0" baseline="0" dirty="0" smtClean="0"/>
+                        <a:t> </a:t>
+                      </a:r>
+                      <a:r>
+                        <a:rPr lang="en-US" b="0" baseline="0" dirty="0" err="1" smtClean="0"/>
+                        <a:t>representando</a:t>
+                      </a:r>
+                      <a:r>
+                        <a:rPr lang="en-US" b="0" baseline="0" dirty="0" smtClean="0"/>
+                        <a:t> um </a:t>
+                      </a:r>
+                      <a:r>
+                        <a:rPr lang="en-US" b="0" baseline="0" dirty="0" err="1" smtClean="0"/>
+                        <a:t>número</a:t>
+                      </a:r>
+                      <a:r>
+                        <a:rPr lang="en-US" b="0" baseline="0" dirty="0" smtClean="0"/>
+                        <a:t> real</a:t>
+                      </a:r>
+                      <a:endParaRPr lang="en-US" b="0" dirty="0"/>
+                    </a:p>
+                  </a:txBody>
+                  <a:tcPr/>
+                </a:tc>
+              </a:tr>
+              <a:tr h="370840">
+                <a:tc>
+                  <a:txBody>
+                    <a:bodyPr/>
+                    <a:lstStyle/>
+                    <a:p>
+                      <a:r>
+                        <a:rPr lang="en-US" dirty="0" smtClean="0"/>
+                        <a:t>double</a:t>
+                      </a:r>
+                      <a:endParaRPr lang="en-US" dirty="0"/>
+                    </a:p>
+                  </a:txBody>
+                  <a:tcPr/>
+                </a:tc>
+                <a:tc>
+                  <a:txBody>
+                    <a:bodyPr/>
+                    <a:lstStyle/>
+                    <a:p>
+                      <a:pPr marL="0" marR="0" indent="0" algn="l" defTabSz="457200" rtl="0" eaLnBrk="1" fontAlgn="auto" latinLnBrk="0" hangingPunct="1">
+                        <a:lnSpc>
+                          <a:spcPct val="100000"/>
+                        </a:lnSpc>
+                        <a:spcBef>
+                          <a:spcPts val="0"/>
+                        </a:spcBef>
+                        <a:spcAft>
+                          <a:spcPts val="0"/>
+                        </a:spcAft>
+                        <a:buClrTx/>
+                        <a:buSzTx/>
+                        <a:buFontTx/>
+                        <a:buNone/>
+                        <a:tabLst/>
+                        <a:defRPr/>
+                      </a:pPr>
+                      <a:r>
+                        <a:rPr lang="en-US" b="0" dirty="0" err="1" smtClean="0"/>
+                        <a:t>Capaz</a:t>
+                      </a:r>
+                      <a:r>
+                        <a:rPr lang="en-US" b="0" dirty="0" smtClean="0"/>
+                        <a:t> de </a:t>
+                      </a:r>
+                      <a:r>
+                        <a:rPr lang="en-US" b="0" dirty="0" err="1" smtClean="0"/>
+                        <a:t>armazenar</a:t>
+                      </a:r>
+                      <a:r>
+                        <a:rPr lang="en-US" b="0" dirty="0" smtClean="0"/>
+                        <a:t> </a:t>
+                      </a:r>
+                      <a:r>
+                        <a:rPr lang="en-US" b="0" dirty="0" err="1" smtClean="0"/>
+                        <a:t>números</a:t>
+                      </a:r>
+                      <a:r>
+                        <a:rPr lang="en-US" b="0" dirty="0" smtClean="0"/>
+                        <a:t> </a:t>
+                      </a:r>
+                      <a:r>
+                        <a:rPr lang="en-US" b="0" dirty="0" err="1" smtClean="0"/>
+                        <a:t>reais</a:t>
+                      </a:r>
+                      <a:r>
+                        <a:rPr lang="en-US" b="0" dirty="0" smtClean="0"/>
+                        <a:t> de </a:t>
+                      </a:r>
+                      <a:r>
+                        <a:rPr lang="en-US" b="0" dirty="0" err="1" smtClean="0"/>
+                        <a:t>precisão</a:t>
+                      </a:r>
+                      <a:r>
+                        <a:rPr lang="en-US" b="0" dirty="0" smtClean="0"/>
+                        <a:t> </a:t>
+                      </a:r>
+                      <a:r>
+                        <a:rPr lang="en-US" b="0" dirty="0" err="1" smtClean="0"/>
+                        <a:t>dupla</a:t>
+                      </a:r>
+                      <a:r>
+                        <a:rPr lang="en-US" b="0" dirty="0" smtClean="0"/>
+                        <a:t>, </a:t>
+                      </a:r>
+                      <a:r>
+                        <a:rPr lang="en-US" b="0" dirty="0" err="1" smtClean="0"/>
+                        <a:t>ou</a:t>
+                      </a:r>
+                      <a:r>
+                        <a:rPr lang="en-US" b="0" baseline="0" dirty="0" smtClean="0"/>
+                        <a:t> </a:t>
+                      </a:r>
+                      <a:r>
+                        <a:rPr lang="en-US" b="0" baseline="0" dirty="0" err="1" smtClean="0"/>
+                        <a:t>seja</a:t>
+                      </a:r>
+                      <a:r>
+                        <a:rPr lang="en-US" b="0" baseline="0" dirty="0" smtClean="0"/>
+                        <a:t>, 64bits de </a:t>
+                      </a:r>
+                      <a:r>
+                        <a:rPr lang="en-US" b="0" baseline="0" dirty="0" err="1" smtClean="0"/>
+                        <a:t>informação</a:t>
+                      </a:r>
+                      <a:r>
+                        <a:rPr lang="en-US" b="0" baseline="0" dirty="0" smtClean="0"/>
+                        <a:t> </a:t>
+                      </a:r>
+                      <a:r>
+                        <a:rPr lang="en-US" b="0" baseline="0" dirty="0" err="1" smtClean="0"/>
+                        <a:t>em</a:t>
+                      </a:r>
+                      <a:r>
+                        <a:rPr lang="en-US" b="0" baseline="0" dirty="0" smtClean="0"/>
+                        <a:t> forma de </a:t>
+                      </a:r>
+                      <a:r>
+                        <a:rPr lang="en-US" b="0" baseline="0" dirty="0" err="1" smtClean="0"/>
+                        <a:t>número</a:t>
+                      </a:r>
+                      <a:r>
+                        <a:rPr lang="en-US" b="0" baseline="0" dirty="0" smtClean="0"/>
+                        <a:t> real</a:t>
+                      </a:r>
+                      <a:endParaRPr lang="en-US" b="0" dirty="0"/>
+                    </a:p>
+                  </a:txBody>
+                  <a:tcPr/>
+                </a:tc>
+              </a:tr>
+            </a:tbl>
+          </a:graphicData>
+        </a:graphic>
+      </p:graphicFrame>
+      <p:sp>
+        <p:nvSpPr>
+          <p:cNvPr id="4" name="Rectangle 3"/>
+          <p:cNvSpPr/>
+          <p:nvPr/>
+        </p:nvSpPr>
+        <p:spPr>
+          <a:xfrm>
+            <a:off x="457200" y="6310829"/>
+            <a:ext cx="7653506" cy="369332"/>
+          </a:xfrm>
+          <a:prstGeom prst="rect">
+            <a:avLst/>
+          </a:prstGeom>
+        </p:spPr>
+        <p:txBody>
+          <a:bodyPr wrap="square">
+            <a:spAutoFit/>
+          </a:bodyPr>
+          <a:lstStyle/>
+          <a:p>
+            <a:r>
+              <a:rPr lang="en-US" dirty="0"/>
+              <a:t>http://</a:t>
+            </a:r>
+            <a:r>
+              <a:rPr lang="en-US" dirty="0" err="1"/>
+              <a:t>pt.wikibooks.org</a:t>
+            </a:r>
+            <a:r>
+              <a:rPr lang="en-US" dirty="0"/>
+              <a:t>/wiki/Java/Tipos_de_dados_prim%C3%A1rios</a:t>
+            </a:r>
+          </a:p>
+        </p:txBody>
+      </p:sp>
+    </p:spTree>
+    <p:extLst>
+      <p:ext uri="{BB962C8B-B14F-4D97-AF65-F5344CB8AC3E}">
+        <p14:creationId xmlns:p14="http://schemas.microsoft.com/office/powerpoint/2010/main" val="2968552626"/>
+      </p:ext>
+    </p:extLst>
+  </p:cSld>
+  <p:clrMapOvr>
+    <a:masterClrMapping/>
+  </p:clrMapOvr>
+</p:sld>
+</file>
+
+<file path=ppt/slides/slide26.xml><?xml version="1.0" encoding="utf-8"?>
+<p:sld xmlns:a="http://schemas.openxmlformats.org/drawingml/2006/main" xmlns:r="http://schemas.openxmlformats.org/officeDocument/2006/relationships" xmlns:p="http://schemas.openxmlformats.org/presentationml/2006/main">
+  <p:cSld>
+    <p:spTree>
+      <p:nvGrpSpPr>
+        <p:cNvPr id="1" name=""/>
+        <p:cNvGrpSpPr/>
+        <p:nvPr/>
+      </p:nvGrpSpPr>
+      <p:grpSpPr>
+        <a:xfrm>
+          <a:off x="0" y="0"/>
+          <a:ext cx="0" cy="0"/>
+          <a:chOff x="0" y="0"/>
+          <a:chExt cx="0" cy="0"/>
+        </a:xfrm>
+      </p:grpSpPr>
+      <p:sp>
+        <p:nvSpPr>
+          <p:cNvPr id="2" name="Title 1"/>
+          <p:cNvSpPr>
+            <a:spLocks noGrp="1"/>
+          </p:cNvSpPr>
+          <p:nvPr>
+            <p:ph type="title"/>
+          </p:nvPr>
+        </p:nvSpPr>
+        <p:spPr/>
+        <p:txBody>
+          <a:bodyPr/>
+          <a:lstStyle/>
+          <a:p>
+            <a:r>
+              <a:rPr lang="en-US" dirty="0" err="1" smtClean="0"/>
+              <a:t>Tipos</a:t>
+            </a:r>
+            <a:r>
+              <a:rPr lang="en-US" dirty="0" smtClean="0"/>
+              <a:t> de Dados</a:t>
+            </a:r>
+            <a:endParaRPr lang="en-US" dirty="0"/>
+          </a:p>
+        </p:txBody>
+      </p:sp>
+      <p:graphicFrame>
+        <p:nvGraphicFramePr>
+          <p:cNvPr id="5" name="Content Placeholder 4"/>
+          <p:cNvGraphicFramePr>
+            <a:graphicFrameLocks noGrp="1"/>
+          </p:cNvGraphicFramePr>
+          <p:nvPr>
+            <p:ph idx="1"/>
+            <p:extLst>
+              <p:ext uri="{D42A27DB-BD31-4B8C-83A1-F6EECF244321}">
+                <p14:modId xmlns:p14="http://schemas.microsoft.com/office/powerpoint/2010/main" val="2909650758"/>
+              </p:ext>
+            </p:extLst>
+          </p:nvPr>
+        </p:nvGraphicFramePr>
+        <p:xfrm>
+          <a:off x="457200" y="1600200"/>
+          <a:ext cx="8229600" cy="2966720"/>
+        </p:xfrm>
+        <a:graphic>
+          <a:graphicData uri="http://schemas.openxmlformats.org/drawingml/2006/table">
+            <a:tbl>
+              <a:tblPr firstRow="1" bandRow="1">
+                <a:tableStyleId>{9D7B26C5-4107-4FEC-AEDC-1716B250A1EF}</a:tableStyleId>
+              </a:tblPr>
+              <a:tblGrid>
+                <a:gridCol w="1337433"/>
+                <a:gridCol w="6892167"/>
+              </a:tblGrid>
+              <a:tr h="370840">
+                <a:tc>
+                  <a:txBody>
+                    <a:bodyPr/>
+                    <a:lstStyle/>
+                    <a:p>
+                      <a:r>
+                        <a:rPr lang="en-US" dirty="0" err="1" smtClean="0"/>
+                        <a:t>Tipo</a:t>
+                      </a:r>
+                      <a:endParaRPr lang="en-US" dirty="0"/>
+                    </a:p>
+                  </a:txBody>
+                  <a:tcPr/>
+                </a:tc>
+                <a:tc>
+                  <a:txBody>
+                    <a:bodyPr/>
+                    <a:lstStyle/>
+                    <a:p>
+                      <a:r>
+                        <a:rPr lang="en-US" dirty="0" err="1" smtClean="0"/>
+                        <a:t>Descrição</a:t>
+                      </a:r>
+                      <a:endParaRPr lang="en-US" dirty="0"/>
+                    </a:p>
+                  </a:txBody>
+                  <a:tcPr/>
+                </a:tc>
+              </a:tr>
+              <a:tr h="370840">
+                <a:tc>
+                  <a:txBody>
+                    <a:bodyPr/>
+                    <a:lstStyle/>
+                    <a:p>
+                      <a:r>
+                        <a:rPr lang="en-US" dirty="0" smtClean="0"/>
+                        <a:t>char</a:t>
+                      </a:r>
+                      <a:endParaRPr lang="en-US" dirty="0"/>
+                    </a:p>
+                  </a:txBody>
+                  <a:tcPr/>
+                </a:tc>
+                <a:tc>
+                  <a:txBody>
+                    <a:bodyPr/>
+                    <a:lstStyle/>
+                    <a:p>
+                      <a:r>
+                        <a:rPr lang="en-US" dirty="0" err="1" smtClean="0"/>
+                        <a:t>Capaz</a:t>
+                      </a:r>
+                      <a:r>
+                        <a:rPr lang="en-US" baseline="0" dirty="0" smtClean="0"/>
+                        <a:t> de </a:t>
+                      </a:r>
+                      <a:r>
+                        <a:rPr lang="en-US" baseline="0" dirty="0" err="1" smtClean="0"/>
+                        <a:t>armazenar</a:t>
+                      </a:r>
+                      <a:r>
+                        <a:rPr lang="en-US" baseline="0" dirty="0" smtClean="0"/>
+                        <a:t> 16bits </a:t>
+                      </a:r>
+                      <a:r>
+                        <a:rPr lang="en-US" baseline="0" dirty="0" err="1" smtClean="0"/>
+                        <a:t>representando</a:t>
+                      </a:r>
+                      <a:r>
+                        <a:rPr lang="en-US" baseline="0" dirty="0" smtClean="0"/>
+                        <a:t> </a:t>
+                      </a:r>
+                      <a:r>
+                        <a:rPr lang="en-US" baseline="0" dirty="0" err="1" smtClean="0"/>
+                        <a:t>caracteres</a:t>
+                      </a:r>
+                      <a:r>
+                        <a:rPr lang="en-US" baseline="0" dirty="0" smtClean="0"/>
+                        <a:t> UTF-16.</a:t>
+                      </a:r>
+                      <a:endParaRPr lang="en-US" b="1" dirty="0"/>
+                    </a:p>
+                  </a:txBody>
+                  <a:tcPr/>
+                </a:tc>
+              </a:tr>
+              <a:tr h="370840">
+                <a:tc>
+                  <a:txBody>
+                    <a:bodyPr/>
+                    <a:lstStyle/>
+                    <a:p>
+                      <a:endParaRPr lang="en-US" dirty="0"/>
+                    </a:p>
+                  </a:txBody>
+                  <a:tcPr/>
+                </a:tc>
+                <a:tc>
+                  <a:txBody>
+                    <a:bodyPr/>
+                    <a:lstStyle/>
+                    <a:p>
+                      <a:endParaRPr lang="en-US" b="0" dirty="0"/>
+                    </a:p>
+                  </a:txBody>
+                  <a:tcPr/>
+                </a:tc>
+              </a:tr>
+              <a:tr h="370840">
+                <a:tc>
+                  <a:txBody>
+                    <a:bodyPr/>
+                    <a:lstStyle/>
+                    <a:p>
+                      <a:endParaRPr lang="en-US" dirty="0"/>
+                    </a:p>
+                  </a:txBody>
+                  <a:tcPr/>
+                </a:tc>
+                <a:tc>
+                  <a:txBody>
+                    <a:bodyPr/>
+                    <a:lstStyle/>
+                    <a:p>
+                      <a:endParaRPr lang="en-US" b="0" dirty="0"/>
+                    </a:p>
+                  </a:txBody>
+                  <a:tcPr/>
+                </a:tc>
+              </a:tr>
+              <a:tr h="370840">
+                <a:tc>
+                  <a:txBody>
+                    <a:bodyPr/>
+                    <a:lstStyle/>
+                    <a:p>
+                      <a:endParaRPr lang="en-US" dirty="0"/>
+                    </a:p>
+                  </a:txBody>
+                  <a:tcPr/>
+                </a:tc>
+                <a:tc>
+                  <a:txBody>
+                    <a:bodyPr/>
+                    <a:lstStyle/>
+                    <a:p>
+                      <a:endParaRPr lang="en-US" b="0" dirty="0"/>
+                    </a:p>
+                  </a:txBody>
+                  <a:tcPr/>
+                </a:tc>
+              </a:tr>
+              <a:tr h="370840">
+                <a:tc>
+                  <a:txBody>
+                    <a:bodyPr/>
+                    <a:lstStyle/>
+                    <a:p>
+                      <a:endParaRPr lang="en-US" dirty="0"/>
+                    </a:p>
+                  </a:txBody>
+                  <a:tcPr/>
+                </a:tc>
+                <a:tc>
+                  <a:txBody>
+                    <a:bodyPr/>
+                    <a:lstStyle/>
+                    <a:p>
+                      <a:pPr marL="0" marR="0" indent="0" algn="l" defTabSz="457200" rtl="0" eaLnBrk="1" fontAlgn="auto" latinLnBrk="0" hangingPunct="1">
+                        <a:lnSpc>
+                          <a:spcPct val="100000"/>
+                        </a:lnSpc>
+                        <a:spcBef>
+                          <a:spcPts val="0"/>
+                        </a:spcBef>
+                        <a:spcAft>
+                          <a:spcPts val="0"/>
+                        </a:spcAft>
+                        <a:buClrTx/>
+                        <a:buSzTx/>
+                        <a:buFontTx/>
+                        <a:buNone/>
+                        <a:tabLst/>
+                        <a:defRPr/>
+                      </a:pPr>
+                      <a:endParaRPr lang="en-US" b="0" dirty="0"/>
+                    </a:p>
+                  </a:txBody>
+                  <a:tcPr/>
+                </a:tc>
+              </a:tr>
+              <a:tr h="370840">
+                <a:tc>
+                  <a:txBody>
+                    <a:bodyPr/>
+                    <a:lstStyle/>
+                    <a:p>
+                      <a:endParaRPr lang="en-US" dirty="0"/>
+                    </a:p>
+                  </a:txBody>
+                  <a:tcPr/>
+                </a:tc>
+                <a:tc>
+                  <a:txBody>
+                    <a:bodyPr/>
+                    <a:lstStyle/>
+                    <a:p>
+                      <a:pPr marL="0" marR="0" indent="0" algn="l" defTabSz="457200" rtl="0" eaLnBrk="1" fontAlgn="auto" latinLnBrk="0" hangingPunct="1">
+                        <a:lnSpc>
+                          <a:spcPct val="100000"/>
+                        </a:lnSpc>
+                        <a:spcBef>
+                          <a:spcPts val="0"/>
+                        </a:spcBef>
+                        <a:spcAft>
+                          <a:spcPts val="0"/>
+                        </a:spcAft>
+                        <a:buClrTx/>
+                        <a:buSzTx/>
+                        <a:buFontTx/>
+                        <a:buNone/>
+                        <a:tabLst/>
+                        <a:defRPr/>
+                      </a:pPr>
+                      <a:endParaRPr lang="en-US" b="0" dirty="0"/>
+                    </a:p>
+                  </a:txBody>
+                  <a:tcPr/>
+                </a:tc>
+              </a:tr>
+              <a:tr h="370840">
+                <a:tc>
+                  <a:txBody>
+                    <a:bodyPr/>
+                    <a:lstStyle/>
+                    <a:p>
+                      <a:endParaRPr lang="en-US" dirty="0"/>
+                    </a:p>
+                  </a:txBody>
+                  <a:tcPr/>
+                </a:tc>
+                <a:tc>
+                  <a:txBody>
+                    <a:bodyPr/>
+                    <a:lstStyle/>
+                    <a:p>
+                      <a:pPr marL="0" marR="0" indent="0" algn="l" defTabSz="457200" rtl="0" eaLnBrk="1" fontAlgn="auto" latinLnBrk="0" hangingPunct="1">
+                        <a:lnSpc>
+                          <a:spcPct val="100000"/>
+                        </a:lnSpc>
+                        <a:spcBef>
+                          <a:spcPts val="0"/>
+                        </a:spcBef>
+                        <a:spcAft>
+                          <a:spcPts val="0"/>
+                        </a:spcAft>
+                        <a:buClrTx/>
+                        <a:buSzTx/>
+                        <a:buFontTx/>
+                        <a:buNone/>
+                        <a:tabLst/>
+                        <a:defRPr/>
+                      </a:pPr>
+                      <a:endParaRPr lang="en-US" b="0" dirty="0"/>
+                    </a:p>
+                  </a:txBody>
+                  <a:tcPr/>
+                </a:tc>
+              </a:tr>
+            </a:tbl>
+          </a:graphicData>
+        </a:graphic>
+      </p:graphicFrame>
+      <p:sp>
+        <p:nvSpPr>
+          <p:cNvPr id="4" name="Rectangle 3"/>
+          <p:cNvSpPr/>
+          <p:nvPr/>
+        </p:nvSpPr>
+        <p:spPr>
+          <a:xfrm>
+            <a:off x="457200" y="6310829"/>
+            <a:ext cx="7653506" cy="369332"/>
+          </a:xfrm>
+          <a:prstGeom prst="rect">
+            <a:avLst/>
+          </a:prstGeom>
+        </p:spPr>
+        <p:txBody>
+          <a:bodyPr wrap="square">
+            <a:spAutoFit/>
+          </a:bodyPr>
+          <a:lstStyle/>
+          <a:p>
+            <a:r>
+              <a:rPr lang="en-US" dirty="0"/>
+              <a:t>http://</a:t>
+            </a:r>
+            <a:r>
+              <a:rPr lang="en-US" dirty="0" err="1"/>
+              <a:t>pt.wikibooks.org</a:t>
+            </a:r>
+            <a:r>
+              <a:rPr lang="en-US" dirty="0"/>
+              <a:t>/wiki/Java/Tipos_de_dados_prim%C3%A1rios</a:t>
+            </a:r>
+          </a:p>
+        </p:txBody>
+      </p:sp>
+    </p:spTree>
+    <p:extLst>
+      <p:ext uri="{BB962C8B-B14F-4D97-AF65-F5344CB8AC3E}">
+        <p14:creationId xmlns:p14="http://schemas.microsoft.com/office/powerpoint/2010/main" val="84455974"/>
+      </p:ext>
+    </p:extLst>
+  </p:cSld>
+  <p:clrMapOvr>
+    <a:masterClrMapping/>
+  </p:clrMapOvr>
+</p:sld>
+</file>
+
 <file path=ppt/slides/slide3.xml><?xml version="1.0" encoding="utf-8"?>
 <p:sld xmlns:a="http://schemas.openxmlformats.org/drawingml/2006/main" xmlns:r="http://schemas.openxmlformats.org/officeDocument/2006/relationships" xmlns:p="http://schemas.openxmlformats.org/presentationml/2006/main">
   <p:cSld>
@@ -6175,11 +10663,7 @@
           <a:p>
             <a:r>
               <a:rPr lang="en-US" dirty="0" err="1" smtClean="0"/>
-              <a:t>Aplica</a:t>
-            </a:r>
-            <a:r>
-              <a:rPr lang="en-US" dirty="0" err="1" smtClean="0"/>
-              <a:t>ções</a:t>
+              <a:t>Aplicações</a:t>
             </a:r>
             <a:r>
               <a:rPr lang="en-US" dirty="0" smtClean="0"/>
@@ -6189,11 +10673,7 @@
           <a:p>
             <a:r>
               <a:rPr lang="en-US" dirty="0" err="1" smtClean="0"/>
-              <a:t>Aplica</a:t>
-            </a:r>
-            <a:r>
-              <a:rPr lang="en-US" dirty="0" err="1" smtClean="0"/>
-              <a:t>ções</a:t>
+              <a:t>Aplicações</a:t>
             </a:r>
             <a:r>
               <a:rPr lang="en-US" dirty="0" smtClean="0"/>
@@ -6339,11 +10819,7 @@
             </a:r>
             <a:r>
               <a:rPr lang="en-US" dirty="0" smtClean="0"/>
-              <a:t> API</a:t>
-            </a:r>
-            <a:r>
-              <a:rPr lang="en-US" dirty="0" smtClean="0"/>
-              <a:t>s </a:t>
+              <a:t> APIs </a:t>
             </a:r>
             <a:r>
               <a:rPr lang="en-US" dirty="0" err="1" smtClean="0"/>
@@ -6373,7 +10849,6 @@
               <a:rPr lang="en-US" dirty="0" smtClean="0"/>
               <a:t>(desktop)</a:t>
             </a:r>
-            <a:endParaRPr lang="en-US" dirty="0" smtClean="0"/>
           </a:p>
           <a:p>
             <a:r>
@@ -6622,11 +11097,7 @@
             </a:r>
             <a:r>
               <a:rPr lang="en-US" dirty="0" err="1" smtClean="0"/>
-              <a:t>programa</a:t>
-            </a:r>
-            <a:r>
-              <a:rPr lang="en-US" dirty="0" err="1" smtClean="0"/>
-              <a:t>ção</a:t>
+              <a:t>programação</a:t>
             </a:r>
             <a:r>
               <a:rPr lang="en-US" dirty="0" smtClean="0"/>
@@ -6813,11 +11284,7 @@
             </a:r>
             <a:r>
               <a:rPr lang="en-US" dirty="0" err="1" smtClean="0"/>
-              <a:t>atrav</a:t>
-            </a:r>
-            <a:r>
-              <a:rPr lang="en-US" dirty="0" err="1" smtClean="0"/>
-              <a:t>és</a:t>
+              <a:t>através</a:t>
             </a:r>
             <a:r>
               <a:rPr lang="en-US" dirty="0" smtClean="0"/>
@@ -6955,11 +11422,7 @@
             </a:r>
             <a:r>
               <a:rPr lang="en-US" dirty="0" err="1" smtClean="0"/>
-              <a:t>atrav</a:t>
-            </a:r>
-            <a:r>
-              <a:rPr lang="en-US" dirty="0" err="1" smtClean="0"/>
-              <a:t>és</a:t>
+              <a:t>através</a:t>
             </a:r>
             <a:r>
               <a:rPr lang="en-US" dirty="0" smtClean="0"/>

--- a/Documentos/Curso Java.pptx
+++ b/Documentos/Curso Java.pptx
@@ -5,7 +5,7 @@
     <p:sldMasterId id="2147483802" r:id="rId1"/>
   </p:sldMasterIdLst>
   <p:notesMasterIdLst>
-    <p:notesMasterId r:id="rId28"/>
+    <p:notesMasterId r:id="rId38"/>
   </p:notesMasterIdLst>
   <p:sldIdLst>
     <p:sldId id="256" r:id="rId2"/>
@@ -34,6 +34,16 @@
     <p:sldId id="280" r:id="rId25"/>
     <p:sldId id="281" r:id="rId26"/>
     <p:sldId id="282" r:id="rId27"/>
+    <p:sldId id="285" r:id="rId28"/>
+    <p:sldId id="286" r:id="rId29"/>
+    <p:sldId id="287" r:id="rId30"/>
+    <p:sldId id="288" r:id="rId31"/>
+    <p:sldId id="289" r:id="rId32"/>
+    <p:sldId id="294" r:id="rId33"/>
+    <p:sldId id="290" r:id="rId34"/>
+    <p:sldId id="295" r:id="rId35"/>
+    <p:sldId id="292" r:id="rId36"/>
+    <p:sldId id="293" r:id="rId37"/>
   </p:sldIdLst>
   <p:sldSz cx="9144000" cy="6858000" type="screen4x3"/>
   <p:notesSz cx="6858000" cy="9144000"/>
@@ -217,7 +227,7 @@
           <a:p>
             <a:fld id="{E2B913E8-0330-B643-A20B-1A6E83DAE541}" type="datetimeFigureOut">
               <a:rPr lang="en-US" smtClean="0"/>
-              <a:t>14/11/14</a:t>
+              <a:t>17/11/14</a:t>
             </a:fld>
             <a:endParaRPr lang="en-US"/>
           </a:p>
@@ -767,7 +777,7 @@
             <a:fld id="{9EB5ECD5-515E-4817-8A06-1D2ED2C83850}" type="datetime4">
               <a:rPr lang="en-US" smtClean="0"/>
               <a:pPr/>
-              <a:t>November 14, 2014</a:t>
+              <a:t>November 17, 2014</a:t>
             </a:fld>
             <a:endParaRPr lang="en-US"/>
           </a:p>
@@ -939,7 +949,7 @@
             <a:fld id="{BA5B59F4-DDCB-41FF-83F5-A48440F36FA7}" type="datetime4">
               <a:rPr lang="en-US" smtClean="0"/>
               <a:pPr/>
-              <a:t>November 14, 2014</a:t>
+              <a:t>November 17, 2014</a:t>
             </a:fld>
             <a:endParaRPr lang="en-US"/>
           </a:p>
@@ -2059,7 +2069,7 @@
             <a:fld id="{48056348-D703-428C-A1C4-7D6796EF5F41}" type="datetime4">
               <a:rPr lang="en-US" smtClean="0"/>
               <a:pPr/>
-              <a:t>November 14, 2014</a:t>
+              <a:t>November 17, 2014</a:t>
             </a:fld>
             <a:endParaRPr lang="en-US"/>
           </a:p>
@@ -3169,7 +3179,7 @@
             <a:fld id="{732D1919-1B5F-4141-B613-3E5C6008A186}" type="datetime4">
               <a:rPr lang="en-US" smtClean="0"/>
               <a:pPr/>
-              <a:t>November 14, 2014</a:t>
+              <a:t>November 17, 2014</a:t>
             </a:fld>
             <a:endParaRPr lang="en-US"/>
           </a:p>
@@ -3417,7 +3427,7 @@
             <a:fld id="{BAD22427-B1DD-49E6-9F05-DE0F1467D7DC}" type="datetime4">
               <a:rPr lang="en-US" smtClean="0"/>
               <a:pPr/>
-              <a:t>November 14, 2014</a:t>
+              <a:t>November 17, 2014</a:t>
             </a:fld>
             <a:endParaRPr lang="en-US"/>
           </a:p>
@@ -3707,7 +3717,7 @@
             <a:fld id="{BBCCA7B5-8BC9-491C-A887-7C3E7ED947D8}" type="datetime4">
               <a:rPr lang="en-US" smtClean="0"/>
               <a:pPr/>
-              <a:t>November 14, 2014</a:t>
+              <a:t>November 17, 2014</a:t>
             </a:fld>
             <a:endParaRPr lang="en-US"/>
           </a:p>
@@ -4131,7 +4141,7 @@
             <a:fld id="{BDA18ED0-40F2-434C-A848-B92581875164}" type="datetime4">
               <a:rPr lang="en-US" smtClean="0"/>
               <a:pPr/>
-              <a:t>November 14, 2014</a:t>
+              <a:t>November 17, 2014</a:t>
             </a:fld>
             <a:endParaRPr lang="en-US"/>
           </a:p>
@@ -4251,7 +4261,7 @@
             <a:fld id="{7855437F-F4F9-44A9-B4D3-9191CA04E889}" type="datetime4">
               <a:rPr lang="en-US" smtClean="0"/>
               <a:pPr/>
-              <a:t>November 14, 2014</a:t>
+              <a:t>November 17, 2014</a:t>
             </a:fld>
             <a:endParaRPr lang="en-US"/>
           </a:p>
@@ -4348,7 +4358,7 @@
             <a:fld id="{39A24E59-01D0-4537-B876-7E5EC75B028D}" type="datetime4">
               <a:rPr lang="en-US" smtClean="0"/>
               <a:pPr/>
-              <a:t>November 14, 2014</a:t>
+              <a:t>November 17, 2014</a:t>
             </a:fld>
             <a:endParaRPr lang="en-US"/>
           </a:p>
@@ -4627,7 +4637,7 @@
             <a:fld id="{655A2E49-18A1-40BC-BA5D-5A2EC8FDDF15}" type="datetime4">
               <a:rPr lang="en-US" smtClean="0"/>
               <a:pPr/>
-              <a:t>November 14, 2014</a:t>
+              <a:t>November 17, 2014</a:t>
             </a:fld>
             <a:endParaRPr lang="en-US"/>
           </a:p>
@@ -4882,7 +4892,7 @@
             <a:fld id="{52983DA4-3B24-449B-95CA-514EB7E30A99}" type="datetime4">
               <a:rPr lang="en-US" smtClean="0"/>
               <a:pPr/>
-              <a:t>November 14, 2014</a:t>
+              <a:t>November 17, 2014</a:t>
             </a:fld>
             <a:endParaRPr lang="en-US"/>
           </a:p>
@@ -5097,7 +5107,7 @@
             <a:fld id="{942120D2-3948-4F8F-BE5D-E7E7D97880B2}" type="datetime4">
               <a:rPr lang="en-US" smtClean="0"/>
               <a:pPr/>
-              <a:t>November 14, 2014</a:t>
+              <a:t>November 17, 2014</a:t>
             </a:fld>
             <a:endParaRPr lang="en-US" dirty="0" err="1"/>
           </a:p>
@@ -8851,6 +8861,18 @@
               <a:rPr lang="en-US" dirty="0" err="1" smtClean="0"/>
               <a:t>Lógicos</a:t>
             </a:r>
+            <a:r>
+              <a:rPr lang="en-US" dirty="0" smtClean="0"/>
+              <a:t>/</a:t>
+            </a:r>
+            <a:r>
+              <a:rPr lang="en-US" dirty="0" err="1" smtClean="0"/>
+              <a:t>Aritm</a:t>
+            </a:r>
+            <a:r>
+              <a:rPr lang="en-US" dirty="0" err="1" smtClean="0"/>
+              <a:t>éticos</a:t>
+            </a:r>
             <a:endParaRPr lang="en-US" dirty="0"/>
           </a:p>
         </p:txBody>
@@ -10586,6 +10608,1019 @@
 </p:sld>
 </file>
 
+<file path=ppt/slides/slide27.xml><?xml version="1.0" encoding="utf-8"?>
+<p:sld xmlns:a="http://schemas.openxmlformats.org/drawingml/2006/main" xmlns:r="http://schemas.openxmlformats.org/officeDocument/2006/relationships" xmlns:p="http://schemas.openxmlformats.org/presentationml/2006/main">
+  <p:cSld>
+    <p:spTree>
+      <p:nvGrpSpPr>
+        <p:cNvPr id="1" name=""/>
+        <p:cNvGrpSpPr/>
+        <p:nvPr/>
+      </p:nvGrpSpPr>
+      <p:grpSpPr>
+        <a:xfrm>
+          <a:off x="0" y="0"/>
+          <a:ext cx="0" cy="0"/>
+          <a:chOff x="0" y="0"/>
+          <a:chExt cx="0" cy="0"/>
+        </a:xfrm>
+      </p:grpSpPr>
+      <p:sp>
+        <p:nvSpPr>
+          <p:cNvPr id="2" name="Title 1"/>
+          <p:cNvSpPr>
+            <a:spLocks noGrp="1"/>
+          </p:cNvSpPr>
+          <p:nvPr>
+            <p:ph type="title"/>
+          </p:nvPr>
+        </p:nvSpPr>
+        <p:spPr/>
+        <p:txBody>
+          <a:bodyPr/>
+          <a:lstStyle/>
+          <a:p>
+            <a:r>
+              <a:rPr lang="en-US" dirty="0" err="1" smtClean="0"/>
+              <a:t>Promo</a:t>
+            </a:r>
+            <a:r>
+              <a:rPr lang="en-US" dirty="0" err="1" smtClean="0"/>
+              <a:t>ção</a:t>
+            </a:r>
+            <a:r>
+              <a:rPr lang="en-US" dirty="0" smtClean="0"/>
+              <a:t> e Casting</a:t>
+            </a:r>
+            <a:endParaRPr lang="en-US" dirty="0"/>
+          </a:p>
+        </p:txBody>
+      </p:sp>
+      <p:sp>
+        <p:nvSpPr>
+          <p:cNvPr id="3" name="Content Placeholder 2"/>
+          <p:cNvSpPr>
+            <a:spLocks noGrp="1"/>
+          </p:cNvSpPr>
+          <p:nvPr>
+            <p:ph idx="1"/>
+          </p:nvPr>
+        </p:nvSpPr>
+        <p:spPr/>
+        <p:txBody>
+          <a:bodyPr>
+            <a:normAutofit fontScale="77500" lnSpcReduction="20000"/>
+          </a:bodyPr>
+          <a:lstStyle/>
+          <a:p>
+            <a:r>
+              <a:rPr lang="en-US" dirty="0" smtClean="0"/>
+              <a:t>A </a:t>
+            </a:r>
+            <a:r>
+              <a:rPr lang="en-US" dirty="0" err="1" smtClean="0"/>
+              <a:t>linguagem</a:t>
+            </a:r>
+            <a:r>
+              <a:rPr lang="en-US" dirty="0" smtClean="0"/>
+              <a:t> java </a:t>
+            </a:r>
+            <a:r>
+              <a:rPr lang="en-US" dirty="0" err="1" smtClean="0"/>
+              <a:t>n</a:t>
+            </a:r>
+            <a:r>
+              <a:rPr lang="en-US" dirty="0" err="1" smtClean="0"/>
+              <a:t>ão</a:t>
+            </a:r>
+            <a:r>
+              <a:rPr lang="en-US" dirty="0" smtClean="0"/>
+              <a:t> </a:t>
+            </a:r>
+            <a:r>
+              <a:rPr lang="en-US" dirty="0" err="1" smtClean="0"/>
+              <a:t>suporta</a:t>
+            </a:r>
+            <a:r>
+              <a:rPr lang="en-US" dirty="0" smtClean="0"/>
+              <a:t> </a:t>
+            </a:r>
+            <a:r>
+              <a:rPr lang="en-US" dirty="0" err="1" smtClean="0"/>
+              <a:t>atribuições</a:t>
+            </a:r>
+            <a:r>
+              <a:rPr lang="en-US" dirty="0" smtClean="0"/>
+              <a:t> </a:t>
+            </a:r>
+            <a:r>
+              <a:rPr lang="en-US" dirty="0" err="1" smtClean="0"/>
+              <a:t>arbitrárias</a:t>
+            </a:r>
+            <a:r>
+              <a:rPr lang="en-US" dirty="0" smtClean="0"/>
+              <a:t> entre </a:t>
+            </a:r>
+            <a:r>
+              <a:rPr lang="en-US" dirty="0" err="1" smtClean="0"/>
+              <a:t>variaáveis</a:t>
+            </a:r>
+            <a:r>
+              <a:rPr lang="en-US" dirty="0" smtClean="0"/>
+              <a:t> de </a:t>
+            </a:r>
+            <a:r>
+              <a:rPr lang="en-US" dirty="0" err="1" smtClean="0"/>
+              <a:t>tipos</a:t>
+            </a:r>
+            <a:r>
+              <a:rPr lang="en-US" dirty="0" smtClean="0"/>
+              <a:t> </a:t>
+            </a:r>
+            <a:r>
+              <a:rPr lang="en-US" dirty="0" err="1" smtClean="0"/>
+              <a:t>diferentes</a:t>
+            </a:r>
+            <a:r>
+              <a:rPr lang="en-US" dirty="0" smtClean="0"/>
+              <a:t>. </a:t>
+            </a:r>
+            <a:r>
+              <a:rPr lang="en-US" dirty="0" err="1" smtClean="0"/>
+              <a:t>Por</a:t>
+            </a:r>
+            <a:r>
+              <a:rPr lang="en-US" dirty="0" smtClean="0"/>
+              <a:t> </a:t>
+            </a:r>
+            <a:r>
+              <a:rPr lang="en-US" dirty="0" err="1" smtClean="0"/>
+              <a:t>exemplo</a:t>
+            </a:r>
+            <a:r>
+              <a:rPr lang="en-US" dirty="0" smtClean="0"/>
+              <a:t>, </a:t>
+            </a:r>
+            <a:r>
+              <a:rPr lang="en-US" dirty="0" err="1" smtClean="0"/>
+              <a:t>você</a:t>
+            </a:r>
+            <a:r>
+              <a:rPr lang="en-US" dirty="0" smtClean="0"/>
+              <a:t> </a:t>
+            </a:r>
+            <a:r>
+              <a:rPr lang="en-US" dirty="0" err="1" smtClean="0"/>
+              <a:t>não</a:t>
+            </a:r>
+            <a:r>
+              <a:rPr lang="en-US" dirty="0" smtClean="0"/>
+              <a:t> </a:t>
+            </a:r>
+            <a:r>
+              <a:rPr lang="en-US" dirty="0" err="1" smtClean="0"/>
+              <a:t>pode</a:t>
+            </a:r>
+            <a:r>
+              <a:rPr lang="en-US" dirty="0" smtClean="0"/>
+              <a:t> </a:t>
+            </a:r>
+            <a:r>
+              <a:rPr lang="en-US" dirty="0" err="1" smtClean="0"/>
+              <a:t>inicializar</a:t>
+            </a:r>
+            <a:r>
+              <a:rPr lang="en-US" dirty="0" smtClean="0"/>
+              <a:t> </a:t>
+            </a:r>
+            <a:r>
+              <a:rPr lang="en-US" dirty="0" err="1" smtClean="0"/>
+              <a:t>uma</a:t>
+            </a:r>
+            <a:r>
+              <a:rPr lang="en-US" dirty="0" smtClean="0"/>
+              <a:t> </a:t>
+            </a:r>
+            <a:r>
+              <a:rPr lang="en-US" dirty="0" err="1" smtClean="0"/>
+              <a:t>variável</a:t>
+            </a:r>
+            <a:r>
+              <a:rPr lang="en-US" dirty="0" smtClean="0"/>
+              <a:t> </a:t>
+            </a:r>
+            <a:r>
+              <a:rPr lang="en-US" dirty="0" err="1" smtClean="0"/>
+              <a:t>inteira</a:t>
+            </a:r>
+            <a:r>
+              <a:rPr lang="en-US" dirty="0" smtClean="0"/>
+              <a:t> com um valor de </a:t>
+            </a:r>
+            <a:r>
+              <a:rPr lang="en-US" dirty="0" err="1" smtClean="0"/>
+              <a:t>ponto</a:t>
+            </a:r>
+            <a:r>
+              <a:rPr lang="en-US" dirty="0" smtClean="0"/>
+              <a:t> </a:t>
+            </a:r>
+            <a:r>
+              <a:rPr lang="en-US" dirty="0" err="1" smtClean="0"/>
+              <a:t>flutuante</a:t>
+            </a:r>
+            <a:r>
+              <a:rPr lang="en-US" dirty="0" smtClean="0"/>
+              <a:t> </a:t>
+            </a:r>
+            <a:r>
+              <a:rPr lang="en-US" dirty="0" err="1" smtClean="0"/>
+              <a:t>sem</a:t>
+            </a:r>
+            <a:r>
+              <a:rPr lang="en-US" dirty="0" smtClean="0"/>
+              <a:t> </a:t>
+            </a:r>
+            <a:r>
+              <a:rPr lang="en-US" dirty="0" err="1" smtClean="0"/>
+              <a:t>explicitar</a:t>
+            </a:r>
+            <a:r>
+              <a:rPr lang="en-US" dirty="0" smtClean="0"/>
+              <a:t> </a:t>
+            </a:r>
+            <a:r>
+              <a:rPr lang="en-US" dirty="0" err="1" smtClean="0"/>
+              <a:t>isso</a:t>
+            </a:r>
+            <a:r>
+              <a:rPr lang="en-US" dirty="0" smtClean="0"/>
+              <a:t> </a:t>
+            </a:r>
+            <a:r>
+              <a:rPr lang="en-US" dirty="0" err="1" smtClean="0"/>
+              <a:t>através</a:t>
+            </a:r>
+            <a:r>
+              <a:rPr lang="en-US" dirty="0" smtClean="0"/>
+              <a:t> de um </a:t>
+            </a:r>
+            <a:r>
+              <a:rPr lang="en-US" dirty="0" err="1" smtClean="0"/>
+              <a:t>processo</a:t>
+            </a:r>
+            <a:r>
+              <a:rPr lang="en-US" dirty="0" smtClean="0"/>
+              <a:t> de </a:t>
+            </a:r>
+            <a:r>
+              <a:rPr lang="en-US" b="1" i="1" dirty="0" smtClean="0"/>
+              <a:t>Casting</a:t>
+            </a:r>
+            <a:r>
+              <a:rPr lang="en-US" dirty="0" smtClean="0"/>
+              <a:t>.</a:t>
+            </a:r>
+          </a:p>
+          <a:p>
+            <a:r>
+              <a:rPr lang="en-US" dirty="0" err="1" smtClean="0"/>
+              <a:t>Quando</a:t>
+            </a:r>
+            <a:r>
+              <a:rPr lang="en-US" dirty="0" smtClean="0"/>
+              <a:t> </a:t>
+            </a:r>
+            <a:r>
+              <a:rPr lang="en-US" dirty="0" err="1" smtClean="0"/>
+              <a:t>atribuimos</a:t>
+            </a:r>
+            <a:r>
+              <a:rPr lang="en-US" dirty="0" smtClean="0"/>
+              <a:t> um valor a </a:t>
+            </a:r>
+            <a:r>
+              <a:rPr lang="en-US" dirty="0" err="1" smtClean="0"/>
+              <a:t>uma</a:t>
+            </a:r>
+            <a:r>
+              <a:rPr lang="en-US" dirty="0" smtClean="0"/>
+              <a:t> </a:t>
+            </a:r>
+            <a:r>
+              <a:rPr lang="en-US" dirty="0" err="1" smtClean="0"/>
+              <a:t>variável</a:t>
+            </a:r>
+            <a:r>
+              <a:rPr lang="en-US" dirty="0" smtClean="0"/>
+              <a:t>, e </a:t>
+            </a:r>
+            <a:r>
+              <a:rPr lang="en-US" dirty="0" err="1" smtClean="0"/>
+              <a:t>esse</a:t>
+            </a:r>
+            <a:r>
+              <a:rPr lang="en-US" dirty="0" smtClean="0"/>
+              <a:t> valor </a:t>
+            </a:r>
+            <a:r>
+              <a:rPr lang="en-US" dirty="0" err="1" smtClean="0"/>
+              <a:t>é</a:t>
+            </a:r>
+            <a:r>
+              <a:rPr lang="en-US" dirty="0" smtClean="0"/>
+              <a:t> </a:t>
+            </a:r>
+            <a:r>
+              <a:rPr lang="en-US" dirty="0" err="1" smtClean="0"/>
+              <a:t>incompatível</a:t>
+            </a:r>
+            <a:r>
+              <a:rPr lang="en-US" dirty="0" smtClean="0"/>
+              <a:t> com o </a:t>
+            </a:r>
+            <a:r>
+              <a:rPr lang="en-US" dirty="0" err="1" smtClean="0"/>
+              <a:t>tipo</a:t>
+            </a:r>
+            <a:r>
+              <a:rPr lang="en-US" dirty="0" smtClean="0"/>
+              <a:t> de dado </a:t>
+            </a:r>
+            <a:r>
+              <a:rPr lang="en-US" dirty="0" err="1" smtClean="0"/>
+              <a:t>definido</a:t>
+            </a:r>
+            <a:r>
+              <a:rPr lang="en-US" dirty="0" smtClean="0"/>
+              <a:t> </a:t>
+            </a:r>
+            <a:r>
+              <a:rPr lang="en-US" dirty="0" err="1" smtClean="0"/>
+              <a:t>para</a:t>
+            </a:r>
+            <a:r>
+              <a:rPr lang="en-US" dirty="0" smtClean="0"/>
+              <a:t> a </a:t>
+            </a:r>
+            <a:r>
+              <a:rPr lang="en-US" dirty="0" err="1" smtClean="0"/>
+              <a:t>variável</a:t>
+            </a:r>
+            <a:r>
+              <a:rPr lang="en-US" dirty="0" smtClean="0"/>
+              <a:t>, </a:t>
+            </a:r>
+            <a:r>
+              <a:rPr lang="en-US" dirty="0" err="1" smtClean="0"/>
+              <a:t>ocorrerá</a:t>
+            </a:r>
+            <a:r>
+              <a:rPr lang="en-US" dirty="0" smtClean="0"/>
+              <a:t> </a:t>
+            </a:r>
+            <a:r>
+              <a:rPr lang="en-US" dirty="0" err="1" smtClean="0"/>
+              <a:t>uma</a:t>
+            </a:r>
+            <a:r>
+              <a:rPr lang="en-US" dirty="0" smtClean="0"/>
+              <a:t> </a:t>
+            </a:r>
+            <a:r>
+              <a:rPr lang="en-US" dirty="0" err="1" smtClean="0"/>
+              <a:t>conversão</a:t>
+            </a:r>
+            <a:r>
+              <a:rPr lang="en-US" dirty="0" smtClean="0"/>
+              <a:t>. </a:t>
+            </a:r>
+            <a:r>
+              <a:rPr lang="en-US" dirty="0" err="1" smtClean="0"/>
+              <a:t>Em</a:t>
+            </a:r>
+            <a:r>
+              <a:rPr lang="en-US" dirty="0" smtClean="0"/>
+              <a:t> </a:t>
+            </a:r>
+            <a:r>
+              <a:rPr lang="en-US" dirty="0" err="1" smtClean="0"/>
+              <a:t>alguns</a:t>
+            </a:r>
+            <a:r>
+              <a:rPr lang="en-US" dirty="0" smtClean="0"/>
+              <a:t> </a:t>
+            </a:r>
+            <a:r>
+              <a:rPr lang="en-US" dirty="0" err="1" smtClean="0"/>
+              <a:t>casos</a:t>
+            </a:r>
+            <a:r>
+              <a:rPr lang="en-US" dirty="0" smtClean="0"/>
+              <a:t> </a:t>
+            </a:r>
+            <a:r>
+              <a:rPr lang="en-US" dirty="0" err="1" smtClean="0"/>
+              <a:t>essa</a:t>
+            </a:r>
+            <a:r>
+              <a:rPr lang="en-US" dirty="0" smtClean="0"/>
+              <a:t> </a:t>
+            </a:r>
+            <a:r>
+              <a:rPr lang="en-US" dirty="0" err="1" smtClean="0"/>
+              <a:t>conversão</a:t>
+            </a:r>
+            <a:r>
+              <a:rPr lang="en-US" dirty="0" smtClean="0"/>
+              <a:t> </a:t>
+            </a:r>
+            <a:r>
+              <a:rPr lang="en-US" dirty="0" err="1" smtClean="0"/>
+              <a:t>será</a:t>
+            </a:r>
+            <a:r>
+              <a:rPr lang="en-US" dirty="0" smtClean="0"/>
+              <a:t> </a:t>
+            </a:r>
+            <a:r>
+              <a:rPr lang="en-US" dirty="0" err="1" smtClean="0"/>
+              <a:t>automática</a:t>
+            </a:r>
+            <a:r>
+              <a:rPr lang="en-US" dirty="0" smtClean="0"/>
+              <a:t>, </a:t>
+            </a:r>
+            <a:r>
+              <a:rPr lang="en-US" dirty="0" err="1" smtClean="0"/>
+              <a:t>em</a:t>
+            </a:r>
+            <a:r>
+              <a:rPr lang="en-US" dirty="0" smtClean="0"/>
+              <a:t> outros </a:t>
+            </a:r>
+            <a:r>
+              <a:rPr lang="en-US" dirty="0" err="1" smtClean="0"/>
+              <a:t>casos</a:t>
+            </a:r>
+            <a:r>
+              <a:rPr lang="en-US" dirty="0" smtClean="0"/>
+              <a:t> o </a:t>
+            </a:r>
+            <a:r>
+              <a:rPr lang="en-US" dirty="0" err="1" smtClean="0"/>
+              <a:t>programador</a:t>
+            </a:r>
+            <a:r>
+              <a:rPr lang="en-US" dirty="0" smtClean="0"/>
+              <a:t> </a:t>
+            </a:r>
+            <a:r>
+              <a:rPr lang="en-US" dirty="0" err="1" smtClean="0"/>
+              <a:t>deve</a:t>
+            </a:r>
+            <a:r>
+              <a:rPr lang="en-US" dirty="0" smtClean="0"/>
+              <a:t> </a:t>
+            </a:r>
+            <a:r>
+              <a:rPr lang="en-US" dirty="0" err="1" smtClean="0"/>
+              <a:t>indicar</a:t>
+            </a:r>
+            <a:r>
+              <a:rPr lang="en-US" dirty="0" smtClean="0"/>
+              <a:t> de </a:t>
+            </a:r>
+            <a:r>
+              <a:rPr lang="en-US" dirty="0" err="1" smtClean="0"/>
+              <a:t>que</a:t>
+            </a:r>
+            <a:r>
+              <a:rPr lang="en-US" dirty="0" smtClean="0"/>
+              <a:t> forma o valor </a:t>
+            </a:r>
+            <a:r>
+              <a:rPr lang="en-US" dirty="0" err="1" smtClean="0"/>
+              <a:t>será</a:t>
+            </a:r>
+            <a:r>
+              <a:rPr lang="en-US" dirty="0" smtClean="0"/>
+              <a:t> </a:t>
+            </a:r>
+            <a:r>
+              <a:rPr lang="en-US" dirty="0" err="1" smtClean="0"/>
+              <a:t>convertido</a:t>
+            </a:r>
+            <a:r>
+              <a:rPr lang="en-US" dirty="0" smtClean="0"/>
+              <a:t> </a:t>
+            </a:r>
+            <a:r>
+              <a:rPr lang="en-US" dirty="0" err="1" smtClean="0"/>
+              <a:t>ao</a:t>
+            </a:r>
+            <a:r>
+              <a:rPr lang="en-US" dirty="0" smtClean="0"/>
+              <a:t> </a:t>
+            </a:r>
+            <a:r>
+              <a:rPr lang="en-US" dirty="0" err="1" smtClean="0"/>
+              <a:t>tipo</a:t>
+            </a:r>
+            <a:r>
+              <a:rPr lang="en-US" dirty="0" smtClean="0"/>
+              <a:t> da </a:t>
+            </a:r>
+            <a:r>
+              <a:rPr lang="en-US" dirty="0" err="1" smtClean="0"/>
+              <a:t>variável</a:t>
+            </a:r>
+            <a:r>
+              <a:rPr lang="en-US" dirty="0" smtClean="0"/>
+              <a:t>.</a:t>
+            </a:r>
+          </a:p>
+          <a:p>
+            <a:r>
+              <a:rPr lang="en-US" dirty="0" err="1" smtClean="0"/>
+              <a:t>Quando</a:t>
+            </a:r>
+            <a:r>
+              <a:rPr lang="en-US" dirty="0" smtClean="0"/>
+              <a:t> o </a:t>
+            </a:r>
+            <a:r>
+              <a:rPr lang="en-US" dirty="0" err="1" smtClean="0"/>
+              <a:t>processo</a:t>
+            </a:r>
+            <a:r>
+              <a:rPr lang="en-US" dirty="0" smtClean="0"/>
+              <a:t> de </a:t>
+            </a:r>
+            <a:r>
+              <a:rPr lang="en-US" dirty="0" err="1" smtClean="0"/>
+              <a:t>conversão</a:t>
+            </a:r>
+            <a:r>
+              <a:rPr lang="en-US" dirty="0" smtClean="0"/>
+              <a:t> for </a:t>
+            </a:r>
+            <a:r>
+              <a:rPr lang="en-US" dirty="0" err="1" smtClean="0"/>
+              <a:t>automático</a:t>
+            </a:r>
+            <a:r>
+              <a:rPr lang="en-US" dirty="0" smtClean="0"/>
+              <a:t>, </a:t>
+            </a:r>
+            <a:r>
+              <a:rPr lang="en-US" dirty="0" err="1" smtClean="0"/>
+              <a:t>dizemos</a:t>
+            </a:r>
+            <a:r>
+              <a:rPr lang="en-US" dirty="0" smtClean="0"/>
+              <a:t> </a:t>
+            </a:r>
+            <a:r>
+              <a:rPr lang="en-US" dirty="0" err="1" smtClean="0"/>
+              <a:t>que</a:t>
+            </a:r>
+            <a:r>
+              <a:rPr lang="en-US" dirty="0" smtClean="0"/>
+              <a:t> </a:t>
+            </a:r>
+            <a:r>
+              <a:rPr lang="en-US" dirty="0" err="1" smtClean="0"/>
+              <a:t>ocorreu</a:t>
+            </a:r>
+            <a:r>
+              <a:rPr lang="en-US" dirty="0" smtClean="0"/>
+              <a:t> </a:t>
+            </a:r>
+            <a:r>
+              <a:rPr lang="en-US" dirty="0" err="1" smtClean="0"/>
+              <a:t>uma</a:t>
+            </a:r>
+            <a:r>
+              <a:rPr lang="en-US" dirty="0" smtClean="0"/>
+              <a:t> </a:t>
+            </a:r>
+            <a:r>
+              <a:rPr lang="en-US" dirty="0" err="1" smtClean="0"/>
+              <a:t>promoção</a:t>
+            </a:r>
+            <a:r>
+              <a:rPr lang="en-US" dirty="0" smtClean="0"/>
+              <a:t>, </a:t>
+            </a:r>
+            <a:r>
+              <a:rPr lang="en-US" dirty="0" err="1" smtClean="0"/>
+              <a:t>ou</a:t>
+            </a:r>
+            <a:r>
+              <a:rPr lang="en-US" dirty="0" smtClean="0"/>
+              <a:t> </a:t>
+            </a:r>
+            <a:r>
+              <a:rPr lang="en-US" dirty="0" err="1" smtClean="0"/>
+              <a:t>seja</a:t>
+            </a:r>
+            <a:r>
+              <a:rPr lang="en-US" dirty="0" smtClean="0"/>
+              <a:t>, um valor com um </a:t>
+            </a:r>
+            <a:r>
+              <a:rPr lang="en-US" dirty="0" err="1" smtClean="0"/>
+              <a:t>tipo</a:t>
+            </a:r>
+            <a:r>
+              <a:rPr lang="en-US" dirty="0" smtClean="0"/>
+              <a:t> de dado </a:t>
+            </a:r>
+            <a:r>
+              <a:rPr lang="en-US" dirty="0" err="1" smtClean="0"/>
+              <a:t>foi</a:t>
+            </a:r>
+            <a:r>
+              <a:rPr lang="en-US" dirty="0" smtClean="0"/>
+              <a:t> </a:t>
+            </a:r>
+            <a:r>
+              <a:rPr lang="en-US" dirty="0" err="1" smtClean="0"/>
+              <a:t>promovido</a:t>
+            </a:r>
+            <a:r>
+              <a:rPr lang="en-US" dirty="0" smtClean="0"/>
+              <a:t> a outro </a:t>
+            </a:r>
+            <a:r>
+              <a:rPr lang="en-US" dirty="0" err="1" smtClean="0"/>
+              <a:t>tipo</a:t>
+            </a:r>
+            <a:r>
+              <a:rPr lang="en-US" dirty="0" smtClean="0"/>
+              <a:t> de dado.</a:t>
+            </a:r>
+            <a:endParaRPr lang="en-US" dirty="0"/>
+          </a:p>
+        </p:txBody>
+      </p:sp>
+    </p:spTree>
+    <p:extLst>
+      <p:ext uri="{BB962C8B-B14F-4D97-AF65-F5344CB8AC3E}">
+        <p14:creationId xmlns:p14="http://schemas.microsoft.com/office/powerpoint/2010/main" val="2795842726"/>
+      </p:ext>
+    </p:extLst>
+  </p:cSld>
+  <p:clrMapOvr>
+    <a:masterClrMapping/>
+  </p:clrMapOvr>
+</p:sld>
+</file>
+
+<file path=ppt/slides/slide28.xml><?xml version="1.0" encoding="utf-8"?>
+<p:sld xmlns:a="http://schemas.openxmlformats.org/drawingml/2006/main" xmlns:r="http://schemas.openxmlformats.org/officeDocument/2006/relationships" xmlns:p="http://schemas.openxmlformats.org/presentationml/2006/main">
+  <p:cSld>
+    <p:spTree>
+      <p:nvGrpSpPr>
+        <p:cNvPr id="1" name=""/>
+        <p:cNvGrpSpPr/>
+        <p:nvPr/>
+      </p:nvGrpSpPr>
+      <p:grpSpPr>
+        <a:xfrm>
+          <a:off x="0" y="0"/>
+          <a:ext cx="0" cy="0"/>
+          <a:chOff x="0" y="0"/>
+          <a:chExt cx="0" cy="0"/>
+        </a:xfrm>
+      </p:grpSpPr>
+      <p:sp>
+        <p:nvSpPr>
+          <p:cNvPr id="2" name="Title 1"/>
+          <p:cNvSpPr>
+            <a:spLocks noGrp="1"/>
+          </p:cNvSpPr>
+          <p:nvPr>
+            <p:ph type="title"/>
+          </p:nvPr>
+        </p:nvSpPr>
+        <p:spPr/>
+        <p:txBody>
+          <a:bodyPr/>
+          <a:lstStyle/>
+          <a:p>
+            <a:r>
+              <a:rPr lang="en-US" dirty="0" err="1" smtClean="0"/>
+              <a:t>Promo</a:t>
+            </a:r>
+            <a:r>
+              <a:rPr lang="en-US" dirty="0" err="1" smtClean="0"/>
+              <a:t>ção</a:t>
+            </a:r>
+            <a:r>
+              <a:rPr lang="en-US" dirty="0" smtClean="0"/>
+              <a:t> e Casting</a:t>
+            </a:r>
+            <a:endParaRPr lang="en-US" dirty="0"/>
+          </a:p>
+        </p:txBody>
+      </p:sp>
+      <p:pic>
+        <p:nvPicPr>
+          <p:cNvPr id="5" name="Picture 4"/>
+          <p:cNvPicPr>
+            <a:picLocks noChangeAspect="1"/>
+          </p:cNvPicPr>
+          <p:nvPr/>
+        </p:nvPicPr>
+        <p:blipFill>
+          <a:blip r:embed="rId2"/>
+          <a:stretch>
+            <a:fillRect/>
+          </a:stretch>
+        </p:blipFill>
+        <p:spPr>
+          <a:xfrm>
+            <a:off x="321698" y="1587239"/>
+            <a:ext cx="8668373" cy="4438207"/>
+          </a:xfrm>
+          <a:prstGeom prst="rect">
+            <a:avLst/>
+          </a:prstGeom>
+        </p:spPr>
+      </p:pic>
+    </p:spTree>
+    <p:extLst>
+      <p:ext uri="{BB962C8B-B14F-4D97-AF65-F5344CB8AC3E}">
+        <p14:creationId xmlns:p14="http://schemas.microsoft.com/office/powerpoint/2010/main" val="51401858"/>
+      </p:ext>
+    </p:extLst>
+  </p:cSld>
+  <p:clrMapOvr>
+    <a:masterClrMapping/>
+  </p:clrMapOvr>
+</p:sld>
+</file>
+
+<file path=ppt/slides/slide29.xml><?xml version="1.0" encoding="utf-8"?>
+<p:sld xmlns:a="http://schemas.openxmlformats.org/drawingml/2006/main" xmlns:r="http://schemas.openxmlformats.org/officeDocument/2006/relationships" xmlns:p="http://schemas.openxmlformats.org/presentationml/2006/main">
+  <p:cSld>
+    <p:spTree>
+      <p:nvGrpSpPr>
+        <p:cNvPr id="1" name=""/>
+        <p:cNvGrpSpPr/>
+        <p:nvPr/>
+      </p:nvGrpSpPr>
+      <p:grpSpPr>
+        <a:xfrm>
+          <a:off x="0" y="0"/>
+          <a:ext cx="0" cy="0"/>
+          <a:chOff x="0" y="0"/>
+          <a:chExt cx="0" cy="0"/>
+        </a:xfrm>
+      </p:grpSpPr>
+      <p:sp>
+        <p:nvSpPr>
+          <p:cNvPr id="2" name="Title 1"/>
+          <p:cNvSpPr>
+            <a:spLocks noGrp="1"/>
+          </p:cNvSpPr>
+          <p:nvPr>
+            <p:ph type="title"/>
+          </p:nvPr>
+        </p:nvSpPr>
+        <p:spPr/>
+        <p:txBody>
+          <a:bodyPr/>
+          <a:lstStyle/>
+          <a:p>
+            <a:r>
+              <a:rPr lang="en-US" dirty="0" err="1" smtClean="0"/>
+              <a:t>Ramifica</a:t>
+            </a:r>
+            <a:r>
+              <a:rPr lang="en-US" dirty="0" err="1" smtClean="0"/>
+              <a:t>ção</a:t>
+            </a:r>
+            <a:r>
+              <a:rPr lang="en-US" dirty="0" smtClean="0"/>
+              <a:t> If, else</a:t>
+            </a:r>
+            <a:endParaRPr lang="en-US" dirty="0"/>
+          </a:p>
+        </p:txBody>
+      </p:sp>
+      <p:sp>
+        <p:nvSpPr>
+          <p:cNvPr id="3" name="Content Placeholder 2"/>
+          <p:cNvSpPr>
+            <a:spLocks noGrp="1"/>
+          </p:cNvSpPr>
+          <p:nvPr>
+            <p:ph idx="1"/>
+          </p:nvPr>
+        </p:nvSpPr>
+        <p:spPr/>
+        <p:txBody>
+          <a:bodyPr>
+            <a:normAutofit fontScale="85000" lnSpcReduction="20000"/>
+          </a:bodyPr>
+          <a:lstStyle/>
+          <a:p>
+            <a:r>
+              <a:rPr lang="en-US" dirty="0" smtClean="0"/>
+              <a:t>A </a:t>
+            </a:r>
+            <a:r>
+              <a:rPr lang="en-US" dirty="0" err="1" smtClean="0"/>
+              <a:t>sintaxe</a:t>
+            </a:r>
+            <a:r>
+              <a:rPr lang="en-US" dirty="0" smtClean="0"/>
+              <a:t> </a:t>
+            </a:r>
+            <a:r>
+              <a:rPr lang="en-US" dirty="0" err="1" smtClean="0"/>
+              <a:t>b</a:t>
+            </a:r>
+            <a:r>
+              <a:rPr lang="en-US" dirty="0" err="1" smtClean="0"/>
+              <a:t>ásica</a:t>
+            </a:r>
+            <a:r>
+              <a:rPr lang="en-US" dirty="0" smtClean="0"/>
+              <a:t> </a:t>
+            </a:r>
+            <a:r>
+              <a:rPr lang="en-US" dirty="0" err="1" smtClean="0"/>
+              <a:t>para</a:t>
+            </a:r>
+            <a:r>
+              <a:rPr lang="en-US" dirty="0" smtClean="0"/>
+              <a:t> </a:t>
+            </a:r>
+            <a:r>
+              <a:rPr lang="en-US" dirty="0" err="1" smtClean="0"/>
+              <a:t>declaracões</a:t>
+            </a:r>
+            <a:r>
+              <a:rPr lang="en-US" dirty="0" smtClean="0"/>
+              <a:t> if, else </a:t>
+            </a:r>
+            <a:r>
+              <a:rPr lang="en-US" dirty="0" err="1" smtClean="0"/>
+              <a:t>é</a:t>
+            </a:r>
+            <a:r>
+              <a:rPr lang="en-US" dirty="0" smtClean="0"/>
+              <a:t> a </a:t>
+            </a:r>
+            <a:r>
+              <a:rPr lang="en-US" dirty="0" err="1" smtClean="0"/>
+              <a:t>seguinte</a:t>
+            </a:r>
+            <a:r>
+              <a:rPr lang="en-US" dirty="0" smtClean="0"/>
+              <a:t>:</a:t>
+            </a:r>
+          </a:p>
+          <a:p>
+            <a:pPr marL="0" indent="0">
+              <a:buNone/>
+            </a:pPr>
+            <a:endParaRPr lang="en-US" dirty="0" smtClean="0"/>
+          </a:p>
+          <a:p>
+            <a:pPr marL="0" indent="0">
+              <a:buNone/>
+            </a:pPr>
+            <a:r>
+              <a:rPr lang="en-US" dirty="0" smtClean="0"/>
+              <a:t>if ( </a:t>
+            </a:r>
+            <a:r>
+              <a:rPr lang="en-US" dirty="0" err="1" smtClean="0"/>
+              <a:t>expressao_booleana</a:t>
+            </a:r>
+            <a:r>
+              <a:rPr lang="en-US" dirty="0" smtClean="0"/>
+              <a:t> )</a:t>
+            </a:r>
+          </a:p>
+          <a:p>
+            <a:pPr marL="0" indent="0">
+              <a:buNone/>
+            </a:pPr>
+            <a:r>
+              <a:rPr lang="en-US" dirty="0" smtClean="0"/>
+              <a:t>{</a:t>
+            </a:r>
+          </a:p>
+          <a:p>
+            <a:pPr marL="0" indent="0">
+              <a:buNone/>
+            </a:pPr>
+            <a:r>
+              <a:rPr lang="en-US" dirty="0"/>
+              <a:t>	</a:t>
+            </a:r>
+            <a:r>
+              <a:rPr lang="en-US" dirty="0" smtClean="0"/>
+              <a:t>// </a:t>
+            </a:r>
+            <a:r>
+              <a:rPr lang="en-US" dirty="0" err="1" smtClean="0"/>
+              <a:t>bloco</a:t>
+            </a:r>
+            <a:r>
+              <a:rPr lang="en-US" dirty="0" smtClean="0"/>
+              <a:t> de </a:t>
+            </a:r>
+            <a:r>
+              <a:rPr lang="en-US" dirty="0" err="1" smtClean="0"/>
+              <a:t>comandos</a:t>
+            </a:r>
+            <a:endParaRPr lang="en-US" dirty="0" smtClean="0"/>
+          </a:p>
+          <a:p>
+            <a:pPr marL="0" indent="0">
+              <a:buNone/>
+            </a:pPr>
+            <a:r>
+              <a:rPr lang="en-US" dirty="0" smtClean="0"/>
+              <a:t>}</a:t>
+            </a:r>
+          </a:p>
+          <a:p>
+            <a:pPr marL="0" indent="0">
+              <a:buNone/>
+            </a:pPr>
+            <a:r>
+              <a:rPr lang="en-US" dirty="0" smtClean="0"/>
+              <a:t>else</a:t>
+            </a:r>
+          </a:p>
+          <a:p>
+            <a:pPr marL="0" indent="0">
+              <a:buNone/>
+            </a:pPr>
+            <a:r>
+              <a:rPr lang="en-US" dirty="0" smtClean="0"/>
+              <a:t>{</a:t>
+            </a:r>
+          </a:p>
+          <a:p>
+            <a:pPr marL="0" indent="0">
+              <a:buNone/>
+            </a:pPr>
+            <a:r>
+              <a:rPr lang="en-US" dirty="0"/>
+              <a:t>	</a:t>
+            </a:r>
+            <a:r>
+              <a:rPr lang="en-US" dirty="0" smtClean="0"/>
+              <a:t>// </a:t>
+            </a:r>
+            <a:r>
+              <a:rPr lang="en-US" dirty="0" err="1" smtClean="0"/>
+              <a:t>bloco</a:t>
+            </a:r>
+            <a:r>
+              <a:rPr lang="en-US" dirty="0" smtClean="0"/>
+              <a:t> de </a:t>
+            </a:r>
+            <a:r>
+              <a:rPr lang="en-US" dirty="0" err="1" smtClean="0"/>
+              <a:t>comandos</a:t>
+            </a:r>
+            <a:endParaRPr lang="en-US" dirty="0" smtClean="0"/>
+          </a:p>
+          <a:p>
+            <a:pPr marL="0" indent="0">
+              <a:buNone/>
+            </a:pPr>
+            <a:r>
+              <a:rPr lang="en-US" dirty="0"/>
+              <a:t>}</a:t>
+            </a:r>
+            <a:endParaRPr lang="en-US" dirty="0" smtClean="0"/>
+          </a:p>
+        </p:txBody>
+      </p:sp>
+    </p:spTree>
+    <p:extLst>
+      <p:ext uri="{BB962C8B-B14F-4D97-AF65-F5344CB8AC3E}">
+        <p14:creationId xmlns:p14="http://schemas.microsoft.com/office/powerpoint/2010/main" val="2053084799"/>
+      </p:ext>
+    </p:extLst>
+  </p:cSld>
+  <p:clrMapOvr>
+    <a:masterClrMapping/>
+  </p:clrMapOvr>
+</p:sld>
+</file>
+
 <file path=ppt/slides/slide3.xml><?xml version="1.0" encoding="utf-8"?>
 <p:sld xmlns:a="http://schemas.openxmlformats.org/drawingml/2006/main" xmlns:r="http://schemas.openxmlformats.org/officeDocument/2006/relationships" xmlns:p="http://schemas.openxmlformats.org/presentationml/2006/main">
   <p:cSld>
@@ -10736,6 +11771,2105 @@
       </p:par>
     </p:tnLst>
   </p:timing>
+</p:sld>
+</file>
+
+<file path=ppt/slides/slide30.xml><?xml version="1.0" encoding="utf-8"?>
+<p:sld xmlns:a="http://schemas.openxmlformats.org/drawingml/2006/main" xmlns:r="http://schemas.openxmlformats.org/officeDocument/2006/relationships" xmlns:p="http://schemas.openxmlformats.org/presentationml/2006/main">
+  <p:cSld>
+    <p:spTree>
+      <p:nvGrpSpPr>
+        <p:cNvPr id="1" name=""/>
+        <p:cNvGrpSpPr/>
+        <p:nvPr/>
+      </p:nvGrpSpPr>
+      <p:grpSpPr>
+        <a:xfrm>
+          <a:off x="0" y="0"/>
+          <a:ext cx="0" cy="0"/>
+          <a:chOff x="0" y="0"/>
+          <a:chExt cx="0" cy="0"/>
+        </a:xfrm>
+      </p:grpSpPr>
+      <p:sp>
+        <p:nvSpPr>
+          <p:cNvPr id="2" name="Title 1"/>
+          <p:cNvSpPr>
+            <a:spLocks noGrp="1"/>
+          </p:cNvSpPr>
+          <p:nvPr>
+            <p:ph type="title"/>
+          </p:nvPr>
+        </p:nvSpPr>
+        <p:spPr/>
+        <p:txBody>
+          <a:bodyPr/>
+          <a:lstStyle/>
+          <a:p>
+            <a:r>
+              <a:rPr lang="en-US" dirty="0" err="1" smtClean="0"/>
+              <a:t>Ramifica</a:t>
+            </a:r>
+            <a:r>
+              <a:rPr lang="en-US" dirty="0" err="1" smtClean="0"/>
+              <a:t>ções</a:t>
+            </a:r>
+            <a:r>
+              <a:rPr lang="en-US" dirty="0" smtClean="0"/>
+              <a:t> Switch</a:t>
+            </a:r>
+            <a:endParaRPr lang="en-US" dirty="0"/>
+          </a:p>
+        </p:txBody>
+      </p:sp>
+      <p:sp>
+        <p:nvSpPr>
+          <p:cNvPr id="3" name="Content Placeholder 2"/>
+          <p:cNvSpPr>
+            <a:spLocks noGrp="1"/>
+          </p:cNvSpPr>
+          <p:nvPr>
+            <p:ph idx="1"/>
+          </p:nvPr>
+        </p:nvSpPr>
+        <p:spPr/>
+        <p:txBody>
+          <a:bodyPr/>
+          <a:lstStyle/>
+          <a:p>
+            <a:r>
+              <a:rPr lang="en-US" dirty="0" smtClean="0"/>
+              <a:t>Switch </a:t>
+            </a:r>
+            <a:r>
+              <a:rPr lang="en-US" dirty="0" err="1" smtClean="0"/>
+              <a:t>é</a:t>
+            </a:r>
+            <a:r>
+              <a:rPr lang="en-US" dirty="0" smtClean="0"/>
+              <a:t> </a:t>
+            </a:r>
+            <a:r>
+              <a:rPr lang="en-US" dirty="0" err="1" smtClean="0"/>
+              <a:t>uma</a:t>
+            </a:r>
+            <a:r>
+              <a:rPr lang="en-US" dirty="0" smtClean="0"/>
+              <a:t> </a:t>
+            </a:r>
+            <a:r>
+              <a:rPr lang="en-US" dirty="0" err="1" smtClean="0"/>
+              <a:t>declaração</a:t>
+            </a:r>
+            <a:r>
+              <a:rPr lang="en-US" dirty="0" smtClean="0"/>
+              <a:t> </a:t>
+            </a:r>
+            <a:r>
+              <a:rPr lang="en-US" dirty="0" err="1" smtClean="0"/>
+              <a:t>semelhante</a:t>
+            </a:r>
+            <a:r>
+              <a:rPr lang="en-US" dirty="0" smtClean="0"/>
+              <a:t> </a:t>
+            </a:r>
+            <a:r>
+              <a:rPr lang="en-US" dirty="0" err="1" smtClean="0"/>
+              <a:t>ao</a:t>
+            </a:r>
+            <a:r>
+              <a:rPr lang="en-US" dirty="0" smtClean="0"/>
+              <a:t> if, mas </a:t>
+            </a:r>
+            <a:r>
+              <a:rPr lang="en-US" dirty="0" err="1" smtClean="0"/>
+              <a:t>que</a:t>
+            </a:r>
+            <a:r>
+              <a:rPr lang="en-US" dirty="0" smtClean="0"/>
+              <a:t> </a:t>
+            </a:r>
+            <a:r>
+              <a:rPr lang="en-US" dirty="0" err="1" smtClean="0"/>
+              <a:t>usa</a:t>
+            </a:r>
+            <a:r>
+              <a:rPr lang="en-US" dirty="0" smtClean="0"/>
+              <a:t> </a:t>
+            </a:r>
+            <a:r>
+              <a:rPr lang="en-US" dirty="0" err="1" smtClean="0"/>
+              <a:t>valores</a:t>
+            </a:r>
+            <a:r>
+              <a:rPr lang="en-US" dirty="0" smtClean="0"/>
+              <a:t> </a:t>
+            </a:r>
+            <a:r>
+              <a:rPr lang="en-US" dirty="0" err="1" smtClean="0"/>
+              <a:t>inteiros</a:t>
+            </a:r>
+            <a:r>
+              <a:rPr lang="en-US" dirty="0"/>
+              <a:t> </a:t>
+            </a:r>
+            <a:r>
+              <a:rPr lang="en-US" dirty="0" err="1" smtClean="0"/>
+              <a:t>para</a:t>
+            </a:r>
+            <a:r>
+              <a:rPr lang="en-US" dirty="0" smtClean="0"/>
+              <a:t> a </a:t>
+            </a:r>
+            <a:r>
+              <a:rPr lang="en-US" dirty="0" err="1" smtClean="0"/>
+              <a:t>tomada</a:t>
+            </a:r>
+            <a:r>
+              <a:rPr lang="en-US" dirty="0" smtClean="0"/>
+              <a:t> de </a:t>
+            </a:r>
+            <a:r>
+              <a:rPr lang="en-US" dirty="0" err="1" smtClean="0"/>
+              <a:t>decisões</a:t>
+            </a:r>
+            <a:r>
+              <a:rPr lang="en-US" dirty="0" smtClean="0"/>
+              <a:t> </a:t>
+            </a:r>
+            <a:r>
+              <a:rPr lang="en-US" dirty="0" err="1" smtClean="0"/>
+              <a:t>ao</a:t>
+            </a:r>
+            <a:r>
+              <a:rPr lang="en-US" dirty="0" smtClean="0"/>
+              <a:t> </a:t>
+            </a:r>
+            <a:r>
+              <a:rPr lang="en-US" dirty="0" err="1" smtClean="0"/>
+              <a:t>invés</a:t>
+            </a:r>
+            <a:r>
+              <a:rPr lang="en-US" dirty="0" smtClean="0"/>
+              <a:t> de </a:t>
+            </a:r>
+            <a:r>
+              <a:rPr lang="en-US" dirty="0" err="1" smtClean="0"/>
+              <a:t>expressões</a:t>
+            </a:r>
+            <a:r>
+              <a:rPr lang="en-US" dirty="0" smtClean="0"/>
+              <a:t> </a:t>
+            </a:r>
+            <a:r>
+              <a:rPr lang="en-US" dirty="0" err="1" smtClean="0"/>
+              <a:t>booleanas</a:t>
+            </a:r>
+            <a:r>
+              <a:rPr lang="en-US" dirty="0" smtClean="0"/>
+              <a:t>.</a:t>
+            </a:r>
+          </a:p>
+          <a:p>
+            <a:r>
+              <a:rPr lang="en-US" dirty="0" err="1" smtClean="0"/>
+              <a:t>Pode</a:t>
+            </a:r>
+            <a:r>
+              <a:rPr lang="en-US" dirty="0" smtClean="0"/>
+              <a:t> </a:t>
+            </a:r>
+            <a:r>
+              <a:rPr lang="en-US" dirty="0" err="1" smtClean="0"/>
+              <a:t>ser</a:t>
+            </a:r>
+            <a:r>
+              <a:rPr lang="en-US" dirty="0" smtClean="0"/>
+              <a:t> </a:t>
+            </a:r>
+            <a:r>
+              <a:rPr lang="en-US" dirty="0" err="1" smtClean="0"/>
+              <a:t>utilizado</a:t>
+            </a:r>
+            <a:r>
+              <a:rPr lang="en-US" dirty="0" smtClean="0"/>
+              <a:t> com </a:t>
+            </a:r>
+            <a:r>
+              <a:rPr lang="en-US" dirty="0" err="1" smtClean="0"/>
+              <a:t>os</a:t>
+            </a:r>
+            <a:r>
+              <a:rPr lang="en-US" dirty="0" smtClean="0"/>
+              <a:t> </a:t>
+            </a:r>
+            <a:r>
+              <a:rPr lang="en-US" dirty="0" err="1" smtClean="0"/>
+              <a:t>tipos</a:t>
+            </a:r>
+            <a:r>
+              <a:rPr lang="en-US" dirty="0" smtClean="0"/>
+              <a:t> de dados: short, </a:t>
+            </a:r>
+            <a:r>
+              <a:rPr lang="en-US" dirty="0" err="1" smtClean="0"/>
+              <a:t>int</a:t>
+            </a:r>
+            <a:r>
+              <a:rPr lang="en-US" dirty="0" smtClean="0"/>
+              <a:t>, byte, char e String (novo Java 1.7)</a:t>
+            </a:r>
+            <a:endParaRPr lang="en-US" dirty="0"/>
+          </a:p>
+        </p:txBody>
+      </p:sp>
+    </p:spTree>
+    <p:extLst>
+      <p:ext uri="{BB962C8B-B14F-4D97-AF65-F5344CB8AC3E}">
+        <p14:creationId xmlns:p14="http://schemas.microsoft.com/office/powerpoint/2010/main" val="1645147363"/>
+      </p:ext>
+    </p:extLst>
+  </p:cSld>
+  <p:clrMapOvr>
+    <a:masterClrMapping/>
+  </p:clrMapOvr>
+</p:sld>
+</file>
+
+<file path=ppt/slides/slide31.xml><?xml version="1.0" encoding="utf-8"?>
+<p:sld xmlns:a="http://schemas.openxmlformats.org/drawingml/2006/main" xmlns:r="http://schemas.openxmlformats.org/officeDocument/2006/relationships" xmlns:p="http://schemas.openxmlformats.org/presentationml/2006/main">
+  <p:cSld>
+    <p:spTree>
+      <p:nvGrpSpPr>
+        <p:cNvPr id="1" name=""/>
+        <p:cNvGrpSpPr/>
+        <p:nvPr/>
+      </p:nvGrpSpPr>
+      <p:grpSpPr>
+        <a:xfrm>
+          <a:off x="0" y="0"/>
+          <a:ext cx="0" cy="0"/>
+          <a:chOff x="0" y="0"/>
+          <a:chExt cx="0" cy="0"/>
+        </a:xfrm>
+      </p:grpSpPr>
+      <p:sp>
+        <p:nvSpPr>
+          <p:cNvPr id="2" name="Title 1"/>
+          <p:cNvSpPr>
+            <a:spLocks noGrp="1"/>
+          </p:cNvSpPr>
+          <p:nvPr>
+            <p:ph type="title"/>
+          </p:nvPr>
+        </p:nvSpPr>
+        <p:spPr/>
+        <p:txBody>
+          <a:bodyPr/>
+          <a:lstStyle/>
+          <a:p>
+            <a:r>
+              <a:rPr lang="en-US" dirty="0" err="1" smtClean="0"/>
+              <a:t>Ramifica</a:t>
+            </a:r>
+            <a:r>
+              <a:rPr lang="en-US" dirty="0" err="1" smtClean="0"/>
+              <a:t>ções</a:t>
+            </a:r>
+            <a:r>
+              <a:rPr lang="en-US" dirty="0" smtClean="0"/>
+              <a:t> Switch</a:t>
+            </a:r>
+            <a:endParaRPr lang="en-US" dirty="0"/>
+          </a:p>
+        </p:txBody>
+      </p:sp>
+      <p:sp>
+        <p:nvSpPr>
+          <p:cNvPr id="3" name="Content Placeholder 2"/>
+          <p:cNvSpPr>
+            <a:spLocks noGrp="1"/>
+          </p:cNvSpPr>
+          <p:nvPr>
+            <p:ph idx="1"/>
+          </p:nvPr>
+        </p:nvSpPr>
+        <p:spPr/>
+        <p:txBody>
+          <a:bodyPr/>
+          <a:lstStyle/>
+          <a:p>
+            <a:pPr marL="0" indent="0">
+              <a:buNone/>
+            </a:pPr>
+            <a:r>
+              <a:rPr lang="en-US" dirty="0" smtClean="0"/>
+              <a:t>Switch (</a:t>
+            </a:r>
+            <a:r>
+              <a:rPr lang="en-US" dirty="0" err="1" smtClean="0"/>
+              <a:t>variavel</a:t>
+            </a:r>
+            <a:r>
+              <a:rPr lang="en-US" dirty="0" smtClean="0"/>
+              <a:t>) {</a:t>
+            </a:r>
+          </a:p>
+          <a:p>
+            <a:pPr marL="0" indent="0">
+              <a:buNone/>
+            </a:pPr>
+            <a:r>
+              <a:rPr lang="en-US" dirty="0" smtClean="0"/>
+              <a:t>	case constante1: </a:t>
+            </a:r>
+            <a:r>
+              <a:rPr lang="en-US" dirty="0" err="1" smtClean="0"/>
+              <a:t>bloco</a:t>
+            </a:r>
+            <a:r>
+              <a:rPr lang="en-US" dirty="0" smtClean="0"/>
+              <a:t> de </a:t>
+            </a:r>
+            <a:r>
+              <a:rPr lang="en-US" dirty="0" err="1" smtClean="0"/>
+              <a:t>codigo</a:t>
+            </a:r>
+            <a:r>
+              <a:rPr lang="en-US" dirty="0" smtClean="0"/>
+              <a:t>;</a:t>
+            </a:r>
+          </a:p>
+          <a:p>
+            <a:pPr marL="0" indent="0">
+              <a:buNone/>
+            </a:pPr>
+            <a:r>
+              <a:rPr lang="en-US" dirty="0" smtClean="0"/>
+              <a:t>	case constante2: </a:t>
+            </a:r>
+            <a:r>
+              <a:rPr lang="en-US" dirty="0" err="1" smtClean="0"/>
+              <a:t>bloco</a:t>
+            </a:r>
+            <a:r>
+              <a:rPr lang="en-US" dirty="0" smtClean="0"/>
+              <a:t> de </a:t>
+            </a:r>
+            <a:r>
+              <a:rPr lang="en-US" dirty="0" err="1" smtClean="0"/>
+              <a:t>codigo</a:t>
+            </a:r>
+            <a:r>
+              <a:rPr lang="en-US" dirty="0" smtClean="0"/>
+              <a:t>;</a:t>
+            </a:r>
+          </a:p>
+          <a:p>
+            <a:pPr marL="0" indent="0">
+              <a:buNone/>
+            </a:pPr>
+            <a:r>
+              <a:rPr lang="en-US" dirty="0" smtClean="0"/>
+              <a:t> </a:t>
+            </a:r>
+            <a:r>
+              <a:rPr lang="en-US" dirty="0"/>
+              <a:t>	</a:t>
+            </a:r>
+            <a:r>
+              <a:rPr lang="en-US" dirty="0" smtClean="0"/>
+              <a:t>default: </a:t>
+            </a:r>
+            <a:r>
+              <a:rPr lang="en-US" dirty="0" err="1" smtClean="0"/>
+              <a:t>bloco</a:t>
+            </a:r>
+            <a:r>
+              <a:rPr lang="en-US" dirty="0" smtClean="0"/>
+              <a:t> de </a:t>
+            </a:r>
+            <a:r>
+              <a:rPr lang="en-US" dirty="0" err="1" smtClean="0"/>
+              <a:t>codigo</a:t>
+            </a:r>
+            <a:r>
+              <a:rPr lang="en-US" dirty="0"/>
+              <a:t>;</a:t>
+            </a:r>
+            <a:endParaRPr lang="en-US" dirty="0" smtClean="0"/>
+          </a:p>
+          <a:p>
+            <a:pPr marL="0" indent="0">
+              <a:buNone/>
+            </a:pPr>
+            <a:r>
+              <a:rPr lang="en-US" dirty="0" smtClean="0"/>
+              <a:t>}</a:t>
+            </a:r>
+            <a:endParaRPr lang="en-US" dirty="0"/>
+          </a:p>
+        </p:txBody>
+      </p:sp>
+    </p:spTree>
+    <p:extLst>
+      <p:ext uri="{BB962C8B-B14F-4D97-AF65-F5344CB8AC3E}">
+        <p14:creationId xmlns:p14="http://schemas.microsoft.com/office/powerpoint/2010/main" val="711891223"/>
+      </p:ext>
+    </p:extLst>
+  </p:cSld>
+  <p:clrMapOvr>
+    <a:masterClrMapping/>
+  </p:clrMapOvr>
+</p:sld>
+</file>
+
+<file path=ppt/slides/slide32.xml><?xml version="1.0" encoding="utf-8"?>
+<p:sld xmlns:a="http://schemas.openxmlformats.org/drawingml/2006/main" xmlns:r="http://schemas.openxmlformats.org/officeDocument/2006/relationships" xmlns:p="http://schemas.openxmlformats.org/presentationml/2006/main">
+  <p:cSld>
+    <p:spTree>
+      <p:nvGrpSpPr>
+        <p:cNvPr id="1" name=""/>
+        <p:cNvGrpSpPr/>
+        <p:nvPr/>
+      </p:nvGrpSpPr>
+      <p:grpSpPr>
+        <a:xfrm>
+          <a:off x="0" y="0"/>
+          <a:ext cx="0" cy="0"/>
+          <a:chOff x="0" y="0"/>
+          <a:chExt cx="0" cy="0"/>
+        </a:xfrm>
+      </p:grpSpPr>
+      <p:sp>
+        <p:nvSpPr>
+          <p:cNvPr id="2" name="Title 1"/>
+          <p:cNvSpPr>
+            <a:spLocks noGrp="1"/>
+          </p:cNvSpPr>
+          <p:nvPr>
+            <p:ph type="title"/>
+          </p:nvPr>
+        </p:nvSpPr>
+        <p:spPr/>
+        <p:txBody>
+          <a:bodyPr/>
+          <a:lstStyle/>
+          <a:p>
+            <a:r>
+              <a:rPr lang="en-US" dirty="0" err="1" smtClean="0"/>
+              <a:t>Exercicios</a:t>
+            </a:r>
+            <a:endParaRPr lang="en-US" dirty="0"/>
+          </a:p>
+        </p:txBody>
+      </p:sp>
+      <p:sp>
+        <p:nvSpPr>
+          <p:cNvPr id="3" name="Content Placeholder 2"/>
+          <p:cNvSpPr>
+            <a:spLocks noGrp="1"/>
+          </p:cNvSpPr>
+          <p:nvPr>
+            <p:ph idx="1"/>
+          </p:nvPr>
+        </p:nvSpPr>
+        <p:spPr/>
+        <p:txBody>
+          <a:bodyPr/>
+          <a:lstStyle/>
+          <a:p>
+            <a:r>
+              <a:rPr lang="en-US" dirty="0" err="1" smtClean="0"/>
+              <a:t>Exercicios</a:t>
+            </a:r>
+            <a:r>
+              <a:rPr lang="en-US" dirty="0" smtClean="0"/>
+              <a:t> </a:t>
+            </a:r>
+            <a:r>
+              <a:rPr lang="en-US" dirty="0" err="1" smtClean="0"/>
+              <a:t>est</a:t>
+            </a:r>
+            <a:r>
+              <a:rPr lang="en-US" dirty="0" err="1" smtClean="0"/>
+              <a:t>ão</a:t>
+            </a:r>
+            <a:r>
+              <a:rPr lang="en-US" dirty="0" smtClean="0"/>
+              <a:t> no </a:t>
+            </a:r>
+            <a:r>
+              <a:rPr lang="en-US" dirty="0" err="1" smtClean="0"/>
+              <a:t>projeto</a:t>
+            </a:r>
+            <a:r>
+              <a:rPr lang="en-US" dirty="0" smtClean="0"/>
+              <a:t> do </a:t>
+            </a:r>
+            <a:r>
+              <a:rPr lang="en-US" dirty="0" err="1" smtClean="0"/>
+              <a:t>Github</a:t>
+            </a:r>
+            <a:r>
+              <a:rPr lang="en-US" dirty="0" smtClean="0"/>
+              <a:t> </a:t>
+            </a:r>
+            <a:r>
+              <a:rPr lang="en-US" dirty="0" err="1" smtClean="0"/>
+              <a:t>na</a:t>
+            </a:r>
+            <a:r>
+              <a:rPr lang="en-US" dirty="0" smtClean="0"/>
+              <a:t> pasta </a:t>
+            </a:r>
+            <a:r>
+              <a:rPr lang="en-US" dirty="0" err="1" smtClean="0"/>
+              <a:t>Semana</a:t>
+            </a:r>
+            <a:r>
+              <a:rPr lang="en-US" dirty="0" smtClean="0"/>
+              <a:t> 01;</a:t>
+            </a:r>
+          </a:p>
+          <a:p>
+            <a:r>
+              <a:rPr lang="en-US" dirty="0" err="1" smtClean="0"/>
+              <a:t>Basta</a:t>
+            </a:r>
+            <a:r>
+              <a:rPr lang="en-US" dirty="0" smtClean="0"/>
+              <a:t> </a:t>
+            </a:r>
+            <a:r>
+              <a:rPr lang="en-US" dirty="0" err="1" smtClean="0"/>
+              <a:t>importar</a:t>
+            </a:r>
+            <a:r>
+              <a:rPr lang="en-US" dirty="0" smtClean="0"/>
+              <a:t> </a:t>
+            </a:r>
+            <a:r>
+              <a:rPr lang="en-US" dirty="0" err="1" smtClean="0"/>
+              <a:t>para</a:t>
+            </a:r>
+            <a:r>
+              <a:rPr lang="en-US" dirty="0" smtClean="0"/>
+              <a:t> o eclipse o </a:t>
+            </a:r>
+            <a:r>
+              <a:rPr lang="en-US" dirty="0" err="1" smtClean="0"/>
+              <a:t>projeto</a:t>
+            </a:r>
+            <a:r>
+              <a:rPr lang="en-US" dirty="0" smtClean="0"/>
+              <a:t> java </a:t>
+            </a:r>
+            <a:r>
+              <a:rPr lang="en-US" dirty="0" err="1" smtClean="0"/>
+              <a:t>que</a:t>
+            </a:r>
+            <a:r>
+              <a:rPr lang="en-US" dirty="0" smtClean="0"/>
+              <a:t> </a:t>
+            </a:r>
+            <a:r>
+              <a:rPr lang="en-US" dirty="0" err="1" smtClean="0"/>
+              <a:t>está</a:t>
+            </a:r>
+            <a:r>
+              <a:rPr lang="en-US" dirty="0" smtClean="0"/>
+              <a:t> </a:t>
+            </a:r>
+            <a:r>
+              <a:rPr lang="en-US" dirty="0" err="1" smtClean="0"/>
+              <a:t>dentro</a:t>
+            </a:r>
+            <a:r>
+              <a:rPr lang="en-US" dirty="0" smtClean="0"/>
+              <a:t> </a:t>
+            </a:r>
+            <a:r>
+              <a:rPr lang="en-US" dirty="0" err="1" smtClean="0"/>
+              <a:t>desta</a:t>
+            </a:r>
+            <a:r>
+              <a:rPr lang="en-US" dirty="0" smtClean="0"/>
+              <a:t> pasta;</a:t>
+            </a:r>
+            <a:endParaRPr lang="en-US" dirty="0"/>
+          </a:p>
+        </p:txBody>
+      </p:sp>
+    </p:spTree>
+    <p:extLst>
+      <p:ext uri="{BB962C8B-B14F-4D97-AF65-F5344CB8AC3E}">
+        <p14:creationId xmlns:p14="http://schemas.microsoft.com/office/powerpoint/2010/main" val="2770274213"/>
+      </p:ext>
+    </p:extLst>
+  </p:cSld>
+  <p:clrMapOvr>
+    <a:masterClrMapping/>
+  </p:clrMapOvr>
+</p:sld>
+</file>
+
+<file path=ppt/slides/slide33.xml><?xml version="1.0" encoding="utf-8"?>
+<p:sld xmlns:a="http://schemas.openxmlformats.org/drawingml/2006/main" xmlns:r="http://schemas.openxmlformats.org/officeDocument/2006/relationships" xmlns:p="http://schemas.openxmlformats.org/presentationml/2006/main">
+  <p:cSld>
+    <p:spTree>
+      <p:nvGrpSpPr>
+        <p:cNvPr id="1" name=""/>
+        <p:cNvGrpSpPr/>
+        <p:nvPr/>
+      </p:nvGrpSpPr>
+      <p:grpSpPr>
+        <a:xfrm>
+          <a:off x="0" y="0"/>
+          <a:ext cx="0" cy="0"/>
+          <a:chOff x="0" y="0"/>
+          <a:chExt cx="0" cy="0"/>
+        </a:xfrm>
+      </p:grpSpPr>
+      <p:sp>
+        <p:nvSpPr>
+          <p:cNvPr id="2" name="Title 1"/>
+          <p:cNvSpPr>
+            <a:spLocks noGrp="1"/>
+          </p:cNvSpPr>
+          <p:nvPr>
+            <p:ph type="title"/>
+          </p:nvPr>
+        </p:nvSpPr>
+        <p:spPr/>
+        <p:txBody>
+          <a:bodyPr/>
+          <a:lstStyle/>
+          <a:p>
+            <a:r>
+              <a:rPr lang="en-US" dirty="0" smtClean="0"/>
+              <a:t>Loops e </a:t>
+            </a:r>
+            <a:r>
+              <a:rPr lang="en-US" dirty="0" err="1" smtClean="0"/>
+              <a:t>Iteradores</a:t>
+            </a:r>
+            <a:r>
+              <a:rPr lang="en-US" dirty="0" smtClean="0"/>
+              <a:t> - FOR</a:t>
+            </a:r>
+            <a:endParaRPr lang="en-US" dirty="0"/>
+          </a:p>
+        </p:txBody>
+      </p:sp>
+      <p:sp>
+        <p:nvSpPr>
+          <p:cNvPr id="3" name="Content Placeholder 2"/>
+          <p:cNvSpPr>
+            <a:spLocks noGrp="1"/>
+          </p:cNvSpPr>
+          <p:nvPr>
+            <p:ph idx="1"/>
+          </p:nvPr>
+        </p:nvSpPr>
+        <p:spPr/>
+        <p:txBody>
+          <a:bodyPr/>
+          <a:lstStyle/>
+          <a:p>
+            <a:r>
+              <a:rPr lang="en-US" dirty="0" smtClean="0"/>
+              <a:t>A </a:t>
+            </a:r>
+            <a:r>
+              <a:rPr lang="en-US" dirty="0" err="1" smtClean="0"/>
+              <a:t>declara</a:t>
+            </a:r>
+            <a:r>
+              <a:rPr lang="en-US" dirty="0" err="1" smtClean="0"/>
+              <a:t>ção</a:t>
+            </a:r>
+            <a:r>
+              <a:rPr lang="en-US" dirty="0" smtClean="0"/>
+              <a:t> for </a:t>
+            </a:r>
+            <a:r>
+              <a:rPr lang="en-US" dirty="0" err="1" smtClean="0"/>
+              <a:t>é</a:t>
+            </a:r>
+            <a:r>
+              <a:rPr lang="en-US" dirty="0" smtClean="0"/>
+              <a:t> </a:t>
+            </a:r>
+            <a:r>
+              <a:rPr lang="en-US" dirty="0" err="1" smtClean="0"/>
+              <a:t>utilizada</a:t>
+            </a:r>
+            <a:r>
+              <a:rPr lang="en-US" dirty="0" smtClean="0"/>
+              <a:t> </a:t>
+            </a:r>
+            <a:r>
+              <a:rPr lang="en-US" dirty="0" err="1" smtClean="0"/>
+              <a:t>para</a:t>
+            </a:r>
+            <a:r>
+              <a:rPr lang="en-US" dirty="0" smtClean="0"/>
+              <a:t> </a:t>
+            </a:r>
+            <a:r>
+              <a:rPr lang="en-US" dirty="0" err="1" smtClean="0"/>
+              <a:t>definir</a:t>
+            </a:r>
+            <a:r>
+              <a:rPr lang="en-US" dirty="0" smtClean="0"/>
+              <a:t> </a:t>
+            </a:r>
+            <a:r>
+              <a:rPr lang="en-US" dirty="0" err="1" smtClean="0"/>
+              <a:t>que</a:t>
+            </a:r>
+            <a:r>
+              <a:rPr lang="en-US" dirty="0" smtClean="0"/>
+              <a:t> um </a:t>
+            </a:r>
+            <a:r>
+              <a:rPr lang="en-US" dirty="0" err="1" smtClean="0"/>
+              <a:t>bloco</a:t>
+            </a:r>
+            <a:r>
+              <a:rPr lang="en-US" dirty="0" smtClean="0"/>
+              <a:t> de </a:t>
+            </a:r>
+            <a:r>
+              <a:rPr lang="en-US" dirty="0" err="1" smtClean="0"/>
+              <a:t>comandos</a:t>
+            </a:r>
+            <a:r>
+              <a:rPr lang="en-US" dirty="0" smtClean="0"/>
+              <a:t> deva </a:t>
+            </a:r>
+            <a:r>
+              <a:rPr lang="en-US" dirty="0" err="1" smtClean="0"/>
+              <a:t>ser</a:t>
+            </a:r>
+            <a:r>
+              <a:rPr lang="en-US" dirty="0" smtClean="0"/>
+              <a:t> </a:t>
+            </a:r>
+            <a:r>
+              <a:rPr lang="en-US" dirty="0" err="1" smtClean="0"/>
+              <a:t>executado</a:t>
+            </a:r>
+            <a:r>
+              <a:rPr lang="en-US" dirty="0" smtClean="0"/>
+              <a:t> ‘n’ </a:t>
+            </a:r>
+            <a:r>
+              <a:rPr lang="en-US" dirty="0" err="1" smtClean="0"/>
+              <a:t>vezes</a:t>
+            </a:r>
+            <a:r>
+              <a:rPr lang="en-US" dirty="0" smtClean="0"/>
+              <a:t>. </a:t>
+            </a:r>
+            <a:r>
+              <a:rPr lang="en-US" dirty="0" err="1" smtClean="0"/>
+              <a:t>Onde</a:t>
+            </a:r>
+            <a:r>
+              <a:rPr lang="en-US" dirty="0" smtClean="0"/>
+              <a:t> ‘n’ </a:t>
+            </a:r>
+            <a:r>
+              <a:rPr lang="en-US" dirty="0" err="1" smtClean="0"/>
+              <a:t>é</a:t>
+            </a:r>
+            <a:r>
+              <a:rPr lang="en-US" dirty="0" smtClean="0"/>
+              <a:t> um </a:t>
+            </a:r>
+            <a:r>
+              <a:rPr lang="en-US" dirty="0" err="1" smtClean="0"/>
+              <a:t>número</a:t>
+            </a:r>
+            <a:r>
+              <a:rPr lang="en-US" dirty="0" smtClean="0"/>
+              <a:t> </a:t>
+            </a:r>
+            <a:r>
+              <a:rPr lang="en-US" dirty="0" err="1" smtClean="0"/>
+              <a:t>inteiro</a:t>
+            </a:r>
+            <a:r>
+              <a:rPr lang="en-US" dirty="0" smtClean="0"/>
+              <a:t>.</a:t>
+            </a:r>
+          </a:p>
+          <a:p>
+            <a:pPr marL="0" indent="0">
+              <a:buNone/>
+            </a:pPr>
+            <a:endParaRPr lang="en-US" dirty="0" smtClean="0"/>
+          </a:p>
+          <a:p>
+            <a:pPr marL="0" indent="0">
+              <a:buNone/>
+            </a:pPr>
+            <a:r>
+              <a:rPr lang="en-US" dirty="0" smtClean="0">
+                <a:solidFill>
+                  <a:schemeClr val="tx2"/>
+                </a:solidFill>
+              </a:rPr>
+              <a:t>for ( </a:t>
+            </a:r>
+            <a:r>
+              <a:rPr lang="en-US" dirty="0" err="1" smtClean="0">
+                <a:solidFill>
+                  <a:schemeClr val="tx2"/>
+                </a:solidFill>
+              </a:rPr>
+              <a:t>int</a:t>
+            </a:r>
+            <a:r>
+              <a:rPr lang="en-US" dirty="0" smtClean="0">
+                <a:solidFill>
+                  <a:schemeClr val="tx2"/>
+                </a:solidFill>
+              </a:rPr>
+              <a:t> I = 0; I &lt; 10; </a:t>
+            </a:r>
+            <a:r>
+              <a:rPr lang="en-US" dirty="0" err="1" smtClean="0">
+                <a:solidFill>
+                  <a:schemeClr val="tx2"/>
+                </a:solidFill>
+              </a:rPr>
+              <a:t>i</a:t>
+            </a:r>
+            <a:r>
+              <a:rPr lang="en-US" dirty="0" smtClean="0">
+                <a:solidFill>
+                  <a:schemeClr val="tx2"/>
+                </a:solidFill>
+              </a:rPr>
+              <a:t>++ ) {</a:t>
+            </a:r>
+          </a:p>
+          <a:p>
+            <a:pPr marL="0" indent="0">
+              <a:buNone/>
+            </a:pPr>
+            <a:r>
+              <a:rPr lang="en-US" dirty="0">
+                <a:solidFill>
+                  <a:schemeClr val="tx2"/>
+                </a:solidFill>
+              </a:rPr>
+              <a:t>	</a:t>
+            </a:r>
+            <a:r>
+              <a:rPr lang="en-US" dirty="0" smtClean="0">
+                <a:solidFill>
+                  <a:schemeClr val="tx2"/>
+                </a:solidFill>
+              </a:rPr>
+              <a:t>// </a:t>
+            </a:r>
+            <a:r>
+              <a:rPr lang="en-US" dirty="0" err="1" smtClean="0">
+                <a:solidFill>
+                  <a:schemeClr val="tx2"/>
+                </a:solidFill>
+              </a:rPr>
+              <a:t>bloco</a:t>
+            </a:r>
+            <a:r>
+              <a:rPr lang="en-US" dirty="0" smtClean="0">
+                <a:solidFill>
+                  <a:schemeClr val="tx2"/>
+                </a:solidFill>
+              </a:rPr>
+              <a:t> de </a:t>
+            </a:r>
+            <a:r>
+              <a:rPr lang="en-US" dirty="0" err="1" smtClean="0">
+                <a:solidFill>
+                  <a:schemeClr val="tx2"/>
+                </a:solidFill>
+              </a:rPr>
+              <a:t>comandos</a:t>
+            </a:r>
+            <a:endParaRPr lang="en-US" dirty="0" smtClean="0">
+              <a:solidFill>
+                <a:schemeClr val="tx2"/>
+              </a:solidFill>
+            </a:endParaRPr>
+          </a:p>
+          <a:p>
+            <a:pPr marL="0" indent="0">
+              <a:buNone/>
+            </a:pPr>
+            <a:r>
+              <a:rPr lang="en-US" dirty="0">
+                <a:solidFill>
+                  <a:schemeClr val="tx2"/>
+                </a:solidFill>
+              </a:rPr>
+              <a:t>}</a:t>
+            </a:r>
+            <a:endParaRPr lang="en-US" dirty="0">
+              <a:solidFill>
+                <a:schemeClr val="tx2"/>
+              </a:solidFill>
+            </a:endParaRPr>
+          </a:p>
+        </p:txBody>
+      </p:sp>
+    </p:spTree>
+    <p:extLst>
+      <p:ext uri="{BB962C8B-B14F-4D97-AF65-F5344CB8AC3E}">
+        <p14:creationId xmlns:p14="http://schemas.microsoft.com/office/powerpoint/2010/main" val="3438630837"/>
+      </p:ext>
+    </p:extLst>
+  </p:cSld>
+  <p:clrMapOvr>
+    <a:masterClrMapping/>
+  </p:clrMapOvr>
+</p:sld>
+</file>
+
+<file path=ppt/slides/slide34.xml><?xml version="1.0" encoding="utf-8"?>
+<p:sld xmlns:a="http://schemas.openxmlformats.org/drawingml/2006/main" xmlns:r="http://schemas.openxmlformats.org/officeDocument/2006/relationships" xmlns:p="http://schemas.openxmlformats.org/presentationml/2006/main">
+  <p:cSld>
+    <p:spTree>
+      <p:nvGrpSpPr>
+        <p:cNvPr id="1" name=""/>
+        <p:cNvGrpSpPr/>
+        <p:nvPr/>
+      </p:nvGrpSpPr>
+      <p:grpSpPr>
+        <a:xfrm>
+          <a:off x="0" y="0"/>
+          <a:ext cx="0" cy="0"/>
+          <a:chOff x="0" y="0"/>
+          <a:chExt cx="0" cy="0"/>
+        </a:xfrm>
+      </p:grpSpPr>
+      <p:sp>
+        <p:nvSpPr>
+          <p:cNvPr id="2" name="Title 1"/>
+          <p:cNvSpPr>
+            <a:spLocks noGrp="1"/>
+          </p:cNvSpPr>
+          <p:nvPr>
+            <p:ph type="title"/>
+          </p:nvPr>
+        </p:nvSpPr>
+        <p:spPr/>
+        <p:txBody>
+          <a:bodyPr>
+            <a:normAutofit fontScale="90000"/>
+          </a:bodyPr>
+          <a:lstStyle/>
+          <a:p>
+            <a:r>
+              <a:rPr lang="en-US" dirty="0" smtClean="0"/>
+              <a:t>Loops e </a:t>
+            </a:r>
+            <a:r>
+              <a:rPr lang="en-US" dirty="0" err="1" smtClean="0"/>
+              <a:t>Iteradores</a:t>
+            </a:r>
+            <a:r>
+              <a:rPr lang="en-US" dirty="0" smtClean="0"/>
+              <a:t> – FOR </a:t>
+            </a:r>
+            <a:r>
+              <a:rPr lang="en-US" dirty="0" err="1" smtClean="0"/>
+              <a:t>aprimorado</a:t>
+            </a:r>
+            <a:endParaRPr lang="en-US" dirty="0"/>
+          </a:p>
+        </p:txBody>
+      </p:sp>
+      <p:sp>
+        <p:nvSpPr>
+          <p:cNvPr id="3" name="Content Placeholder 2"/>
+          <p:cNvSpPr>
+            <a:spLocks noGrp="1"/>
+          </p:cNvSpPr>
+          <p:nvPr>
+            <p:ph idx="1"/>
+          </p:nvPr>
+        </p:nvSpPr>
+        <p:spPr/>
+        <p:txBody>
+          <a:bodyPr>
+            <a:normAutofit fontScale="85000" lnSpcReduction="10000"/>
+          </a:bodyPr>
+          <a:lstStyle/>
+          <a:p>
+            <a:r>
+              <a:rPr lang="en-US" dirty="0" err="1" smtClean="0"/>
+              <a:t>Introduzido</a:t>
+            </a:r>
+            <a:r>
+              <a:rPr lang="en-US" dirty="0" smtClean="0"/>
+              <a:t> </a:t>
+            </a:r>
+            <a:r>
+              <a:rPr lang="en-US" dirty="0" err="1" smtClean="0"/>
+              <a:t>na</a:t>
+            </a:r>
+            <a:r>
+              <a:rPr lang="en-US" dirty="0" smtClean="0"/>
+              <a:t> </a:t>
+            </a:r>
+            <a:r>
+              <a:rPr lang="en-US" dirty="0" err="1" smtClean="0"/>
+              <a:t>vers</a:t>
+            </a:r>
+            <a:r>
+              <a:rPr lang="en-US" dirty="0" err="1" smtClean="0"/>
+              <a:t>ão</a:t>
+            </a:r>
+            <a:r>
+              <a:rPr lang="en-US" dirty="0" smtClean="0"/>
+              <a:t> 5 do java, </a:t>
+            </a:r>
+            <a:r>
+              <a:rPr lang="en-US" dirty="0" err="1" smtClean="0"/>
+              <a:t>simplifica</a:t>
+            </a:r>
+            <a:r>
+              <a:rPr lang="en-US" dirty="0"/>
+              <a:t> </a:t>
+            </a:r>
+            <a:r>
+              <a:rPr lang="en-US" dirty="0" smtClean="0"/>
+              <a:t>a </a:t>
+            </a:r>
+            <a:r>
+              <a:rPr lang="en-US" dirty="0" err="1" smtClean="0"/>
+              <a:t>tarefa</a:t>
+            </a:r>
+            <a:r>
+              <a:rPr lang="en-US" dirty="0" smtClean="0"/>
+              <a:t> de </a:t>
+            </a:r>
+            <a:r>
+              <a:rPr lang="en-US" dirty="0" err="1" smtClean="0"/>
+              <a:t>fazer</a:t>
+            </a:r>
+            <a:r>
+              <a:rPr lang="en-US" dirty="0" smtClean="0"/>
+              <a:t> loop </a:t>
+            </a:r>
+            <a:r>
+              <a:rPr lang="en-US" dirty="0" err="1" smtClean="0"/>
+              <a:t>através</a:t>
+            </a:r>
+            <a:r>
+              <a:rPr lang="en-US" dirty="0" smtClean="0"/>
+              <a:t> de um array </a:t>
+            </a:r>
+            <a:r>
+              <a:rPr lang="en-US" dirty="0" err="1" smtClean="0"/>
+              <a:t>ou</a:t>
+            </a:r>
+            <a:r>
+              <a:rPr lang="en-US" dirty="0" smtClean="0"/>
+              <a:t> </a:t>
+            </a:r>
+            <a:r>
+              <a:rPr lang="en-US" dirty="0" err="1" smtClean="0"/>
+              <a:t>conjunto</a:t>
+            </a:r>
+            <a:r>
+              <a:rPr lang="en-US" dirty="0" smtClean="0"/>
+              <a:t>.</a:t>
+            </a:r>
+          </a:p>
+          <a:p>
+            <a:r>
+              <a:rPr lang="en-US" dirty="0" smtClean="0"/>
+              <a:t>A </a:t>
+            </a:r>
+            <a:r>
+              <a:rPr lang="en-US" dirty="0" err="1" smtClean="0"/>
+              <a:t>primeira</a:t>
+            </a:r>
+            <a:r>
+              <a:rPr lang="en-US" dirty="0" smtClean="0"/>
+              <a:t> parte do for </a:t>
+            </a:r>
+            <a:r>
+              <a:rPr lang="en-US" dirty="0" err="1" smtClean="0"/>
+              <a:t>deve</a:t>
+            </a:r>
+            <a:r>
+              <a:rPr lang="en-US" dirty="0" smtClean="0"/>
+              <a:t> </a:t>
+            </a:r>
+            <a:r>
+              <a:rPr lang="en-US" dirty="0" err="1" smtClean="0"/>
+              <a:t>ser</a:t>
+            </a:r>
+            <a:r>
+              <a:rPr lang="en-US" dirty="0" smtClean="0"/>
+              <a:t> a </a:t>
+            </a:r>
+            <a:r>
+              <a:rPr lang="en-US" dirty="0" err="1" smtClean="0"/>
+              <a:t>declaração</a:t>
+            </a:r>
+            <a:r>
+              <a:rPr lang="en-US" dirty="0" smtClean="0"/>
+              <a:t> de </a:t>
+            </a:r>
+            <a:r>
+              <a:rPr lang="en-US" dirty="0" err="1" smtClean="0"/>
+              <a:t>uma</a:t>
+            </a:r>
+            <a:r>
+              <a:rPr lang="en-US" dirty="0" smtClean="0"/>
+              <a:t> </a:t>
+            </a:r>
+            <a:r>
+              <a:rPr lang="en-US" dirty="0" err="1" smtClean="0"/>
+              <a:t>variavel</a:t>
+            </a:r>
+            <a:r>
+              <a:rPr lang="en-US" dirty="0" smtClean="0"/>
+              <a:t> do </a:t>
+            </a:r>
+            <a:r>
+              <a:rPr lang="en-US" dirty="0" err="1" smtClean="0"/>
+              <a:t>tipo</a:t>
+            </a:r>
+            <a:r>
+              <a:rPr lang="en-US" dirty="0" smtClean="0"/>
+              <a:t> </a:t>
+            </a:r>
+            <a:r>
+              <a:rPr lang="en-US" dirty="0" err="1" smtClean="0"/>
+              <a:t>compativel</a:t>
+            </a:r>
+            <a:r>
+              <a:rPr lang="en-US" dirty="0" smtClean="0"/>
+              <a:t> com </a:t>
+            </a:r>
+            <a:r>
+              <a:rPr lang="en-US" dirty="0" err="1" smtClean="0"/>
+              <a:t>os</a:t>
+            </a:r>
+            <a:r>
+              <a:rPr lang="en-US" dirty="0" smtClean="0"/>
+              <a:t> </a:t>
+            </a:r>
+            <a:r>
+              <a:rPr lang="en-US" dirty="0" err="1" smtClean="0"/>
+              <a:t>elementos</a:t>
+            </a:r>
+            <a:r>
+              <a:rPr lang="en-US" dirty="0" smtClean="0"/>
+              <a:t> </a:t>
+            </a:r>
+            <a:r>
+              <a:rPr lang="en-US" dirty="0" err="1" smtClean="0"/>
+              <a:t>contidos</a:t>
+            </a:r>
+            <a:r>
+              <a:rPr lang="en-US" dirty="0" smtClean="0"/>
+              <a:t> </a:t>
+            </a:r>
+            <a:r>
+              <a:rPr lang="en-US" dirty="0" err="1" smtClean="0"/>
+              <a:t>na</a:t>
+            </a:r>
+            <a:r>
+              <a:rPr lang="en-US" dirty="0" smtClean="0"/>
+              <a:t> </a:t>
+            </a:r>
+            <a:r>
+              <a:rPr lang="en-US" dirty="0" err="1" smtClean="0"/>
+              <a:t>lista</a:t>
+            </a:r>
+            <a:r>
+              <a:rPr lang="en-US" dirty="0" smtClean="0"/>
+              <a:t>/array.</a:t>
+            </a:r>
+          </a:p>
+          <a:p>
+            <a:r>
+              <a:rPr lang="en-US" dirty="0" smtClean="0"/>
+              <a:t>A </a:t>
+            </a:r>
+            <a:r>
+              <a:rPr lang="en-US" dirty="0" err="1" smtClean="0"/>
+              <a:t>segunda</a:t>
+            </a:r>
+            <a:r>
+              <a:rPr lang="en-US" dirty="0" smtClean="0"/>
+              <a:t> parte </a:t>
+            </a:r>
+            <a:r>
+              <a:rPr lang="en-US" dirty="0" err="1" smtClean="0"/>
+              <a:t>é</a:t>
+            </a:r>
+            <a:r>
+              <a:rPr lang="en-US" dirty="0" smtClean="0"/>
+              <a:t> o </a:t>
+            </a:r>
+            <a:r>
+              <a:rPr lang="en-US" dirty="0" err="1" smtClean="0"/>
+              <a:t>conjunto</a:t>
+            </a:r>
+            <a:r>
+              <a:rPr lang="en-US" dirty="0" smtClean="0"/>
+              <a:t> a </a:t>
+            </a:r>
+            <a:r>
+              <a:rPr lang="en-US" smtClean="0"/>
+              <a:t>iterar</a:t>
+            </a:r>
+            <a:endParaRPr lang="en-US" dirty="0" smtClean="0"/>
+          </a:p>
+          <a:p>
+            <a:pPr marL="0" indent="0">
+              <a:buNone/>
+            </a:pPr>
+            <a:endParaRPr lang="en-US" dirty="0" smtClean="0"/>
+          </a:p>
+          <a:p>
+            <a:pPr marL="0" indent="0">
+              <a:buNone/>
+            </a:pPr>
+            <a:r>
+              <a:rPr lang="en-US" dirty="0" smtClean="0">
+                <a:solidFill>
+                  <a:schemeClr val="tx2"/>
+                </a:solidFill>
+              </a:rPr>
+              <a:t>for ( </a:t>
+            </a:r>
+            <a:r>
+              <a:rPr lang="en-US" dirty="0" err="1" smtClean="0">
+                <a:solidFill>
+                  <a:schemeClr val="tx2"/>
+                </a:solidFill>
+              </a:rPr>
+              <a:t>declaração</a:t>
+            </a:r>
+            <a:r>
+              <a:rPr lang="en-US" dirty="0" smtClean="0">
+                <a:solidFill>
+                  <a:schemeClr val="tx2"/>
+                </a:solidFill>
+              </a:rPr>
+              <a:t> : </a:t>
+            </a:r>
+            <a:r>
+              <a:rPr lang="en-US" dirty="0" err="1" smtClean="0">
+                <a:solidFill>
+                  <a:schemeClr val="tx2"/>
+                </a:solidFill>
+              </a:rPr>
+              <a:t>expressão</a:t>
+            </a:r>
+            <a:r>
+              <a:rPr lang="en-US" dirty="0" smtClean="0">
+                <a:solidFill>
+                  <a:schemeClr val="tx2"/>
+                </a:solidFill>
+              </a:rPr>
+              <a:t> ) {</a:t>
+            </a:r>
+          </a:p>
+          <a:p>
+            <a:pPr marL="0" indent="0">
+              <a:buNone/>
+            </a:pPr>
+            <a:r>
+              <a:rPr lang="en-US" dirty="0">
+                <a:solidFill>
+                  <a:schemeClr val="tx2"/>
+                </a:solidFill>
+              </a:rPr>
+              <a:t>	</a:t>
+            </a:r>
+            <a:r>
+              <a:rPr lang="en-US" dirty="0" smtClean="0">
+                <a:solidFill>
+                  <a:schemeClr val="tx2"/>
+                </a:solidFill>
+              </a:rPr>
+              <a:t>// </a:t>
+            </a:r>
+            <a:r>
+              <a:rPr lang="en-US" dirty="0" err="1" smtClean="0">
+                <a:solidFill>
+                  <a:schemeClr val="tx2"/>
+                </a:solidFill>
+              </a:rPr>
+              <a:t>bloco</a:t>
+            </a:r>
+            <a:r>
+              <a:rPr lang="en-US" dirty="0" smtClean="0">
+                <a:solidFill>
+                  <a:schemeClr val="tx2"/>
+                </a:solidFill>
+              </a:rPr>
+              <a:t> de </a:t>
+            </a:r>
+            <a:r>
+              <a:rPr lang="en-US" dirty="0" err="1" smtClean="0">
+                <a:solidFill>
+                  <a:schemeClr val="tx2"/>
+                </a:solidFill>
+              </a:rPr>
+              <a:t>comandos</a:t>
+            </a:r>
+            <a:endParaRPr lang="en-US" dirty="0" smtClean="0">
+              <a:solidFill>
+                <a:schemeClr val="tx2"/>
+              </a:solidFill>
+            </a:endParaRPr>
+          </a:p>
+          <a:p>
+            <a:pPr marL="0" indent="0">
+              <a:buNone/>
+            </a:pPr>
+            <a:r>
+              <a:rPr lang="en-US" dirty="0">
+                <a:solidFill>
+                  <a:schemeClr val="tx2"/>
+                </a:solidFill>
+              </a:rPr>
+              <a:t>}</a:t>
+            </a:r>
+            <a:endParaRPr lang="en-US" dirty="0">
+              <a:solidFill>
+                <a:schemeClr val="tx2"/>
+              </a:solidFill>
+            </a:endParaRPr>
+          </a:p>
+        </p:txBody>
+      </p:sp>
+    </p:spTree>
+    <p:extLst>
+      <p:ext uri="{BB962C8B-B14F-4D97-AF65-F5344CB8AC3E}">
+        <p14:creationId xmlns:p14="http://schemas.microsoft.com/office/powerpoint/2010/main" val="618840000"/>
+      </p:ext>
+    </p:extLst>
+  </p:cSld>
+  <p:clrMapOvr>
+    <a:masterClrMapping/>
+  </p:clrMapOvr>
+</p:sld>
+</file>
+
+<file path=ppt/slides/slide35.xml><?xml version="1.0" encoding="utf-8"?>
+<p:sld xmlns:a="http://schemas.openxmlformats.org/drawingml/2006/main" xmlns:r="http://schemas.openxmlformats.org/officeDocument/2006/relationships" xmlns:p="http://schemas.openxmlformats.org/presentationml/2006/main">
+  <p:cSld>
+    <p:spTree>
+      <p:nvGrpSpPr>
+        <p:cNvPr id="1" name=""/>
+        <p:cNvGrpSpPr/>
+        <p:nvPr/>
+      </p:nvGrpSpPr>
+      <p:grpSpPr>
+        <a:xfrm>
+          <a:off x="0" y="0"/>
+          <a:ext cx="0" cy="0"/>
+          <a:chOff x="0" y="0"/>
+          <a:chExt cx="0" cy="0"/>
+        </a:xfrm>
+      </p:grpSpPr>
+      <p:sp>
+        <p:nvSpPr>
+          <p:cNvPr id="2" name="Title 1"/>
+          <p:cNvSpPr>
+            <a:spLocks noGrp="1"/>
+          </p:cNvSpPr>
+          <p:nvPr>
+            <p:ph type="title"/>
+          </p:nvPr>
+        </p:nvSpPr>
+        <p:spPr/>
+        <p:txBody>
+          <a:bodyPr/>
+          <a:lstStyle/>
+          <a:p>
+            <a:r>
+              <a:rPr lang="en-US" dirty="0" smtClean="0"/>
+              <a:t>Loops e </a:t>
+            </a:r>
+            <a:r>
+              <a:rPr lang="en-US" dirty="0" err="1" smtClean="0"/>
+              <a:t>Iteradores</a:t>
+            </a:r>
+            <a:r>
+              <a:rPr lang="en-US" dirty="0" smtClean="0"/>
+              <a:t> - WHILE</a:t>
+            </a:r>
+            <a:endParaRPr lang="en-US" dirty="0"/>
+          </a:p>
+        </p:txBody>
+      </p:sp>
+      <p:sp>
+        <p:nvSpPr>
+          <p:cNvPr id="3" name="Content Placeholder 2"/>
+          <p:cNvSpPr>
+            <a:spLocks noGrp="1"/>
+          </p:cNvSpPr>
+          <p:nvPr>
+            <p:ph idx="1"/>
+          </p:nvPr>
+        </p:nvSpPr>
+        <p:spPr/>
+        <p:txBody>
+          <a:bodyPr/>
+          <a:lstStyle/>
+          <a:p>
+            <a:r>
+              <a:rPr lang="en-US" dirty="0" smtClean="0"/>
+              <a:t>A </a:t>
+            </a:r>
+            <a:r>
+              <a:rPr lang="en-US" dirty="0" err="1" smtClean="0"/>
+              <a:t>declara</a:t>
+            </a:r>
+            <a:r>
+              <a:rPr lang="en-US" dirty="0" err="1" smtClean="0"/>
+              <a:t>ção</a:t>
+            </a:r>
+            <a:r>
+              <a:rPr lang="en-US" dirty="0" smtClean="0"/>
+              <a:t> while </a:t>
+            </a:r>
+            <a:r>
+              <a:rPr lang="en-US" dirty="0" err="1" smtClean="0"/>
+              <a:t>é</a:t>
+            </a:r>
+            <a:r>
+              <a:rPr lang="en-US" dirty="0" smtClean="0"/>
+              <a:t> </a:t>
+            </a:r>
+            <a:r>
+              <a:rPr lang="en-US" dirty="0" err="1" smtClean="0"/>
+              <a:t>utilizada</a:t>
+            </a:r>
+            <a:r>
+              <a:rPr lang="en-US" dirty="0" smtClean="0"/>
+              <a:t> </a:t>
+            </a:r>
+            <a:r>
+              <a:rPr lang="en-US" dirty="0" err="1" smtClean="0"/>
+              <a:t>para</a:t>
+            </a:r>
+            <a:r>
+              <a:rPr lang="en-US" dirty="0" smtClean="0"/>
+              <a:t> </a:t>
+            </a:r>
+            <a:r>
+              <a:rPr lang="en-US" dirty="0" err="1" smtClean="0"/>
+              <a:t>definir</a:t>
+            </a:r>
+            <a:r>
+              <a:rPr lang="en-US" dirty="0"/>
+              <a:t> </a:t>
+            </a:r>
+            <a:r>
+              <a:rPr lang="en-US" dirty="0" err="1" smtClean="0"/>
+              <a:t>que</a:t>
+            </a:r>
+            <a:r>
+              <a:rPr lang="en-US" dirty="0" smtClean="0"/>
+              <a:t> um </a:t>
+            </a:r>
+            <a:r>
+              <a:rPr lang="en-US" dirty="0" err="1" smtClean="0"/>
+              <a:t>bloco</a:t>
+            </a:r>
+            <a:r>
+              <a:rPr lang="en-US" dirty="0" smtClean="0"/>
+              <a:t> de </a:t>
+            </a:r>
+            <a:r>
+              <a:rPr lang="en-US" dirty="0" err="1" smtClean="0"/>
+              <a:t>comandos</a:t>
+            </a:r>
+            <a:r>
+              <a:rPr lang="en-US" dirty="0" smtClean="0"/>
+              <a:t> deva </a:t>
+            </a:r>
+            <a:r>
+              <a:rPr lang="en-US" dirty="0" err="1" smtClean="0"/>
+              <a:t>ser</a:t>
+            </a:r>
+            <a:r>
+              <a:rPr lang="en-US" dirty="0" smtClean="0"/>
+              <a:t> </a:t>
+            </a:r>
+            <a:r>
+              <a:rPr lang="en-US" dirty="0" err="1" smtClean="0"/>
+              <a:t>executado</a:t>
+            </a:r>
+            <a:r>
+              <a:rPr lang="en-US" dirty="0" smtClean="0"/>
+              <a:t> </a:t>
+            </a:r>
+            <a:r>
+              <a:rPr lang="en-US" dirty="0" err="1" smtClean="0"/>
+              <a:t>enquanto</a:t>
+            </a:r>
+            <a:r>
+              <a:rPr lang="en-US" dirty="0" smtClean="0"/>
+              <a:t> </a:t>
+            </a:r>
+            <a:r>
+              <a:rPr lang="en-US" dirty="0" err="1" smtClean="0"/>
+              <a:t>uma</a:t>
+            </a:r>
+            <a:r>
+              <a:rPr lang="en-US" dirty="0" smtClean="0"/>
+              <a:t> </a:t>
+            </a:r>
+            <a:r>
+              <a:rPr lang="en-US" dirty="0" err="1" smtClean="0"/>
+              <a:t>expressão</a:t>
+            </a:r>
+            <a:r>
+              <a:rPr lang="en-US" dirty="0" smtClean="0"/>
+              <a:t> </a:t>
+            </a:r>
+            <a:r>
+              <a:rPr lang="en-US" dirty="0" err="1" smtClean="0"/>
+              <a:t>booleana</a:t>
+            </a:r>
+            <a:r>
+              <a:rPr lang="en-US" dirty="0" smtClean="0"/>
+              <a:t> (</a:t>
+            </a:r>
+            <a:r>
+              <a:rPr lang="en-US" dirty="0" err="1" smtClean="0"/>
+              <a:t>condição</a:t>
+            </a:r>
+            <a:r>
+              <a:rPr lang="en-US" dirty="0" smtClean="0"/>
+              <a:t> de </a:t>
+            </a:r>
+            <a:r>
+              <a:rPr lang="en-US" dirty="0" err="1" smtClean="0"/>
+              <a:t>parada</a:t>
+            </a:r>
+            <a:r>
+              <a:rPr lang="en-US" dirty="0" smtClean="0"/>
+              <a:t>) </a:t>
+            </a:r>
+            <a:r>
+              <a:rPr lang="en-US" dirty="0" err="1" smtClean="0"/>
+              <a:t>não</a:t>
+            </a:r>
+            <a:r>
+              <a:rPr lang="en-US" dirty="0" smtClean="0"/>
+              <a:t> </a:t>
+            </a:r>
+            <a:r>
+              <a:rPr lang="en-US" dirty="0" err="1" smtClean="0"/>
+              <a:t>seja</a:t>
+            </a:r>
+            <a:r>
+              <a:rPr lang="en-US" dirty="0" smtClean="0"/>
+              <a:t> </a:t>
+            </a:r>
+            <a:r>
+              <a:rPr lang="en-US" dirty="0" err="1" smtClean="0"/>
+              <a:t>verdade</a:t>
+            </a:r>
+            <a:r>
+              <a:rPr lang="en-US" dirty="0"/>
+              <a:t>.</a:t>
+            </a:r>
+            <a:endParaRPr lang="en-US" dirty="0" smtClean="0"/>
+          </a:p>
+          <a:p>
+            <a:pPr marL="0" indent="0">
+              <a:buNone/>
+            </a:pPr>
+            <a:endParaRPr lang="en-US" dirty="0" smtClean="0"/>
+          </a:p>
+          <a:p>
+            <a:pPr marL="0" indent="0">
+              <a:buNone/>
+            </a:pPr>
+            <a:r>
+              <a:rPr lang="en-US" dirty="0" smtClean="0">
+                <a:solidFill>
+                  <a:srgbClr val="1F497D"/>
+                </a:solidFill>
+              </a:rPr>
+              <a:t>while (</a:t>
+            </a:r>
+            <a:r>
+              <a:rPr lang="en-US" dirty="0" err="1" smtClean="0">
+                <a:solidFill>
+                  <a:srgbClr val="1F497D"/>
+                </a:solidFill>
+              </a:rPr>
+              <a:t>expressao_booleana</a:t>
+            </a:r>
+            <a:r>
+              <a:rPr lang="en-US" dirty="0" smtClean="0">
+                <a:solidFill>
+                  <a:srgbClr val="1F497D"/>
+                </a:solidFill>
+              </a:rPr>
+              <a:t>)</a:t>
+            </a:r>
+          </a:p>
+          <a:p>
+            <a:pPr marL="0" indent="0">
+              <a:buNone/>
+            </a:pPr>
+            <a:r>
+              <a:rPr lang="en-US" dirty="0">
+                <a:solidFill>
+                  <a:srgbClr val="1F497D"/>
+                </a:solidFill>
+              </a:rPr>
+              <a:t>	</a:t>
+            </a:r>
+            <a:r>
+              <a:rPr lang="en-US" dirty="0" smtClean="0">
+                <a:solidFill>
+                  <a:srgbClr val="1F497D"/>
+                </a:solidFill>
+              </a:rPr>
+              <a:t>// </a:t>
+            </a:r>
+            <a:r>
+              <a:rPr lang="en-US" dirty="0" err="1" smtClean="0">
+                <a:solidFill>
+                  <a:srgbClr val="1F497D"/>
+                </a:solidFill>
+              </a:rPr>
+              <a:t>bloco</a:t>
+            </a:r>
+            <a:r>
+              <a:rPr lang="en-US" dirty="0" smtClean="0">
+                <a:solidFill>
+                  <a:srgbClr val="1F497D"/>
+                </a:solidFill>
+              </a:rPr>
+              <a:t> de </a:t>
+            </a:r>
+            <a:r>
+              <a:rPr lang="en-US" dirty="0" err="1" smtClean="0">
+                <a:solidFill>
+                  <a:srgbClr val="1F497D"/>
+                </a:solidFill>
+              </a:rPr>
+              <a:t>comandos</a:t>
+            </a:r>
+            <a:endParaRPr lang="en-US" dirty="0" smtClean="0">
+              <a:solidFill>
+                <a:srgbClr val="1F497D"/>
+              </a:solidFill>
+            </a:endParaRPr>
+          </a:p>
+          <a:p>
+            <a:pPr marL="0" indent="0">
+              <a:buNone/>
+            </a:pPr>
+            <a:r>
+              <a:rPr lang="en-US" dirty="0">
+                <a:solidFill>
+                  <a:srgbClr val="1F497D"/>
+                </a:solidFill>
+              </a:rPr>
+              <a:t>}</a:t>
+            </a:r>
+            <a:endParaRPr lang="en-US" dirty="0">
+              <a:solidFill>
+                <a:srgbClr val="1F497D"/>
+              </a:solidFill>
+            </a:endParaRPr>
+          </a:p>
+        </p:txBody>
+      </p:sp>
+    </p:spTree>
+    <p:extLst>
+      <p:ext uri="{BB962C8B-B14F-4D97-AF65-F5344CB8AC3E}">
+        <p14:creationId xmlns:p14="http://schemas.microsoft.com/office/powerpoint/2010/main" val="2450850909"/>
+      </p:ext>
+    </p:extLst>
+  </p:cSld>
+  <p:clrMapOvr>
+    <a:masterClrMapping/>
+  </p:clrMapOvr>
+</p:sld>
+</file>
+
+<file path=ppt/slides/slide36.xml><?xml version="1.0" encoding="utf-8"?>
+<p:sld xmlns:a="http://schemas.openxmlformats.org/drawingml/2006/main" xmlns:r="http://schemas.openxmlformats.org/officeDocument/2006/relationships" xmlns:p="http://schemas.openxmlformats.org/presentationml/2006/main">
+  <p:cSld>
+    <p:spTree>
+      <p:nvGrpSpPr>
+        <p:cNvPr id="1" name=""/>
+        <p:cNvGrpSpPr/>
+        <p:nvPr/>
+      </p:nvGrpSpPr>
+      <p:grpSpPr>
+        <a:xfrm>
+          <a:off x="0" y="0"/>
+          <a:ext cx="0" cy="0"/>
+          <a:chOff x="0" y="0"/>
+          <a:chExt cx="0" cy="0"/>
+        </a:xfrm>
+      </p:grpSpPr>
+      <p:sp>
+        <p:nvSpPr>
+          <p:cNvPr id="2" name="Title 1"/>
+          <p:cNvSpPr>
+            <a:spLocks noGrp="1"/>
+          </p:cNvSpPr>
+          <p:nvPr>
+            <p:ph type="title"/>
+          </p:nvPr>
+        </p:nvSpPr>
+        <p:spPr/>
+        <p:txBody>
+          <a:bodyPr/>
+          <a:lstStyle/>
+          <a:p>
+            <a:r>
+              <a:rPr lang="en-US" dirty="0" smtClean="0"/>
+              <a:t>Loops e </a:t>
+            </a:r>
+            <a:r>
+              <a:rPr lang="en-US" dirty="0" err="1" smtClean="0"/>
+              <a:t>Iteradores</a:t>
+            </a:r>
+            <a:r>
+              <a:rPr lang="en-US" dirty="0" smtClean="0"/>
+              <a:t> – DO WHILE</a:t>
+            </a:r>
+            <a:endParaRPr lang="en-US" dirty="0"/>
+          </a:p>
+        </p:txBody>
+      </p:sp>
+      <p:sp>
+        <p:nvSpPr>
+          <p:cNvPr id="3" name="Content Placeholder 2"/>
+          <p:cNvSpPr>
+            <a:spLocks noGrp="1"/>
+          </p:cNvSpPr>
+          <p:nvPr>
+            <p:ph idx="1"/>
+          </p:nvPr>
+        </p:nvSpPr>
+        <p:spPr/>
+        <p:txBody>
+          <a:bodyPr/>
+          <a:lstStyle/>
+          <a:p>
+            <a:r>
+              <a:rPr lang="en-US" dirty="0" smtClean="0"/>
+              <a:t>A </a:t>
+            </a:r>
+            <a:r>
+              <a:rPr lang="en-US" dirty="0" err="1" smtClean="0"/>
+              <a:t>declaração</a:t>
+            </a:r>
+            <a:r>
+              <a:rPr lang="en-US" dirty="0" smtClean="0"/>
+              <a:t> do while </a:t>
+            </a:r>
+            <a:r>
+              <a:rPr lang="en-US" dirty="0" err="1" smtClean="0"/>
+              <a:t>é</a:t>
+            </a:r>
+            <a:r>
+              <a:rPr lang="en-US" dirty="0" smtClean="0"/>
+              <a:t> </a:t>
+            </a:r>
+            <a:r>
+              <a:rPr lang="en-US" dirty="0" err="1" smtClean="0"/>
+              <a:t>semelhante</a:t>
+            </a:r>
+            <a:r>
+              <a:rPr lang="en-US" dirty="0" smtClean="0"/>
+              <a:t> a while, a </a:t>
+            </a:r>
+            <a:r>
+              <a:rPr lang="en-US" dirty="0" err="1" smtClean="0"/>
+              <a:t>diferença</a:t>
+            </a:r>
+            <a:r>
+              <a:rPr lang="en-US" dirty="0" smtClean="0"/>
+              <a:t> </a:t>
+            </a:r>
+            <a:r>
+              <a:rPr lang="en-US" dirty="0" err="1" smtClean="0"/>
+              <a:t>é</a:t>
+            </a:r>
+            <a:r>
+              <a:rPr lang="en-US" dirty="0" smtClean="0"/>
+              <a:t> </a:t>
+            </a:r>
+            <a:r>
+              <a:rPr lang="en-US" dirty="0" err="1" smtClean="0"/>
+              <a:t>que</a:t>
+            </a:r>
+            <a:r>
+              <a:rPr lang="en-US" dirty="0" smtClean="0"/>
+              <a:t> a </a:t>
+            </a:r>
+            <a:r>
+              <a:rPr lang="en-US" dirty="0" err="1" smtClean="0"/>
+              <a:t>expressão</a:t>
+            </a:r>
+            <a:r>
+              <a:rPr lang="en-US" dirty="0" smtClean="0"/>
+              <a:t> </a:t>
+            </a:r>
+            <a:r>
+              <a:rPr lang="en-US" dirty="0" err="1" smtClean="0"/>
+              <a:t>booleana</a:t>
+            </a:r>
+            <a:r>
+              <a:rPr lang="en-US" dirty="0" smtClean="0"/>
+              <a:t> </a:t>
+            </a:r>
+            <a:r>
+              <a:rPr lang="en-US" dirty="0" err="1" smtClean="0"/>
+              <a:t>fica</a:t>
+            </a:r>
+            <a:r>
+              <a:rPr lang="en-US" dirty="0" smtClean="0"/>
+              <a:t> no </a:t>
+            </a:r>
+            <a:r>
+              <a:rPr lang="en-US" dirty="0" err="1" smtClean="0"/>
+              <a:t>fim</a:t>
+            </a:r>
+            <a:r>
+              <a:rPr lang="en-US" dirty="0" smtClean="0"/>
+              <a:t>, </a:t>
+            </a:r>
+            <a:r>
+              <a:rPr lang="en-US" dirty="0" err="1" smtClean="0"/>
+              <a:t>fazendo</a:t>
+            </a:r>
+            <a:r>
+              <a:rPr lang="en-US" dirty="0"/>
+              <a:t> </a:t>
+            </a:r>
+            <a:r>
+              <a:rPr lang="en-US" dirty="0" err="1" smtClean="0"/>
+              <a:t>assim</a:t>
+            </a:r>
+            <a:r>
+              <a:rPr lang="en-US" dirty="0" smtClean="0"/>
+              <a:t> com </a:t>
+            </a:r>
+            <a:r>
+              <a:rPr lang="en-US" dirty="0" err="1" smtClean="0"/>
+              <a:t>que</a:t>
+            </a:r>
+            <a:r>
+              <a:rPr lang="en-US" dirty="0" smtClean="0"/>
+              <a:t> o </a:t>
+            </a:r>
+            <a:r>
+              <a:rPr lang="en-US" dirty="0" err="1" smtClean="0"/>
+              <a:t>código</a:t>
+            </a:r>
+            <a:r>
+              <a:rPr lang="en-US" dirty="0" smtClean="0"/>
+              <a:t> </a:t>
+            </a:r>
+            <a:r>
+              <a:rPr lang="en-US" dirty="0" err="1" smtClean="0"/>
+              <a:t>seja</a:t>
+            </a:r>
+            <a:r>
+              <a:rPr lang="en-US" dirty="0" smtClean="0"/>
+              <a:t> </a:t>
+            </a:r>
+            <a:r>
+              <a:rPr lang="en-US" dirty="0" err="1" smtClean="0"/>
+              <a:t>executado</a:t>
+            </a:r>
+            <a:r>
+              <a:rPr lang="en-US" dirty="0" smtClean="0"/>
+              <a:t> </a:t>
+            </a:r>
+            <a:r>
+              <a:rPr lang="en-US" dirty="0" err="1" smtClean="0"/>
+              <a:t>pelo</a:t>
+            </a:r>
+            <a:r>
+              <a:rPr lang="en-US" dirty="0" smtClean="0"/>
+              <a:t> </a:t>
+            </a:r>
+            <a:r>
+              <a:rPr lang="en-US" dirty="0" err="1" smtClean="0"/>
+              <a:t>menos</a:t>
+            </a:r>
+            <a:r>
+              <a:rPr lang="en-US" dirty="0" smtClean="0"/>
+              <a:t> </a:t>
+            </a:r>
+            <a:r>
+              <a:rPr lang="en-US" dirty="0" err="1" smtClean="0"/>
+              <a:t>uma</a:t>
+            </a:r>
+            <a:r>
+              <a:rPr lang="en-US" dirty="0" smtClean="0"/>
+              <a:t> </a:t>
+            </a:r>
+            <a:r>
+              <a:rPr lang="en-US" dirty="0" err="1" smtClean="0"/>
+              <a:t>vez</a:t>
+            </a:r>
+            <a:r>
+              <a:rPr lang="en-US" dirty="0" smtClean="0"/>
+              <a:t>.</a:t>
+            </a:r>
+          </a:p>
+          <a:p>
+            <a:pPr marL="0" indent="0">
+              <a:buNone/>
+            </a:pPr>
+            <a:r>
+              <a:rPr lang="en-US" dirty="0" smtClean="0">
+                <a:solidFill>
+                  <a:srgbClr val="1F497D"/>
+                </a:solidFill>
+              </a:rPr>
+              <a:t>do {</a:t>
+            </a:r>
+            <a:r>
+              <a:rPr lang="en-US" dirty="0">
+                <a:solidFill>
+                  <a:srgbClr val="1F497D"/>
+                </a:solidFill>
+              </a:rPr>
+              <a:t>	</a:t>
+            </a:r>
+            <a:endParaRPr lang="en-US" dirty="0" smtClean="0">
+              <a:solidFill>
+                <a:srgbClr val="1F497D"/>
+              </a:solidFill>
+            </a:endParaRPr>
+          </a:p>
+          <a:p>
+            <a:pPr marL="0" indent="0">
+              <a:buNone/>
+            </a:pPr>
+            <a:r>
+              <a:rPr lang="en-US" dirty="0" smtClean="0">
+                <a:solidFill>
+                  <a:srgbClr val="1F497D"/>
+                </a:solidFill>
+              </a:rPr>
+              <a:t>	// </a:t>
+            </a:r>
+            <a:r>
+              <a:rPr lang="en-US" dirty="0" err="1" smtClean="0">
+                <a:solidFill>
+                  <a:srgbClr val="1F497D"/>
+                </a:solidFill>
+              </a:rPr>
+              <a:t>bloco</a:t>
+            </a:r>
+            <a:r>
+              <a:rPr lang="en-US" dirty="0" smtClean="0">
+                <a:solidFill>
+                  <a:srgbClr val="1F497D"/>
+                </a:solidFill>
+              </a:rPr>
+              <a:t> de </a:t>
+            </a:r>
+            <a:r>
+              <a:rPr lang="en-US" dirty="0" err="1" smtClean="0">
+                <a:solidFill>
+                  <a:srgbClr val="1F497D"/>
+                </a:solidFill>
+              </a:rPr>
+              <a:t>comandos</a:t>
+            </a:r>
+            <a:endParaRPr lang="en-US" dirty="0" smtClean="0">
+              <a:solidFill>
+                <a:srgbClr val="1F497D"/>
+              </a:solidFill>
+            </a:endParaRPr>
+          </a:p>
+          <a:p>
+            <a:pPr marL="0" indent="0">
+              <a:buNone/>
+            </a:pPr>
+            <a:r>
+              <a:rPr lang="en-US" dirty="0" smtClean="0">
+                <a:solidFill>
+                  <a:srgbClr val="1F497D"/>
+                </a:solidFill>
+              </a:rPr>
+              <a:t>}</a:t>
+            </a:r>
+            <a:r>
+              <a:rPr lang="en-US" dirty="0">
+                <a:solidFill>
+                  <a:srgbClr val="1F497D"/>
+                </a:solidFill>
+              </a:rPr>
+              <a:t> (</a:t>
+            </a:r>
+            <a:r>
+              <a:rPr lang="en-US" dirty="0" err="1">
+                <a:solidFill>
+                  <a:srgbClr val="1F497D"/>
+                </a:solidFill>
+              </a:rPr>
+              <a:t>expressao_booleana</a:t>
+            </a:r>
+            <a:r>
+              <a:rPr lang="en-US" dirty="0" smtClean="0">
+                <a:solidFill>
+                  <a:srgbClr val="1F497D"/>
+                </a:solidFill>
+              </a:rPr>
+              <a:t>);</a:t>
+            </a:r>
+            <a:endParaRPr lang="en-US" dirty="0">
+              <a:solidFill>
+                <a:srgbClr val="1F497D"/>
+              </a:solidFill>
+            </a:endParaRPr>
+          </a:p>
+          <a:p>
+            <a:pPr marL="0" indent="0">
+              <a:buNone/>
+            </a:pPr>
+            <a:endParaRPr lang="en-US" dirty="0"/>
+          </a:p>
+        </p:txBody>
+      </p:sp>
+    </p:spTree>
+    <p:extLst>
+      <p:ext uri="{BB962C8B-B14F-4D97-AF65-F5344CB8AC3E}">
+        <p14:creationId xmlns:p14="http://schemas.microsoft.com/office/powerpoint/2010/main" val="803404319"/>
+      </p:ext>
+    </p:extLst>
+  </p:cSld>
+  <p:clrMapOvr>
+    <a:masterClrMapping/>
+  </p:clrMapOvr>
 </p:sld>
 </file>
 

--- a/Documentos/Curso Java.pptx
+++ b/Documentos/Curso Java.pptx
@@ -5,7 +5,7 @@
     <p:sldMasterId id="2147483802" r:id="rId1"/>
   </p:sldMasterIdLst>
   <p:notesMasterIdLst>
-    <p:notesMasterId r:id="rId38"/>
+    <p:notesMasterId r:id="rId51"/>
   </p:notesMasterIdLst>
   <p:sldIdLst>
     <p:sldId id="256" r:id="rId2"/>
@@ -41,9 +41,22 @@
     <p:sldId id="289" r:id="rId32"/>
     <p:sldId id="294" r:id="rId33"/>
     <p:sldId id="290" r:id="rId34"/>
-    <p:sldId id="295" r:id="rId35"/>
-    <p:sldId id="292" r:id="rId36"/>
-    <p:sldId id="293" r:id="rId37"/>
+    <p:sldId id="296" r:id="rId35"/>
+    <p:sldId id="295" r:id="rId36"/>
+    <p:sldId id="297" r:id="rId37"/>
+    <p:sldId id="292" r:id="rId38"/>
+    <p:sldId id="298" r:id="rId39"/>
+    <p:sldId id="293" r:id="rId40"/>
+    <p:sldId id="299" r:id="rId41"/>
+    <p:sldId id="300" r:id="rId42"/>
+    <p:sldId id="301" r:id="rId43"/>
+    <p:sldId id="302" r:id="rId44"/>
+    <p:sldId id="303" r:id="rId45"/>
+    <p:sldId id="304" r:id="rId46"/>
+    <p:sldId id="305" r:id="rId47"/>
+    <p:sldId id="306" r:id="rId48"/>
+    <p:sldId id="307" r:id="rId49"/>
+    <p:sldId id="308" r:id="rId50"/>
   </p:sldIdLst>
   <p:sldSz cx="9144000" cy="6858000" type="screen4x3"/>
   <p:notesSz cx="6858000" cy="9144000"/>
@@ -12769,9 +12782,7 @@
         </p:nvSpPr>
         <p:spPr/>
         <p:txBody>
-          <a:bodyPr>
-            <a:normAutofit fontScale="90000"/>
-          </a:bodyPr>
+          <a:bodyPr/>
           <a:lstStyle/>
           <a:p>
             <a:r>
@@ -12784,384 +12795,40 @@
             </a:r>
             <a:r>
               <a:rPr lang="en-US" dirty="0" smtClean="0"/>
-              <a:t> – FOR </a:t>
-            </a:r>
-            <a:r>
-              <a:rPr lang="en-US" dirty="0" err="1" smtClean="0"/>
-              <a:t>aprimorado</a:t>
+              <a:t> - FOR</a:t>
             </a:r>
             <a:endParaRPr lang="en-US" dirty="0"/>
           </a:p>
         </p:txBody>
       </p:sp>
-      <p:sp>
-        <p:nvSpPr>
-          <p:cNvPr id="3" name="Content Placeholder 2"/>
-          <p:cNvSpPr>
-            <a:spLocks noGrp="1"/>
-          </p:cNvSpPr>
-          <p:nvPr>
-            <p:ph idx="1"/>
-          </p:nvPr>
-        </p:nvSpPr>
-        <p:spPr/>
-        <p:txBody>
-          <a:bodyPr>
-            <a:normAutofit fontScale="85000" lnSpcReduction="10000"/>
-          </a:bodyPr>
-          <a:lstStyle/>
-          <a:p>
-            <a:r>
-              <a:rPr lang="en-US" dirty="0" err="1" smtClean="0"/>
-              <a:t>Introduzido</a:t>
-            </a:r>
-            <a:r>
-              <a:rPr lang="en-US" dirty="0" smtClean="0"/>
-              <a:t> </a:t>
-            </a:r>
-            <a:r>
-              <a:rPr lang="en-US" dirty="0" err="1" smtClean="0"/>
-              <a:t>na</a:t>
-            </a:r>
-            <a:r>
-              <a:rPr lang="en-US" dirty="0" smtClean="0"/>
-              <a:t> </a:t>
-            </a:r>
-            <a:r>
-              <a:rPr lang="en-US" dirty="0" err="1" smtClean="0"/>
-              <a:t>vers</a:t>
-            </a:r>
-            <a:r>
-              <a:rPr lang="en-US" dirty="0" err="1" smtClean="0"/>
-              <a:t>ão</a:t>
-            </a:r>
-            <a:r>
-              <a:rPr lang="en-US" dirty="0" smtClean="0"/>
-              <a:t> 5 do java, </a:t>
-            </a:r>
-            <a:r>
-              <a:rPr lang="en-US" dirty="0" err="1" smtClean="0"/>
-              <a:t>simplifica</a:t>
-            </a:r>
-            <a:r>
-              <a:rPr lang="en-US" dirty="0"/>
-              <a:t> </a:t>
-            </a:r>
-            <a:r>
-              <a:rPr lang="en-US" dirty="0" smtClean="0"/>
-              <a:t>a </a:t>
-            </a:r>
-            <a:r>
-              <a:rPr lang="en-US" dirty="0" err="1" smtClean="0"/>
-              <a:t>tarefa</a:t>
-            </a:r>
-            <a:r>
-              <a:rPr lang="en-US" dirty="0" smtClean="0"/>
-              <a:t> de </a:t>
-            </a:r>
-            <a:r>
-              <a:rPr lang="en-US" dirty="0" err="1" smtClean="0"/>
-              <a:t>fazer</a:t>
-            </a:r>
-            <a:r>
-              <a:rPr lang="en-US" dirty="0" smtClean="0"/>
-              <a:t> loop </a:t>
-            </a:r>
-            <a:r>
-              <a:rPr lang="en-US" dirty="0" err="1" smtClean="0"/>
-              <a:t>através</a:t>
-            </a:r>
-            <a:r>
-              <a:rPr lang="en-US" dirty="0" smtClean="0"/>
-              <a:t> de um array </a:t>
-            </a:r>
-            <a:r>
-              <a:rPr lang="en-US" dirty="0" err="1" smtClean="0"/>
-              <a:t>ou</a:t>
-            </a:r>
-            <a:r>
-              <a:rPr lang="en-US" dirty="0" smtClean="0"/>
-              <a:t> </a:t>
-            </a:r>
-            <a:r>
-              <a:rPr lang="en-US" dirty="0" err="1" smtClean="0"/>
-              <a:t>conjunto</a:t>
-            </a:r>
-            <a:r>
-              <a:rPr lang="en-US" dirty="0" smtClean="0"/>
-              <a:t>.</a:t>
-            </a:r>
-          </a:p>
-          <a:p>
-            <a:r>
-              <a:rPr lang="en-US" dirty="0" smtClean="0"/>
-              <a:t>A </a:t>
-            </a:r>
-            <a:r>
-              <a:rPr lang="en-US" dirty="0" err="1" smtClean="0"/>
-              <a:t>primeira</a:t>
-            </a:r>
-            <a:r>
-              <a:rPr lang="en-US" dirty="0" smtClean="0"/>
-              <a:t> parte do for </a:t>
-            </a:r>
-            <a:r>
-              <a:rPr lang="en-US" dirty="0" err="1" smtClean="0"/>
-              <a:t>deve</a:t>
-            </a:r>
-            <a:r>
-              <a:rPr lang="en-US" dirty="0" smtClean="0"/>
-              <a:t> </a:t>
-            </a:r>
-            <a:r>
-              <a:rPr lang="en-US" dirty="0" err="1" smtClean="0"/>
-              <a:t>ser</a:t>
-            </a:r>
-            <a:r>
-              <a:rPr lang="en-US" dirty="0" smtClean="0"/>
-              <a:t> a </a:t>
-            </a:r>
-            <a:r>
-              <a:rPr lang="en-US" dirty="0" err="1" smtClean="0"/>
-              <a:t>declaração</a:t>
-            </a:r>
-            <a:r>
-              <a:rPr lang="en-US" dirty="0" smtClean="0"/>
-              <a:t> de </a:t>
-            </a:r>
-            <a:r>
-              <a:rPr lang="en-US" dirty="0" err="1" smtClean="0"/>
-              <a:t>uma</a:t>
-            </a:r>
-            <a:r>
-              <a:rPr lang="en-US" dirty="0" smtClean="0"/>
-              <a:t> </a:t>
-            </a:r>
-            <a:r>
-              <a:rPr lang="en-US" dirty="0" err="1" smtClean="0"/>
-              <a:t>variavel</a:t>
-            </a:r>
-            <a:r>
-              <a:rPr lang="en-US" dirty="0" smtClean="0"/>
-              <a:t> do </a:t>
-            </a:r>
-            <a:r>
-              <a:rPr lang="en-US" dirty="0" err="1" smtClean="0"/>
-              <a:t>tipo</a:t>
-            </a:r>
-            <a:r>
-              <a:rPr lang="en-US" dirty="0" smtClean="0"/>
-              <a:t> </a:t>
-            </a:r>
-            <a:r>
-              <a:rPr lang="en-US" dirty="0" err="1" smtClean="0"/>
-              <a:t>compativel</a:t>
-            </a:r>
-            <a:r>
-              <a:rPr lang="en-US" dirty="0" smtClean="0"/>
-              <a:t> com </a:t>
-            </a:r>
-            <a:r>
-              <a:rPr lang="en-US" dirty="0" err="1" smtClean="0"/>
-              <a:t>os</a:t>
-            </a:r>
-            <a:r>
-              <a:rPr lang="en-US" dirty="0" smtClean="0"/>
-              <a:t> </a:t>
-            </a:r>
-            <a:r>
-              <a:rPr lang="en-US" dirty="0" err="1" smtClean="0"/>
-              <a:t>elementos</a:t>
-            </a:r>
-            <a:r>
-              <a:rPr lang="en-US" dirty="0" smtClean="0"/>
-              <a:t> </a:t>
-            </a:r>
-            <a:r>
-              <a:rPr lang="en-US" dirty="0" err="1" smtClean="0"/>
-              <a:t>contidos</a:t>
-            </a:r>
-            <a:r>
-              <a:rPr lang="en-US" dirty="0" smtClean="0"/>
-              <a:t> </a:t>
-            </a:r>
-            <a:r>
-              <a:rPr lang="en-US" dirty="0" err="1" smtClean="0"/>
-              <a:t>na</a:t>
-            </a:r>
-            <a:r>
-              <a:rPr lang="en-US" dirty="0" smtClean="0"/>
-              <a:t> </a:t>
-            </a:r>
-            <a:r>
-              <a:rPr lang="en-US" dirty="0" err="1" smtClean="0"/>
-              <a:t>lista</a:t>
-            </a:r>
-            <a:r>
-              <a:rPr lang="en-US" dirty="0" smtClean="0"/>
-              <a:t>/array.</a:t>
-            </a:r>
-          </a:p>
-          <a:p>
-            <a:r>
-              <a:rPr lang="en-US" dirty="0" smtClean="0"/>
-              <a:t>A </a:t>
-            </a:r>
-            <a:r>
-              <a:rPr lang="en-US" dirty="0" err="1" smtClean="0"/>
-              <a:t>segunda</a:t>
-            </a:r>
-            <a:r>
-              <a:rPr lang="en-US" dirty="0" smtClean="0"/>
-              <a:t> parte </a:t>
-            </a:r>
-            <a:r>
-              <a:rPr lang="en-US" dirty="0" err="1" smtClean="0"/>
-              <a:t>é</a:t>
-            </a:r>
-            <a:r>
-              <a:rPr lang="en-US" dirty="0" smtClean="0"/>
-              <a:t> o </a:t>
-            </a:r>
-            <a:r>
-              <a:rPr lang="en-US" dirty="0" err="1" smtClean="0"/>
-              <a:t>conjunto</a:t>
-            </a:r>
-            <a:r>
-              <a:rPr lang="en-US" dirty="0" smtClean="0"/>
-              <a:t> a </a:t>
-            </a:r>
-            <a:r>
-              <a:rPr lang="en-US" smtClean="0"/>
-              <a:t>iterar</a:t>
-            </a:r>
-            <a:endParaRPr lang="en-US" dirty="0" smtClean="0"/>
-          </a:p>
-          <a:p>
-            <a:pPr marL="0" indent="0">
-              <a:buNone/>
-            </a:pPr>
-            <a:endParaRPr lang="en-US" dirty="0" smtClean="0"/>
-          </a:p>
-          <a:p>
-            <a:pPr marL="0" indent="0">
-              <a:buNone/>
-            </a:pPr>
-            <a:r>
-              <a:rPr lang="en-US" dirty="0" smtClean="0">
-                <a:solidFill>
-                  <a:schemeClr val="tx2"/>
-                </a:solidFill>
-              </a:rPr>
-              <a:t>for ( </a:t>
-            </a:r>
-            <a:r>
-              <a:rPr lang="en-US" dirty="0" err="1" smtClean="0">
-                <a:solidFill>
-                  <a:schemeClr val="tx2"/>
-                </a:solidFill>
-              </a:rPr>
-              <a:t>declaração</a:t>
-            </a:r>
-            <a:r>
-              <a:rPr lang="en-US" dirty="0" smtClean="0">
-                <a:solidFill>
-                  <a:schemeClr val="tx2"/>
-                </a:solidFill>
-              </a:rPr>
-              <a:t> : </a:t>
-            </a:r>
-            <a:r>
-              <a:rPr lang="en-US" dirty="0" err="1" smtClean="0">
-                <a:solidFill>
-                  <a:schemeClr val="tx2"/>
-                </a:solidFill>
-              </a:rPr>
-              <a:t>expressão</a:t>
-            </a:r>
-            <a:r>
-              <a:rPr lang="en-US" dirty="0" smtClean="0">
-                <a:solidFill>
-                  <a:schemeClr val="tx2"/>
-                </a:solidFill>
-              </a:rPr>
-              <a:t> ) {</a:t>
-            </a:r>
-          </a:p>
-          <a:p>
-            <a:pPr marL="0" indent="0">
-              <a:buNone/>
-            </a:pPr>
-            <a:r>
-              <a:rPr lang="en-US" dirty="0">
-                <a:solidFill>
-                  <a:schemeClr val="tx2"/>
-                </a:solidFill>
-              </a:rPr>
-              <a:t>	</a:t>
-            </a:r>
-            <a:r>
-              <a:rPr lang="en-US" dirty="0" smtClean="0">
-                <a:solidFill>
-                  <a:schemeClr val="tx2"/>
-                </a:solidFill>
-              </a:rPr>
-              <a:t>// </a:t>
-            </a:r>
-            <a:r>
-              <a:rPr lang="en-US" dirty="0" err="1" smtClean="0">
-                <a:solidFill>
-                  <a:schemeClr val="tx2"/>
-                </a:solidFill>
-              </a:rPr>
-              <a:t>bloco</a:t>
-            </a:r>
-            <a:r>
-              <a:rPr lang="en-US" dirty="0" smtClean="0">
-                <a:solidFill>
-                  <a:schemeClr val="tx2"/>
-                </a:solidFill>
-              </a:rPr>
-              <a:t> de </a:t>
-            </a:r>
-            <a:r>
-              <a:rPr lang="en-US" dirty="0" err="1" smtClean="0">
-                <a:solidFill>
-                  <a:schemeClr val="tx2"/>
-                </a:solidFill>
-              </a:rPr>
-              <a:t>comandos</a:t>
-            </a:r>
-            <a:endParaRPr lang="en-US" dirty="0" smtClean="0">
-              <a:solidFill>
-                <a:schemeClr val="tx2"/>
-              </a:solidFill>
-            </a:endParaRPr>
-          </a:p>
-          <a:p>
-            <a:pPr marL="0" indent="0">
-              <a:buNone/>
-            </a:pPr>
-            <a:r>
-              <a:rPr lang="en-US" dirty="0">
-                <a:solidFill>
-                  <a:schemeClr val="tx2"/>
-                </a:solidFill>
-              </a:rPr>
-              <a:t>}</a:t>
-            </a:r>
-            <a:endParaRPr lang="en-US" dirty="0">
-              <a:solidFill>
-                <a:schemeClr val="tx2"/>
-              </a:solidFill>
-            </a:endParaRPr>
-          </a:p>
-        </p:txBody>
-      </p:sp>
+      <p:pic>
+        <p:nvPicPr>
+          <p:cNvPr id="5" name="Picture 4"/>
+          <p:cNvPicPr>
+            <a:picLocks noChangeAspect="1"/>
+          </p:cNvPicPr>
+          <p:nvPr/>
+        </p:nvPicPr>
+        <p:blipFill>
+          <a:blip r:embed="rId2"/>
+          <a:stretch>
+            <a:fillRect/>
+          </a:stretch>
+        </p:blipFill>
+        <p:spPr>
+          <a:xfrm>
+            <a:off x="1195536" y="2140370"/>
+            <a:ext cx="6879848" cy="2709710"/>
+          </a:xfrm>
+          <a:prstGeom prst="rect">
+            <a:avLst/>
+          </a:prstGeom>
+        </p:spPr>
+      </p:pic>
     </p:spTree>
     <p:extLst>
       <p:ext uri="{BB962C8B-B14F-4D97-AF65-F5344CB8AC3E}">
-        <p14:creationId xmlns:p14="http://schemas.microsoft.com/office/powerpoint/2010/main" val="618840000"/>
+        <p14:creationId xmlns:p14="http://schemas.microsoft.com/office/powerpoint/2010/main" val="3321534320"/>
       </p:ext>
     </p:extLst>
   </p:cSld>
@@ -13200,6 +12867,528 @@
         </p:nvSpPr>
         <p:spPr/>
         <p:txBody>
+          <a:bodyPr>
+            <a:normAutofit fontScale="90000"/>
+          </a:bodyPr>
+          <a:lstStyle/>
+          <a:p>
+            <a:r>
+              <a:rPr lang="en-US" dirty="0" smtClean="0"/>
+              <a:t>Loops e </a:t>
+            </a:r>
+            <a:r>
+              <a:rPr lang="en-US" dirty="0" err="1" smtClean="0"/>
+              <a:t>Iteradores</a:t>
+            </a:r>
+            <a:r>
+              <a:rPr lang="en-US" dirty="0" smtClean="0"/>
+              <a:t> – FOR </a:t>
+            </a:r>
+            <a:r>
+              <a:rPr lang="en-US" dirty="0" err="1" smtClean="0"/>
+              <a:t>aprimorado</a:t>
+            </a:r>
+            <a:endParaRPr lang="en-US" dirty="0"/>
+          </a:p>
+        </p:txBody>
+      </p:sp>
+      <p:sp>
+        <p:nvSpPr>
+          <p:cNvPr id="3" name="Content Placeholder 2"/>
+          <p:cNvSpPr>
+            <a:spLocks noGrp="1"/>
+          </p:cNvSpPr>
+          <p:nvPr>
+            <p:ph idx="1"/>
+          </p:nvPr>
+        </p:nvSpPr>
+        <p:spPr/>
+        <p:txBody>
+          <a:bodyPr>
+            <a:normAutofit fontScale="85000" lnSpcReduction="10000"/>
+          </a:bodyPr>
+          <a:lstStyle/>
+          <a:p>
+            <a:r>
+              <a:rPr lang="en-US" dirty="0" err="1" smtClean="0"/>
+              <a:t>Introduzido</a:t>
+            </a:r>
+            <a:r>
+              <a:rPr lang="en-US" dirty="0" smtClean="0"/>
+              <a:t> </a:t>
+            </a:r>
+            <a:r>
+              <a:rPr lang="en-US" dirty="0" err="1" smtClean="0"/>
+              <a:t>na</a:t>
+            </a:r>
+            <a:r>
+              <a:rPr lang="en-US" dirty="0" smtClean="0"/>
+              <a:t> </a:t>
+            </a:r>
+            <a:r>
+              <a:rPr lang="en-US" dirty="0" err="1" smtClean="0"/>
+              <a:t>vers</a:t>
+            </a:r>
+            <a:r>
+              <a:rPr lang="en-US" dirty="0" err="1" smtClean="0"/>
+              <a:t>ão</a:t>
+            </a:r>
+            <a:r>
+              <a:rPr lang="en-US" dirty="0" smtClean="0"/>
+              <a:t> 5 do java, </a:t>
+            </a:r>
+            <a:r>
+              <a:rPr lang="en-US" dirty="0" err="1" smtClean="0"/>
+              <a:t>simplifica</a:t>
+            </a:r>
+            <a:r>
+              <a:rPr lang="en-US" dirty="0"/>
+              <a:t> </a:t>
+            </a:r>
+            <a:r>
+              <a:rPr lang="en-US" dirty="0" smtClean="0"/>
+              <a:t>a </a:t>
+            </a:r>
+            <a:r>
+              <a:rPr lang="en-US" dirty="0" err="1" smtClean="0"/>
+              <a:t>tarefa</a:t>
+            </a:r>
+            <a:r>
+              <a:rPr lang="en-US" dirty="0" smtClean="0"/>
+              <a:t> de </a:t>
+            </a:r>
+            <a:r>
+              <a:rPr lang="en-US" dirty="0" err="1" smtClean="0"/>
+              <a:t>fazer</a:t>
+            </a:r>
+            <a:r>
+              <a:rPr lang="en-US" dirty="0" smtClean="0"/>
+              <a:t> loop </a:t>
+            </a:r>
+            <a:r>
+              <a:rPr lang="en-US" dirty="0" err="1" smtClean="0"/>
+              <a:t>através</a:t>
+            </a:r>
+            <a:r>
+              <a:rPr lang="en-US" dirty="0" smtClean="0"/>
+              <a:t> de um array </a:t>
+            </a:r>
+            <a:r>
+              <a:rPr lang="en-US" dirty="0" err="1" smtClean="0"/>
+              <a:t>ou</a:t>
+            </a:r>
+            <a:r>
+              <a:rPr lang="en-US" dirty="0" smtClean="0"/>
+              <a:t> </a:t>
+            </a:r>
+            <a:r>
+              <a:rPr lang="en-US" dirty="0" err="1" smtClean="0"/>
+              <a:t>conjunto</a:t>
+            </a:r>
+            <a:r>
+              <a:rPr lang="en-US" dirty="0" smtClean="0"/>
+              <a:t>.</a:t>
+            </a:r>
+          </a:p>
+          <a:p>
+            <a:r>
+              <a:rPr lang="en-US" dirty="0" smtClean="0"/>
+              <a:t>A </a:t>
+            </a:r>
+            <a:r>
+              <a:rPr lang="en-US" dirty="0" err="1" smtClean="0"/>
+              <a:t>primeira</a:t>
+            </a:r>
+            <a:r>
+              <a:rPr lang="en-US" dirty="0" smtClean="0"/>
+              <a:t> parte do for </a:t>
+            </a:r>
+            <a:r>
+              <a:rPr lang="en-US" dirty="0" err="1" smtClean="0"/>
+              <a:t>deve</a:t>
+            </a:r>
+            <a:r>
+              <a:rPr lang="en-US" dirty="0" smtClean="0"/>
+              <a:t> </a:t>
+            </a:r>
+            <a:r>
+              <a:rPr lang="en-US" dirty="0" err="1" smtClean="0"/>
+              <a:t>ser</a:t>
+            </a:r>
+            <a:r>
+              <a:rPr lang="en-US" dirty="0" smtClean="0"/>
+              <a:t> a </a:t>
+            </a:r>
+            <a:r>
+              <a:rPr lang="en-US" dirty="0" err="1" smtClean="0"/>
+              <a:t>declaração</a:t>
+            </a:r>
+            <a:r>
+              <a:rPr lang="en-US" dirty="0" smtClean="0"/>
+              <a:t> de </a:t>
+            </a:r>
+            <a:r>
+              <a:rPr lang="en-US" dirty="0" err="1" smtClean="0"/>
+              <a:t>uma</a:t>
+            </a:r>
+            <a:r>
+              <a:rPr lang="en-US" dirty="0" smtClean="0"/>
+              <a:t> </a:t>
+            </a:r>
+            <a:r>
+              <a:rPr lang="en-US" dirty="0" err="1" smtClean="0"/>
+              <a:t>variavel</a:t>
+            </a:r>
+            <a:r>
+              <a:rPr lang="en-US" dirty="0" smtClean="0"/>
+              <a:t> do </a:t>
+            </a:r>
+            <a:r>
+              <a:rPr lang="en-US" dirty="0" err="1" smtClean="0"/>
+              <a:t>tipo</a:t>
+            </a:r>
+            <a:r>
+              <a:rPr lang="en-US" dirty="0" smtClean="0"/>
+              <a:t> </a:t>
+            </a:r>
+            <a:r>
+              <a:rPr lang="en-US" dirty="0" err="1" smtClean="0"/>
+              <a:t>compativel</a:t>
+            </a:r>
+            <a:r>
+              <a:rPr lang="en-US" dirty="0" smtClean="0"/>
+              <a:t> com </a:t>
+            </a:r>
+            <a:r>
+              <a:rPr lang="en-US" dirty="0" err="1" smtClean="0"/>
+              <a:t>os</a:t>
+            </a:r>
+            <a:r>
+              <a:rPr lang="en-US" dirty="0" smtClean="0"/>
+              <a:t> </a:t>
+            </a:r>
+            <a:r>
+              <a:rPr lang="en-US" dirty="0" err="1" smtClean="0"/>
+              <a:t>elementos</a:t>
+            </a:r>
+            <a:r>
+              <a:rPr lang="en-US" dirty="0" smtClean="0"/>
+              <a:t> </a:t>
+            </a:r>
+            <a:r>
+              <a:rPr lang="en-US" dirty="0" err="1" smtClean="0"/>
+              <a:t>contidos</a:t>
+            </a:r>
+            <a:r>
+              <a:rPr lang="en-US" dirty="0" smtClean="0"/>
+              <a:t> </a:t>
+            </a:r>
+            <a:r>
+              <a:rPr lang="en-US" dirty="0" err="1" smtClean="0"/>
+              <a:t>na</a:t>
+            </a:r>
+            <a:r>
+              <a:rPr lang="en-US" dirty="0" smtClean="0"/>
+              <a:t> </a:t>
+            </a:r>
+            <a:r>
+              <a:rPr lang="en-US" dirty="0" err="1" smtClean="0"/>
+              <a:t>lista</a:t>
+            </a:r>
+            <a:r>
+              <a:rPr lang="en-US" dirty="0" smtClean="0"/>
+              <a:t>/array.</a:t>
+            </a:r>
+          </a:p>
+          <a:p>
+            <a:r>
+              <a:rPr lang="en-US" dirty="0" smtClean="0"/>
+              <a:t>A </a:t>
+            </a:r>
+            <a:r>
+              <a:rPr lang="en-US" dirty="0" err="1" smtClean="0"/>
+              <a:t>segunda</a:t>
+            </a:r>
+            <a:r>
+              <a:rPr lang="en-US" dirty="0" smtClean="0"/>
+              <a:t> parte </a:t>
+            </a:r>
+            <a:r>
+              <a:rPr lang="en-US" dirty="0" err="1" smtClean="0"/>
+              <a:t>é</a:t>
+            </a:r>
+            <a:r>
+              <a:rPr lang="en-US" dirty="0" smtClean="0"/>
+              <a:t> o </a:t>
+            </a:r>
+            <a:r>
+              <a:rPr lang="en-US" dirty="0" err="1" smtClean="0"/>
+              <a:t>conjunto</a:t>
+            </a:r>
+            <a:r>
+              <a:rPr lang="en-US" dirty="0" smtClean="0"/>
+              <a:t> a </a:t>
+            </a:r>
+            <a:r>
+              <a:rPr lang="en-US" dirty="0" err="1" smtClean="0"/>
+              <a:t>iterar</a:t>
+            </a:r>
+            <a:endParaRPr lang="en-US" dirty="0" smtClean="0"/>
+          </a:p>
+          <a:p>
+            <a:pPr marL="0" indent="0">
+              <a:buNone/>
+            </a:pPr>
+            <a:endParaRPr lang="en-US" dirty="0" smtClean="0"/>
+          </a:p>
+          <a:p>
+            <a:pPr marL="0" indent="0">
+              <a:buNone/>
+            </a:pPr>
+            <a:r>
+              <a:rPr lang="en-US" dirty="0" smtClean="0">
+                <a:solidFill>
+                  <a:schemeClr val="tx2"/>
+                </a:solidFill>
+              </a:rPr>
+              <a:t>for ( </a:t>
+            </a:r>
+            <a:r>
+              <a:rPr lang="en-US" dirty="0" err="1" smtClean="0">
+                <a:solidFill>
+                  <a:schemeClr val="tx2"/>
+                </a:solidFill>
+              </a:rPr>
+              <a:t>declaração</a:t>
+            </a:r>
+            <a:r>
+              <a:rPr lang="en-US" dirty="0" smtClean="0">
+                <a:solidFill>
+                  <a:schemeClr val="tx2"/>
+                </a:solidFill>
+              </a:rPr>
+              <a:t> : </a:t>
+            </a:r>
+            <a:r>
+              <a:rPr lang="en-US" dirty="0" err="1" smtClean="0">
+                <a:solidFill>
+                  <a:schemeClr val="tx2"/>
+                </a:solidFill>
+              </a:rPr>
+              <a:t>expressão</a:t>
+            </a:r>
+            <a:r>
+              <a:rPr lang="en-US" dirty="0" smtClean="0">
+                <a:solidFill>
+                  <a:schemeClr val="tx2"/>
+                </a:solidFill>
+              </a:rPr>
+              <a:t> ) {</a:t>
+            </a:r>
+          </a:p>
+          <a:p>
+            <a:pPr marL="0" indent="0">
+              <a:buNone/>
+            </a:pPr>
+            <a:r>
+              <a:rPr lang="en-US" dirty="0">
+                <a:solidFill>
+                  <a:schemeClr val="tx2"/>
+                </a:solidFill>
+              </a:rPr>
+              <a:t>	</a:t>
+            </a:r>
+            <a:r>
+              <a:rPr lang="en-US" dirty="0" smtClean="0">
+                <a:solidFill>
+                  <a:schemeClr val="tx2"/>
+                </a:solidFill>
+              </a:rPr>
+              <a:t>// </a:t>
+            </a:r>
+            <a:r>
+              <a:rPr lang="en-US" dirty="0" err="1" smtClean="0">
+                <a:solidFill>
+                  <a:schemeClr val="tx2"/>
+                </a:solidFill>
+              </a:rPr>
+              <a:t>bloco</a:t>
+            </a:r>
+            <a:r>
+              <a:rPr lang="en-US" dirty="0" smtClean="0">
+                <a:solidFill>
+                  <a:schemeClr val="tx2"/>
+                </a:solidFill>
+              </a:rPr>
+              <a:t> de </a:t>
+            </a:r>
+            <a:r>
+              <a:rPr lang="en-US" dirty="0" err="1" smtClean="0">
+                <a:solidFill>
+                  <a:schemeClr val="tx2"/>
+                </a:solidFill>
+              </a:rPr>
+              <a:t>comandos</a:t>
+            </a:r>
+            <a:endParaRPr lang="en-US" dirty="0" smtClean="0">
+              <a:solidFill>
+                <a:schemeClr val="tx2"/>
+              </a:solidFill>
+            </a:endParaRPr>
+          </a:p>
+          <a:p>
+            <a:pPr marL="0" indent="0">
+              <a:buNone/>
+            </a:pPr>
+            <a:r>
+              <a:rPr lang="en-US" dirty="0">
+                <a:solidFill>
+                  <a:schemeClr val="tx2"/>
+                </a:solidFill>
+              </a:rPr>
+              <a:t>}</a:t>
+            </a:r>
+            <a:endParaRPr lang="en-US" dirty="0">
+              <a:solidFill>
+                <a:schemeClr val="tx2"/>
+              </a:solidFill>
+            </a:endParaRPr>
+          </a:p>
+        </p:txBody>
+      </p:sp>
+    </p:spTree>
+    <p:extLst>
+      <p:ext uri="{BB962C8B-B14F-4D97-AF65-F5344CB8AC3E}">
+        <p14:creationId xmlns:p14="http://schemas.microsoft.com/office/powerpoint/2010/main" val="618840000"/>
+      </p:ext>
+    </p:extLst>
+  </p:cSld>
+  <p:clrMapOvr>
+    <a:masterClrMapping/>
+  </p:clrMapOvr>
+</p:sld>
+</file>
+
+<file path=ppt/slides/slide36.xml><?xml version="1.0" encoding="utf-8"?>
+<p:sld xmlns:a="http://schemas.openxmlformats.org/drawingml/2006/main" xmlns:r="http://schemas.openxmlformats.org/officeDocument/2006/relationships" xmlns:p="http://schemas.openxmlformats.org/presentationml/2006/main">
+  <p:cSld>
+    <p:spTree>
+      <p:nvGrpSpPr>
+        <p:cNvPr id="1" name=""/>
+        <p:cNvGrpSpPr/>
+        <p:nvPr/>
+      </p:nvGrpSpPr>
+      <p:grpSpPr>
+        <a:xfrm>
+          <a:off x="0" y="0"/>
+          <a:ext cx="0" cy="0"/>
+          <a:chOff x="0" y="0"/>
+          <a:chExt cx="0" cy="0"/>
+        </a:xfrm>
+      </p:grpSpPr>
+      <p:sp>
+        <p:nvSpPr>
+          <p:cNvPr id="2" name="Title 1"/>
+          <p:cNvSpPr>
+            <a:spLocks noGrp="1"/>
+          </p:cNvSpPr>
+          <p:nvPr>
+            <p:ph type="title"/>
+          </p:nvPr>
+        </p:nvSpPr>
+        <p:spPr/>
+        <p:txBody>
+          <a:bodyPr>
+            <a:normAutofit fontScale="90000"/>
+          </a:bodyPr>
+          <a:lstStyle/>
+          <a:p>
+            <a:r>
+              <a:rPr lang="en-US" dirty="0" smtClean="0"/>
+              <a:t>Loops e </a:t>
+            </a:r>
+            <a:r>
+              <a:rPr lang="en-US" dirty="0" err="1" smtClean="0"/>
+              <a:t>Iteradores</a:t>
+            </a:r>
+            <a:r>
+              <a:rPr lang="en-US" dirty="0" smtClean="0"/>
+              <a:t> – FOR </a:t>
+            </a:r>
+            <a:r>
+              <a:rPr lang="en-US" dirty="0" err="1" smtClean="0"/>
+              <a:t>aprimorado</a:t>
+            </a:r>
+            <a:endParaRPr lang="en-US" dirty="0"/>
+          </a:p>
+        </p:txBody>
+      </p:sp>
+      <p:pic>
+        <p:nvPicPr>
+          <p:cNvPr id="5" name="Picture 4"/>
+          <p:cNvPicPr>
+            <a:picLocks noChangeAspect="1"/>
+          </p:cNvPicPr>
+          <p:nvPr/>
+        </p:nvPicPr>
+        <p:blipFill>
+          <a:blip r:embed="rId2"/>
+          <a:stretch>
+            <a:fillRect/>
+          </a:stretch>
+        </p:blipFill>
+        <p:spPr>
+          <a:xfrm>
+            <a:off x="1334066" y="1574800"/>
+            <a:ext cx="6397846" cy="4612768"/>
+          </a:xfrm>
+          <a:prstGeom prst="rect">
+            <a:avLst/>
+          </a:prstGeom>
+        </p:spPr>
+      </p:pic>
+    </p:spTree>
+    <p:extLst>
+      <p:ext uri="{BB962C8B-B14F-4D97-AF65-F5344CB8AC3E}">
+        <p14:creationId xmlns:p14="http://schemas.microsoft.com/office/powerpoint/2010/main" val="3180050963"/>
+      </p:ext>
+    </p:extLst>
+  </p:cSld>
+  <p:clrMapOvr>
+    <a:masterClrMapping/>
+  </p:clrMapOvr>
+</p:sld>
+</file>
+
+<file path=ppt/slides/slide37.xml><?xml version="1.0" encoding="utf-8"?>
+<p:sld xmlns:a="http://schemas.openxmlformats.org/drawingml/2006/main" xmlns:r="http://schemas.openxmlformats.org/officeDocument/2006/relationships" xmlns:p="http://schemas.openxmlformats.org/presentationml/2006/main">
+  <p:cSld>
+    <p:spTree>
+      <p:nvGrpSpPr>
+        <p:cNvPr id="1" name=""/>
+        <p:cNvGrpSpPr/>
+        <p:nvPr/>
+      </p:nvGrpSpPr>
+      <p:grpSpPr>
+        <a:xfrm>
+          <a:off x="0" y="0"/>
+          <a:ext cx="0" cy="0"/>
+          <a:chOff x="0" y="0"/>
+          <a:chExt cx="0" cy="0"/>
+        </a:xfrm>
+      </p:grpSpPr>
+      <p:sp>
+        <p:nvSpPr>
+          <p:cNvPr id="2" name="Title 1"/>
+          <p:cNvSpPr>
+            <a:spLocks noGrp="1"/>
+          </p:cNvSpPr>
+          <p:nvPr>
+            <p:ph type="title"/>
+          </p:nvPr>
+        </p:nvSpPr>
+        <p:spPr/>
+        <p:txBody>
           <a:bodyPr/>
           <a:lstStyle/>
           <a:p>
@@ -13514,7 +13703,92 @@
 </p:sld>
 </file>
 
-<file path=ppt/slides/slide36.xml><?xml version="1.0" encoding="utf-8"?>
+<file path=ppt/slides/slide38.xml><?xml version="1.0" encoding="utf-8"?>
+<p:sld xmlns:a="http://schemas.openxmlformats.org/drawingml/2006/main" xmlns:r="http://schemas.openxmlformats.org/officeDocument/2006/relationships" xmlns:p="http://schemas.openxmlformats.org/presentationml/2006/main">
+  <p:cSld>
+    <p:spTree>
+      <p:nvGrpSpPr>
+        <p:cNvPr id="1" name=""/>
+        <p:cNvGrpSpPr/>
+        <p:nvPr/>
+      </p:nvGrpSpPr>
+      <p:grpSpPr>
+        <a:xfrm>
+          <a:off x="0" y="0"/>
+          <a:ext cx="0" cy="0"/>
+          <a:chOff x="0" y="0"/>
+          <a:chExt cx="0" cy="0"/>
+        </a:xfrm>
+      </p:grpSpPr>
+      <p:sp>
+        <p:nvSpPr>
+          <p:cNvPr id="2" name="Title 1"/>
+          <p:cNvSpPr>
+            <a:spLocks noGrp="1"/>
+          </p:cNvSpPr>
+          <p:nvPr>
+            <p:ph type="title"/>
+          </p:nvPr>
+        </p:nvSpPr>
+        <p:spPr/>
+        <p:txBody>
+          <a:bodyPr/>
+          <a:lstStyle/>
+          <a:p>
+            <a:r>
+              <a:rPr lang="en-US" dirty="0" smtClean="0"/>
+              <a:t>Loops e </a:t>
+            </a:r>
+            <a:r>
+              <a:rPr lang="en-US" dirty="0" err="1" smtClean="0"/>
+              <a:t>Iteradores</a:t>
+            </a:r>
+            <a:r>
+              <a:rPr lang="en-US" dirty="0" smtClean="0"/>
+              <a:t> - WHILE</a:t>
+            </a:r>
+            <a:endParaRPr lang="en-US" dirty="0"/>
+          </a:p>
+        </p:txBody>
+      </p:sp>
+      <p:pic>
+        <p:nvPicPr>
+          <p:cNvPr id="5" name="Picture 4"/>
+          <p:cNvPicPr>
+            <a:picLocks noChangeAspect="1"/>
+          </p:cNvPicPr>
+          <p:nvPr/>
+        </p:nvPicPr>
+        <p:blipFill>
+          <a:blip r:embed="rId2"/>
+          <a:stretch>
+            <a:fillRect/>
+          </a:stretch>
+        </p:blipFill>
+        <p:spPr>
+          <a:xfrm>
+            <a:off x="859442" y="1714790"/>
+            <a:ext cx="7463726" cy="3914139"/>
+          </a:xfrm>
+          <a:prstGeom prst="rect">
+            <a:avLst/>
+          </a:prstGeom>
+        </p:spPr>
+      </p:pic>
+    </p:spTree>
+    <p:extLst>
+      <p:ext uri="{BB962C8B-B14F-4D97-AF65-F5344CB8AC3E}">
+        <p14:creationId xmlns:p14="http://schemas.microsoft.com/office/powerpoint/2010/main" val="214441444"/>
+      </p:ext>
+    </p:extLst>
+  </p:cSld>
+  <p:clrMapOvr>
+    <a:masterClrMapping/>
+  </p:clrMapOvr>
+</p:sld>
+</file>
+
+<file path=ppt/slides/slide39.xml><?xml version="1.0" encoding="utf-8"?>
 <p:sld xmlns:a="http://schemas.openxmlformats.org/drawingml/2006/main" xmlns:r="http://schemas.openxmlformats.org/officeDocument/2006/relationships" xmlns:p="http://schemas.openxmlformats.org/presentationml/2006/main">
   <p:cSld>
     <p:spTree>
@@ -14082,6 +14356,1912 @@
       </p:par>
     </p:tnLst>
   </p:timing>
+</p:sld>
+</file>
+
+<file path=ppt/slides/slide40.xml><?xml version="1.0" encoding="utf-8"?>
+<p:sld xmlns:a="http://schemas.openxmlformats.org/drawingml/2006/main" xmlns:r="http://schemas.openxmlformats.org/officeDocument/2006/relationships" xmlns:p="http://schemas.openxmlformats.org/presentationml/2006/main">
+  <p:cSld>
+    <p:spTree>
+      <p:nvGrpSpPr>
+        <p:cNvPr id="1" name=""/>
+        <p:cNvGrpSpPr/>
+        <p:nvPr/>
+      </p:nvGrpSpPr>
+      <p:grpSpPr>
+        <a:xfrm>
+          <a:off x="0" y="0"/>
+          <a:ext cx="0" cy="0"/>
+          <a:chOff x="0" y="0"/>
+          <a:chExt cx="0" cy="0"/>
+        </a:xfrm>
+      </p:grpSpPr>
+      <p:sp>
+        <p:nvSpPr>
+          <p:cNvPr id="2" name="Title 1"/>
+          <p:cNvSpPr>
+            <a:spLocks noGrp="1"/>
+          </p:cNvSpPr>
+          <p:nvPr>
+            <p:ph type="title"/>
+          </p:nvPr>
+        </p:nvSpPr>
+        <p:spPr/>
+        <p:txBody>
+          <a:bodyPr/>
+          <a:lstStyle/>
+          <a:p>
+            <a:r>
+              <a:rPr lang="en-US" dirty="0" smtClean="0"/>
+              <a:t>Loops e </a:t>
+            </a:r>
+            <a:r>
+              <a:rPr lang="en-US" dirty="0" err="1" smtClean="0"/>
+              <a:t>Iteradores</a:t>
+            </a:r>
+            <a:r>
+              <a:rPr lang="en-US" dirty="0" smtClean="0"/>
+              <a:t> – DO WHILE</a:t>
+            </a:r>
+            <a:endParaRPr lang="en-US" dirty="0"/>
+          </a:p>
+        </p:txBody>
+      </p:sp>
+      <p:pic>
+        <p:nvPicPr>
+          <p:cNvPr id="5" name="Picture 4"/>
+          <p:cNvPicPr>
+            <a:picLocks noChangeAspect="1"/>
+          </p:cNvPicPr>
+          <p:nvPr/>
+        </p:nvPicPr>
+        <p:blipFill>
+          <a:blip r:embed="rId2"/>
+          <a:stretch>
+            <a:fillRect/>
+          </a:stretch>
+        </p:blipFill>
+        <p:spPr>
+          <a:xfrm>
+            <a:off x="900374" y="1755321"/>
+            <a:ext cx="7203660" cy="3797278"/>
+          </a:xfrm>
+          <a:prstGeom prst="rect">
+            <a:avLst/>
+          </a:prstGeom>
+        </p:spPr>
+      </p:pic>
+    </p:spTree>
+    <p:extLst>
+      <p:ext uri="{BB962C8B-B14F-4D97-AF65-F5344CB8AC3E}">
+        <p14:creationId xmlns:p14="http://schemas.microsoft.com/office/powerpoint/2010/main" val="4014506739"/>
+      </p:ext>
+    </p:extLst>
+  </p:cSld>
+  <p:clrMapOvr>
+    <a:masterClrMapping/>
+  </p:clrMapOvr>
+</p:sld>
+</file>
+
+<file path=ppt/slides/slide41.xml><?xml version="1.0" encoding="utf-8"?>
+<p:sld xmlns:a="http://schemas.openxmlformats.org/drawingml/2006/main" xmlns:r="http://schemas.openxmlformats.org/officeDocument/2006/relationships" xmlns:p="http://schemas.openxmlformats.org/presentationml/2006/main">
+  <p:cSld>
+    <p:spTree>
+      <p:nvGrpSpPr>
+        <p:cNvPr id="1" name=""/>
+        <p:cNvGrpSpPr/>
+        <p:nvPr/>
+      </p:nvGrpSpPr>
+      <p:grpSpPr>
+        <a:xfrm>
+          <a:off x="0" y="0"/>
+          <a:ext cx="0" cy="0"/>
+          <a:chOff x="0" y="0"/>
+          <a:chExt cx="0" cy="0"/>
+        </a:xfrm>
+      </p:grpSpPr>
+      <p:sp>
+        <p:nvSpPr>
+          <p:cNvPr id="2" name="Title 1"/>
+          <p:cNvSpPr>
+            <a:spLocks noGrp="1"/>
+          </p:cNvSpPr>
+          <p:nvPr>
+            <p:ph type="title"/>
+          </p:nvPr>
+        </p:nvSpPr>
+        <p:spPr/>
+        <p:txBody>
+          <a:bodyPr/>
+          <a:lstStyle/>
+          <a:p>
+            <a:r>
+              <a:rPr lang="en-US" dirty="0" err="1" smtClean="0"/>
+              <a:t>Controle</a:t>
+            </a:r>
+            <a:r>
+              <a:rPr lang="en-US" dirty="0" smtClean="0"/>
+              <a:t> de </a:t>
+            </a:r>
+            <a:r>
+              <a:rPr lang="en-US" dirty="0" err="1" smtClean="0"/>
+              <a:t>Fluxo</a:t>
+            </a:r>
+            <a:endParaRPr lang="en-US" dirty="0"/>
+          </a:p>
+        </p:txBody>
+      </p:sp>
+      <p:sp>
+        <p:nvSpPr>
+          <p:cNvPr id="3" name="Content Placeholder 2"/>
+          <p:cNvSpPr>
+            <a:spLocks noGrp="1"/>
+          </p:cNvSpPr>
+          <p:nvPr>
+            <p:ph idx="1"/>
+          </p:nvPr>
+        </p:nvSpPr>
+        <p:spPr/>
+        <p:txBody>
+          <a:bodyPr/>
+          <a:lstStyle/>
+          <a:p>
+            <a:r>
+              <a:rPr lang="en-US" dirty="0" err="1" smtClean="0"/>
+              <a:t>Os</a:t>
+            </a:r>
+            <a:r>
+              <a:rPr lang="en-US" dirty="0" smtClean="0"/>
+              <a:t> </a:t>
+            </a:r>
+            <a:r>
+              <a:rPr lang="en-US" dirty="0" err="1" smtClean="0"/>
+              <a:t>comandos</a:t>
+            </a:r>
+            <a:r>
+              <a:rPr lang="en-US" dirty="0" smtClean="0"/>
+              <a:t> de </a:t>
+            </a:r>
+            <a:r>
+              <a:rPr lang="en-US" dirty="0" err="1" smtClean="0"/>
+              <a:t>repeti</a:t>
+            </a:r>
+            <a:r>
+              <a:rPr lang="en-US" dirty="0" err="1" smtClean="0"/>
+              <a:t>ção</a:t>
+            </a:r>
+            <a:r>
+              <a:rPr lang="en-US" dirty="0" smtClean="0"/>
+              <a:t> </a:t>
+            </a:r>
+            <a:r>
+              <a:rPr lang="en-US" dirty="0" err="1" smtClean="0"/>
+              <a:t>em</a:t>
+            </a:r>
+            <a:r>
+              <a:rPr lang="en-US" dirty="0" smtClean="0"/>
+              <a:t> java </a:t>
+            </a:r>
+            <a:r>
+              <a:rPr lang="en-US" dirty="0" err="1" smtClean="0"/>
+              <a:t>suportam</a:t>
+            </a:r>
+            <a:r>
+              <a:rPr lang="en-US" dirty="0" smtClean="0"/>
+              <a:t> </a:t>
+            </a:r>
+            <a:r>
+              <a:rPr lang="en-US" dirty="0" err="1" smtClean="0"/>
+              <a:t>dois</a:t>
+            </a:r>
+            <a:r>
+              <a:rPr lang="en-US" dirty="0" smtClean="0"/>
+              <a:t> </a:t>
+            </a:r>
+            <a:r>
+              <a:rPr lang="en-US" dirty="0" err="1" smtClean="0"/>
+              <a:t>tipos</a:t>
+            </a:r>
+            <a:r>
+              <a:rPr lang="en-US" dirty="0" smtClean="0"/>
+              <a:t> de </a:t>
+            </a:r>
+            <a:r>
+              <a:rPr lang="en-US" dirty="0" err="1" smtClean="0"/>
+              <a:t>desvios</a:t>
+            </a:r>
+            <a:r>
+              <a:rPr lang="en-US" dirty="0" smtClean="0"/>
+              <a:t>: o </a:t>
+            </a:r>
+            <a:r>
+              <a:rPr lang="en-US" b="1" dirty="0" smtClean="0"/>
+              <a:t>break</a:t>
+            </a:r>
+            <a:r>
+              <a:rPr lang="en-US" dirty="0" smtClean="0"/>
+              <a:t> e o </a:t>
+            </a:r>
+            <a:r>
+              <a:rPr lang="en-US" b="1" dirty="0" smtClean="0"/>
+              <a:t>continue</a:t>
+            </a:r>
+            <a:r>
+              <a:rPr lang="en-US" dirty="0" smtClean="0"/>
+              <a:t>. O break </a:t>
+            </a:r>
+            <a:r>
+              <a:rPr lang="en-US" dirty="0" err="1" smtClean="0"/>
+              <a:t>faz</a:t>
+            </a:r>
+            <a:r>
+              <a:rPr lang="en-US" dirty="0" smtClean="0"/>
+              <a:t> com </a:t>
+            </a:r>
+            <a:r>
+              <a:rPr lang="en-US" dirty="0" err="1" smtClean="0"/>
+              <a:t>que</a:t>
+            </a:r>
+            <a:r>
+              <a:rPr lang="en-US" dirty="0" smtClean="0"/>
+              <a:t> um </a:t>
+            </a:r>
+            <a:r>
+              <a:rPr lang="en-US" dirty="0" err="1" smtClean="0"/>
+              <a:t>laço</a:t>
+            </a:r>
+            <a:r>
+              <a:rPr lang="en-US" dirty="0" smtClean="0"/>
+              <a:t> </a:t>
+            </a:r>
+            <a:r>
+              <a:rPr lang="en-US" dirty="0" err="1" smtClean="0"/>
+              <a:t>seja</a:t>
+            </a:r>
+            <a:r>
+              <a:rPr lang="en-US" dirty="0" smtClean="0"/>
+              <a:t> </a:t>
+            </a:r>
+            <a:r>
+              <a:rPr lang="en-US" dirty="0" err="1" smtClean="0"/>
+              <a:t>interrompido</a:t>
+            </a:r>
+            <a:r>
+              <a:rPr lang="en-US" dirty="0" smtClean="0"/>
+              <a:t>, </a:t>
+            </a:r>
+            <a:r>
+              <a:rPr lang="en-US" dirty="0" err="1" smtClean="0"/>
+              <a:t>enquanto</a:t>
+            </a:r>
+            <a:r>
+              <a:rPr lang="en-US" dirty="0" smtClean="0"/>
+              <a:t> o continue </a:t>
+            </a:r>
+            <a:r>
+              <a:rPr lang="en-US" dirty="0" err="1" smtClean="0"/>
+              <a:t>é</a:t>
+            </a:r>
+            <a:r>
+              <a:rPr lang="en-US" dirty="0" smtClean="0"/>
+              <a:t> </a:t>
+            </a:r>
+            <a:r>
+              <a:rPr lang="en-US" dirty="0" err="1" smtClean="0"/>
+              <a:t>usado</a:t>
+            </a:r>
+            <a:r>
+              <a:rPr lang="en-US" dirty="0" smtClean="0"/>
+              <a:t> </a:t>
+            </a:r>
+            <a:r>
+              <a:rPr lang="en-US" dirty="0" err="1" smtClean="0"/>
+              <a:t>para</a:t>
+            </a:r>
+            <a:r>
+              <a:rPr lang="en-US" dirty="0" smtClean="0"/>
+              <a:t> “</a:t>
+            </a:r>
+            <a:r>
+              <a:rPr lang="en-US" dirty="0" err="1" smtClean="0"/>
+              <a:t>pular</a:t>
+            </a:r>
+            <a:r>
+              <a:rPr lang="en-US" dirty="0" smtClean="0"/>
+              <a:t>” </a:t>
+            </a:r>
+            <a:r>
+              <a:rPr lang="en-US" dirty="0" err="1" smtClean="0"/>
+              <a:t>uma</a:t>
+            </a:r>
+            <a:r>
+              <a:rPr lang="en-US" dirty="0" smtClean="0"/>
+              <a:t> </a:t>
+            </a:r>
+            <a:r>
+              <a:rPr lang="en-US" dirty="0" err="1" smtClean="0"/>
+              <a:t>execução</a:t>
+            </a:r>
+            <a:r>
+              <a:rPr lang="en-US" dirty="0" smtClean="0"/>
+              <a:t> e </a:t>
+            </a:r>
+            <a:r>
+              <a:rPr lang="en-US" dirty="0" err="1" smtClean="0"/>
+              <a:t>continuar</a:t>
+            </a:r>
+            <a:r>
+              <a:rPr lang="en-US" dirty="0" smtClean="0"/>
+              <a:t> a </a:t>
+            </a:r>
+            <a:r>
+              <a:rPr lang="en-US" dirty="0" err="1" smtClean="0"/>
+              <a:t>partir</a:t>
+            </a:r>
+            <a:r>
+              <a:rPr lang="en-US" dirty="0" smtClean="0"/>
+              <a:t> da </a:t>
+            </a:r>
+            <a:r>
+              <a:rPr lang="en-US" dirty="0" err="1" smtClean="0"/>
+              <a:t>próxima</a:t>
+            </a:r>
+            <a:r>
+              <a:rPr lang="en-US" dirty="0" smtClean="0"/>
+              <a:t>.</a:t>
+            </a:r>
+            <a:endParaRPr lang="en-US" dirty="0"/>
+          </a:p>
+        </p:txBody>
+      </p:sp>
+    </p:spTree>
+    <p:extLst>
+      <p:ext uri="{BB962C8B-B14F-4D97-AF65-F5344CB8AC3E}">
+        <p14:creationId xmlns:p14="http://schemas.microsoft.com/office/powerpoint/2010/main" val="1967447598"/>
+      </p:ext>
+    </p:extLst>
+  </p:cSld>
+  <p:clrMapOvr>
+    <a:masterClrMapping/>
+  </p:clrMapOvr>
+</p:sld>
+</file>
+
+<file path=ppt/slides/slide42.xml><?xml version="1.0" encoding="utf-8"?>
+<p:sld xmlns:a="http://schemas.openxmlformats.org/drawingml/2006/main" xmlns:r="http://schemas.openxmlformats.org/officeDocument/2006/relationships" xmlns:p="http://schemas.openxmlformats.org/presentationml/2006/main">
+  <p:cSld>
+    <p:spTree>
+      <p:nvGrpSpPr>
+        <p:cNvPr id="1" name=""/>
+        <p:cNvGrpSpPr/>
+        <p:nvPr/>
+      </p:nvGrpSpPr>
+      <p:grpSpPr>
+        <a:xfrm>
+          <a:off x="0" y="0"/>
+          <a:ext cx="0" cy="0"/>
+          <a:chOff x="0" y="0"/>
+          <a:chExt cx="0" cy="0"/>
+        </a:xfrm>
+      </p:grpSpPr>
+      <p:sp>
+        <p:nvSpPr>
+          <p:cNvPr id="2" name="Title 1"/>
+          <p:cNvSpPr>
+            <a:spLocks noGrp="1"/>
+          </p:cNvSpPr>
+          <p:nvPr>
+            <p:ph type="title"/>
+          </p:nvPr>
+        </p:nvSpPr>
+        <p:spPr/>
+        <p:txBody>
+          <a:bodyPr/>
+          <a:lstStyle/>
+          <a:p>
+            <a:r>
+              <a:rPr lang="en-US" dirty="0" err="1" smtClean="0"/>
+              <a:t>Controle</a:t>
+            </a:r>
+            <a:r>
+              <a:rPr lang="en-US" dirty="0" smtClean="0"/>
+              <a:t> de </a:t>
+            </a:r>
+            <a:r>
+              <a:rPr lang="en-US" dirty="0" err="1" smtClean="0"/>
+              <a:t>Fluxo</a:t>
+            </a:r>
+            <a:r>
+              <a:rPr lang="en-US" dirty="0" smtClean="0"/>
+              <a:t> - Break</a:t>
+            </a:r>
+            <a:endParaRPr lang="en-US" dirty="0"/>
+          </a:p>
+        </p:txBody>
+      </p:sp>
+      <p:pic>
+        <p:nvPicPr>
+          <p:cNvPr id="5" name="Picture 4"/>
+          <p:cNvPicPr>
+            <a:picLocks noChangeAspect="1"/>
+          </p:cNvPicPr>
+          <p:nvPr/>
+        </p:nvPicPr>
+        <p:blipFill>
+          <a:blip r:embed="rId2"/>
+          <a:stretch>
+            <a:fillRect/>
+          </a:stretch>
+        </p:blipFill>
+        <p:spPr>
+          <a:xfrm>
+            <a:off x="1072842" y="1912030"/>
+            <a:ext cx="6908775" cy="3978318"/>
+          </a:xfrm>
+          <a:prstGeom prst="rect">
+            <a:avLst/>
+          </a:prstGeom>
+        </p:spPr>
+      </p:pic>
+    </p:spTree>
+    <p:extLst>
+      <p:ext uri="{BB962C8B-B14F-4D97-AF65-F5344CB8AC3E}">
+        <p14:creationId xmlns:p14="http://schemas.microsoft.com/office/powerpoint/2010/main" val="1990444460"/>
+      </p:ext>
+    </p:extLst>
+  </p:cSld>
+  <p:clrMapOvr>
+    <a:masterClrMapping/>
+  </p:clrMapOvr>
+</p:sld>
+</file>
+
+<file path=ppt/slides/slide43.xml><?xml version="1.0" encoding="utf-8"?>
+<p:sld xmlns:a="http://schemas.openxmlformats.org/drawingml/2006/main" xmlns:r="http://schemas.openxmlformats.org/officeDocument/2006/relationships" xmlns:p="http://schemas.openxmlformats.org/presentationml/2006/main">
+  <p:cSld>
+    <p:spTree>
+      <p:nvGrpSpPr>
+        <p:cNvPr id="1" name=""/>
+        <p:cNvGrpSpPr/>
+        <p:nvPr/>
+      </p:nvGrpSpPr>
+      <p:grpSpPr>
+        <a:xfrm>
+          <a:off x="0" y="0"/>
+          <a:ext cx="0" cy="0"/>
+          <a:chOff x="0" y="0"/>
+          <a:chExt cx="0" cy="0"/>
+        </a:xfrm>
+      </p:grpSpPr>
+      <p:sp>
+        <p:nvSpPr>
+          <p:cNvPr id="2" name="Title 1"/>
+          <p:cNvSpPr>
+            <a:spLocks noGrp="1"/>
+          </p:cNvSpPr>
+          <p:nvPr>
+            <p:ph type="title"/>
+          </p:nvPr>
+        </p:nvSpPr>
+        <p:spPr/>
+        <p:txBody>
+          <a:bodyPr/>
+          <a:lstStyle/>
+          <a:p>
+            <a:r>
+              <a:rPr lang="en-US" dirty="0" err="1" smtClean="0"/>
+              <a:t>Controle</a:t>
+            </a:r>
+            <a:r>
+              <a:rPr lang="en-US" dirty="0" smtClean="0"/>
+              <a:t> de </a:t>
+            </a:r>
+            <a:r>
+              <a:rPr lang="en-US" dirty="0" err="1" smtClean="0"/>
+              <a:t>Fluxo</a:t>
+            </a:r>
+            <a:r>
+              <a:rPr lang="en-US" dirty="0" smtClean="0"/>
+              <a:t> - Continue</a:t>
+            </a:r>
+            <a:endParaRPr lang="en-US" dirty="0"/>
+          </a:p>
+        </p:txBody>
+      </p:sp>
+      <p:pic>
+        <p:nvPicPr>
+          <p:cNvPr id="3" name="Picture 2"/>
+          <p:cNvPicPr>
+            <a:picLocks noChangeAspect="1"/>
+          </p:cNvPicPr>
+          <p:nvPr/>
+        </p:nvPicPr>
+        <p:blipFill>
+          <a:blip r:embed="rId2"/>
+          <a:stretch>
+            <a:fillRect/>
+          </a:stretch>
+        </p:blipFill>
+        <p:spPr>
+          <a:xfrm>
+            <a:off x="997826" y="1689650"/>
+            <a:ext cx="7121343" cy="4511427"/>
+          </a:xfrm>
+          <a:prstGeom prst="rect">
+            <a:avLst/>
+          </a:prstGeom>
+        </p:spPr>
+      </p:pic>
+    </p:spTree>
+    <p:extLst>
+      <p:ext uri="{BB962C8B-B14F-4D97-AF65-F5344CB8AC3E}">
+        <p14:creationId xmlns:p14="http://schemas.microsoft.com/office/powerpoint/2010/main" val="2228741452"/>
+      </p:ext>
+    </p:extLst>
+  </p:cSld>
+  <p:clrMapOvr>
+    <a:masterClrMapping/>
+  </p:clrMapOvr>
+</p:sld>
+</file>
+
+<file path=ppt/slides/slide44.xml><?xml version="1.0" encoding="utf-8"?>
+<p:sld xmlns:a="http://schemas.openxmlformats.org/drawingml/2006/main" xmlns:r="http://schemas.openxmlformats.org/officeDocument/2006/relationships" xmlns:p="http://schemas.openxmlformats.org/presentationml/2006/main">
+  <p:cSld>
+    <p:spTree>
+      <p:nvGrpSpPr>
+        <p:cNvPr id="1" name=""/>
+        <p:cNvGrpSpPr/>
+        <p:nvPr/>
+      </p:nvGrpSpPr>
+      <p:grpSpPr>
+        <a:xfrm>
+          <a:off x="0" y="0"/>
+          <a:ext cx="0" cy="0"/>
+          <a:chOff x="0" y="0"/>
+          <a:chExt cx="0" cy="0"/>
+        </a:xfrm>
+      </p:grpSpPr>
+      <p:sp>
+        <p:nvSpPr>
+          <p:cNvPr id="2" name="Title 1"/>
+          <p:cNvSpPr>
+            <a:spLocks noGrp="1"/>
+          </p:cNvSpPr>
+          <p:nvPr>
+            <p:ph type="title"/>
+          </p:nvPr>
+        </p:nvSpPr>
+        <p:spPr/>
+        <p:txBody>
+          <a:bodyPr/>
+          <a:lstStyle/>
+          <a:p>
+            <a:r>
+              <a:rPr lang="en-US" dirty="0" err="1" smtClean="0"/>
+              <a:t>Vetores</a:t>
+            </a:r>
+            <a:r>
+              <a:rPr lang="en-US" dirty="0" smtClean="0"/>
+              <a:t> e </a:t>
+            </a:r>
+            <a:r>
+              <a:rPr lang="en-US" dirty="0" err="1" smtClean="0"/>
+              <a:t>Matrizes</a:t>
+            </a:r>
+            <a:endParaRPr lang="en-US" dirty="0"/>
+          </a:p>
+        </p:txBody>
+      </p:sp>
+      <p:sp>
+        <p:nvSpPr>
+          <p:cNvPr id="3" name="Content Placeholder 2"/>
+          <p:cNvSpPr>
+            <a:spLocks noGrp="1"/>
+          </p:cNvSpPr>
+          <p:nvPr>
+            <p:ph idx="1"/>
+          </p:nvPr>
+        </p:nvSpPr>
+        <p:spPr/>
+        <p:txBody>
+          <a:bodyPr/>
+          <a:lstStyle/>
+          <a:p>
+            <a:r>
+              <a:rPr lang="en-US" dirty="0" smtClean="0"/>
+              <a:t>Arrays </a:t>
+            </a:r>
+            <a:r>
+              <a:rPr lang="en-US" dirty="0" err="1" smtClean="0"/>
+              <a:t>s</a:t>
+            </a:r>
+            <a:r>
+              <a:rPr lang="en-US" dirty="0" err="1" smtClean="0"/>
+              <a:t>ão</a:t>
+            </a:r>
+            <a:r>
+              <a:rPr lang="en-US" dirty="0" smtClean="0"/>
+              <a:t> </a:t>
+            </a:r>
+            <a:r>
+              <a:rPr lang="en-US" dirty="0" err="1" smtClean="0"/>
+              <a:t>tipos</a:t>
+            </a:r>
+            <a:r>
+              <a:rPr lang="en-US" dirty="0" smtClean="0"/>
+              <a:t> </a:t>
+            </a:r>
+            <a:r>
+              <a:rPr lang="en-US" dirty="0" err="1" smtClean="0"/>
+              <a:t>indexados</a:t>
+            </a:r>
+            <a:r>
+              <a:rPr lang="en-US" dirty="0" smtClean="0"/>
+              <a:t> de dados </a:t>
+            </a:r>
+            <a:r>
+              <a:rPr lang="en-US" dirty="0" err="1" smtClean="0"/>
+              <a:t>que</a:t>
+            </a:r>
+            <a:r>
+              <a:rPr lang="en-US" dirty="0" smtClean="0"/>
+              <a:t> </a:t>
+            </a:r>
+            <a:r>
+              <a:rPr lang="en-US" dirty="0" err="1" smtClean="0"/>
+              <a:t>permitem</a:t>
+            </a:r>
+            <a:r>
+              <a:rPr lang="en-US" dirty="0" smtClean="0"/>
+              <a:t> a </a:t>
+            </a:r>
+            <a:r>
+              <a:rPr lang="en-US" dirty="0" err="1" smtClean="0"/>
+              <a:t>representação</a:t>
+            </a:r>
+            <a:r>
+              <a:rPr lang="en-US" dirty="0" smtClean="0"/>
+              <a:t> de </a:t>
+            </a:r>
+            <a:r>
+              <a:rPr lang="en-US" dirty="0" err="1" smtClean="0"/>
+              <a:t>agrupamento</a:t>
+            </a:r>
+            <a:r>
+              <a:rPr lang="en-US" dirty="0" smtClean="0"/>
+              <a:t> de dados </a:t>
+            </a:r>
+            <a:r>
+              <a:rPr lang="en-US" dirty="0" err="1" smtClean="0"/>
+              <a:t>como</a:t>
+            </a:r>
+            <a:r>
+              <a:rPr lang="en-US" dirty="0" smtClean="0"/>
+              <a:t> </a:t>
+            </a:r>
+            <a:r>
+              <a:rPr lang="en-US" dirty="0" err="1" smtClean="0"/>
+              <a:t>vetores</a:t>
+            </a:r>
+            <a:r>
+              <a:rPr lang="en-US" dirty="0" smtClean="0"/>
+              <a:t> e </a:t>
+            </a:r>
+            <a:r>
+              <a:rPr lang="en-US" dirty="0" err="1" smtClean="0"/>
+              <a:t>matrizes</a:t>
+            </a:r>
+            <a:r>
+              <a:rPr lang="en-US" dirty="0"/>
+              <a:t>;</a:t>
+            </a:r>
+            <a:endParaRPr lang="en-US" dirty="0" smtClean="0"/>
+          </a:p>
+          <a:p>
+            <a:r>
+              <a:rPr lang="en-US" dirty="0" err="1" smtClean="0"/>
+              <a:t>Podemos</a:t>
+            </a:r>
+            <a:r>
+              <a:rPr lang="en-US" dirty="0" smtClean="0"/>
+              <a:t> </a:t>
+            </a:r>
+            <a:r>
+              <a:rPr lang="en-US" dirty="0" err="1" smtClean="0"/>
+              <a:t>declarar</a:t>
+            </a:r>
+            <a:r>
+              <a:rPr lang="en-US" dirty="0" smtClean="0"/>
+              <a:t> arrays de </a:t>
+            </a:r>
+            <a:r>
+              <a:rPr lang="en-US" dirty="0" err="1" smtClean="0"/>
+              <a:t>qualquer</a:t>
+            </a:r>
+            <a:r>
+              <a:rPr lang="en-US" dirty="0" smtClean="0"/>
+              <a:t> </a:t>
+            </a:r>
+            <a:r>
+              <a:rPr lang="en-US" dirty="0" err="1" smtClean="0"/>
+              <a:t>tipo</a:t>
+            </a:r>
+            <a:r>
+              <a:rPr lang="en-US" dirty="0" smtClean="0"/>
+              <a:t> de dados </a:t>
+            </a:r>
+            <a:r>
+              <a:rPr lang="en-US" dirty="0" err="1" smtClean="0"/>
+              <a:t>suportado</a:t>
+            </a:r>
+            <a:r>
+              <a:rPr lang="en-US" dirty="0" smtClean="0"/>
+              <a:t> </a:t>
+            </a:r>
+            <a:r>
+              <a:rPr lang="en-US" dirty="0" err="1" smtClean="0"/>
+              <a:t>pelo</a:t>
+            </a:r>
+            <a:r>
+              <a:rPr lang="en-US" dirty="0" smtClean="0"/>
+              <a:t> java;</a:t>
+            </a:r>
+          </a:p>
+          <a:p>
+            <a:r>
+              <a:rPr lang="en-US" dirty="0" err="1" smtClean="0"/>
+              <a:t>Essa</a:t>
+            </a:r>
+            <a:r>
+              <a:rPr lang="en-US" dirty="0" smtClean="0"/>
+              <a:t> </a:t>
+            </a:r>
+            <a:r>
+              <a:rPr lang="en-US" dirty="0" err="1" smtClean="0"/>
+              <a:t>declaração</a:t>
+            </a:r>
+            <a:r>
+              <a:rPr lang="en-US" dirty="0" smtClean="0"/>
+              <a:t> </a:t>
+            </a:r>
+            <a:r>
+              <a:rPr lang="en-US" dirty="0" err="1" smtClean="0"/>
+              <a:t>é</a:t>
+            </a:r>
+            <a:r>
+              <a:rPr lang="en-US" dirty="0" smtClean="0"/>
+              <a:t> </a:t>
+            </a:r>
+            <a:r>
+              <a:rPr lang="en-US" dirty="0" err="1" smtClean="0"/>
+              <a:t>feita</a:t>
+            </a:r>
+            <a:r>
+              <a:rPr lang="en-US" dirty="0" smtClean="0"/>
+              <a:t> </a:t>
+            </a:r>
+            <a:r>
+              <a:rPr lang="en-US" dirty="0" err="1" smtClean="0"/>
+              <a:t>pela</a:t>
+            </a:r>
+            <a:r>
+              <a:rPr lang="en-US" dirty="0" smtClean="0"/>
+              <a:t> </a:t>
+            </a:r>
+            <a:r>
+              <a:rPr lang="en-US" dirty="0" err="1" smtClean="0"/>
+              <a:t>adição</a:t>
+            </a:r>
+            <a:r>
+              <a:rPr lang="en-US" dirty="0" smtClean="0"/>
+              <a:t> do </a:t>
+            </a:r>
+            <a:r>
+              <a:rPr lang="en-US" dirty="0" err="1" smtClean="0"/>
+              <a:t>símbolo</a:t>
+            </a:r>
+            <a:r>
+              <a:rPr lang="en-US" dirty="0" smtClean="0"/>
+              <a:t> </a:t>
+            </a:r>
+            <a:r>
+              <a:rPr lang="en-US" b="1" dirty="0" smtClean="0"/>
+              <a:t>[]</a:t>
+            </a:r>
+            <a:r>
+              <a:rPr lang="en-US" dirty="0" smtClean="0"/>
+              <a:t> a um </a:t>
+            </a:r>
+            <a:r>
+              <a:rPr lang="en-US" dirty="0" err="1" smtClean="0"/>
+              <a:t>tipo</a:t>
+            </a:r>
+            <a:r>
+              <a:rPr lang="en-US" dirty="0" smtClean="0"/>
+              <a:t> de dado, </a:t>
+            </a:r>
+            <a:r>
+              <a:rPr lang="en-US" dirty="0" err="1" smtClean="0"/>
+              <a:t>que</a:t>
+            </a:r>
+            <a:r>
+              <a:rPr lang="en-US" dirty="0" smtClean="0"/>
+              <a:t> </a:t>
+            </a:r>
+            <a:r>
+              <a:rPr lang="en-US" dirty="0" err="1" smtClean="0"/>
+              <a:t>pode</a:t>
+            </a:r>
+            <a:r>
+              <a:rPr lang="en-US" dirty="0" smtClean="0"/>
+              <a:t> </a:t>
+            </a:r>
+            <a:r>
+              <a:rPr lang="en-US" dirty="0" err="1" smtClean="0"/>
+              <a:t>aparecer</a:t>
+            </a:r>
+            <a:r>
+              <a:rPr lang="en-US" dirty="0" smtClean="0"/>
+              <a:t> antes </a:t>
+            </a:r>
+            <a:r>
+              <a:rPr lang="en-US" dirty="0" err="1" smtClean="0"/>
+              <a:t>ou</a:t>
+            </a:r>
+            <a:r>
+              <a:rPr lang="en-US" dirty="0" smtClean="0"/>
+              <a:t> </a:t>
+            </a:r>
+            <a:r>
+              <a:rPr lang="en-US" dirty="0" err="1" smtClean="0"/>
+              <a:t>após</a:t>
+            </a:r>
+            <a:r>
+              <a:rPr lang="en-US" dirty="0" smtClean="0"/>
+              <a:t> o </a:t>
+            </a:r>
+            <a:r>
+              <a:rPr lang="en-US" dirty="0" err="1" smtClean="0"/>
+              <a:t>identificador</a:t>
+            </a:r>
+            <a:r>
+              <a:rPr lang="en-US" dirty="0" smtClean="0"/>
+              <a:t> da </a:t>
+            </a:r>
+            <a:r>
+              <a:rPr lang="en-US" dirty="0" err="1" smtClean="0"/>
+              <a:t>variável</a:t>
+            </a:r>
+            <a:r>
+              <a:rPr lang="en-US" dirty="0" smtClean="0"/>
+              <a:t>;</a:t>
+            </a:r>
+            <a:endParaRPr lang="en-US" dirty="0"/>
+          </a:p>
+        </p:txBody>
+      </p:sp>
+    </p:spTree>
+    <p:extLst>
+      <p:ext uri="{BB962C8B-B14F-4D97-AF65-F5344CB8AC3E}">
+        <p14:creationId xmlns:p14="http://schemas.microsoft.com/office/powerpoint/2010/main" val="2806278433"/>
+      </p:ext>
+    </p:extLst>
+  </p:cSld>
+  <p:clrMapOvr>
+    <a:masterClrMapping/>
+  </p:clrMapOvr>
+</p:sld>
+</file>
+
+<file path=ppt/slides/slide45.xml><?xml version="1.0" encoding="utf-8"?>
+<p:sld xmlns:a="http://schemas.openxmlformats.org/drawingml/2006/main" xmlns:r="http://schemas.openxmlformats.org/officeDocument/2006/relationships" xmlns:p="http://schemas.openxmlformats.org/presentationml/2006/main">
+  <p:cSld>
+    <p:spTree>
+      <p:nvGrpSpPr>
+        <p:cNvPr id="1" name=""/>
+        <p:cNvGrpSpPr/>
+        <p:nvPr/>
+      </p:nvGrpSpPr>
+      <p:grpSpPr>
+        <a:xfrm>
+          <a:off x="0" y="0"/>
+          <a:ext cx="0" cy="0"/>
+          <a:chOff x="0" y="0"/>
+          <a:chExt cx="0" cy="0"/>
+        </a:xfrm>
+      </p:grpSpPr>
+      <p:sp>
+        <p:nvSpPr>
+          <p:cNvPr id="2" name="Title 1"/>
+          <p:cNvSpPr>
+            <a:spLocks noGrp="1"/>
+          </p:cNvSpPr>
+          <p:nvPr>
+            <p:ph type="title"/>
+          </p:nvPr>
+        </p:nvSpPr>
+        <p:spPr/>
+        <p:txBody>
+          <a:bodyPr/>
+          <a:lstStyle/>
+          <a:p>
+            <a:r>
+              <a:rPr lang="en-US" dirty="0" err="1" smtClean="0"/>
+              <a:t>Vetores</a:t>
+            </a:r>
+            <a:r>
+              <a:rPr lang="en-US" dirty="0" smtClean="0"/>
+              <a:t> e </a:t>
+            </a:r>
+            <a:r>
+              <a:rPr lang="en-US" dirty="0" err="1" smtClean="0"/>
+              <a:t>Matrizes</a:t>
+            </a:r>
+            <a:endParaRPr lang="en-US" dirty="0"/>
+          </a:p>
+        </p:txBody>
+      </p:sp>
+      <p:pic>
+        <p:nvPicPr>
+          <p:cNvPr id="5" name="Picture 4"/>
+          <p:cNvPicPr>
+            <a:picLocks noChangeAspect="1"/>
+          </p:cNvPicPr>
+          <p:nvPr/>
+        </p:nvPicPr>
+        <p:blipFill>
+          <a:blip r:embed="rId2"/>
+          <a:stretch>
+            <a:fillRect/>
+          </a:stretch>
+        </p:blipFill>
+        <p:spPr>
+          <a:xfrm>
+            <a:off x="457200" y="1790182"/>
+            <a:ext cx="8392682" cy="4005598"/>
+          </a:xfrm>
+          <a:prstGeom prst="rect">
+            <a:avLst/>
+          </a:prstGeom>
+        </p:spPr>
+      </p:pic>
+    </p:spTree>
+    <p:extLst>
+      <p:ext uri="{BB962C8B-B14F-4D97-AF65-F5344CB8AC3E}">
+        <p14:creationId xmlns:p14="http://schemas.microsoft.com/office/powerpoint/2010/main" val="3711135009"/>
+      </p:ext>
+    </p:extLst>
+  </p:cSld>
+  <p:clrMapOvr>
+    <a:masterClrMapping/>
+  </p:clrMapOvr>
+</p:sld>
+</file>
+
+<file path=ppt/slides/slide46.xml><?xml version="1.0" encoding="utf-8"?>
+<p:sld xmlns:a="http://schemas.openxmlformats.org/drawingml/2006/main" xmlns:r="http://schemas.openxmlformats.org/officeDocument/2006/relationships" xmlns:p="http://schemas.openxmlformats.org/presentationml/2006/main">
+  <p:cSld>
+    <p:spTree>
+      <p:nvGrpSpPr>
+        <p:cNvPr id="1" name=""/>
+        <p:cNvGrpSpPr/>
+        <p:nvPr/>
+      </p:nvGrpSpPr>
+      <p:grpSpPr>
+        <a:xfrm>
+          <a:off x="0" y="0"/>
+          <a:ext cx="0" cy="0"/>
+          <a:chOff x="0" y="0"/>
+          <a:chExt cx="0" cy="0"/>
+        </a:xfrm>
+      </p:grpSpPr>
+      <p:sp>
+        <p:nvSpPr>
+          <p:cNvPr id="2" name="Title 1"/>
+          <p:cNvSpPr>
+            <a:spLocks noGrp="1"/>
+          </p:cNvSpPr>
+          <p:nvPr>
+            <p:ph type="title"/>
+          </p:nvPr>
+        </p:nvSpPr>
+        <p:spPr/>
+        <p:txBody>
+          <a:bodyPr/>
+          <a:lstStyle/>
+          <a:p>
+            <a:r>
+              <a:rPr lang="en-US" dirty="0" err="1"/>
+              <a:t>Vetores</a:t>
+            </a:r>
+            <a:r>
+              <a:rPr lang="en-US" dirty="0"/>
+              <a:t> e </a:t>
+            </a:r>
+            <a:r>
+              <a:rPr lang="en-US" dirty="0" err="1"/>
+              <a:t>Matrizes</a:t>
+            </a:r>
+            <a:endParaRPr lang="en-US" dirty="0"/>
+          </a:p>
+        </p:txBody>
+      </p:sp>
+      <p:sp>
+        <p:nvSpPr>
+          <p:cNvPr id="3" name="Content Placeholder 2"/>
+          <p:cNvSpPr>
+            <a:spLocks noGrp="1"/>
+          </p:cNvSpPr>
+          <p:nvPr>
+            <p:ph idx="1"/>
+          </p:nvPr>
+        </p:nvSpPr>
+        <p:spPr/>
+        <p:txBody>
+          <a:bodyPr>
+            <a:normAutofit fontScale="85000" lnSpcReduction="20000"/>
+          </a:bodyPr>
+          <a:lstStyle/>
+          <a:p>
+            <a:r>
+              <a:rPr lang="en-US" dirty="0" smtClean="0"/>
+              <a:t>Na </a:t>
+            </a:r>
+            <a:r>
+              <a:rPr lang="en-US" dirty="0" err="1" smtClean="0"/>
+              <a:t>m</a:t>
+            </a:r>
+            <a:r>
+              <a:rPr lang="en-US" dirty="0" err="1" smtClean="0"/>
+              <a:t>emória</a:t>
+            </a:r>
+            <a:r>
+              <a:rPr lang="en-US" dirty="0" smtClean="0"/>
+              <a:t>, um array </a:t>
+            </a:r>
+            <a:r>
+              <a:rPr lang="en-US" dirty="0" err="1" smtClean="0"/>
+              <a:t>é</a:t>
+            </a:r>
+            <a:r>
+              <a:rPr lang="en-US" dirty="0" smtClean="0"/>
+              <a:t> um </a:t>
+            </a:r>
+            <a:r>
+              <a:rPr lang="en-US" dirty="0" err="1" smtClean="0"/>
+              <a:t>agrupamento</a:t>
+            </a:r>
+            <a:r>
+              <a:rPr lang="en-US" dirty="0" smtClean="0"/>
+              <a:t> de dados, </a:t>
+            </a:r>
+            <a:r>
+              <a:rPr lang="en-US" dirty="0" err="1" smtClean="0"/>
+              <a:t>indexados</a:t>
+            </a:r>
+            <a:r>
+              <a:rPr lang="en-US" dirty="0" smtClean="0"/>
+              <a:t> </a:t>
+            </a:r>
+            <a:r>
+              <a:rPr lang="en-US" dirty="0" err="1" smtClean="0"/>
+              <a:t>pelo</a:t>
+            </a:r>
+            <a:r>
+              <a:rPr lang="en-US" dirty="0" smtClean="0"/>
+              <a:t> </a:t>
+            </a:r>
+            <a:r>
+              <a:rPr lang="en-US" dirty="0" err="1" smtClean="0"/>
+              <a:t>tamanho</a:t>
+            </a:r>
+            <a:r>
+              <a:rPr lang="en-US" dirty="0" smtClean="0"/>
+              <a:t> do </a:t>
+            </a:r>
+            <a:r>
+              <a:rPr lang="en-US" dirty="0" err="1" smtClean="0"/>
+              <a:t>tipo</a:t>
+            </a:r>
+            <a:r>
+              <a:rPr lang="en-US" dirty="0" smtClean="0"/>
+              <a:t> de dado </a:t>
+            </a:r>
+            <a:r>
+              <a:rPr lang="en-US" dirty="0" err="1" smtClean="0"/>
+              <a:t>que</a:t>
+            </a:r>
+            <a:r>
+              <a:rPr lang="en-US" dirty="0" smtClean="0"/>
+              <a:t> o array </a:t>
+            </a:r>
+            <a:r>
+              <a:rPr lang="en-US" dirty="0" err="1" smtClean="0"/>
+              <a:t>suporta</a:t>
+            </a:r>
+            <a:r>
+              <a:rPr lang="en-US" dirty="0" smtClean="0"/>
+              <a:t>;</a:t>
+            </a:r>
+          </a:p>
+          <a:p>
+            <a:r>
+              <a:rPr lang="en-US" dirty="0" smtClean="0"/>
+              <a:t>O </a:t>
+            </a:r>
+            <a:r>
+              <a:rPr lang="en-US" dirty="0" err="1" smtClean="0"/>
+              <a:t>primeiro</a:t>
+            </a:r>
+            <a:r>
+              <a:rPr lang="en-US" dirty="0" smtClean="0"/>
+              <a:t> </a:t>
+            </a:r>
+            <a:r>
+              <a:rPr lang="en-US" dirty="0" err="1" smtClean="0"/>
+              <a:t>índice</a:t>
+            </a:r>
+            <a:r>
+              <a:rPr lang="en-US" dirty="0" smtClean="0"/>
+              <a:t> de um array </a:t>
+            </a:r>
+            <a:r>
+              <a:rPr lang="en-US" dirty="0" err="1" smtClean="0"/>
+              <a:t>é</a:t>
+            </a:r>
+            <a:r>
+              <a:rPr lang="en-US" dirty="0" smtClean="0"/>
+              <a:t> </a:t>
+            </a:r>
+            <a:r>
+              <a:rPr lang="en-US" dirty="0" err="1" smtClean="0"/>
+              <a:t>sempre</a:t>
+            </a:r>
+            <a:r>
+              <a:rPr lang="en-US" dirty="0" smtClean="0"/>
+              <a:t> 0, e o </a:t>
+            </a:r>
+            <a:r>
+              <a:rPr lang="en-US" dirty="0" err="1" smtClean="0"/>
+              <a:t>último</a:t>
+            </a:r>
+            <a:r>
+              <a:rPr lang="en-US" dirty="0" smtClean="0"/>
+              <a:t> </a:t>
+            </a:r>
+            <a:r>
+              <a:rPr lang="en-US" dirty="0" err="1" smtClean="0"/>
+              <a:t>índice</a:t>
+            </a:r>
+            <a:r>
+              <a:rPr lang="en-US" dirty="0" smtClean="0"/>
+              <a:t> </a:t>
+            </a:r>
+            <a:r>
+              <a:rPr lang="en-US" dirty="0" err="1" smtClean="0"/>
+              <a:t>é</a:t>
+            </a:r>
+            <a:r>
+              <a:rPr lang="en-US" dirty="0" smtClean="0"/>
+              <a:t> o N-1, </a:t>
+            </a:r>
+            <a:r>
+              <a:rPr lang="en-US" dirty="0" err="1" smtClean="0"/>
+              <a:t>onde</a:t>
+            </a:r>
+            <a:r>
+              <a:rPr lang="en-US" dirty="0" smtClean="0"/>
+              <a:t> N </a:t>
+            </a:r>
+            <a:r>
+              <a:rPr lang="en-US" dirty="0" err="1" smtClean="0"/>
+              <a:t>é</a:t>
+            </a:r>
+            <a:r>
+              <a:rPr lang="en-US" dirty="0" smtClean="0"/>
+              <a:t> o </a:t>
+            </a:r>
+            <a:r>
+              <a:rPr lang="en-US" dirty="0" err="1" smtClean="0"/>
+              <a:t>número</a:t>
+            </a:r>
+            <a:r>
+              <a:rPr lang="en-US" dirty="0" smtClean="0"/>
+              <a:t> de </a:t>
+            </a:r>
+            <a:r>
+              <a:rPr lang="en-US" dirty="0" err="1" smtClean="0"/>
+              <a:t>elementos</a:t>
+            </a:r>
+            <a:r>
+              <a:rPr lang="en-US" dirty="0" smtClean="0"/>
+              <a:t> do array;</a:t>
+            </a:r>
+          </a:p>
+          <a:p>
+            <a:r>
+              <a:rPr lang="en-US" dirty="0" smtClean="0"/>
+              <a:t>Para </a:t>
+            </a:r>
+            <a:r>
+              <a:rPr lang="en-US" dirty="0" err="1" smtClean="0"/>
+              <a:t>criar</a:t>
+            </a:r>
+            <a:r>
+              <a:rPr lang="en-US" dirty="0" smtClean="0"/>
+              <a:t> um array, </a:t>
+            </a:r>
+            <a:r>
+              <a:rPr lang="en-US" dirty="0" err="1" smtClean="0"/>
+              <a:t>usamos</a:t>
+            </a:r>
+            <a:r>
+              <a:rPr lang="en-US" dirty="0" smtClean="0"/>
+              <a:t> a </a:t>
+            </a:r>
+            <a:r>
+              <a:rPr lang="en-US" dirty="0" err="1" smtClean="0"/>
+              <a:t>palavra</a:t>
+            </a:r>
+            <a:r>
+              <a:rPr lang="en-US" dirty="0" smtClean="0"/>
+              <a:t> </a:t>
+            </a:r>
+            <a:r>
+              <a:rPr lang="en-US" dirty="0" err="1" smtClean="0"/>
+              <a:t>chave</a:t>
+            </a:r>
+            <a:r>
+              <a:rPr lang="en-US" dirty="0" smtClean="0"/>
+              <a:t> </a:t>
+            </a:r>
+            <a:r>
+              <a:rPr lang="en-US" b="1" dirty="0" smtClean="0"/>
+              <a:t>new</a:t>
+            </a:r>
+            <a:r>
+              <a:rPr lang="en-US" dirty="0" smtClean="0"/>
+              <a:t>;</a:t>
+            </a:r>
+          </a:p>
+          <a:p>
+            <a:r>
+              <a:rPr lang="en-US" dirty="0" err="1" smtClean="0"/>
+              <a:t>int</a:t>
+            </a:r>
+            <a:r>
+              <a:rPr lang="en-US" dirty="0" smtClean="0"/>
+              <a:t>[] </a:t>
+            </a:r>
+            <a:r>
+              <a:rPr lang="en-US" dirty="0" err="1" smtClean="0"/>
+              <a:t>numeros</a:t>
+            </a:r>
+            <a:r>
+              <a:rPr lang="en-US" dirty="0" smtClean="0"/>
+              <a:t> = new </a:t>
+            </a:r>
+            <a:r>
+              <a:rPr lang="en-US" dirty="0" err="1" smtClean="0"/>
+              <a:t>int</a:t>
+            </a:r>
+            <a:r>
+              <a:rPr lang="en-US" dirty="0" smtClean="0"/>
+              <a:t>[50];</a:t>
+            </a:r>
+          </a:p>
+          <a:p>
+            <a:r>
+              <a:rPr lang="en-US" dirty="0" smtClean="0"/>
+              <a:t>A </a:t>
+            </a:r>
+            <a:r>
+              <a:rPr lang="en-US" dirty="0" err="1" smtClean="0"/>
+              <a:t>quantidade</a:t>
+            </a:r>
+            <a:r>
+              <a:rPr lang="en-US" dirty="0" smtClean="0"/>
+              <a:t> de </a:t>
+            </a:r>
+            <a:r>
+              <a:rPr lang="en-US" dirty="0" err="1" smtClean="0"/>
+              <a:t>elementos</a:t>
+            </a:r>
+            <a:r>
+              <a:rPr lang="en-US" dirty="0" smtClean="0"/>
+              <a:t> de um array </a:t>
+            </a:r>
+            <a:r>
+              <a:rPr lang="en-US" dirty="0" err="1" smtClean="0"/>
+              <a:t>sempre</a:t>
+            </a:r>
+            <a:r>
+              <a:rPr lang="en-US" dirty="0" smtClean="0"/>
+              <a:t> </a:t>
+            </a:r>
+            <a:r>
+              <a:rPr lang="en-US" dirty="0" err="1" smtClean="0"/>
+              <a:t>deve</a:t>
+            </a:r>
+            <a:r>
+              <a:rPr lang="en-US" dirty="0" smtClean="0"/>
+              <a:t> </a:t>
+            </a:r>
+            <a:r>
+              <a:rPr lang="en-US" dirty="0" err="1" smtClean="0"/>
+              <a:t>ser</a:t>
+            </a:r>
+            <a:r>
+              <a:rPr lang="en-US" dirty="0" smtClean="0"/>
+              <a:t> um valor </a:t>
+            </a:r>
+            <a:r>
+              <a:rPr lang="en-US" dirty="0" err="1" smtClean="0"/>
+              <a:t>inteiro</a:t>
+            </a:r>
+            <a:r>
+              <a:rPr lang="en-US" dirty="0" smtClean="0"/>
+              <a:t>.</a:t>
+            </a:r>
+          </a:p>
+          <a:p>
+            <a:r>
+              <a:rPr lang="en-US" dirty="0" smtClean="0"/>
+              <a:t>O </a:t>
+            </a:r>
+            <a:r>
+              <a:rPr lang="en-US" dirty="0" err="1" smtClean="0"/>
+              <a:t>comprimento</a:t>
+            </a:r>
+            <a:r>
+              <a:rPr lang="en-US" dirty="0" smtClean="0"/>
+              <a:t> de um array </a:t>
+            </a:r>
+            <a:r>
+              <a:rPr lang="en-US" dirty="0" err="1" smtClean="0"/>
+              <a:t>é</a:t>
+            </a:r>
+            <a:r>
+              <a:rPr lang="en-US" dirty="0" smtClean="0"/>
+              <a:t> dado </a:t>
+            </a:r>
+            <a:r>
+              <a:rPr lang="en-US" dirty="0" err="1" smtClean="0"/>
+              <a:t>pelo</a:t>
+            </a:r>
+            <a:r>
+              <a:rPr lang="en-US" dirty="0" smtClean="0"/>
+              <a:t> </a:t>
+            </a:r>
+            <a:r>
+              <a:rPr lang="en-US" dirty="0" err="1" smtClean="0"/>
+              <a:t>método</a:t>
+            </a:r>
+            <a:r>
+              <a:rPr lang="en-US" dirty="0" smtClean="0"/>
+              <a:t> </a:t>
+            </a:r>
+            <a:r>
+              <a:rPr lang="en-US" b="1" dirty="0" smtClean="0"/>
+              <a:t>length</a:t>
+            </a:r>
+            <a:r>
+              <a:rPr lang="en-US" dirty="0" smtClean="0"/>
+              <a:t>;</a:t>
+            </a:r>
+            <a:endParaRPr lang="en-US" dirty="0"/>
+          </a:p>
+        </p:txBody>
+      </p:sp>
+    </p:spTree>
+    <p:extLst>
+      <p:ext uri="{BB962C8B-B14F-4D97-AF65-F5344CB8AC3E}">
+        <p14:creationId xmlns:p14="http://schemas.microsoft.com/office/powerpoint/2010/main" val="2959473075"/>
+      </p:ext>
+    </p:extLst>
+  </p:cSld>
+  <p:clrMapOvr>
+    <a:masterClrMapping/>
+  </p:clrMapOvr>
+</p:sld>
+</file>
+
+<file path=ppt/slides/slide47.xml><?xml version="1.0" encoding="utf-8"?>
+<p:sld xmlns:a="http://schemas.openxmlformats.org/drawingml/2006/main" xmlns:r="http://schemas.openxmlformats.org/officeDocument/2006/relationships" xmlns:p="http://schemas.openxmlformats.org/presentationml/2006/main">
+  <p:cSld>
+    <p:spTree>
+      <p:nvGrpSpPr>
+        <p:cNvPr id="1" name=""/>
+        <p:cNvGrpSpPr/>
+        <p:nvPr/>
+      </p:nvGrpSpPr>
+      <p:grpSpPr>
+        <a:xfrm>
+          <a:off x="0" y="0"/>
+          <a:ext cx="0" cy="0"/>
+          <a:chOff x="0" y="0"/>
+          <a:chExt cx="0" cy="0"/>
+        </a:xfrm>
+      </p:grpSpPr>
+      <p:sp>
+        <p:nvSpPr>
+          <p:cNvPr id="2" name="Title 1"/>
+          <p:cNvSpPr>
+            <a:spLocks noGrp="1"/>
+          </p:cNvSpPr>
+          <p:nvPr>
+            <p:ph type="title"/>
+          </p:nvPr>
+        </p:nvSpPr>
+        <p:spPr/>
+        <p:txBody>
+          <a:bodyPr/>
+          <a:lstStyle/>
+          <a:p>
+            <a:r>
+              <a:rPr lang="en-US" dirty="0" err="1" smtClean="0"/>
+              <a:t>Vetores</a:t>
+            </a:r>
+            <a:r>
+              <a:rPr lang="en-US" dirty="0" smtClean="0"/>
+              <a:t> e </a:t>
+            </a:r>
+            <a:r>
+              <a:rPr lang="en-US" dirty="0" err="1" smtClean="0"/>
+              <a:t>Matrizes</a:t>
+            </a:r>
+            <a:endParaRPr lang="en-US" dirty="0"/>
+          </a:p>
+        </p:txBody>
+      </p:sp>
+      <p:pic>
+        <p:nvPicPr>
+          <p:cNvPr id="4" name="Picture 3"/>
+          <p:cNvPicPr>
+            <a:picLocks noChangeAspect="1"/>
+          </p:cNvPicPr>
+          <p:nvPr/>
+        </p:nvPicPr>
+        <p:blipFill>
+          <a:blip r:embed="rId2"/>
+          <a:stretch>
+            <a:fillRect/>
+          </a:stretch>
+        </p:blipFill>
+        <p:spPr>
+          <a:xfrm>
+            <a:off x="310078" y="1803400"/>
+            <a:ext cx="8554814" cy="3397940"/>
+          </a:xfrm>
+          <a:prstGeom prst="rect">
+            <a:avLst/>
+          </a:prstGeom>
+        </p:spPr>
+      </p:pic>
+    </p:spTree>
+    <p:extLst>
+      <p:ext uri="{BB962C8B-B14F-4D97-AF65-F5344CB8AC3E}">
+        <p14:creationId xmlns:p14="http://schemas.microsoft.com/office/powerpoint/2010/main" val="2584648254"/>
+      </p:ext>
+    </p:extLst>
+  </p:cSld>
+  <p:clrMapOvr>
+    <a:masterClrMapping/>
+  </p:clrMapOvr>
+</p:sld>
+</file>
+
+<file path=ppt/slides/slide48.xml><?xml version="1.0" encoding="utf-8"?>
+<p:sld xmlns:a="http://schemas.openxmlformats.org/drawingml/2006/main" xmlns:r="http://schemas.openxmlformats.org/officeDocument/2006/relationships" xmlns:p="http://schemas.openxmlformats.org/presentationml/2006/main">
+  <p:cSld>
+    <p:spTree>
+      <p:nvGrpSpPr>
+        <p:cNvPr id="1" name=""/>
+        <p:cNvGrpSpPr/>
+        <p:nvPr/>
+      </p:nvGrpSpPr>
+      <p:grpSpPr>
+        <a:xfrm>
+          <a:off x="0" y="0"/>
+          <a:ext cx="0" cy="0"/>
+          <a:chOff x="0" y="0"/>
+          <a:chExt cx="0" cy="0"/>
+        </a:xfrm>
+      </p:grpSpPr>
+      <p:sp>
+        <p:nvSpPr>
+          <p:cNvPr id="2" name="Title 1"/>
+          <p:cNvSpPr>
+            <a:spLocks noGrp="1"/>
+          </p:cNvSpPr>
+          <p:nvPr>
+            <p:ph type="title"/>
+          </p:nvPr>
+        </p:nvSpPr>
+        <p:spPr/>
+        <p:txBody>
+          <a:bodyPr/>
+          <a:lstStyle/>
+          <a:p>
+            <a:r>
+              <a:rPr lang="en-US" dirty="0" err="1" smtClean="0"/>
+              <a:t>Vetores</a:t>
+            </a:r>
+            <a:r>
+              <a:rPr lang="en-US" dirty="0" smtClean="0"/>
+              <a:t> e </a:t>
+            </a:r>
+            <a:r>
+              <a:rPr lang="en-US" dirty="0" err="1" smtClean="0"/>
+              <a:t>Matrizes</a:t>
+            </a:r>
+            <a:endParaRPr lang="en-US" dirty="0"/>
+          </a:p>
+        </p:txBody>
+      </p:sp>
+      <p:sp>
+        <p:nvSpPr>
+          <p:cNvPr id="3" name="Content Placeholder 2"/>
+          <p:cNvSpPr>
+            <a:spLocks noGrp="1"/>
+          </p:cNvSpPr>
+          <p:nvPr>
+            <p:ph idx="1"/>
+          </p:nvPr>
+        </p:nvSpPr>
+        <p:spPr/>
+        <p:txBody>
+          <a:bodyPr/>
+          <a:lstStyle/>
+          <a:p>
+            <a:r>
+              <a:rPr lang="en-US" dirty="0" smtClean="0"/>
+              <a:t>Arrays de </a:t>
+            </a:r>
+            <a:r>
+              <a:rPr lang="en-US" dirty="0" err="1" smtClean="0"/>
+              <a:t>tipos</a:t>
+            </a:r>
+            <a:r>
+              <a:rPr lang="en-US" dirty="0" smtClean="0"/>
+              <a:t> </a:t>
+            </a:r>
+            <a:r>
+              <a:rPr lang="en-US" dirty="0" err="1" smtClean="0"/>
+              <a:t>primitivos</a:t>
+            </a:r>
+            <a:r>
+              <a:rPr lang="en-US" dirty="0" smtClean="0"/>
+              <a:t> de dados </a:t>
+            </a:r>
+            <a:r>
+              <a:rPr lang="en-US" dirty="0" err="1" smtClean="0"/>
+              <a:t>s</a:t>
+            </a:r>
+            <a:r>
+              <a:rPr lang="en-US" dirty="0" err="1" smtClean="0"/>
+              <a:t>ão</a:t>
+            </a:r>
+            <a:r>
+              <a:rPr lang="en-US" dirty="0" smtClean="0"/>
+              <a:t> </a:t>
+            </a:r>
+            <a:r>
+              <a:rPr lang="en-US" dirty="0" err="1" smtClean="0"/>
+              <a:t>inicializados</a:t>
+            </a:r>
+            <a:r>
+              <a:rPr lang="en-US" dirty="0"/>
+              <a:t> </a:t>
+            </a:r>
+            <a:r>
+              <a:rPr lang="en-US" dirty="0" smtClean="0"/>
+              <a:t>no </a:t>
+            </a:r>
+            <a:r>
+              <a:rPr lang="en-US" dirty="0" err="1" smtClean="0"/>
+              <a:t>momento</a:t>
+            </a:r>
+            <a:r>
+              <a:rPr lang="en-US" dirty="0" smtClean="0"/>
+              <a:t> de </a:t>
+            </a:r>
+            <a:r>
+              <a:rPr lang="en-US" dirty="0" err="1" smtClean="0"/>
+              <a:t>sua</a:t>
+            </a:r>
+            <a:r>
+              <a:rPr lang="en-US" dirty="0" smtClean="0"/>
+              <a:t> </a:t>
+            </a:r>
+            <a:r>
+              <a:rPr lang="en-US" dirty="0" err="1" smtClean="0"/>
+              <a:t>criação</a:t>
+            </a:r>
+            <a:r>
+              <a:rPr lang="en-US" dirty="0" smtClean="0"/>
+              <a:t>;</a:t>
+            </a:r>
+          </a:p>
+          <a:p>
+            <a:r>
+              <a:rPr lang="en-US" dirty="0" smtClean="0"/>
+              <a:t>Arrays de </a:t>
+            </a:r>
+            <a:r>
+              <a:rPr lang="en-US" dirty="0" err="1" smtClean="0"/>
+              <a:t>tipos</a:t>
+            </a:r>
+            <a:r>
+              <a:rPr lang="en-US" dirty="0" smtClean="0"/>
+              <a:t> </a:t>
+            </a:r>
+            <a:r>
+              <a:rPr lang="en-US" dirty="0" err="1" smtClean="0"/>
+              <a:t>agregados</a:t>
+            </a:r>
+            <a:r>
+              <a:rPr lang="en-US" dirty="0"/>
+              <a:t> </a:t>
+            </a:r>
+            <a:r>
+              <a:rPr lang="en-US" dirty="0" smtClean="0"/>
+              <a:t>de dados </a:t>
+            </a:r>
+            <a:r>
+              <a:rPr lang="en-US" dirty="0" err="1" smtClean="0"/>
+              <a:t>necessitam</a:t>
+            </a:r>
+            <a:r>
+              <a:rPr lang="en-US" dirty="0" smtClean="0"/>
+              <a:t> de </a:t>
+            </a:r>
+            <a:r>
+              <a:rPr lang="en-US" dirty="0" err="1" smtClean="0"/>
+              <a:t>inicialização</a:t>
+            </a:r>
+            <a:r>
+              <a:rPr lang="en-US" dirty="0" smtClean="0"/>
+              <a:t> </a:t>
+            </a:r>
+            <a:r>
+              <a:rPr lang="en-US" dirty="0" err="1" smtClean="0"/>
+              <a:t>explícita</a:t>
+            </a:r>
+            <a:r>
+              <a:rPr lang="en-US" dirty="0" smtClean="0"/>
+              <a:t>;</a:t>
+            </a:r>
+          </a:p>
+        </p:txBody>
+      </p:sp>
+    </p:spTree>
+    <p:extLst>
+      <p:ext uri="{BB962C8B-B14F-4D97-AF65-F5344CB8AC3E}">
+        <p14:creationId xmlns:p14="http://schemas.microsoft.com/office/powerpoint/2010/main" val="3192676589"/>
+      </p:ext>
+    </p:extLst>
+  </p:cSld>
+  <p:clrMapOvr>
+    <a:masterClrMapping/>
+  </p:clrMapOvr>
+</p:sld>
+</file>
+
+<file path=ppt/slides/slide49.xml><?xml version="1.0" encoding="utf-8"?>
+<p:sld xmlns:a="http://schemas.openxmlformats.org/drawingml/2006/main" xmlns:r="http://schemas.openxmlformats.org/officeDocument/2006/relationships" xmlns:p="http://schemas.openxmlformats.org/presentationml/2006/main">
+  <p:cSld>
+    <p:spTree>
+      <p:nvGrpSpPr>
+        <p:cNvPr id="1" name=""/>
+        <p:cNvGrpSpPr/>
+        <p:nvPr/>
+      </p:nvGrpSpPr>
+      <p:grpSpPr>
+        <a:xfrm>
+          <a:off x="0" y="0"/>
+          <a:ext cx="0" cy="0"/>
+          <a:chOff x="0" y="0"/>
+          <a:chExt cx="0" cy="0"/>
+        </a:xfrm>
+      </p:grpSpPr>
+      <p:sp>
+        <p:nvSpPr>
+          <p:cNvPr id="2" name="Title 1"/>
+          <p:cNvSpPr>
+            <a:spLocks noGrp="1"/>
+          </p:cNvSpPr>
+          <p:nvPr>
+            <p:ph type="title"/>
+          </p:nvPr>
+        </p:nvSpPr>
+        <p:spPr/>
+        <p:txBody>
+          <a:bodyPr/>
+          <a:lstStyle/>
+          <a:p>
+            <a:r>
+              <a:rPr lang="en-US" dirty="0" err="1" smtClean="0"/>
+              <a:t>Vetores</a:t>
+            </a:r>
+            <a:r>
+              <a:rPr lang="en-US" dirty="0" smtClean="0"/>
+              <a:t> e </a:t>
+            </a:r>
+            <a:r>
+              <a:rPr lang="en-US" dirty="0" err="1" smtClean="0"/>
+              <a:t>Matrizes</a:t>
+            </a:r>
+            <a:endParaRPr lang="en-US" dirty="0"/>
+          </a:p>
+        </p:txBody>
+      </p:sp>
+      <p:sp>
+        <p:nvSpPr>
+          <p:cNvPr id="3" name="Content Placeholder 2"/>
+          <p:cNvSpPr>
+            <a:spLocks noGrp="1"/>
+          </p:cNvSpPr>
+          <p:nvPr>
+            <p:ph idx="1"/>
+          </p:nvPr>
+        </p:nvSpPr>
+        <p:spPr/>
+        <p:txBody>
+          <a:bodyPr/>
+          <a:lstStyle/>
+          <a:p>
+            <a:r>
+              <a:rPr lang="en-US" dirty="0" err="1" smtClean="0"/>
+              <a:t>Quando</a:t>
+            </a:r>
+            <a:r>
+              <a:rPr lang="en-US" dirty="0" smtClean="0"/>
+              <a:t> </a:t>
+            </a:r>
+            <a:r>
+              <a:rPr lang="en-US" dirty="0" err="1" smtClean="0"/>
+              <a:t>declaramos</a:t>
+            </a:r>
+            <a:r>
+              <a:rPr lang="en-US" dirty="0" smtClean="0"/>
+              <a:t> um array </a:t>
+            </a:r>
+            <a:r>
+              <a:rPr lang="en-US" dirty="0" err="1" smtClean="0"/>
+              <a:t>atrav</a:t>
+            </a:r>
+            <a:r>
+              <a:rPr lang="en-US" dirty="0" err="1" smtClean="0"/>
+              <a:t>és</a:t>
+            </a:r>
+            <a:r>
+              <a:rPr lang="en-US" dirty="0" smtClean="0"/>
+              <a:t> do </a:t>
+            </a:r>
+            <a:r>
+              <a:rPr lang="en-US" dirty="0" err="1" smtClean="0"/>
+              <a:t>símbolo</a:t>
+            </a:r>
+            <a:r>
+              <a:rPr lang="en-US" dirty="0" smtClean="0"/>
+              <a:t> </a:t>
+            </a:r>
+            <a:r>
+              <a:rPr lang="en-US" b="1" dirty="0" smtClean="0"/>
+              <a:t>[]</a:t>
+            </a:r>
+            <a:r>
+              <a:rPr lang="en-US" dirty="0" smtClean="0"/>
+              <a:t>, </a:t>
+            </a:r>
+            <a:r>
+              <a:rPr lang="en-US" dirty="0" err="1" smtClean="0"/>
+              <a:t>estamos</a:t>
+            </a:r>
+            <a:r>
+              <a:rPr lang="en-US" dirty="0" smtClean="0"/>
+              <a:t> de </a:t>
+            </a:r>
+            <a:r>
+              <a:rPr lang="en-US" dirty="0" err="1" smtClean="0"/>
+              <a:t>fato</a:t>
+            </a:r>
+            <a:r>
+              <a:rPr lang="en-US" dirty="0" smtClean="0"/>
+              <a:t> </a:t>
+            </a:r>
+            <a:r>
+              <a:rPr lang="en-US" dirty="0" err="1" smtClean="0"/>
+              <a:t>criando</a:t>
+            </a:r>
+            <a:r>
+              <a:rPr lang="en-US" dirty="0" smtClean="0"/>
+              <a:t> um array </a:t>
+            </a:r>
+            <a:r>
+              <a:rPr lang="en-US" dirty="0" err="1" smtClean="0"/>
+              <a:t>unidimensional</a:t>
+            </a:r>
+            <a:r>
+              <a:rPr lang="en-US" dirty="0" smtClean="0"/>
+              <a:t>(</a:t>
+            </a:r>
+            <a:r>
+              <a:rPr lang="en-US" dirty="0" err="1" smtClean="0"/>
+              <a:t>vetor</a:t>
+            </a:r>
+            <a:r>
+              <a:rPr lang="en-US" smtClean="0"/>
+              <a:t>);</a:t>
+            </a:r>
+            <a:endParaRPr lang="en-US" dirty="0" smtClean="0"/>
+          </a:p>
+          <a:p>
+            <a:r>
+              <a:rPr lang="en-US" dirty="0" err="1" smtClean="0"/>
+              <a:t>Além</a:t>
+            </a:r>
+            <a:r>
+              <a:rPr lang="en-US" dirty="0" smtClean="0"/>
+              <a:t> de </a:t>
+            </a:r>
+            <a:r>
+              <a:rPr lang="en-US" dirty="0" err="1" smtClean="0"/>
+              <a:t>vetores</a:t>
+            </a:r>
+            <a:r>
+              <a:rPr lang="en-US" dirty="0" smtClean="0"/>
+              <a:t>, a </a:t>
+            </a:r>
+            <a:r>
+              <a:rPr lang="en-US" dirty="0" err="1" smtClean="0"/>
+              <a:t>linguagem</a:t>
+            </a:r>
+            <a:r>
+              <a:rPr lang="en-US" dirty="0" smtClean="0"/>
+              <a:t> java </a:t>
+            </a:r>
+            <a:r>
+              <a:rPr lang="en-US" dirty="0" err="1" smtClean="0"/>
+              <a:t>permite</a:t>
+            </a:r>
+            <a:r>
+              <a:rPr lang="en-US" dirty="0" smtClean="0"/>
+              <a:t> a </a:t>
+            </a:r>
+            <a:r>
+              <a:rPr lang="en-US" dirty="0" err="1" smtClean="0"/>
+              <a:t>declaração</a:t>
+            </a:r>
+            <a:r>
+              <a:rPr lang="en-US" dirty="0" smtClean="0"/>
+              <a:t> de arrays n-</a:t>
+            </a:r>
+            <a:r>
+              <a:rPr lang="en-US" dirty="0" err="1" smtClean="0"/>
+              <a:t>dimensionais</a:t>
+            </a:r>
+            <a:r>
+              <a:rPr lang="en-US" dirty="0"/>
+              <a:t>;</a:t>
+            </a:r>
+            <a:endParaRPr lang="en-US" dirty="0"/>
+          </a:p>
+        </p:txBody>
+      </p:sp>
+    </p:spTree>
+    <p:extLst>
+      <p:ext uri="{BB962C8B-B14F-4D97-AF65-F5344CB8AC3E}">
+        <p14:creationId xmlns:p14="http://schemas.microsoft.com/office/powerpoint/2010/main" val="3299305244"/>
+      </p:ext>
+    </p:extLst>
+  </p:cSld>
+  <p:clrMapOvr>
+    <a:masterClrMapping/>
+  </p:clrMapOvr>
 </p:sld>
 </file>
 

--- a/Documentos/Curso Java.pptx
+++ b/Documentos/Curso Java.pptx
@@ -240,7 +240,7 @@
           <a:p>
             <a:fld id="{E2B913E8-0330-B643-A20B-1A6E83DAE541}" type="datetimeFigureOut">
               <a:rPr lang="en-US" smtClean="0"/>
-              <a:t>17/11/14</a:t>
+              <a:t>20/11/14</a:t>
             </a:fld>
             <a:endParaRPr lang="en-US"/>
           </a:p>
@@ -790,7 +790,7 @@
             <a:fld id="{9EB5ECD5-515E-4817-8A06-1D2ED2C83850}" type="datetime4">
               <a:rPr lang="en-US" smtClean="0"/>
               <a:pPr/>
-              <a:t>November 17, 2014</a:t>
+              <a:t>November 20, 2014</a:t>
             </a:fld>
             <a:endParaRPr lang="en-US"/>
           </a:p>
@@ -962,7 +962,7 @@
             <a:fld id="{BA5B59F4-DDCB-41FF-83F5-A48440F36FA7}" type="datetime4">
               <a:rPr lang="en-US" smtClean="0"/>
               <a:pPr/>
-              <a:t>November 17, 2014</a:t>
+              <a:t>November 20, 2014</a:t>
             </a:fld>
             <a:endParaRPr lang="en-US"/>
           </a:p>
@@ -2082,7 +2082,7 @@
             <a:fld id="{48056348-D703-428C-A1C4-7D6796EF5F41}" type="datetime4">
               <a:rPr lang="en-US" smtClean="0"/>
               <a:pPr/>
-              <a:t>November 17, 2014</a:t>
+              <a:t>November 20, 2014</a:t>
             </a:fld>
             <a:endParaRPr lang="en-US"/>
           </a:p>
@@ -3192,7 +3192,7 @@
             <a:fld id="{732D1919-1B5F-4141-B613-3E5C6008A186}" type="datetime4">
               <a:rPr lang="en-US" smtClean="0"/>
               <a:pPr/>
-              <a:t>November 17, 2014</a:t>
+              <a:t>November 20, 2014</a:t>
             </a:fld>
             <a:endParaRPr lang="en-US"/>
           </a:p>
@@ -3440,7 +3440,7 @@
             <a:fld id="{BAD22427-B1DD-49E6-9F05-DE0F1467D7DC}" type="datetime4">
               <a:rPr lang="en-US" smtClean="0"/>
               <a:pPr/>
-              <a:t>November 17, 2014</a:t>
+              <a:t>November 20, 2014</a:t>
             </a:fld>
             <a:endParaRPr lang="en-US"/>
           </a:p>
@@ -3730,7 +3730,7 @@
             <a:fld id="{BBCCA7B5-8BC9-491C-A887-7C3E7ED947D8}" type="datetime4">
               <a:rPr lang="en-US" smtClean="0"/>
               <a:pPr/>
-              <a:t>November 17, 2014</a:t>
+              <a:t>November 20, 2014</a:t>
             </a:fld>
             <a:endParaRPr lang="en-US"/>
           </a:p>
@@ -4154,7 +4154,7 @@
             <a:fld id="{BDA18ED0-40F2-434C-A848-B92581875164}" type="datetime4">
               <a:rPr lang="en-US" smtClean="0"/>
               <a:pPr/>
-              <a:t>November 17, 2014</a:t>
+              <a:t>November 20, 2014</a:t>
             </a:fld>
             <a:endParaRPr lang="en-US"/>
           </a:p>
@@ -4274,7 +4274,7 @@
             <a:fld id="{7855437F-F4F9-44A9-B4D3-9191CA04E889}" type="datetime4">
               <a:rPr lang="en-US" smtClean="0"/>
               <a:pPr/>
-              <a:t>November 17, 2014</a:t>
+              <a:t>November 20, 2014</a:t>
             </a:fld>
             <a:endParaRPr lang="en-US"/>
           </a:p>
@@ -4371,7 +4371,7 @@
             <a:fld id="{39A24E59-01D0-4537-B876-7E5EC75B028D}" type="datetime4">
               <a:rPr lang="en-US" smtClean="0"/>
               <a:pPr/>
-              <a:t>November 17, 2014</a:t>
+              <a:t>November 20, 2014</a:t>
             </a:fld>
             <a:endParaRPr lang="en-US"/>
           </a:p>
@@ -4650,7 +4650,7 @@
             <a:fld id="{655A2E49-18A1-40BC-BA5D-5A2EC8FDDF15}" type="datetime4">
               <a:rPr lang="en-US" smtClean="0"/>
               <a:pPr/>
-              <a:t>November 17, 2014</a:t>
+              <a:t>November 20, 2014</a:t>
             </a:fld>
             <a:endParaRPr lang="en-US"/>
           </a:p>
@@ -4905,7 +4905,7 @@
             <a:fld id="{52983DA4-3B24-449B-95CA-514EB7E30A99}" type="datetime4">
               <a:rPr lang="en-US" smtClean="0"/>
               <a:pPr/>
-              <a:t>November 17, 2014</a:t>
+              <a:t>November 20, 2014</a:t>
             </a:fld>
             <a:endParaRPr lang="en-US"/>
           </a:p>
@@ -5120,7 +5120,7 @@
             <a:fld id="{942120D2-3948-4F8F-BE5D-E7E7D97880B2}" type="datetime4">
               <a:rPr lang="en-US" smtClean="0"/>
               <a:pPr/>
-              <a:t>November 17, 2014</a:t>
+              <a:t>November 20, 2014</a:t>
             </a:fld>
             <a:endParaRPr lang="en-US" dirty="0" err="1"/>
           </a:p>
@@ -8880,11 +8880,7 @@
             </a:r>
             <a:r>
               <a:rPr lang="en-US" dirty="0" err="1" smtClean="0"/>
-              <a:t>Aritm</a:t>
-            </a:r>
-            <a:r>
-              <a:rPr lang="en-US" dirty="0" err="1" smtClean="0"/>
-              <a:t>éticos</a:t>
+              <a:t>Aritméticos</a:t>
             </a:r>
             <a:endParaRPr lang="en-US" dirty="0"/>
           </a:p>
@@ -10655,11 +10651,7 @@
           <a:p>
             <a:r>
               <a:rPr lang="en-US" dirty="0" err="1" smtClean="0"/>
-              <a:t>Promo</a:t>
-            </a:r>
-            <a:r>
-              <a:rPr lang="en-US" dirty="0" err="1" smtClean="0"/>
-              <a:t>ção</a:t>
+              <a:t>Promoção</a:t>
             </a:r>
             <a:r>
               <a:rPr lang="en-US" dirty="0" smtClean="0"/>
@@ -10700,11 +10692,7 @@
             </a:r>
             <a:r>
               <a:rPr lang="en-US" dirty="0" err="1" smtClean="0"/>
-              <a:t>n</a:t>
-            </a:r>
-            <a:r>
-              <a:rPr lang="en-US" dirty="0" err="1" smtClean="0"/>
-              <a:t>ão</a:t>
+              <a:t>não</a:t>
             </a:r>
             <a:r>
               <a:rPr lang="en-US" dirty="0" smtClean="0"/>
@@ -11325,11 +11313,7 @@
           <a:p>
             <a:r>
               <a:rPr lang="en-US" dirty="0" err="1" smtClean="0"/>
-              <a:t>Promo</a:t>
-            </a:r>
-            <a:r>
-              <a:rPr lang="en-US" dirty="0" err="1" smtClean="0"/>
-              <a:t>ção</a:t>
+              <a:t>Promoção</a:t>
             </a:r>
             <a:r>
               <a:rPr lang="en-US" dirty="0" smtClean="0"/>
@@ -11410,11 +11394,7 @@
           <a:p>
             <a:r>
               <a:rPr lang="en-US" dirty="0" err="1" smtClean="0"/>
-              <a:t>Ramifica</a:t>
-            </a:r>
-            <a:r>
-              <a:rPr lang="en-US" dirty="0" err="1" smtClean="0"/>
-              <a:t>ção</a:t>
+              <a:t>Ramificação</a:t>
             </a:r>
             <a:r>
               <a:rPr lang="en-US" dirty="0" smtClean="0"/>
@@ -11455,11 +11435,7 @@
             </a:r>
             <a:r>
               <a:rPr lang="en-US" dirty="0" err="1" smtClean="0"/>
-              <a:t>b</a:t>
-            </a:r>
-            <a:r>
-              <a:rPr lang="en-US" dirty="0" err="1" smtClean="0"/>
-              <a:t>ásica</a:t>
+              <a:t>básica</a:t>
             </a:r>
             <a:r>
               <a:rPr lang="en-US" dirty="0" smtClean="0"/>
@@ -11821,11 +11797,7 @@
           <a:p>
             <a:r>
               <a:rPr lang="en-US" dirty="0" err="1" smtClean="0"/>
-              <a:t>Ramifica</a:t>
-            </a:r>
-            <a:r>
-              <a:rPr lang="en-US" dirty="0" err="1" smtClean="0"/>
-              <a:t>ções</a:t>
+              <a:t>Ramificações</a:t>
             </a:r>
             <a:r>
               <a:rPr lang="en-US" dirty="0" smtClean="0"/>
@@ -12083,11 +12055,7 @@
           <a:p>
             <a:r>
               <a:rPr lang="en-US" dirty="0" err="1" smtClean="0"/>
-              <a:t>Ramifica</a:t>
-            </a:r>
-            <a:r>
-              <a:rPr lang="en-US" dirty="0" err="1" smtClean="0"/>
-              <a:t>ções</a:t>
+              <a:t>Ramificações</a:t>
             </a:r>
             <a:r>
               <a:rPr lang="en-US" dirty="0" smtClean="0"/>
@@ -12302,11 +12270,7 @@
             </a:r>
             <a:r>
               <a:rPr lang="en-US" dirty="0" err="1" smtClean="0"/>
-              <a:t>est</a:t>
-            </a:r>
-            <a:r>
-              <a:rPr lang="en-US" dirty="0" err="1" smtClean="0"/>
-              <a:t>ão</a:t>
+              <a:t>estão</a:t>
             </a:r>
             <a:r>
               <a:rPr lang="en-US" dirty="0" smtClean="0"/>
@@ -12496,11 +12460,7 @@
             </a:r>
             <a:r>
               <a:rPr lang="en-US" dirty="0" err="1" smtClean="0"/>
-              <a:t>declara</a:t>
-            </a:r>
-            <a:r>
-              <a:rPr lang="en-US" dirty="0" err="1" smtClean="0"/>
-              <a:t>ção</a:t>
+              <a:t>declaração</a:t>
             </a:r>
             <a:r>
               <a:rPr lang="en-US" dirty="0" smtClean="0"/>
@@ -12732,11 +12692,6 @@
               </a:rPr>
               <a:t>}</a:t>
             </a:r>
-            <a:endParaRPr lang="en-US" dirty="0">
-              <a:solidFill>
-                <a:schemeClr val="tx2"/>
-              </a:solidFill>
-            </a:endParaRPr>
           </a:p>
         </p:txBody>
       </p:sp>
@@ -12927,11 +12882,7 @@
             </a:r>
             <a:r>
               <a:rPr lang="en-US" dirty="0" err="1" smtClean="0"/>
-              <a:t>vers</a:t>
-            </a:r>
-            <a:r>
-              <a:rPr lang="en-US" dirty="0" err="1" smtClean="0"/>
-              <a:t>ão</a:t>
+              <a:t>versão</a:t>
             </a:r>
             <a:r>
               <a:rPr lang="en-US" dirty="0" smtClean="0"/>
@@ -13248,11 +13199,6 @@
               </a:rPr>
               <a:t>}</a:t>
             </a:r>
-            <a:endParaRPr lang="en-US" dirty="0">
-              <a:solidFill>
-                <a:schemeClr val="tx2"/>
-              </a:solidFill>
-            </a:endParaRPr>
           </a:p>
         </p:txBody>
       </p:sp>
@@ -13429,11 +13375,7 @@
             </a:r>
             <a:r>
               <a:rPr lang="en-US" dirty="0" err="1" smtClean="0"/>
-              <a:t>declara</a:t>
-            </a:r>
-            <a:r>
-              <a:rPr lang="en-US" dirty="0" err="1" smtClean="0"/>
-              <a:t>ção</a:t>
+              <a:t>declaração</a:t>
             </a:r>
             <a:r>
               <a:rPr lang="en-US" dirty="0" smtClean="0"/>
@@ -13682,11 +13624,6 @@
               </a:rPr>
               <a:t>}</a:t>
             </a:r>
-            <a:endParaRPr lang="en-US" dirty="0">
-              <a:solidFill>
-                <a:srgbClr val="1F497D"/>
-              </a:solidFill>
-            </a:endParaRPr>
           </a:p>
         </p:txBody>
       </p:sp>
@@ -14525,11 +14462,7 @@
             </a:r>
             <a:r>
               <a:rPr lang="en-US" dirty="0" err="1" smtClean="0"/>
-              <a:t>repeti</a:t>
-            </a:r>
-            <a:r>
-              <a:rPr lang="en-US" dirty="0" err="1" smtClean="0"/>
-              <a:t>ção</a:t>
+              <a:t>repetição</a:t>
             </a:r>
             <a:r>
               <a:rPr lang="en-US" dirty="0" smtClean="0"/>
@@ -14975,11 +14908,7 @@
             </a:r>
             <a:r>
               <a:rPr lang="en-US" dirty="0" err="1" smtClean="0"/>
-              <a:t>s</a:t>
-            </a:r>
-            <a:r>
-              <a:rPr lang="en-US" dirty="0" err="1" smtClean="0"/>
-              <a:t>ão</a:t>
+              <a:t>são</a:t>
             </a:r>
             <a:r>
               <a:rPr lang="en-US" dirty="0" smtClean="0"/>
@@ -15411,11 +15340,7 @@
             </a:r>
             <a:r>
               <a:rPr lang="en-US" dirty="0" err="1" smtClean="0"/>
-              <a:t>m</a:t>
-            </a:r>
-            <a:r>
-              <a:rPr lang="en-US" dirty="0" err="1" smtClean="0"/>
-              <a:t>emória</a:t>
+              <a:t>memória</a:t>
             </a:r>
             <a:r>
               <a:rPr lang="en-US" dirty="0" smtClean="0"/>
@@ -15938,11 +15863,7 @@
             </a:r>
             <a:r>
               <a:rPr lang="en-US" dirty="0" err="1" smtClean="0"/>
-              <a:t>s</a:t>
-            </a:r>
-            <a:r>
-              <a:rPr lang="en-US" dirty="0" err="1" smtClean="0"/>
-              <a:t>ão</a:t>
+              <a:t>são</a:t>
             </a:r>
             <a:r>
               <a:rPr lang="en-US" dirty="0" smtClean="0"/>
@@ -16131,11 +16052,7 @@
             </a:r>
             <a:r>
               <a:rPr lang="en-US" dirty="0" err="1" smtClean="0"/>
-              <a:t>atrav</a:t>
-            </a:r>
-            <a:r>
-              <a:rPr lang="en-US" dirty="0" err="1" smtClean="0"/>
-              <a:t>és</a:t>
+              <a:t>através</a:t>
             </a:r>
             <a:r>
               <a:rPr lang="en-US" dirty="0" smtClean="0"/>
@@ -16248,7 +16165,6 @@
               <a:rPr lang="en-US" dirty="0"/>
               <a:t>;</a:t>
             </a:r>
-            <a:endParaRPr lang="en-US" dirty="0"/>
           </a:p>
         </p:txBody>
       </p:sp>

--- a/Documentos/Curso Java.pptx
+++ b/Documentos/Curso Java.pptx
@@ -12202,6 +12202,13 @@
   <p:clrMapOvr>
     <a:masterClrMapping/>
   </p:clrMapOvr>
+  <p:timing>
+    <p:tnLst>
+      <p:par>
+        <p:cTn xmlns:p14="http://schemas.microsoft.com/office/powerpoint/2010/main" id="1" dur="indefinite" restart="never" nodeType="tmRoot"/>
+      </p:par>
+    </p:tnLst>
+  </p:timing>
 </p:sld>
 </file>
 
@@ -12388,6 +12395,13 @@
   <p:clrMapOvr>
     <a:masterClrMapping/>
   </p:clrMapOvr>
+  <p:timing>
+    <p:tnLst>
+      <p:par>
+        <p:cTn xmlns:p14="http://schemas.microsoft.com/office/powerpoint/2010/main" id="1" dur="indefinite" restart="never" nodeType="tmRoot"/>
+      </p:par>
+    </p:tnLst>
+  </p:timing>
 </p:sld>
 </file>
 
@@ -12611,7 +12625,55 @@
                   <a:schemeClr val="tx2"/>
                 </a:solidFill>
               </a:rPr>
-              <a:t> I = 0; I &lt; 10; </a:t>
+              <a:t> </a:t>
+            </a:r>
+            <a:r>
+              <a:rPr lang="en-US" dirty="0" err="1" smtClean="0">
+                <a:solidFill>
+                  <a:schemeClr val="tx2"/>
+                </a:solidFill>
+              </a:rPr>
+              <a:t>i</a:t>
+            </a:r>
+            <a:r>
+              <a:rPr lang="en-US" dirty="0" smtClean="0">
+                <a:solidFill>
+                  <a:schemeClr val="tx2"/>
+                </a:solidFill>
+              </a:rPr>
+              <a:t> </a:t>
+            </a:r>
+            <a:r>
+              <a:rPr lang="en-US" dirty="0" smtClean="0">
+                <a:solidFill>
+                  <a:schemeClr val="tx2"/>
+                </a:solidFill>
+              </a:rPr>
+              <a:t>= 0; </a:t>
+            </a:r>
+            <a:r>
+              <a:rPr lang="en-US" dirty="0" err="1">
+                <a:solidFill>
+                  <a:schemeClr val="tx2"/>
+                </a:solidFill>
+              </a:rPr>
+              <a:t>i</a:t>
+            </a:r>
+            <a:r>
+              <a:rPr lang="en-US" dirty="0" smtClean="0">
+                <a:solidFill>
+                  <a:schemeClr val="tx2"/>
+                </a:solidFill>
+              </a:rPr>
+              <a:t> </a:t>
+            </a:r>
+            <a:r>
+              <a:rPr lang="en-US" dirty="0" smtClean="0">
+                <a:solidFill>
+                  <a:schemeClr val="tx2"/>
+                </a:solidFill>
+              </a:rPr>
+              <a:t>&lt; 10; </a:t>
             </a:r>
             <a:r>
               <a:rPr lang="en-US" dirty="0" err="1" smtClean="0">
@@ -12705,6 +12767,13 @@
   <p:clrMapOvr>
     <a:masterClrMapping/>
   </p:clrMapOvr>
+  <p:timing>
+    <p:tnLst>
+      <p:par>
+        <p:cTn xmlns:p14="http://schemas.microsoft.com/office/powerpoint/2010/main" id="1" dur="indefinite" restart="never" nodeType="tmRoot"/>
+      </p:par>
+    </p:tnLst>
+  </p:timing>
 </p:sld>
 </file>
 
@@ -12790,6 +12859,13 @@
   <p:clrMapOvr>
     <a:masterClrMapping/>
   </p:clrMapOvr>
+  <p:timing>
+    <p:tnLst>
+      <p:par>
+        <p:cTn xmlns:p14="http://schemas.microsoft.com/office/powerpoint/2010/main" id="1" dur="indefinite" restart="never" nodeType="tmRoot"/>
+      </p:par>
+    </p:tnLst>
+  </p:timing>
 </p:sld>
 </file>
 
@@ -13212,6 +13288,13 @@
   <p:clrMapOvr>
     <a:masterClrMapping/>
   </p:clrMapOvr>
+  <p:timing>
+    <p:tnLst>
+      <p:par>
+        <p:cTn xmlns:p14="http://schemas.microsoft.com/office/powerpoint/2010/main" id="1" dur="indefinite" restart="never" nodeType="tmRoot"/>
+      </p:par>
+    </p:tnLst>
+  </p:timing>
 </p:sld>
 </file>
 
@@ -13303,6 +13386,13 @@
   <p:clrMapOvr>
     <a:masterClrMapping/>
   </p:clrMapOvr>
+  <p:timing>
+    <p:tnLst>
+      <p:par>
+        <p:cTn xmlns:p14="http://schemas.microsoft.com/office/powerpoint/2010/main" id="1" dur="indefinite" restart="never" nodeType="tmRoot"/>
+      </p:par>
+    </p:tnLst>
+  </p:timing>
 </p:sld>
 </file>
 
@@ -13503,14 +13593,6 @@
             </a:r>
             <a:r>
               <a:rPr lang="en-US" dirty="0" err="1" smtClean="0"/>
-              <a:t>não</a:t>
-            </a:r>
-            <a:r>
-              <a:rPr lang="en-US" dirty="0" smtClean="0"/>
-              <a:t> </a:t>
-            </a:r>
-            <a:r>
-              <a:rPr lang="en-US" dirty="0" err="1" smtClean="0"/>
               <a:t>seja</a:t>
             </a:r>
             <a:r>
@@ -13519,10 +13601,10 @@
             </a:r>
             <a:r>
               <a:rPr lang="en-US" dirty="0" err="1" smtClean="0"/>
-              <a:t>verdade</a:t>
-            </a:r>
-            <a:r>
-              <a:rPr lang="en-US" dirty="0"/>
+              <a:t>verdadeira</a:t>
+            </a:r>
+            <a:r>
+              <a:rPr lang="en-US" dirty="0" smtClean="0"/>
               <a:t>.</a:t>
             </a:r>
             <a:endParaRPr lang="en-US" dirty="0" smtClean="0"/>
@@ -13637,6 +13719,13 @@
   <p:clrMapOvr>
     <a:masterClrMapping/>
   </p:clrMapOvr>
+  <p:timing>
+    <p:tnLst>
+      <p:par>
+        <p:cTn xmlns:p14="http://schemas.microsoft.com/office/powerpoint/2010/main" id="1" dur="indefinite" restart="never" nodeType="tmRoot"/>
+      </p:par>
+    </p:tnLst>
+  </p:timing>
 </p:sld>
 </file>
 
@@ -13722,6 +13811,13 @@
   <p:clrMapOvr>
     <a:masterClrMapping/>
   </p:clrMapOvr>
+  <p:timing>
+    <p:tnLst>
+      <p:par>
+        <p:cTn xmlns:p14="http://schemas.microsoft.com/office/powerpoint/2010/main" id="1" dur="indefinite" restart="never" nodeType="tmRoot"/>
+      </p:par>
+    </p:tnLst>
+  </p:timing>
 </p:sld>
 </file>
 
@@ -14081,6 +14177,13 @@
   <p:clrMapOvr>
     <a:masterClrMapping/>
   </p:clrMapOvr>
+  <p:timing>
+    <p:tnLst>
+      <p:par>
+        <p:cTn xmlns:p14="http://schemas.microsoft.com/office/powerpoint/2010/main" id="1" dur="indefinite" restart="never" nodeType="tmRoot"/>
+      </p:par>
+    </p:tnLst>
+  </p:timing>
 </p:sld>
 </file>
 
@@ -14378,6 +14481,13 @@
   <p:clrMapOvr>
     <a:masterClrMapping/>
   </p:clrMapOvr>
+  <p:timing>
+    <p:tnLst>
+      <p:par>
+        <p:cTn xmlns:p14="http://schemas.microsoft.com/office/powerpoint/2010/main" id="1" dur="indefinite" restart="never" nodeType="tmRoot"/>
+      </p:par>
+    </p:tnLst>
+  </p:timing>
 </p:sld>
 </file>
 
@@ -14658,6 +14768,13 @@
   <p:clrMapOvr>
     <a:masterClrMapping/>
   </p:clrMapOvr>
+  <p:timing>
+    <p:tnLst>
+      <p:par>
+        <p:cTn xmlns:p14="http://schemas.microsoft.com/office/powerpoint/2010/main" id="1" dur="indefinite" restart="never" nodeType="tmRoot"/>
+      </p:par>
+    </p:tnLst>
+  </p:timing>
 </p:sld>
 </file>
 
@@ -14747,6 +14864,13 @@
   <p:clrMapOvr>
     <a:masterClrMapping/>
   </p:clrMapOvr>
+  <p:timing>
+    <p:tnLst>
+      <p:par>
+        <p:cTn xmlns:p14="http://schemas.microsoft.com/office/powerpoint/2010/main" id="1" dur="indefinite" restart="never" nodeType="tmRoot"/>
+      </p:par>
+    </p:tnLst>
+  </p:timing>
 </p:sld>
 </file>
 
@@ -14836,6 +14960,13 @@
   <p:clrMapOvr>
     <a:masterClrMapping/>
   </p:clrMapOvr>
+  <p:timing>
+    <p:tnLst>
+      <p:par>
+        <p:cTn xmlns:p14="http://schemas.microsoft.com/office/powerpoint/2010/main" id="1" dur="indefinite" restart="never" nodeType="tmRoot"/>
+      </p:par>
+    </p:tnLst>
+  </p:timing>
 </p:sld>
 </file>
 
@@ -15181,6 +15312,13 @@
   <p:clrMapOvr>
     <a:masterClrMapping/>
   </p:clrMapOvr>
+  <p:timing>
+    <p:tnLst>
+      <p:par>
+        <p:cTn xmlns:p14="http://schemas.microsoft.com/office/powerpoint/2010/main" id="1" dur="indefinite" restart="never" nodeType="tmRoot"/>
+      </p:par>
+    </p:tnLst>
+  </p:timing>
 </p:sld>
 </file>
 
@@ -15266,6 +15404,13 @@
   <p:clrMapOvr>
     <a:masterClrMapping/>
   </p:clrMapOvr>
+  <p:timing>
+    <p:tnLst>
+      <p:par>
+        <p:cTn xmlns:p14="http://schemas.microsoft.com/office/powerpoint/2010/main" id="1" dur="indefinite" restart="never" nodeType="tmRoot"/>
+      </p:par>
+    </p:tnLst>
+  </p:timing>
 </p:sld>
 </file>
 
@@ -15690,6 +15835,13 @@
   <p:clrMapOvr>
     <a:masterClrMapping/>
   </p:clrMapOvr>
+  <p:timing>
+    <p:tnLst>
+      <p:par>
+        <p:cTn xmlns:p14="http://schemas.microsoft.com/office/powerpoint/2010/main" id="1" dur="indefinite" restart="never" nodeType="tmRoot"/>
+      </p:par>
+    </p:tnLst>
+  </p:timing>
 </p:sld>
 </file>
 
@@ -15775,6 +15927,13 @@
   <p:clrMapOvr>
     <a:masterClrMapping/>
   </p:clrMapOvr>
+  <p:timing>
+    <p:tnLst>
+      <p:par>
+        <p:cTn xmlns:p14="http://schemas.microsoft.com/office/powerpoint/2010/main" id="1" dur="indefinite" restart="never" nodeType="tmRoot"/>
+      </p:par>
+    </p:tnLst>
+  </p:timing>
 </p:sld>
 </file>
 
@@ -15968,6 +16127,13 @@
   <p:clrMapOvr>
     <a:masterClrMapping/>
   </p:clrMapOvr>
+  <p:timing>
+    <p:tnLst>
+      <p:par>
+        <p:cTn xmlns:p14="http://schemas.microsoft.com/office/powerpoint/2010/main" id="1" dur="indefinite" restart="never" nodeType="tmRoot"/>
+      </p:par>
+    </p:tnLst>
+  </p:timing>
 </p:sld>
 </file>
 
@@ -16178,6 +16344,13 @@
   <p:clrMapOvr>
     <a:masterClrMapping/>
   </p:clrMapOvr>
+  <p:timing>
+    <p:tnLst>
+      <p:par>
+        <p:cTn xmlns:p14="http://schemas.microsoft.com/office/powerpoint/2010/main" id="1" dur="indefinite" restart="never" nodeType="tmRoot"/>
+      </p:par>
+    </p:tnLst>
+  </p:timing>
 </p:sld>
 </file>
 
